--- a/Assets/visualization.pptx
+++ b/Assets/visualization.pptx
@@ -6,7 +6,8 @@
   </p:sldMasterIdLst>
   <p:sldIdLst>
     <p:sldId id="256" r:id="rId2"/>
-    <p:sldId id="257" r:id="rId3"/>
+    <p:sldId id="259" r:id="rId3"/>
+    <p:sldId id="257" r:id="rId4"/>
   </p:sldIdLst>
   <p:sldSz cx="12192000" cy="6858000"/>
   <p:notesSz cx="6858000" cy="9144000"/>
@@ -260,7 +261,7 @@
           <a:p>
             <a:fld id="{D548B4E7-F4DF-F444-89BE-160B951A6CB8}" type="datetimeFigureOut">
               <a:rPr kumimoji="1" lang="zh-CN" altLang="en-US" smtClean="0"/>
-              <a:t>2020/11/28</a:t>
+              <a:t>2020/11/30</a:t>
             </a:fld>
             <a:endParaRPr kumimoji="1" lang="zh-CN" altLang="en-US"/>
           </a:p>
@@ -458,7 +459,7 @@
           <a:p>
             <a:fld id="{D548B4E7-F4DF-F444-89BE-160B951A6CB8}" type="datetimeFigureOut">
               <a:rPr kumimoji="1" lang="zh-CN" altLang="en-US" smtClean="0"/>
-              <a:t>2020/11/28</a:t>
+              <a:t>2020/11/30</a:t>
             </a:fld>
             <a:endParaRPr kumimoji="1" lang="zh-CN" altLang="en-US"/>
           </a:p>
@@ -666,7 +667,7 @@
           <a:p>
             <a:fld id="{D548B4E7-F4DF-F444-89BE-160B951A6CB8}" type="datetimeFigureOut">
               <a:rPr kumimoji="1" lang="zh-CN" altLang="en-US" smtClean="0"/>
-              <a:t>2020/11/28</a:t>
+              <a:t>2020/11/30</a:t>
             </a:fld>
             <a:endParaRPr kumimoji="1" lang="zh-CN" altLang="en-US"/>
           </a:p>
@@ -864,7 +865,7 @@
           <a:p>
             <a:fld id="{D548B4E7-F4DF-F444-89BE-160B951A6CB8}" type="datetimeFigureOut">
               <a:rPr kumimoji="1" lang="zh-CN" altLang="en-US" smtClean="0"/>
-              <a:t>2020/11/28</a:t>
+              <a:t>2020/11/30</a:t>
             </a:fld>
             <a:endParaRPr kumimoji="1" lang="zh-CN" altLang="en-US"/>
           </a:p>
@@ -1139,7 +1140,7 @@
           <a:p>
             <a:fld id="{D548B4E7-F4DF-F444-89BE-160B951A6CB8}" type="datetimeFigureOut">
               <a:rPr kumimoji="1" lang="zh-CN" altLang="en-US" smtClean="0"/>
-              <a:t>2020/11/28</a:t>
+              <a:t>2020/11/30</a:t>
             </a:fld>
             <a:endParaRPr kumimoji="1" lang="zh-CN" altLang="en-US"/>
           </a:p>
@@ -1404,7 +1405,7 @@
           <a:p>
             <a:fld id="{D548B4E7-F4DF-F444-89BE-160B951A6CB8}" type="datetimeFigureOut">
               <a:rPr kumimoji="1" lang="zh-CN" altLang="en-US" smtClean="0"/>
-              <a:t>2020/11/28</a:t>
+              <a:t>2020/11/30</a:t>
             </a:fld>
             <a:endParaRPr kumimoji="1" lang="zh-CN" altLang="en-US"/>
           </a:p>
@@ -1816,7 +1817,7 @@
           <a:p>
             <a:fld id="{D548B4E7-F4DF-F444-89BE-160B951A6CB8}" type="datetimeFigureOut">
               <a:rPr kumimoji="1" lang="zh-CN" altLang="en-US" smtClean="0"/>
-              <a:t>2020/11/28</a:t>
+              <a:t>2020/11/30</a:t>
             </a:fld>
             <a:endParaRPr kumimoji="1" lang="zh-CN" altLang="en-US"/>
           </a:p>
@@ -1972,7 +1973,7 @@
           <a:p>
             <a:fld id="{D548B4E7-F4DF-F444-89BE-160B951A6CB8}" type="datetimeFigureOut">
               <a:rPr kumimoji="1" lang="zh-CN" altLang="en-US" smtClean="0"/>
-              <a:t>2020/11/28</a:t>
+              <a:t>2020/11/30</a:t>
             </a:fld>
             <a:endParaRPr kumimoji="1" lang="zh-CN" altLang="en-US"/>
           </a:p>
@@ -2085,7 +2086,7 @@
           <a:p>
             <a:fld id="{D548B4E7-F4DF-F444-89BE-160B951A6CB8}" type="datetimeFigureOut">
               <a:rPr kumimoji="1" lang="zh-CN" altLang="en-US" smtClean="0"/>
-              <a:t>2020/11/28</a:t>
+              <a:t>2020/11/30</a:t>
             </a:fld>
             <a:endParaRPr kumimoji="1" lang="zh-CN" altLang="en-US"/>
           </a:p>
@@ -2396,7 +2397,7 @@
           <a:p>
             <a:fld id="{D548B4E7-F4DF-F444-89BE-160B951A6CB8}" type="datetimeFigureOut">
               <a:rPr kumimoji="1" lang="zh-CN" altLang="en-US" smtClean="0"/>
-              <a:t>2020/11/28</a:t>
+              <a:t>2020/11/30</a:t>
             </a:fld>
             <a:endParaRPr kumimoji="1" lang="zh-CN" altLang="en-US"/>
           </a:p>
@@ -2684,7 +2685,7 @@
           <a:p>
             <a:fld id="{D548B4E7-F4DF-F444-89BE-160B951A6CB8}" type="datetimeFigureOut">
               <a:rPr kumimoji="1" lang="zh-CN" altLang="en-US" smtClean="0"/>
-              <a:t>2020/11/28</a:t>
+              <a:t>2020/11/30</a:t>
             </a:fld>
             <a:endParaRPr kumimoji="1" lang="zh-CN" altLang="en-US"/>
           </a:p>
@@ -2918,7 +2919,7 @@
           <a:p>
             <a:fld id="{D548B4E7-F4DF-F444-89BE-160B951A6CB8}" type="datetimeFigureOut">
               <a:rPr kumimoji="1" lang="zh-CN" altLang="en-US" smtClean="0"/>
-              <a:t>2020/11/28</a:t>
+              <a:t>2020/11/30</a:t>
             </a:fld>
             <a:endParaRPr kumimoji="1" lang="zh-CN" altLang="en-US"/>
           </a:p>
@@ -4823,7 +4824,7 @@
         </p:nvSpPr>
         <p:spPr>
           <a:xfrm>
-            <a:off x="2466794" y="1268853"/>
+            <a:off x="4482548" y="1318723"/>
             <a:ext cx="522514" cy="534389"/>
           </a:xfrm>
           <a:prstGeom prst="ellipse">
@@ -4873,7 +4874,7 @@
         </p:nvSpPr>
         <p:spPr>
           <a:xfrm>
-            <a:off x="4453804" y="1289894"/>
+            <a:off x="6649738" y="1318723"/>
             <a:ext cx="522514" cy="534389"/>
           </a:xfrm>
           <a:prstGeom prst="ellipse">
@@ -4923,7 +4924,7 @@
         </p:nvSpPr>
         <p:spPr>
           <a:xfrm>
-            <a:off x="2466794" y="4357333"/>
+            <a:off x="7467274" y="2656850"/>
             <a:ext cx="522514" cy="534389"/>
           </a:xfrm>
           <a:prstGeom prst="ellipse">
@@ -4973,7 +4974,7 @@
         </p:nvSpPr>
         <p:spPr>
           <a:xfrm>
-            <a:off x="2466794" y="2826546"/>
+            <a:off x="3420507" y="2660838"/>
             <a:ext cx="522514" cy="534389"/>
           </a:xfrm>
           <a:prstGeom prst="ellipse">
@@ -5003,7 +5004,7 @@
             <a:pPr algn="ctr"/>
             <a:r>
               <a:rPr kumimoji="1" lang="en-US" altLang="zh-CN" dirty="0"/>
-              <a:t>D</a:t>
+              <a:t>C</a:t>
             </a:r>
             <a:endParaRPr kumimoji="1" lang="zh-CN" altLang="en-US" dirty="0"/>
           </a:p>
@@ -5023,7 +5024,7 @@
         </p:nvSpPr>
         <p:spPr>
           <a:xfrm>
-            <a:off x="7054826" y="1289894"/>
+            <a:off x="6649738" y="3945259"/>
             <a:ext cx="522514" cy="534389"/>
           </a:xfrm>
           <a:prstGeom prst="ellipse">
@@ -5073,7 +5074,7 @@
         </p:nvSpPr>
         <p:spPr>
           <a:xfrm>
-            <a:off x="6179560" y="2816031"/>
+            <a:off x="4482548" y="3908608"/>
             <a:ext cx="522514" cy="534389"/>
           </a:xfrm>
           <a:prstGeom prst="ellipse">
@@ -5123,7 +5124,7 @@
         </p:nvSpPr>
         <p:spPr>
           <a:xfrm>
-            <a:off x="4453805" y="2826546"/>
+            <a:off x="5531426" y="2656572"/>
             <a:ext cx="522514" cy="534389"/>
           </a:xfrm>
           <a:prstGeom prst="ellipse">
@@ -5153,7 +5154,7 @@
             <a:pPr algn="ctr"/>
             <a:r>
               <a:rPr kumimoji="1" lang="en-US" altLang="zh-CN" dirty="0"/>
-              <a:t>C</a:t>
+              <a:t>D</a:t>
             </a:r>
             <a:endParaRPr kumimoji="1" lang="zh-CN" altLang="en-US" dirty="0"/>
           </a:p>
@@ -5201,7 +5202,7 @@
                   <a:srgbClr val="0070C0"/>
                 </a:solidFill>
               </a:rPr>
-              <a:t>- STRONG BRACH EDGES</a:t>
+              <a:t>- SHORTEST PATH</a:t>
             </a:r>
             <a:endParaRPr kumimoji="1" lang="zh-CN" altLang="en-US" dirty="0">
               <a:solidFill>
@@ -5211,6 +5212,1122 @@
           </a:p>
         </p:txBody>
       </p:sp>
+      <p:sp>
+        <p:nvSpPr>
+          <p:cNvPr id="83" name="文本框 82">
+            <a:extLst>
+              <a:ext uri="{FF2B5EF4-FFF2-40B4-BE49-F238E27FC236}">
+                <a16:creationId xmlns:a16="http://schemas.microsoft.com/office/drawing/2014/main" id="{7BFEE32A-6BA7-0548-8910-3933F8B58F82}"/>
+              </a:ext>
+            </a:extLst>
+          </p:cNvPr>
+          <p:cNvSpPr txBox="1"/>
+          <p:nvPr/>
+        </p:nvSpPr>
+        <p:spPr>
+          <a:xfrm>
+            <a:off x="4617735" y="2547259"/>
+            <a:ext cx="427511" cy="400110"/>
+          </a:xfrm>
+          <a:prstGeom prst="rect">
+            <a:avLst/>
+          </a:prstGeom>
+          <a:noFill/>
+        </p:spPr>
+        <p:txBody>
+          <a:bodyPr wrap="square" rtlCol="0">
+            <a:spAutoFit/>
+          </a:bodyPr>
+          <a:lstStyle/>
+          <a:p>
+            <a:r>
+              <a:rPr kumimoji="1" lang="en-US" altLang="zh-CN" sz="2000" b="1" dirty="0">
+                <a:solidFill>
+                  <a:srgbClr val="0070C0"/>
+                </a:solidFill>
+              </a:rPr>
+              <a:t>2</a:t>
+            </a:r>
+            <a:endParaRPr kumimoji="1" lang="zh-CN" altLang="en-US" sz="2000" b="1" dirty="0">
+              <a:solidFill>
+                <a:srgbClr val="0070C0"/>
+              </a:solidFill>
+            </a:endParaRPr>
+          </a:p>
+        </p:txBody>
+      </p:sp>
+      <p:sp>
+        <p:nvSpPr>
+          <p:cNvPr id="84" name="文本框 83">
+            <a:extLst>
+              <a:ext uri="{FF2B5EF4-FFF2-40B4-BE49-F238E27FC236}">
+                <a16:creationId xmlns:a16="http://schemas.microsoft.com/office/drawing/2014/main" id="{873363F6-2CB3-A743-AB2E-88C875F47B94}"/>
+              </a:ext>
+            </a:extLst>
+          </p:cNvPr>
+          <p:cNvSpPr txBox="1"/>
+          <p:nvPr/>
+        </p:nvSpPr>
+        <p:spPr>
+          <a:xfrm>
+            <a:off x="5705286" y="1207072"/>
+            <a:ext cx="427511" cy="400110"/>
+          </a:xfrm>
+          <a:prstGeom prst="rect">
+            <a:avLst/>
+          </a:prstGeom>
+          <a:noFill/>
+        </p:spPr>
+        <p:txBody>
+          <a:bodyPr wrap="square" rtlCol="0">
+            <a:spAutoFit/>
+          </a:bodyPr>
+          <a:lstStyle/>
+          <a:p>
+            <a:r>
+              <a:rPr kumimoji="1" lang="en-US" altLang="zh-CN" sz="2000" b="1" dirty="0">
+                <a:solidFill>
+                  <a:srgbClr val="0070C0"/>
+                </a:solidFill>
+              </a:rPr>
+              <a:t>2</a:t>
+            </a:r>
+            <a:endParaRPr kumimoji="1" lang="zh-CN" altLang="en-US" sz="2000" b="1" dirty="0">
+              <a:solidFill>
+                <a:srgbClr val="0070C0"/>
+              </a:solidFill>
+            </a:endParaRPr>
+          </a:p>
+        </p:txBody>
+      </p:sp>
+      <p:sp>
+        <p:nvSpPr>
+          <p:cNvPr id="85" name="文本框 84">
+            <a:extLst>
+              <a:ext uri="{FF2B5EF4-FFF2-40B4-BE49-F238E27FC236}">
+                <a16:creationId xmlns:a16="http://schemas.microsoft.com/office/drawing/2014/main" id="{AAD8D632-5E77-4B48-9D12-CE508113C66A}"/>
+              </a:ext>
+            </a:extLst>
+          </p:cNvPr>
+          <p:cNvSpPr txBox="1"/>
+          <p:nvPr/>
+        </p:nvSpPr>
+        <p:spPr>
+          <a:xfrm>
+            <a:off x="3866501" y="2004653"/>
+            <a:ext cx="427511" cy="400110"/>
+          </a:xfrm>
+          <a:prstGeom prst="rect">
+            <a:avLst/>
+          </a:prstGeom>
+          <a:noFill/>
+        </p:spPr>
+        <p:txBody>
+          <a:bodyPr wrap="square" rtlCol="0">
+            <a:spAutoFit/>
+          </a:bodyPr>
+          <a:lstStyle/>
+          <a:p>
+            <a:endParaRPr kumimoji="1" lang="zh-CN" altLang="en-US" sz="2000" b="1" dirty="0">
+              <a:solidFill>
+                <a:srgbClr val="0070C0"/>
+              </a:solidFill>
+            </a:endParaRPr>
+          </a:p>
+        </p:txBody>
+      </p:sp>
+      <p:sp>
+        <p:nvSpPr>
+          <p:cNvPr id="86" name="文本框 85">
+            <a:extLst>
+              <a:ext uri="{FF2B5EF4-FFF2-40B4-BE49-F238E27FC236}">
+                <a16:creationId xmlns:a16="http://schemas.microsoft.com/office/drawing/2014/main" id="{585D858A-DC8C-9043-BBC0-0C7570E09B9C}"/>
+              </a:ext>
+            </a:extLst>
+          </p:cNvPr>
+          <p:cNvSpPr txBox="1"/>
+          <p:nvPr/>
+        </p:nvSpPr>
+        <p:spPr>
+          <a:xfrm>
+            <a:off x="5242349" y="2029395"/>
+            <a:ext cx="427511" cy="400110"/>
+          </a:xfrm>
+          <a:prstGeom prst="rect">
+            <a:avLst/>
+          </a:prstGeom>
+          <a:noFill/>
+        </p:spPr>
+        <p:txBody>
+          <a:bodyPr wrap="square" rtlCol="0">
+            <a:spAutoFit/>
+          </a:bodyPr>
+          <a:lstStyle/>
+          <a:p>
+            <a:r>
+              <a:rPr kumimoji="1" lang="en-US" altLang="zh-CN" sz="2000" b="1" dirty="0">
+                <a:solidFill>
+                  <a:srgbClr val="0070C0"/>
+                </a:solidFill>
+              </a:rPr>
+              <a:t>1</a:t>
+            </a:r>
+            <a:endParaRPr kumimoji="1" lang="zh-CN" altLang="en-US" sz="2000" b="1" dirty="0">
+              <a:solidFill>
+                <a:srgbClr val="0070C0"/>
+              </a:solidFill>
+            </a:endParaRPr>
+          </a:p>
+        </p:txBody>
+      </p:sp>
+      <p:sp>
+        <p:nvSpPr>
+          <p:cNvPr id="87" name="文本框 86">
+            <a:extLst>
+              <a:ext uri="{FF2B5EF4-FFF2-40B4-BE49-F238E27FC236}">
+                <a16:creationId xmlns:a16="http://schemas.microsoft.com/office/drawing/2014/main" id="{A22A7D8C-E438-2444-94C4-F1A46A339D95}"/>
+              </a:ext>
+            </a:extLst>
+          </p:cNvPr>
+          <p:cNvSpPr txBox="1"/>
+          <p:nvPr/>
+        </p:nvSpPr>
+        <p:spPr>
+          <a:xfrm>
+            <a:off x="6318900" y="3303552"/>
+            <a:ext cx="427511" cy="400110"/>
+          </a:xfrm>
+          <a:prstGeom prst="rect">
+            <a:avLst/>
+          </a:prstGeom>
+          <a:noFill/>
+        </p:spPr>
+        <p:txBody>
+          <a:bodyPr wrap="square" rtlCol="0">
+            <a:spAutoFit/>
+          </a:bodyPr>
+          <a:lstStyle/>
+          <a:p>
+            <a:r>
+              <a:rPr kumimoji="1" lang="en-US" altLang="zh-CN" sz="2000" b="1" dirty="0">
+                <a:solidFill>
+                  <a:srgbClr val="0070C0"/>
+                </a:solidFill>
+              </a:rPr>
+              <a:t>4</a:t>
+            </a:r>
+            <a:endParaRPr kumimoji="1" lang="zh-CN" altLang="en-US" sz="2000" b="1" dirty="0">
+              <a:solidFill>
+                <a:srgbClr val="0070C0"/>
+              </a:solidFill>
+            </a:endParaRPr>
+          </a:p>
+        </p:txBody>
+      </p:sp>
+      <p:sp>
+        <p:nvSpPr>
+          <p:cNvPr id="92" name="文本框 91">
+            <a:extLst>
+              <a:ext uri="{FF2B5EF4-FFF2-40B4-BE49-F238E27FC236}">
+                <a16:creationId xmlns:a16="http://schemas.microsoft.com/office/drawing/2014/main" id="{2C10DFAD-DDA4-AC47-A5FA-D16F3EE5183A}"/>
+              </a:ext>
+            </a:extLst>
+          </p:cNvPr>
+          <p:cNvSpPr txBox="1"/>
+          <p:nvPr/>
+        </p:nvSpPr>
+        <p:spPr>
+          <a:xfrm>
+            <a:off x="6118889" y="1952587"/>
+            <a:ext cx="427511" cy="400110"/>
+          </a:xfrm>
+          <a:prstGeom prst="rect">
+            <a:avLst/>
+          </a:prstGeom>
+          <a:noFill/>
+        </p:spPr>
+        <p:txBody>
+          <a:bodyPr wrap="square" rtlCol="0">
+            <a:spAutoFit/>
+          </a:bodyPr>
+          <a:lstStyle/>
+          <a:p>
+            <a:endParaRPr kumimoji="1" lang="zh-CN" altLang="en-US" sz="2000" b="1" dirty="0">
+              <a:solidFill>
+                <a:srgbClr val="0070C0"/>
+              </a:solidFill>
+            </a:endParaRPr>
+          </a:p>
+        </p:txBody>
+      </p:sp>
+      <p:sp>
+        <p:nvSpPr>
+          <p:cNvPr id="93" name="文本框 92">
+            <a:extLst>
+              <a:ext uri="{FF2B5EF4-FFF2-40B4-BE49-F238E27FC236}">
+                <a16:creationId xmlns:a16="http://schemas.microsoft.com/office/drawing/2014/main" id="{5BEB6626-958C-BD4C-A5D7-E564CA8A103F}"/>
+              </a:ext>
+            </a:extLst>
+          </p:cNvPr>
+          <p:cNvSpPr txBox="1"/>
+          <p:nvPr/>
+        </p:nvSpPr>
+        <p:spPr>
+          <a:xfrm>
+            <a:off x="7301020" y="1871101"/>
+            <a:ext cx="632799" cy="400110"/>
+          </a:xfrm>
+          <a:prstGeom prst="rect">
+            <a:avLst/>
+          </a:prstGeom>
+          <a:noFill/>
+        </p:spPr>
+        <p:txBody>
+          <a:bodyPr wrap="square" rtlCol="0">
+            <a:spAutoFit/>
+          </a:bodyPr>
+          <a:lstStyle/>
+          <a:p>
+            <a:endParaRPr kumimoji="1" lang="zh-CN" altLang="en-US" sz="2000" b="1" dirty="0">
+              <a:solidFill>
+                <a:srgbClr val="0070C0"/>
+              </a:solidFill>
+            </a:endParaRPr>
+          </a:p>
+        </p:txBody>
+      </p:sp>
+      <p:sp>
+        <p:nvSpPr>
+          <p:cNvPr id="94" name="文本框 93">
+            <a:extLst>
+              <a:ext uri="{FF2B5EF4-FFF2-40B4-BE49-F238E27FC236}">
+                <a16:creationId xmlns:a16="http://schemas.microsoft.com/office/drawing/2014/main" id="{10E6D250-A62B-874A-BC6A-053C7CE7F230}"/>
+              </a:ext>
+            </a:extLst>
+          </p:cNvPr>
+          <p:cNvSpPr txBox="1"/>
+          <p:nvPr/>
+        </p:nvSpPr>
+        <p:spPr>
+          <a:xfrm>
+            <a:off x="4978199" y="3266901"/>
+            <a:ext cx="427511" cy="400110"/>
+          </a:xfrm>
+          <a:prstGeom prst="rect">
+            <a:avLst/>
+          </a:prstGeom>
+          <a:noFill/>
+        </p:spPr>
+        <p:txBody>
+          <a:bodyPr wrap="square" rtlCol="0">
+            <a:spAutoFit/>
+          </a:bodyPr>
+          <a:lstStyle/>
+          <a:p>
+            <a:endParaRPr kumimoji="1" lang="zh-CN" altLang="en-US" sz="2000" b="1" dirty="0">
+              <a:solidFill>
+                <a:srgbClr val="0070C0"/>
+              </a:solidFill>
+            </a:endParaRPr>
+          </a:p>
+        </p:txBody>
+      </p:sp>
+      <p:sp>
+        <p:nvSpPr>
+          <p:cNvPr id="95" name="文本框 94">
+            <a:extLst>
+              <a:ext uri="{FF2B5EF4-FFF2-40B4-BE49-F238E27FC236}">
+                <a16:creationId xmlns:a16="http://schemas.microsoft.com/office/drawing/2014/main" id="{C955F167-FA1F-8D4A-BEE1-4E18C3DAC3DC}"/>
+              </a:ext>
+            </a:extLst>
+          </p:cNvPr>
+          <p:cNvSpPr txBox="1"/>
+          <p:nvPr/>
+        </p:nvSpPr>
+        <p:spPr>
+          <a:xfrm>
+            <a:off x="3898471" y="3387995"/>
+            <a:ext cx="427511" cy="400110"/>
+          </a:xfrm>
+          <a:prstGeom prst="rect">
+            <a:avLst/>
+          </a:prstGeom>
+          <a:noFill/>
+        </p:spPr>
+        <p:txBody>
+          <a:bodyPr wrap="square" rtlCol="0">
+            <a:spAutoFit/>
+          </a:bodyPr>
+          <a:lstStyle/>
+          <a:p>
+            <a:endParaRPr kumimoji="1" lang="zh-CN" altLang="en-US" sz="2000" b="1" dirty="0">
+              <a:solidFill>
+                <a:srgbClr val="0070C0"/>
+              </a:solidFill>
+            </a:endParaRPr>
+          </a:p>
+        </p:txBody>
+      </p:sp>
+      <p:sp>
+        <p:nvSpPr>
+          <p:cNvPr id="97" name="文本框 96">
+            <a:extLst>
+              <a:ext uri="{FF2B5EF4-FFF2-40B4-BE49-F238E27FC236}">
+                <a16:creationId xmlns:a16="http://schemas.microsoft.com/office/drawing/2014/main" id="{D11B0202-8C0A-DF48-8F1C-40EE685B249F}"/>
+              </a:ext>
+            </a:extLst>
+          </p:cNvPr>
+          <p:cNvSpPr txBox="1"/>
+          <p:nvPr/>
+        </p:nvSpPr>
+        <p:spPr>
+          <a:xfrm>
+            <a:off x="7395439" y="3482332"/>
+            <a:ext cx="427511" cy="400110"/>
+          </a:xfrm>
+          <a:prstGeom prst="rect">
+            <a:avLst/>
+          </a:prstGeom>
+          <a:noFill/>
+        </p:spPr>
+        <p:txBody>
+          <a:bodyPr wrap="square" rtlCol="0">
+            <a:spAutoFit/>
+          </a:bodyPr>
+          <a:lstStyle/>
+          <a:p>
+            <a:r>
+              <a:rPr kumimoji="1" lang="en-US" altLang="zh-CN" sz="2000" b="1" dirty="0">
+                <a:solidFill>
+                  <a:srgbClr val="0070C0"/>
+                </a:solidFill>
+              </a:rPr>
+              <a:t>6</a:t>
+            </a:r>
+            <a:endParaRPr kumimoji="1" lang="zh-CN" altLang="en-US" sz="2000" b="1" dirty="0">
+              <a:solidFill>
+                <a:srgbClr val="0070C0"/>
+              </a:solidFill>
+            </a:endParaRPr>
+          </a:p>
+        </p:txBody>
+      </p:sp>
+      <p:sp>
+        <p:nvSpPr>
+          <p:cNvPr id="100" name="文本框 99">
+            <a:extLst>
+              <a:ext uri="{FF2B5EF4-FFF2-40B4-BE49-F238E27FC236}">
+                <a16:creationId xmlns:a16="http://schemas.microsoft.com/office/drawing/2014/main" id="{9ECA1526-212F-5C42-AF2B-77B53F528B1C}"/>
+              </a:ext>
+            </a:extLst>
+          </p:cNvPr>
+          <p:cNvSpPr txBox="1"/>
+          <p:nvPr/>
+        </p:nvSpPr>
+        <p:spPr>
+          <a:xfrm>
+            <a:off x="5639052" y="4173856"/>
+            <a:ext cx="427511" cy="400110"/>
+          </a:xfrm>
+          <a:prstGeom prst="rect">
+            <a:avLst/>
+          </a:prstGeom>
+          <a:noFill/>
+        </p:spPr>
+        <p:txBody>
+          <a:bodyPr wrap="square" rtlCol="0">
+            <a:spAutoFit/>
+          </a:bodyPr>
+          <a:lstStyle/>
+          <a:p>
+            <a:r>
+              <a:rPr kumimoji="1" lang="en-US" altLang="zh-CN" sz="2000" b="1" dirty="0">
+                <a:solidFill>
+                  <a:srgbClr val="0070C0"/>
+                </a:solidFill>
+              </a:rPr>
+              <a:t>1</a:t>
+            </a:r>
+            <a:endParaRPr kumimoji="1" lang="zh-CN" altLang="en-US" sz="2000" b="1" dirty="0">
+              <a:solidFill>
+                <a:srgbClr val="0070C0"/>
+              </a:solidFill>
+            </a:endParaRPr>
+          </a:p>
+        </p:txBody>
+      </p:sp>
+      <p:cxnSp>
+        <p:nvCxnSpPr>
+          <p:cNvPr id="6" name="直线连接符 5">
+            <a:extLst>
+              <a:ext uri="{FF2B5EF4-FFF2-40B4-BE49-F238E27FC236}">
+                <a16:creationId xmlns:a16="http://schemas.microsoft.com/office/drawing/2014/main" id="{C04CECBB-E185-B44E-8625-66D5F0DDA884}"/>
+              </a:ext>
+            </a:extLst>
+          </p:cNvPr>
+          <p:cNvCxnSpPr>
+            <a:cxnSpLocks/>
+            <a:stCxn id="4" idx="6"/>
+            <a:endCxn id="7" idx="2"/>
+          </p:cNvCxnSpPr>
+          <p:nvPr/>
+        </p:nvCxnSpPr>
+        <p:spPr>
+          <a:xfrm>
+            <a:off x="5005062" y="1585918"/>
+            <a:ext cx="1644676" cy="0"/>
+          </a:xfrm>
+          <a:prstGeom prst="line">
+            <a:avLst/>
+          </a:prstGeom>
+        </p:spPr>
+        <p:style>
+          <a:lnRef idx="3">
+            <a:schemeClr val="accent1"/>
+          </a:lnRef>
+          <a:fillRef idx="0">
+            <a:schemeClr val="accent1"/>
+          </a:fillRef>
+          <a:effectRef idx="2">
+            <a:schemeClr val="accent1"/>
+          </a:effectRef>
+          <a:fontRef idx="minor">
+            <a:schemeClr val="tx1"/>
+          </a:fontRef>
+        </p:style>
+      </p:cxnSp>
+      <p:cxnSp>
+        <p:nvCxnSpPr>
+          <p:cNvPr id="36" name="直线连接符 35">
+            <a:extLst>
+              <a:ext uri="{FF2B5EF4-FFF2-40B4-BE49-F238E27FC236}">
+                <a16:creationId xmlns:a16="http://schemas.microsoft.com/office/drawing/2014/main" id="{C816119A-50EC-F64F-B346-1E4F34311436}"/>
+              </a:ext>
+            </a:extLst>
+          </p:cNvPr>
+          <p:cNvCxnSpPr>
+            <a:cxnSpLocks/>
+            <a:stCxn id="4" idx="4"/>
+            <a:endCxn id="14" idx="1"/>
+          </p:cNvCxnSpPr>
+          <p:nvPr/>
+        </p:nvCxnSpPr>
+        <p:spPr>
+          <a:xfrm>
+            <a:off x="4743805" y="1853112"/>
+            <a:ext cx="864141" cy="881719"/>
+          </a:xfrm>
+          <a:prstGeom prst="line">
+            <a:avLst/>
+          </a:prstGeom>
+        </p:spPr>
+        <p:style>
+          <a:lnRef idx="3">
+            <a:schemeClr val="accent1"/>
+          </a:lnRef>
+          <a:fillRef idx="0">
+            <a:schemeClr val="accent1"/>
+          </a:fillRef>
+          <a:effectRef idx="2">
+            <a:schemeClr val="accent1"/>
+          </a:effectRef>
+          <a:fontRef idx="minor">
+            <a:schemeClr val="tx1"/>
+          </a:fontRef>
+        </p:style>
+      </p:cxnSp>
+      <p:cxnSp>
+        <p:nvCxnSpPr>
+          <p:cNvPr id="40" name="直线连接符 39">
+            <a:extLst>
+              <a:ext uri="{FF2B5EF4-FFF2-40B4-BE49-F238E27FC236}">
+                <a16:creationId xmlns:a16="http://schemas.microsoft.com/office/drawing/2014/main" id="{EB405FE0-3C54-4640-AFC4-3A273E52B3E6}"/>
+              </a:ext>
+            </a:extLst>
+          </p:cNvPr>
+          <p:cNvCxnSpPr>
+            <a:cxnSpLocks/>
+            <a:stCxn id="11" idx="6"/>
+            <a:endCxn id="14" idx="2"/>
+          </p:cNvCxnSpPr>
+          <p:nvPr/>
+        </p:nvCxnSpPr>
+        <p:spPr>
+          <a:xfrm flipV="1">
+            <a:off x="3943021" y="2923767"/>
+            <a:ext cx="1588405" cy="4266"/>
+          </a:xfrm>
+          <a:prstGeom prst="line">
+            <a:avLst/>
+          </a:prstGeom>
+        </p:spPr>
+        <p:style>
+          <a:lnRef idx="3">
+            <a:schemeClr val="accent1"/>
+          </a:lnRef>
+          <a:fillRef idx="0">
+            <a:schemeClr val="accent1"/>
+          </a:fillRef>
+          <a:effectRef idx="2">
+            <a:schemeClr val="accent1"/>
+          </a:effectRef>
+          <a:fontRef idx="minor">
+            <a:schemeClr val="tx1"/>
+          </a:fontRef>
+        </p:style>
+      </p:cxnSp>
+      <p:cxnSp>
+        <p:nvCxnSpPr>
+          <p:cNvPr id="42" name="直线连接符 41">
+            <a:extLst>
+              <a:ext uri="{FF2B5EF4-FFF2-40B4-BE49-F238E27FC236}">
+                <a16:creationId xmlns:a16="http://schemas.microsoft.com/office/drawing/2014/main" id="{1389A965-25CD-7F43-8FF1-D0961C980CF8}"/>
+              </a:ext>
+            </a:extLst>
+          </p:cNvPr>
+          <p:cNvCxnSpPr>
+            <a:cxnSpLocks/>
+            <a:stCxn id="13" idx="6"/>
+            <a:endCxn id="12" idx="2"/>
+          </p:cNvCxnSpPr>
+          <p:nvPr/>
+        </p:nvCxnSpPr>
+        <p:spPr>
+          <a:xfrm>
+            <a:off x="5005062" y="4175803"/>
+            <a:ext cx="1644676" cy="36651"/>
+          </a:xfrm>
+          <a:prstGeom prst="line">
+            <a:avLst/>
+          </a:prstGeom>
+        </p:spPr>
+        <p:style>
+          <a:lnRef idx="3">
+            <a:schemeClr val="accent1"/>
+          </a:lnRef>
+          <a:fillRef idx="0">
+            <a:schemeClr val="accent1"/>
+          </a:fillRef>
+          <a:effectRef idx="2">
+            <a:schemeClr val="accent1"/>
+          </a:effectRef>
+          <a:fontRef idx="minor">
+            <a:schemeClr val="tx1"/>
+          </a:fontRef>
+        </p:style>
+      </p:cxnSp>
+      <p:cxnSp>
+        <p:nvCxnSpPr>
+          <p:cNvPr id="46" name="直线连接符 45">
+            <a:extLst>
+              <a:ext uri="{FF2B5EF4-FFF2-40B4-BE49-F238E27FC236}">
+                <a16:creationId xmlns:a16="http://schemas.microsoft.com/office/drawing/2014/main" id="{CE93BDB0-150E-8742-9368-8607348002E4}"/>
+              </a:ext>
+            </a:extLst>
+          </p:cNvPr>
+          <p:cNvCxnSpPr>
+            <a:cxnSpLocks/>
+            <a:stCxn id="14" idx="5"/>
+            <a:endCxn id="12" idx="1"/>
+          </p:cNvCxnSpPr>
+          <p:nvPr/>
+        </p:nvCxnSpPr>
+        <p:spPr>
+          <a:xfrm>
+            <a:off x="5977420" y="3112702"/>
+            <a:ext cx="748838" cy="910816"/>
+          </a:xfrm>
+          <a:prstGeom prst="line">
+            <a:avLst/>
+          </a:prstGeom>
+        </p:spPr>
+        <p:style>
+          <a:lnRef idx="3">
+            <a:schemeClr val="accent1"/>
+          </a:lnRef>
+          <a:fillRef idx="0">
+            <a:schemeClr val="accent1"/>
+          </a:fillRef>
+          <a:effectRef idx="2">
+            <a:schemeClr val="accent1"/>
+          </a:effectRef>
+          <a:fontRef idx="minor">
+            <a:schemeClr val="tx1"/>
+          </a:fontRef>
+        </p:style>
+      </p:cxnSp>
+      <p:cxnSp>
+        <p:nvCxnSpPr>
+          <p:cNvPr id="48" name="直线连接符 47">
+            <a:extLst>
+              <a:ext uri="{FF2B5EF4-FFF2-40B4-BE49-F238E27FC236}">
+                <a16:creationId xmlns:a16="http://schemas.microsoft.com/office/drawing/2014/main" id="{EC71DA8A-34AD-4443-BB8D-950833BD995C}"/>
+              </a:ext>
+            </a:extLst>
+          </p:cNvPr>
+          <p:cNvCxnSpPr>
+            <a:cxnSpLocks/>
+            <a:stCxn id="9" idx="4"/>
+            <a:endCxn id="12" idx="7"/>
+          </p:cNvCxnSpPr>
+          <p:nvPr/>
+        </p:nvCxnSpPr>
+        <p:spPr>
+          <a:xfrm flipH="1">
+            <a:off x="7095732" y="3191239"/>
+            <a:ext cx="632799" cy="832279"/>
+          </a:xfrm>
+          <a:prstGeom prst="line">
+            <a:avLst/>
+          </a:prstGeom>
+        </p:spPr>
+        <p:style>
+          <a:lnRef idx="3">
+            <a:schemeClr val="accent1"/>
+          </a:lnRef>
+          <a:fillRef idx="0">
+            <a:schemeClr val="accent1"/>
+          </a:fillRef>
+          <a:effectRef idx="2">
+            <a:schemeClr val="accent1"/>
+          </a:effectRef>
+          <a:fontRef idx="minor">
+            <a:schemeClr val="tx1"/>
+          </a:fontRef>
+        </p:style>
+      </p:cxnSp>
+    </p:spTree>
+    <p:extLst>
+      <p:ext uri="{BB962C8B-B14F-4D97-AF65-F5344CB8AC3E}">
+        <p14:creationId xmlns:p14="http://schemas.microsoft.com/office/powerpoint/2010/main" val="3700799129"/>
+      </p:ext>
+    </p:extLst>
+  </p:cSld>
+  <p:clrMapOvr>
+    <a:masterClrMapping/>
+  </p:clrMapOvr>
+</p:sld>
+</file>
+
+<file path=ppt/slides/slide3.xml><?xml version="1.0" encoding="utf-8"?>
+<p:sld xmlns:a="http://schemas.openxmlformats.org/drawingml/2006/main" xmlns:r="http://schemas.openxmlformats.org/officeDocument/2006/relationships" xmlns:p="http://schemas.openxmlformats.org/presentationml/2006/main">
+  <p:cSld>
+    <p:spTree>
+      <p:nvGrpSpPr>
+        <p:cNvPr id="1" name=""/>
+        <p:cNvGrpSpPr/>
+        <p:nvPr/>
+      </p:nvGrpSpPr>
+      <p:grpSpPr>
+        <a:xfrm>
+          <a:off x="0" y="0"/>
+          <a:ext cx="0" cy="0"/>
+          <a:chOff x="0" y="0"/>
+          <a:chExt cx="0" cy="0"/>
+        </a:xfrm>
+      </p:grpSpPr>
+      <p:sp>
+        <p:nvSpPr>
+          <p:cNvPr id="4" name="椭圆 3">
+            <a:extLst>
+              <a:ext uri="{FF2B5EF4-FFF2-40B4-BE49-F238E27FC236}">
+                <a16:creationId xmlns:a16="http://schemas.microsoft.com/office/drawing/2014/main" id="{DE70EE2F-EB0E-6F47-A6B1-2A297E2EE471}"/>
+              </a:ext>
+            </a:extLst>
+          </p:cNvPr>
+          <p:cNvSpPr/>
+          <p:nvPr/>
+        </p:nvSpPr>
+        <p:spPr>
+          <a:xfrm>
+            <a:off x="2466794" y="1268853"/>
+            <a:ext cx="522514" cy="534389"/>
+          </a:xfrm>
+          <a:prstGeom prst="ellipse">
+            <a:avLst/>
+          </a:prstGeom>
+        </p:spPr>
+        <p:style>
+          <a:lnRef idx="2">
+            <a:schemeClr val="accent1">
+              <a:shade val="50000"/>
+            </a:schemeClr>
+          </a:lnRef>
+          <a:fillRef idx="1">
+            <a:schemeClr val="accent1"/>
+          </a:fillRef>
+          <a:effectRef idx="0">
+            <a:schemeClr val="accent1"/>
+          </a:effectRef>
+          <a:fontRef idx="minor">
+            <a:schemeClr val="lt1"/>
+          </a:fontRef>
+        </p:style>
+        <p:txBody>
+          <a:bodyPr rtlCol="0" anchor="ctr"/>
+          <a:lstStyle/>
+          <a:p>
+            <a:pPr algn="ctr"/>
+            <a:r>
+              <a:rPr kumimoji="1" lang="en-US" altLang="zh-CN" dirty="0"/>
+              <a:t>A</a:t>
+            </a:r>
+            <a:endParaRPr kumimoji="1" lang="zh-CN" altLang="en-US" dirty="0"/>
+          </a:p>
+        </p:txBody>
+      </p:sp>
+      <p:sp>
+        <p:nvSpPr>
+          <p:cNvPr id="7" name="椭圆 6">
+            <a:extLst>
+              <a:ext uri="{FF2B5EF4-FFF2-40B4-BE49-F238E27FC236}">
+                <a16:creationId xmlns:a16="http://schemas.microsoft.com/office/drawing/2014/main" id="{0BE1B618-A039-7545-B7E8-F5BF4144ACE5}"/>
+              </a:ext>
+            </a:extLst>
+          </p:cNvPr>
+          <p:cNvSpPr/>
+          <p:nvPr/>
+        </p:nvSpPr>
+        <p:spPr>
+          <a:xfrm>
+            <a:off x="4453804" y="1289894"/>
+            <a:ext cx="522514" cy="534389"/>
+          </a:xfrm>
+          <a:prstGeom prst="ellipse">
+            <a:avLst/>
+          </a:prstGeom>
+        </p:spPr>
+        <p:style>
+          <a:lnRef idx="2">
+            <a:schemeClr val="accent1">
+              <a:shade val="50000"/>
+            </a:schemeClr>
+          </a:lnRef>
+          <a:fillRef idx="1">
+            <a:schemeClr val="accent1"/>
+          </a:fillRef>
+          <a:effectRef idx="0">
+            <a:schemeClr val="accent1"/>
+          </a:effectRef>
+          <a:fontRef idx="minor">
+            <a:schemeClr val="lt1"/>
+          </a:fontRef>
+        </p:style>
+        <p:txBody>
+          <a:bodyPr rtlCol="0" anchor="ctr"/>
+          <a:lstStyle/>
+          <a:p>
+            <a:pPr algn="ctr"/>
+            <a:r>
+              <a:rPr kumimoji="1" lang="en-US" altLang="zh-CN" dirty="0"/>
+              <a:t>B</a:t>
+            </a:r>
+            <a:endParaRPr kumimoji="1" lang="zh-CN" altLang="en-US" dirty="0"/>
+          </a:p>
+        </p:txBody>
+      </p:sp>
+      <p:sp>
+        <p:nvSpPr>
+          <p:cNvPr id="9" name="椭圆 8">
+            <a:extLst>
+              <a:ext uri="{FF2B5EF4-FFF2-40B4-BE49-F238E27FC236}">
+                <a16:creationId xmlns:a16="http://schemas.microsoft.com/office/drawing/2014/main" id="{23C0A51A-3E8A-964F-9433-32D4EA9C2205}"/>
+              </a:ext>
+            </a:extLst>
+          </p:cNvPr>
+          <p:cNvSpPr/>
+          <p:nvPr/>
+        </p:nvSpPr>
+        <p:spPr>
+          <a:xfrm>
+            <a:off x="2466794" y="4357333"/>
+            <a:ext cx="522514" cy="534389"/>
+          </a:xfrm>
+          <a:prstGeom prst="ellipse">
+            <a:avLst/>
+          </a:prstGeom>
+        </p:spPr>
+        <p:style>
+          <a:lnRef idx="2">
+            <a:schemeClr val="accent1">
+              <a:shade val="50000"/>
+            </a:schemeClr>
+          </a:lnRef>
+          <a:fillRef idx="1">
+            <a:schemeClr val="accent1"/>
+          </a:fillRef>
+          <a:effectRef idx="0">
+            <a:schemeClr val="accent1"/>
+          </a:effectRef>
+          <a:fontRef idx="minor">
+            <a:schemeClr val="lt1"/>
+          </a:fontRef>
+        </p:style>
+        <p:txBody>
+          <a:bodyPr rtlCol="0" anchor="ctr"/>
+          <a:lstStyle/>
+          <a:p>
+            <a:pPr algn="ctr"/>
+            <a:r>
+              <a:rPr kumimoji="1" lang="en-US" altLang="zh-CN" dirty="0"/>
+              <a:t>E</a:t>
+            </a:r>
+            <a:endParaRPr kumimoji="1" lang="zh-CN" altLang="en-US" dirty="0"/>
+          </a:p>
+        </p:txBody>
+      </p:sp>
+      <p:sp>
+        <p:nvSpPr>
+          <p:cNvPr id="11" name="椭圆 10">
+            <a:extLst>
+              <a:ext uri="{FF2B5EF4-FFF2-40B4-BE49-F238E27FC236}">
+                <a16:creationId xmlns:a16="http://schemas.microsoft.com/office/drawing/2014/main" id="{3AF5C068-0B69-1D4B-9F60-CFCFF6CB7466}"/>
+              </a:ext>
+            </a:extLst>
+          </p:cNvPr>
+          <p:cNvSpPr/>
+          <p:nvPr/>
+        </p:nvSpPr>
+        <p:spPr>
+          <a:xfrm>
+            <a:off x="2466794" y="2826546"/>
+            <a:ext cx="522514" cy="534389"/>
+          </a:xfrm>
+          <a:prstGeom prst="ellipse">
+            <a:avLst/>
+          </a:prstGeom>
+        </p:spPr>
+        <p:style>
+          <a:lnRef idx="2">
+            <a:schemeClr val="accent1">
+              <a:shade val="50000"/>
+            </a:schemeClr>
+          </a:lnRef>
+          <a:fillRef idx="1">
+            <a:schemeClr val="accent1"/>
+          </a:fillRef>
+          <a:effectRef idx="0">
+            <a:schemeClr val="accent1"/>
+          </a:effectRef>
+          <a:fontRef idx="minor">
+            <a:schemeClr val="lt1"/>
+          </a:fontRef>
+        </p:style>
+        <p:txBody>
+          <a:bodyPr rtlCol="0" anchor="ctr"/>
+          <a:lstStyle/>
+          <a:p>
+            <a:pPr algn="ctr"/>
+            <a:r>
+              <a:rPr kumimoji="1" lang="en-US" altLang="zh-CN" dirty="0"/>
+              <a:t>D</a:t>
+            </a:r>
+            <a:endParaRPr kumimoji="1" lang="zh-CN" altLang="en-US" dirty="0"/>
+          </a:p>
+        </p:txBody>
+      </p:sp>
+      <p:sp>
+        <p:nvSpPr>
+          <p:cNvPr id="12" name="椭圆 11">
+            <a:extLst>
+              <a:ext uri="{FF2B5EF4-FFF2-40B4-BE49-F238E27FC236}">
+                <a16:creationId xmlns:a16="http://schemas.microsoft.com/office/drawing/2014/main" id="{DAFB89A5-7EFE-4E4D-BE77-6D4F3402771E}"/>
+              </a:ext>
+            </a:extLst>
+          </p:cNvPr>
+          <p:cNvSpPr/>
+          <p:nvPr/>
+        </p:nvSpPr>
+        <p:spPr>
+          <a:xfrm>
+            <a:off x="7054826" y="1289894"/>
+            <a:ext cx="522514" cy="534389"/>
+          </a:xfrm>
+          <a:prstGeom prst="ellipse">
+            <a:avLst/>
+          </a:prstGeom>
+        </p:spPr>
+        <p:style>
+          <a:lnRef idx="2">
+            <a:schemeClr val="accent1">
+              <a:shade val="50000"/>
+            </a:schemeClr>
+          </a:lnRef>
+          <a:fillRef idx="1">
+            <a:schemeClr val="accent1"/>
+          </a:fillRef>
+          <a:effectRef idx="0">
+            <a:schemeClr val="accent1"/>
+          </a:effectRef>
+          <a:fontRef idx="minor">
+            <a:schemeClr val="lt1"/>
+          </a:fontRef>
+        </p:style>
+        <p:txBody>
+          <a:bodyPr rtlCol="0" anchor="ctr"/>
+          <a:lstStyle/>
+          <a:p>
+            <a:pPr algn="ctr"/>
+            <a:r>
+              <a:rPr kumimoji="1" lang="en-US" altLang="zh-CN" dirty="0"/>
+              <a:t>G</a:t>
+            </a:r>
+            <a:endParaRPr kumimoji="1" lang="zh-CN" altLang="en-US" dirty="0"/>
+          </a:p>
+        </p:txBody>
+      </p:sp>
+      <p:sp>
+        <p:nvSpPr>
+          <p:cNvPr id="13" name="椭圆 12">
+            <a:extLst>
+              <a:ext uri="{FF2B5EF4-FFF2-40B4-BE49-F238E27FC236}">
+                <a16:creationId xmlns:a16="http://schemas.microsoft.com/office/drawing/2014/main" id="{CF61EFBE-36F5-264F-87D2-A9FAD406CE7B}"/>
+              </a:ext>
+            </a:extLst>
+          </p:cNvPr>
+          <p:cNvSpPr/>
+          <p:nvPr/>
+        </p:nvSpPr>
+        <p:spPr>
+          <a:xfrm>
+            <a:off x="6179560" y="2816031"/>
+            <a:ext cx="522514" cy="534389"/>
+          </a:xfrm>
+          <a:prstGeom prst="ellipse">
+            <a:avLst/>
+          </a:prstGeom>
+        </p:spPr>
+        <p:style>
+          <a:lnRef idx="2">
+            <a:schemeClr val="accent1">
+              <a:shade val="50000"/>
+            </a:schemeClr>
+          </a:lnRef>
+          <a:fillRef idx="1">
+            <a:schemeClr val="accent1"/>
+          </a:fillRef>
+          <a:effectRef idx="0">
+            <a:schemeClr val="accent1"/>
+          </a:effectRef>
+          <a:fontRef idx="minor">
+            <a:schemeClr val="lt1"/>
+          </a:fontRef>
+        </p:style>
+        <p:txBody>
+          <a:bodyPr rtlCol="0" anchor="ctr"/>
+          <a:lstStyle/>
+          <a:p>
+            <a:pPr algn="ctr"/>
+            <a:r>
+              <a:rPr kumimoji="1" lang="en-US" altLang="zh-CN" dirty="0"/>
+              <a:t>F</a:t>
+            </a:r>
+            <a:endParaRPr kumimoji="1" lang="zh-CN" altLang="en-US" dirty="0"/>
+          </a:p>
+        </p:txBody>
+      </p:sp>
+      <p:sp>
+        <p:nvSpPr>
+          <p:cNvPr id="14" name="椭圆 13">
+            <a:extLst>
+              <a:ext uri="{FF2B5EF4-FFF2-40B4-BE49-F238E27FC236}">
+                <a16:creationId xmlns:a16="http://schemas.microsoft.com/office/drawing/2014/main" id="{58F1C6F1-0C6F-5343-8966-C640056E7124}"/>
+              </a:ext>
+            </a:extLst>
+          </p:cNvPr>
+          <p:cNvSpPr/>
+          <p:nvPr/>
+        </p:nvSpPr>
+        <p:spPr>
+          <a:xfrm>
+            <a:off x="4453805" y="2826546"/>
+            <a:ext cx="522514" cy="534389"/>
+          </a:xfrm>
+          <a:prstGeom prst="ellipse">
+            <a:avLst/>
+          </a:prstGeom>
+        </p:spPr>
+        <p:style>
+          <a:lnRef idx="2">
+            <a:schemeClr val="accent1">
+              <a:shade val="50000"/>
+            </a:schemeClr>
+          </a:lnRef>
+          <a:fillRef idx="1">
+            <a:schemeClr val="accent1"/>
+          </a:fillRef>
+          <a:effectRef idx="0">
+            <a:schemeClr val="accent1"/>
+          </a:effectRef>
+          <a:fontRef idx="minor">
+            <a:schemeClr val="lt1"/>
+          </a:fontRef>
+        </p:style>
+        <p:txBody>
+          <a:bodyPr rtlCol="0" anchor="ctr"/>
+          <a:lstStyle/>
+          <a:p>
+            <a:pPr algn="ctr"/>
+            <a:r>
+              <a:rPr kumimoji="1" lang="en-US" altLang="zh-CN" dirty="0"/>
+              <a:t>C</a:t>
+            </a:r>
+            <a:endParaRPr kumimoji="1" lang="zh-CN" altLang="en-US" dirty="0"/>
+          </a:p>
+        </p:txBody>
+      </p:sp>
+      <p:sp>
+        <p:nvSpPr>
+          <p:cNvPr id="2" name="文本框 1">
+            <a:extLst>
+              <a:ext uri="{FF2B5EF4-FFF2-40B4-BE49-F238E27FC236}">
+                <a16:creationId xmlns:a16="http://schemas.microsoft.com/office/drawing/2014/main" id="{4B181367-25AF-0441-83B6-92CCC482EE53}"/>
+              </a:ext>
+            </a:extLst>
+          </p:cNvPr>
+          <p:cNvSpPr txBox="1"/>
+          <p:nvPr/>
+        </p:nvSpPr>
+        <p:spPr>
+          <a:xfrm>
+            <a:off x="213755" y="142504"/>
+            <a:ext cx="5028593" cy="369332"/>
+          </a:xfrm>
+          <a:prstGeom prst="rect">
+            <a:avLst/>
+          </a:prstGeom>
+          <a:noFill/>
+        </p:spPr>
+        <p:txBody>
+          <a:bodyPr wrap="square" rtlCol="0">
+            <a:spAutoFit/>
+          </a:bodyPr>
+          <a:lstStyle/>
+          <a:p>
+            <a:r>
+              <a:rPr kumimoji="1" lang="en-US" altLang="zh-CN" b="1" dirty="0">
+                <a:solidFill>
+                  <a:srgbClr val="0070C0"/>
+                </a:solidFill>
+              </a:rPr>
+              <a:t>Graph</a:t>
+            </a:r>
+            <a:r>
+              <a:rPr kumimoji="1" lang="en-US" altLang="zh-CN" dirty="0">
+                <a:solidFill>
+                  <a:srgbClr val="0070C0"/>
+                </a:solidFill>
+              </a:rPr>
+              <a:t>- STRONG BRACH EDGES</a:t>
+            </a:r>
+            <a:endParaRPr kumimoji="1" lang="zh-CN" altLang="en-US" dirty="0">
+              <a:solidFill>
+                <a:srgbClr val="0070C0"/>
+              </a:solidFill>
+            </a:endParaRPr>
+          </a:p>
+        </p:txBody>
+      </p:sp>
       <p:cxnSp>
         <p:nvCxnSpPr>
           <p:cNvPr id="5" name="直线箭头连接符 4">
@@ -5222,13 +6339,13 @@
           </p:cNvPr>
           <p:cNvCxnSpPr>
             <a:cxnSpLocks/>
-            <a:stCxn id="4" idx="5"/>
-            <a:endCxn id="14" idx="1"/>
+            <a:stCxn id="14" idx="1"/>
+            <a:endCxn id="4" idx="5"/>
           </p:cNvCxnSpPr>
           <p:nvPr/>
         </p:nvCxnSpPr>
         <p:spPr>
-          <a:xfrm>
+          <a:xfrm flipH="1" flipV="1">
             <a:off x="2912788" y="1724983"/>
             <a:ext cx="1617537" cy="1179822"/>
           </a:xfrm>

--- a/Assets/visualization.pptx
+++ b/Assets/visualization.pptx
@@ -7,7 +7,9 @@
   <p:sldIdLst>
     <p:sldId id="256" r:id="rId2"/>
     <p:sldId id="259" r:id="rId3"/>
-    <p:sldId id="257" r:id="rId4"/>
+    <p:sldId id="261" r:id="rId4"/>
+    <p:sldId id="262" r:id="rId5"/>
+    <p:sldId id="257" r:id="rId6"/>
   </p:sldIdLst>
   <p:sldSz cx="12192000" cy="6858000"/>
   <p:notesSz cx="6858000" cy="9144000"/>
@@ -261,7 +263,7 @@
           <a:p>
             <a:fld id="{D548B4E7-F4DF-F444-89BE-160B951A6CB8}" type="datetimeFigureOut">
               <a:rPr kumimoji="1" lang="zh-CN" altLang="en-US" smtClean="0"/>
-              <a:t>2020/11/30</a:t>
+              <a:t>2020/12/1</a:t>
             </a:fld>
             <a:endParaRPr kumimoji="1" lang="zh-CN" altLang="en-US"/>
           </a:p>
@@ -459,7 +461,7 @@
           <a:p>
             <a:fld id="{D548B4E7-F4DF-F444-89BE-160B951A6CB8}" type="datetimeFigureOut">
               <a:rPr kumimoji="1" lang="zh-CN" altLang="en-US" smtClean="0"/>
-              <a:t>2020/11/30</a:t>
+              <a:t>2020/12/1</a:t>
             </a:fld>
             <a:endParaRPr kumimoji="1" lang="zh-CN" altLang="en-US"/>
           </a:p>
@@ -667,7 +669,7 @@
           <a:p>
             <a:fld id="{D548B4E7-F4DF-F444-89BE-160B951A6CB8}" type="datetimeFigureOut">
               <a:rPr kumimoji="1" lang="zh-CN" altLang="en-US" smtClean="0"/>
-              <a:t>2020/11/30</a:t>
+              <a:t>2020/12/1</a:t>
             </a:fld>
             <a:endParaRPr kumimoji="1" lang="zh-CN" altLang="en-US"/>
           </a:p>
@@ -865,7 +867,7 @@
           <a:p>
             <a:fld id="{D548B4E7-F4DF-F444-89BE-160B951A6CB8}" type="datetimeFigureOut">
               <a:rPr kumimoji="1" lang="zh-CN" altLang="en-US" smtClean="0"/>
-              <a:t>2020/11/30</a:t>
+              <a:t>2020/12/1</a:t>
             </a:fld>
             <a:endParaRPr kumimoji="1" lang="zh-CN" altLang="en-US"/>
           </a:p>
@@ -1140,7 +1142,7 @@
           <a:p>
             <a:fld id="{D548B4E7-F4DF-F444-89BE-160B951A6CB8}" type="datetimeFigureOut">
               <a:rPr kumimoji="1" lang="zh-CN" altLang="en-US" smtClean="0"/>
-              <a:t>2020/11/30</a:t>
+              <a:t>2020/12/1</a:t>
             </a:fld>
             <a:endParaRPr kumimoji="1" lang="zh-CN" altLang="en-US"/>
           </a:p>
@@ -1405,7 +1407,7 @@
           <a:p>
             <a:fld id="{D548B4E7-F4DF-F444-89BE-160B951A6CB8}" type="datetimeFigureOut">
               <a:rPr kumimoji="1" lang="zh-CN" altLang="en-US" smtClean="0"/>
-              <a:t>2020/11/30</a:t>
+              <a:t>2020/12/1</a:t>
             </a:fld>
             <a:endParaRPr kumimoji="1" lang="zh-CN" altLang="en-US"/>
           </a:p>
@@ -1817,7 +1819,7 @@
           <a:p>
             <a:fld id="{D548B4E7-F4DF-F444-89BE-160B951A6CB8}" type="datetimeFigureOut">
               <a:rPr kumimoji="1" lang="zh-CN" altLang="en-US" smtClean="0"/>
-              <a:t>2020/11/30</a:t>
+              <a:t>2020/12/1</a:t>
             </a:fld>
             <a:endParaRPr kumimoji="1" lang="zh-CN" altLang="en-US"/>
           </a:p>
@@ -1973,7 +1975,7 @@
           <a:p>
             <a:fld id="{D548B4E7-F4DF-F444-89BE-160B951A6CB8}" type="datetimeFigureOut">
               <a:rPr kumimoji="1" lang="zh-CN" altLang="en-US" smtClean="0"/>
-              <a:t>2020/11/30</a:t>
+              <a:t>2020/12/1</a:t>
             </a:fld>
             <a:endParaRPr kumimoji="1" lang="zh-CN" altLang="en-US"/>
           </a:p>
@@ -2086,7 +2088,7 @@
           <a:p>
             <a:fld id="{D548B4E7-F4DF-F444-89BE-160B951A6CB8}" type="datetimeFigureOut">
               <a:rPr kumimoji="1" lang="zh-CN" altLang="en-US" smtClean="0"/>
-              <a:t>2020/11/30</a:t>
+              <a:t>2020/12/1</a:t>
             </a:fld>
             <a:endParaRPr kumimoji="1" lang="zh-CN" altLang="en-US"/>
           </a:p>
@@ -2397,7 +2399,7 @@
           <a:p>
             <a:fld id="{D548B4E7-F4DF-F444-89BE-160B951A6CB8}" type="datetimeFigureOut">
               <a:rPr kumimoji="1" lang="zh-CN" altLang="en-US" smtClean="0"/>
-              <a:t>2020/11/30</a:t>
+              <a:t>2020/12/1</a:t>
             </a:fld>
             <a:endParaRPr kumimoji="1" lang="zh-CN" altLang="en-US"/>
           </a:p>
@@ -2685,7 +2687,7 @@
           <a:p>
             <a:fld id="{D548B4E7-F4DF-F444-89BE-160B951A6CB8}" type="datetimeFigureOut">
               <a:rPr kumimoji="1" lang="zh-CN" altLang="en-US" smtClean="0"/>
-              <a:t>2020/11/30</a:t>
+              <a:t>2020/12/1</a:t>
             </a:fld>
             <a:endParaRPr kumimoji="1" lang="zh-CN" altLang="en-US"/>
           </a:p>
@@ -2919,7 +2921,7 @@
           <a:p>
             <a:fld id="{D548B4E7-F4DF-F444-89BE-160B951A6CB8}" type="datetimeFigureOut">
               <a:rPr kumimoji="1" lang="zh-CN" altLang="en-US" smtClean="0"/>
-              <a:t>2020/11/30</a:t>
+              <a:t>2020/12/1</a:t>
             </a:fld>
             <a:endParaRPr kumimoji="1" lang="zh-CN" altLang="en-US"/>
           </a:p>
@@ -3728,7 +3730,7 @@
                   <a:srgbClr val="0070C0"/>
                 </a:solidFill>
               </a:rPr>
-              <a:t>- SHORTEST PATH EDGES</a:t>
+              <a:t>- SHORTEST PATH</a:t>
             </a:r>
             <a:endParaRPr kumimoji="1" lang="zh-CN" altLang="en-US" dirty="0">
               <a:solidFill>
@@ -5202,7 +5204,7 @@
                   <a:srgbClr val="0070C0"/>
                 </a:solidFill>
               </a:rPr>
-              <a:t>- SHORTEST PATH</a:t>
+              <a:t>- Minimum Spanning Tree</a:t>
             </a:r>
             <a:endParaRPr kumimoji="1" lang="zh-CN" altLang="en-US" dirty="0">
               <a:solidFill>
@@ -5302,42 +5304,6 @@
       </p:sp>
       <p:sp>
         <p:nvSpPr>
-          <p:cNvPr id="85" name="文本框 84">
-            <a:extLst>
-              <a:ext uri="{FF2B5EF4-FFF2-40B4-BE49-F238E27FC236}">
-                <a16:creationId xmlns:a16="http://schemas.microsoft.com/office/drawing/2014/main" id="{AAD8D632-5E77-4B48-9D12-CE508113C66A}"/>
-              </a:ext>
-            </a:extLst>
-          </p:cNvPr>
-          <p:cNvSpPr txBox="1"/>
-          <p:nvPr/>
-        </p:nvSpPr>
-        <p:spPr>
-          <a:xfrm>
-            <a:off x="3866501" y="2004653"/>
-            <a:ext cx="427511" cy="400110"/>
-          </a:xfrm>
-          <a:prstGeom prst="rect">
-            <a:avLst/>
-          </a:prstGeom>
-          <a:noFill/>
-        </p:spPr>
-        <p:txBody>
-          <a:bodyPr wrap="square" rtlCol="0">
-            <a:spAutoFit/>
-          </a:bodyPr>
-          <a:lstStyle/>
-          <a:p>
-            <a:endParaRPr kumimoji="1" lang="zh-CN" altLang="en-US" sz="2000" b="1" dirty="0">
-              <a:solidFill>
-                <a:srgbClr val="0070C0"/>
-              </a:solidFill>
-            </a:endParaRPr>
-          </a:p>
-        </p:txBody>
-      </p:sp>
-      <p:sp>
-        <p:nvSpPr>
           <p:cNvPr id="86" name="文本框 85">
             <a:extLst>
               <a:ext uri="{FF2B5EF4-FFF2-40B4-BE49-F238E27FC236}">
@@ -5416,150 +5382,6 @@
               </a:rPr>
               <a:t>4</a:t>
             </a:r>
-            <a:endParaRPr kumimoji="1" lang="zh-CN" altLang="en-US" sz="2000" b="1" dirty="0">
-              <a:solidFill>
-                <a:srgbClr val="0070C0"/>
-              </a:solidFill>
-            </a:endParaRPr>
-          </a:p>
-        </p:txBody>
-      </p:sp>
-      <p:sp>
-        <p:nvSpPr>
-          <p:cNvPr id="92" name="文本框 91">
-            <a:extLst>
-              <a:ext uri="{FF2B5EF4-FFF2-40B4-BE49-F238E27FC236}">
-                <a16:creationId xmlns:a16="http://schemas.microsoft.com/office/drawing/2014/main" id="{2C10DFAD-DDA4-AC47-A5FA-D16F3EE5183A}"/>
-              </a:ext>
-            </a:extLst>
-          </p:cNvPr>
-          <p:cNvSpPr txBox="1"/>
-          <p:nvPr/>
-        </p:nvSpPr>
-        <p:spPr>
-          <a:xfrm>
-            <a:off x="6118889" y="1952587"/>
-            <a:ext cx="427511" cy="400110"/>
-          </a:xfrm>
-          <a:prstGeom prst="rect">
-            <a:avLst/>
-          </a:prstGeom>
-          <a:noFill/>
-        </p:spPr>
-        <p:txBody>
-          <a:bodyPr wrap="square" rtlCol="0">
-            <a:spAutoFit/>
-          </a:bodyPr>
-          <a:lstStyle/>
-          <a:p>
-            <a:endParaRPr kumimoji="1" lang="zh-CN" altLang="en-US" sz="2000" b="1" dirty="0">
-              <a:solidFill>
-                <a:srgbClr val="0070C0"/>
-              </a:solidFill>
-            </a:endParaRPr>
-          </a:p>
-        </p:txBody>
-      </p:sp>
-      <p:sp>
-        <p:nvSpPr>
-          <p:cNvPr id="93" name="文本框 92">
-            <a:extLst>
-              <a:ext uri="{FF2B5EF4-FFF2-40B4-BE49-F238E27FC236}">
-                <a16:creationId xmlns:a16="http://schemas.microsoft.com/office/drawing/2014/main" id="{5BEB6626-958C-BD4C-A5D7-E564CA8A103F}"/>
-              </a:ext>
-            </a:extLst>
-          </p:cNvPr>
-          <p:cNvSpPr txBox="1"/>
-          <p:nvPr/>
-        </p:nvSpPr>
-        <p:spPr>
-          <a:xfrm>
-            <a:off x="7301020" y="1871101"/>
-            <a:ext cx="632799" cy="400110"/>
-          </a:xfrm>
-          <a:prstGeom prst="rect">
-            <a:avLst/>
-          </a:prstGeom>
-          <a:noFill/>
-        </p:spPr>
-        <p:txBody>
-          <a:bodyPr wrap="square" rtlCol="0">
-            <a:spAutoFit/>
-          </a:bodyPr>
-          <a:lstStyle/>
-          <a:p>
-            <a:endParaRPr kumimoji="1" lang="zh-CN" altLang="en-US" sz="2000" b="1" dirty="0">
-              <a:solidFill>
-                <a:srgbClr val="0070C0"/>
-              </a:solidFill>
-            </a:endParaRPr>
-          </a:p>
-        </p:txBody>
-      </p:sp>
-      <p:sp>
-        <p:nvSpPr>
-          <p:cNvPr id="94" name="文本框 93">
-            <a:extLst>
-              <a:ext uri="{FF2B5EF4-FFF2-40B4-BE49-F238E27FC236}">
-                <a16:creationId xmlns:a16="http://schemas.microsoft.com/office/drawing/2014/main" id="{10E6D250-A62B-874A-BC6A-053C7CE7F230}"/>
-              </a:ext>
-            </a:extLst>
-          </p:cNvPr>
-          <p:cNvSpPr txBox="1"/>
-          <p:nvPr/>
-        </p:nvSpPr>
-        <p:spPr>
-          <a:xfrm>
-            <a:off x="4978199" y="3266901"/>
-            <a:ext cx="427511" cy="400110"/>
-          </a:xfrm>
-          <a:prstGeom prst="rect">
-            <a:avLst/>
-          </a:prstGeom>
-          <a:noFill/>
-        </p:spPr>
-        <p:txBody>
-          <a:bodyPr wrap="square" rtlCol="0">
-            <a:spAutoFit/>
-          </a:bodyPr>
-          <a:lstStyle/>
-          <a:p>
-            <a:endParaRPr kumimoji="1" lang="zh-CN" altLang="en-US" sz="2000" b="1" dirty="0">
-              <a:solidFill>
-                <a:srgbClr val="0070C0"/>
-              </a:solidFill>
-            </a:endParaRPr>
-          </a:p>
-        </p:txBody>
-      </p:sp>
-      <p:sp>
-        <p:nvSpPr>
-          <p:cNvPr id="95" name="文本框 94">
-            <a:extLst>
-              <a:ext uri="{FF2B5EF4-FFF2-40B4-BE49-F238E27FC236}">
-                <a16:creationId xmlns:a16="http://schemas.microsoft.com/office/drawing/2014/main" id="{C955F167-FA1F-8D4A-BEE1-4E18C3DAC3DC}"/>
-              </a:ext>
-            </a:extLst>
-          </p:cNvPr>
-          <p:cNvSpPr txBox="1"/>
-          <p:nvPr/>
-        </p:nvSpPr>
-        <p:spPr>
-          <a:xfrm>
-            <a:off x="3898471" y="3387995"/>
-            <a:ext cx="427511" cy="400110"/>
-          </a:xfrm>
-          <a:prstGeom prst="rect">
-            <a:avLst/>
-          </a:prstGeom>
-          <a:noFill/>
-        </p:spPr>
-        <p:txBody>
-          <a:bodyPr wrap="square" rtlCol="0">
-            <a:spAutoFit/>
-          </a:bodyPr>
-          <a:lstStyle/>
-          <a:p>
             <a:endParaRPr kumimoji="1" lang="zh-CN" altLang="en-US" sz="2000" b="1" dirty="0">
               <a:solidFill>
                 <a:srgbClr val="0070C0"/>
@@ -5940,7 +5762,7 @@
         </p:nvSpPr>
         <p:spPr>
           <a:xfrm>
-            <a:off x="2466794" y="1268853"/>
+            <a:off x="4482548" y="1318723"/>
             <a:ext cx="522514" cy="534389"/>
           </a:xfrm>
           <a:prstGeom prst="ellipse">
@@ -5978,10 +5800,10 @@
       </p:sp>
       <p:sp>
         <p:nvSpPr>
-          <p:cNvPr id="7" name="椭圆 6">
-            <a:extLst>
-              <a:ext uri="{FF2B5EF4-FFF2-40B4-BE49-F238E27FC236}">
-                <a16:creationId xmlns:a16="http://schemas.microsoft.com/office/drawing/2014/main" id="{0BE1B618-A039-7545-B7E8-F5BF4144ACE5}"/>
+          <p:cNvPr id="9" name="椭圆 8">
+            <a:extLst>
+              <a:ext uri="{FF2B5EF4-FFF2-40B4-BE49-F238E27FC236}">
+                <a16:creationId xmlns:a16="http://schemas.microsoft.com/office/drawing/2014/main" id="{23C0A51A-3E8A-964F-9433-32D4EA9C2205}"/>
               </a:ext>
             </a:extLst>
           </p:cNvPr>
@@ -5990,7 +5812,7 @@
         </p:nvSpPr>
         <p:spPr>
           <a:xfrm>
-            <a:off x="4453804" y="1289894"/>
+            <a:off x="7202095" y="3216200"/>
             <a:ext cx="522514" cy="534389"/>
           </a:xfrm>
           <a:prstGeom prst="ellipse">
@@ -6020,7 +5842,7 @@
             <a:pPr algn="ctr"/>
             <a:r>
               <a:rPr kumimoji="1" lang="en-US" altLang="zh-CN" dirty="0"/>
-              <a:t>B</a:t>
+              <a:t>E</a:t>
             </a:r>
             <a:endParaRPr kumimoji="1" lang="zh-CN" altLang="en-US" dirty="0"/>
           </a:p>
@@ -6028,10 +5850,10 @@
       </p:sp>
       <p:sp>
         <p:nvSpPr>
-          <p:cNvPr id="9" name="椭圆 8">
-            <a:extLst>
-              <a:ext uri="{FF2B5EF4-FFF2-40B4-BE49-F238E27FC236}">
-                <a16:creationId xmlns:a16="http://schemas.microsoft.com/office/drawing/2014/main" id="{23C0A51A-3E8A-964F-9433-32D4EA9C2205}"/>
+          <p:cNvPr id="11" name="椭圆 10">
+            <a:extLst>
+              <a:ext uri="{FF2B5EF4-FFF2-40B4-BE49-F238E27FC236}">
+                <a16:creationId xmlns:a16="http://schemas.microsoft.com/office/drawing/2014/main" id="{3AF5C068-0B69-1D4B-9F60-CFCFF6CB7466}"/>
               </a:ext>
             </a:extLst>
           </p:cNvPr>
@@ -6040,7 +5862,7 @@
         </p:nvSpPr>
         <p:spPr>
           <a:xfrm>
-            <a:off x="2466794" y="4357333"/>
+            <a:off x="1888887" y="3218152"/>
             <a:ext cx="522514" cy="534389"/>
           </a:xfrm>
           <a:prstGeom prst="ellipse">
@@ -6070,7 +5892,7 @@
             <a:pPr algn="ctr"/>
             <a:r>
               <a:rPr kumimoji="1" lang="en-US" altLang="zh-CN" dirty="0"/>
-              <a:t>E</a:t>
+              <a:t>B</a:t>
             </a:r>
             <a:endParaRPr kumimoji="1" lang="zh-CN" altLang="en-US" dirty="0"/>
           </a:p>
@@ -6078,10 +5900,10 @@
       </p:sp>
       <p:sp>
         <p:nvSpPr>
-          <p:cNvPr id="11" name="椭圆 10">
-            <a:extLst>
-              <a:ext uri="{FF2B5EF4-FFF2-40B4-BE49-F238E27FC236}">
-                <a16:creationId xmlns:a16="http://schemas.microsoft.com/office/drawing/2014/main" id="{3AF5C068-0B69-1D4B-9F60-CFCFF6CB7466}"/>
+          <p:cNvPr id="12" name="椭圆 11">
+            <a:extLst>
+              <a:ext uri="{FF2B5EF4-FFF2-40B4-BE49-F238E27FC236}">
+                <a16:creationId xmlns:a16="http://schemas.microsoft.com/office/drawing/2014/main" id="{DAFB89A5-7EFE-4E4D-BE77-6D4F3402771E}"/>
               </a:ext>
             </a:extLst>
           </p:cNvPr>
@@ -6090,7 +5912,7 @@
         </p:nvSpPr>
         <p:spPr>
           <a:xfrm>
-            <a:off x="2466794" y="2826546"/>
+            <a:off x="4559068" y="5189415"/>
             <a:ext cx="522514" cy="534389"/>
           </a:xfrm>
           <a:prstGeom prst="ellipse">
@@ -6120,7 +5942,7 @@
             <a:pPr algn="ctr"/>
             <a:r>
               <a:rPr kumimoji="1" lang="en-US" altLang="zh-CN" dirty="0"/>
-              <a:t>D</a:t>
+              <a:t>C</a:t>
             </a:r>
             <a:endParaRPr kumimoji="1" lang="zh-CN" altLang="en-US" dirty="0"/>
           </a:p>
@@ -6128,10 +5950,10 @@
       </p:sp>
       <p:sp>
         <p:nvSpPr>
-          <p:cNvPr id="12" name="椭圆 11">
-            <a:extLst>
-              <a:ext uri="{FF2B5EF4-FFF2-40B4-BE49-F238E27FC236}">
-                <a16:creationId xmlns:a16="http://schemas.microsoft.com/office/drawing/2014/main" id="{DAFB89A5-7EFE-4E4D-BE77-6D4F3402771E}"/>
+          <p:cNvPr id="14" name="椭圆 13">
+            <a:extLst>
+              <a:ext uri="{FF2B5EF4-FFF2-40B4-BE49-F238E27FC236}">
+                <a16:creationId xmlns:a16="http://schemas.microsoft.com/office/drawing/2014/main" id="{58F1C6F1-0C6F-5343-8966-C640056E7124}"/>
               </a:ext>
             </a:extLst>
           </p:cNvPr>
@@ -6140,7 +5962,7 @@
         </p:nvSpPr>
         <p:spPr>
           <a:xfrm>
-            <a:off x="7054826" y="1289894"/>
+            <a:off x="4531329" y="3216200"/>
             <a:ext cx="522514" cy="534389"/>
           </a:xfrm>
           <a:prstGeom prst="ellipse">
@@ -6170,7 +5992,7 @@
             <a:pPr algn="ctr"/>
             <a:r>
               <a:rPr kumimoji="1" lang="en-US" altLang="zh-CN" dirty="0"/>
-              <a:t>G</a:t>
+              <a:t>D</a:t>
             </a:r>
             <a:endParaRPr kumimoji="1" lang="zh-CN" altLang="en-US" dirty="0"/>
           </a:p>
@@ -6178,10 +6000,372 @@
       </p:sp>
       <p:sp>
         <p:nvSpPr>
-          <p:cNvPr id="13" name="椭圆 12">
-            <a:extLst>
-              <a:ext uri="{FF2B5EF4-FFF2-40B4-BE49-F238E27FC236}">
-                <a16:creationId xmlns:a16="http://schemas.microsoft.com/office/drawing/2014/main" id="{CF61EFBE-36F5-264F-87D2-A9FAD406CE7B}"/>
+          <p:cNvPr id="2" name="文本框 1">
+            <a:extLst>
+              <a:ext uri="{FF2B5EF4-FFF2-40B4-BE49-F238E27FC236}">
+                <a16:creationId xmlns:a16="http://schemas.microsoft.com/office/drawing/2014/main" id="{4B181367-25AF-0441-83B6-92CCC482EE53}"/>
+              </a:ext>
+            </a:extLst>
+          </p:cNvPr>
+          <p:cNvSpPr txBox="1"/>
+          <p:nvPr/>
+        </p:nvSpPr>
+        <p:spPr>
+          <a:xfrm>
+            <a:off x="213755" y="142504"/>
+            <a:ext cx="5028593" cy="369332"/>
+          </a:xfrm>
+          <a:prstGeom prst="rect">
+            <a:avLst/>
+          </a:prstGeom>
+          <a:noFill/>
+        </p:spPr>
+        <p:txBody>
+          <a:bodyPr wrap="square" rtlCol="0">
+            <a:spAutoFit/>
+          </a:bodyPr>
+          <a:lstStyle/>
+          <a:p>
+            <a:r>
+              <a:rPr kumimoji="1" lang="en-US" altLang="zh-CN" b="1" dirty="0">
+                <a:solidFill>
+                  <a:srgbClr val="0070C0"/>
+                </a:solidFill>
+              </a:rPr>
+              <a:t>Graph</a:t>
+            </a:r>
+            <a:r>
+              <a:rPr kumimoji="1" lang="en-US" altLang="zh-CN" dirty="0">
+                <a:solidFill>
+                  <a:srgbClr val="0070C0"/>
+                </a:solidFill>
+              </a:rPr>
+              <a:t>- Biconnected Graph</a:t>
+            </a:r>
+            <a:endParaRPr kumimoji="1" lang="zh-CN" altLang="en-US" dirty="0">
+              <a:solidFill>
+                <a:srgbClr val="0070C0"/>
+              </a:solidFill>
+            </a:endParaRPr>
+          </a:p>
+        </p:txBody>
+      </p:sp>
+      <p:cxnSp>
+        <p:nvCxnSpPr>
+          <p:cNvPr id="6" name="直线连接符 5">
+            <a:extLst>
+              <a:ext uri="{FF2B5EF4-FFF2-40B4-BE49-F238E27FC236}">
+                <a16:creationId xmlns:a16="http://schemas.microsoft.com/office/drawing/2014/main" id="{C04CECBB-E185-B44E-8625-66D5F0DDA884}"/>
+              </a:ext>
+            </a:extLst>
+          </p:cNvPr>
+          <p:cNvCxnSpPr>
+            <a:cxnSpLocks/>
+            <a:stCxn id="4" idx="5"/>
+            <a:endCxn id="9" idx="1"/>
+          </p:cNvCxnSpPr>
+          <p:nvPr/>
+        </p:nvCxnSpPr>
+        <p:spPr>
+          <a:xfrm>
+            <a:off x="4928542" y="1774853"/>
+            <a:ext cx="2350073" cy="1519606"/>
+          </a:xfrm>
+          <a:prstGeom prst="line">
+            <a:avLst/>
+          </a:prstGeom>
+        </p:spPr>
+        <p:style>
+          <a:lnRef idx="3">
+            <a:schemeClr val="accent1"/>
+          </a:lnRef>
+          <a:fillRef idx="0">
+            <a:schemeClr val="accent1"/>
+          </a:fillRef>
+          <a:effectRef idx="2">
+            <a:schemeClr val="accent1"/>
+          </a:effectRef>
+          <a:fontRef idx="minor">
+            <a:schemeClr val="tx1"/>
+          </a:fontRef>
+        </p:style>
+      </p:cxnSp>
+      <p:cxnSp>
+        <p:nvCxnSpPr>
+          <p:cNvPr id="36" name="直线连接符 35">
+            <a:extLst>
+              <a:ext uri="{FF2B5EF4-FFF2-40B4-BE49-F238E27FC236}">
+                <a16:creationId xmlns:a16="http://schemas.microsoft.com/office/drawing/2014/main" id="{C816119A-50EC-F64F-B346-1E4F34311436}"/>
+              </a:ext>
+            </a:extLst>
+          </p:cNvPr>
+          <p:cNvCxnSpPr>
+            <a:cxnSpLocks/>
+            <a:stCxn id="4" idx="4"/>
+            <a:endCxn id="14" idx="0"/>
+          </p:cNvCxnSpPr>
+          <p:nvPr/>
+        </p:nvCxnSpPr>
+        <p:spPr>
+          <a:xfrm>
+            <a:off x="4743805" y="1853112"/>
+            <a:ext cx="48781" cy="1363088"/>
+          </a:xfrm>
+          <a:prstGeom prst="line">
+            <a:avLst/>
+          </a:prstGeom>
+        </p:spPr>
+        <p:style>
+          <a:lnRef idx="3">
+            <a:schemeClr val="accent1"/>
+          </a:lnRef>
+          <a:fillRef idx="0">
+            <a:schemeClr val="accent1"/>
+          </a:fillRef>
+          <a:effectRef idx="2">
+            <a:schemeClr val="accent1"/>
+          </a:effectRef>
+          <a:fontRef idx="minor">
+            <a:schemeClr val="tx1"/>
+          </a:fontRef>
+        </p:style>
+      </p:cxnSp>
+      <p:cxnSp>
+        <p:nvCxnSpPr>
+          <p:cNvPr id="40" name="直线连接符 39">
+            <a:extLst>
+              <a:ext uri="{FF2B5EF4-FFF2-40B4-BE49-F238E27FC236}">
+                <a16:creationId xmlns:a16="http://schemas.microsoft.com/office/drawing/2014/main" id="{EB405FE0-3C54-4640-AFC4-3A273E52B3E6}"/>
+              </a:ext>
+            </a:extLst>
+          </p:cNvPr>
+          <p:cNvCxnSpPr>
+            <a:cxnSpLocks/>
+            <a:stCxn id="11" idx="6"/>
+            <a:endCxn id="14" idx="2"/>
+          </p:cNvCxnSpPr>
+          <p:nvPr/>
+        </p:nvCxnSpPr>
+        <p:spPr>
+          <a:xfrm flipV="1">
+            <a:off x="2411401" y="3483395"/>
+            <a:ext cx="2119928" cy="1952"/>
+          </a:xfrm>
+          <a:prstGeom prst="line">
+            <a:avLst/>
+          </a:prstGeom>
+        </p:spPr>
+        <p:style>
+          <a:lnRef idx="3">
+            <a:schemeClr val="accent1"/>
+          </a:lnRef>
+          <a:fillRef idx="0">
+            <a:schemeClr val="accent1"/>
+          </a:fillRef>
+          <a:effectRef idx="2">
+            <a:schemeClr val="accent1"/>
+          </a:effectRef>
+          <a:fontRef idx="minor">
+            <a:schemeClr val="tx1"/>
+          </a:fontRef>
+        </p:style>
+      </p:cxnSp>
+      <p:cxnSp>
+        <p:nvCxnSpPr>
+          <p:cNvPr id="46" name="直线连接符 45">
+            <a:extLst>
+              <a:ext uri="{FF2B5EF4-FFF2-40B4-BE49-F238E27FC236}">
+                <a16:creationId xmlns:a16="http://schemas.microsoft.com/office/drawing/2014/main" id="{CE93BDB0-150E-8742-9368-8607348002E4}"/>
+              </a:ext>
+            </a:extLst>
+          </p:cNvPr>
+          <p:cNvCxnSpPr>
+            <a:cxnSpLocks/>
+            <a:stCxn id="14" idx="4"/>
+            <a:endCxn id="12" idx="0"/>
+          </p:cNvCxnSpPr>
+          <p:nvPr/>
+        </p:nvCxnSpPr>
+        <p:spPr>
+          <a:xfrm>
+            <a:off x="4792586" y="3750589"/>
+            <a:ext cx="27739" cy="1438826"/>
+          </a:xfrm>
+          <a:prstGeom prst="line">
+            <a:avLst/>
+          </a:prstGeom>
+        </p:spPr>
+        <p:style>
+          <a:lnRef idx="3">
+            <a:schemeClr val="accent1"/>
+          </a:lnRef>
+          <a:fillRef idx="0">
+            <a:schemeClr val="accent1"/>
+          </a:fillRef>
+          <a:effectRef idx="2">
+            <a:schemeClr val="accent1"/>
+          </a:effectRef>
+          <a:fontRef idx="minor">
+            <a:schemeClr val="tx1"/>
+          </a:fontRef>
+        </p:style>
+      </p:cxnSp>
+      <p:cxnSp>
+        <p:nvCxnSpPr>
+          <p:cNvPr id="48" name="直线连接符 47">
+            <a:extLst>
+              <a:ext uri="{FF2B5EF4-FFF2-40B4-BE49-F238E27FC236}">
+                <a16:creationId xmlns:a16="http://schemas.microsoft.com/office/drawing/2014/main" id="{EC71DA8A-34AD-4443-BB8D-950833BD995C}"/>
+              </a:ext>
+            </a:extLst>
+          </p:cNvPr>
+          <p:cNvCxnSpPr>
+            <a:cxnSpLocks/>
+            <a:stCxn id="9" idx="3"/>
+            <a:endCxn id="12" idx="6"/>
+          </p:cNvCxnSpPr>
+          <p:nvPr/>
+        </p:nvCxnSpPr>
+        <p:spPr>
+          <a:xfrm flipH="1">
+            <a:off x="5081582" y="3672330"/>
+            <a:ext cx="2197033" cy="1784280"/>
+          </a:xfrm>
+          <a:prstGeom prst="line">
+            <a:avLst/>
+          </a:prstGeom>
+        </p:spPr>
+        <p:style>
+          <a:lnRef idx="3">
+            <a:schemeClr val="accent1"/>
+          </a:lnRef>
+          <a:fillRef idx="0">
+            <a:schemeClr val="accent1"/>
+          </a:fillRef>
+          <a:effectRef idx="2">
+            <a:schemeClr val="accent1"/>
+          </a:effectRef>
+          <a:fontRef idx="minor">
+            <a:schemeClr val="tx1"/>
+          </a:fontRef>
+        </p:style>
+      </p:cxnSp>
+      <p:cxnSp>
+        <p:nvCxnSpPr>
+          <p:cNvPr id="37" name="直线连接符 36">
+            <a:extLst>
+              <a:ext uri="{FF2B5EF4-FFF2-40B4-BE49-F238E27FC236}">
+                <a16:creationId xmlns:a16="http://schemas.microsoft.com/office/drawing/2014/main" id="{80F37163-0406-4340-BC39-6D9CA111AD0C}"/>
+              </a:ext>
+            </a:extLst>
+          </p:cNvPr>
+          <p:cNvCxnSpPr>
+            <a:cxnSpLocks/>
+            <a:stCxn id="4" idx="3"/>
+            <a:endCxn id="11" idx="7"/>
+          </p:cNvCxnSpPr>
+          <p:nvPr/>
+        </p:nvCxnSpPr>
+        <p:spPr>
+          <a:xfrm flipH="1">
+            <a:off x="2334881" y="1774853"/>
+            <a:ext cx="2224187" cy="1521558"/>
+          </a:xfrm>
+          <a:prstGeom prst="line">
+            <a:avLst/>
+          </a:prstGeom>
+        </p:spPr>
+        <p:style>
+          <a:lnRef idx="3">
+            <a:schemeClr val="accent1"/>
+          </a:lnRef>
+          <a:fillRef idx="0">
+            <a:schemeClr val="accent1"/>
+          </a:fillRef>
+          <a:effectRef idx="2">
+            <a:schemeClr val="accent1"/>
+          </a:effectRef>
+          <a:fontRef idx="minor">
+            <a:schemeClr val="tx1"/>
+          </a:fontRef>
+        </p:style>
+      </p:cxnSp>
+      <p:cxnSp>
+        <p:nvCxnSpPr>
+          <p:cNvPr id="50" name="直线连接符 49">
+            <a:extLst>
+              <a:ext uri="{FF2B5EF4-FFF2-40B4-BE49-F238E27FC236}">
+                <a16:creationId xmlns:a16="http://schemas.microsoft.com/office/drawing/2014/main" id="{C6230D1F-C212-D840-9897-945ADB7F6B20}"/>
+              </a:ext>
+            </a:extLst>
+          </p:cNvPr>
+          <p:cNvCxnSpPr>
+            <a:cxnSpLocks/>
+            <a:stCxn id="12" idx="2"/>
+            <a:endCxn id="11" idx="5"/>
+          </p:cNvCxnSpPr>
+          <p:nvPr/>
+        </p:nvCxnSpPr>
+        <p:spPr>
+          <a:xfrm flipH="1" flipV="1">
+            <a:off x="2334881" y="3674282"/>
+            <a:ext cx="2224187" cy="1782328"/>
+          </a:xfrm>
+          <a:prstGeom prst="line">
+            <a:avLst/>
+          </a:prstGeom>
+        </p:spPr>
+        <p:style>
+          <a:lnRef idx="3">
+            <a:schemeClr val="accent1"/>
+          </a:lnRef>
+          <a:fillRef idx="0">
+            <a:schemeClr val="accent1"/>
+          </a:fillRef>
+          <a:effectRef idx="2">
+            <a:schemeClr val="accent1"/>
+          </a:effectRef>
+          <a:fontRef idx="minor">
+            <a:schemeClr val="tx1"/>
+          </a:fontRef>
+        </p:style>
+      </p:cxnSp>
+    </p:spTree>
+    <p:extLst>
+      <p:ext uri="{BB962C8B-B14F-4D97-AF65-F5344CB8AC3E}">
+        <p14:creationId xmlns:p14="http://schemas.microsoft.com/office/powerpoint/2010/main" val="436782837"/>
+      </p:ext>
+    </p:extLst>
+  </p:cSld>
+  <p:clrMapOvr>
+    <a:masterClrMapping/>
+  </p:clrMapOvr>
+</p:sld>
+</file>
+
+<file path=ppt/slides/slide4.xml><?xml version="1.0" encoding="utf-8"?>
+<p:sld xmlns:a="http://schemas.openxmlformats.org/drawingml/2006/main" xmlns:r="http://schemas.openxmlformats.org/officeDocument/2006/relationships" xmlns:p="http://schemas.openxmlformats.org/presentationml/2006/main">
+  <p:cSld>
+    <p:spTree>
+      <p:nvGrpSpPr>
+        <p:cNvPr id="1" name=""/>
+        <p:cNvGrpSpPr/>
+        <p:nvPr/>
+      </p:nvGrpSpPr>
+      <p:grpSpPr>
+        <a:xfrm>
+          <a:off x="0" y="0"/>
+          <a:ext cx="0" cy="0"/>
+          <a:chOff x="0" y="0"/>
+          <a:chExt cx="0" cy="0"/>
+        </a:xfrm>
+      </p:grpSpPr>
+      <p:sp>
+        <p:nvSpPr>
+          <p:cNvPr id="4" name="椭圆 3">
+            <a:extLst>
+              <a:ext uri="{FF2B5EF4-FFF2-40B4-BE49-F238E27FC236}">
+                <a16:creationId xmlns:a16="http://schemas.microsoft.com/office/drawing/2014/main" id="{DE70EE2F-EB0E-6F47-A6B1-2A297E2EE471}"/>
               </a:ext>
             </a:extLst>
           </p:cNvPr>
@@ -6190,7 +6374,7 @@
         </p:nvSpPr>
         <p:spPr>
           <a:xfrm>
-            <a:off x="6179560" y="2816031"/>
+            <a:off x="4482548" y="1318723"/>
             <a:ext cx="522514" cy="534389"/>
           </a:xfrm>
           <a:prstGeom prst="ellipse">
@@ -6220,7 +6404,7 @@
             <a:pPr algn="ctr"/>
             <a:r>
               <a:rPr kumimoji="1" lang="en-US" altLang="zh-CN" dirty="0"/>
-              <a:t>F</a:t>
+              <a:t>A</a:t>
             </a:r>
             <a:endParaRPr kumimoji="1" lang="zh-CN" altLang="en-US" dirty="0"/>
           </a:p>
@@ -6228,10 +6412,10 @@
       </p:sp>
       <p:sp>
         <p:nvSpPr>
-          <p:cNvPr id="14" name="椭圆 13">
-            <a:extLst>
-              <a:ext uri="{FF2B5EF4-FFF2-40B4-BE49-F238E27FC236}">
-                <a16:creationId xmlns:a16="http://schemas.microsoft.com/office/drawing/2014/main" id="{58F1C6F1-0C6F-5343-8966-C640056E7124}"/>
+          <p:cNvPr id="9" name="椭圆 8">
+            <a:extLst>
+              <a:ext uri="{FF2B5EF4-FFF2-40B4-BE49-F238E27FC236}">
+                <a16:creationId xmlns:a16="http://schemas.microsoft.com/office/drawing/2014/main" id="{23C0A51A-3E8A-964F-9433-32D4EA9C2205}"/>
               </a:ext>
             </a:extLst>
           </p:cNvPr>
@@ -6240,7 +6424,7 @@
         </p:nvSpPr>
         <p:spPr>
           <a:xfrm>
-            <a:off x="4453805" y="2826546"/>
+            <a:off x="6699175" y="4039160"/>
             <a:ext cx="522514" cy="534389"/>
           </a:xfrm>
           <a:prstGeom prst="ellipse">
@@ -6270,7 +6454,163 @@
             <a:pPr algn="ctr"/>
             <a:r>
               <a:rPr kumimoji="1" lang="en-US" altLang="zh-CN" dirty="0"/>
+              <a:t>E</a:t>
+            </a:r>
+            <a:endParaRPr kumimoji="1" lang="zh-CN" altLang="en-US" dirty="0"/>
+          </a:p>
+        </p:txBody>
+      </p:sp>
+      <p:sp>
+        <p:nvSpPr>
+          <p:cNvPr id="11" name="椭圆 10">
+            <a:extLst>
+              <a:ext uri="{FF2B5EF4-FFF2-40B4-BE49-F238E27FC236}">
+                <a16:creationId xmlns:a16="http://schemas.microsoft.com/office/drawing/2014/main" id="{3AF5C068-0B69-1D4B-9F60-CFCFF6CB7466}"/>
+              </a:ext>
+            </a:extLst>
+          </p:cNvPr>
+          <p:cNvSpPr/>
+          <p:nvPr/>
+        </p:nvSpPr>
+        <p:spPr>
+          <a:xfrm>
+            <a:off x="1686481" y="1318723"/>
+            <a:ext cx="522514" cy="534389"/>
+          </a:xfrm>
+          <a:prstGeom prst="ellipse">
+            <a:avLst/>
+          </a:prstGeom>
+        </p:spPr>
+        <p:style>
+          <a:lnRef idx="2">
+            <a:schemeClr val="accent1">
+              <a:shade val="50000"/>
+            </a:schemeClr>
+          </a:lnRef>
+          <a:fillRef idx="1">
+            <a:schemeClr val="accent1"/>
+          </a:fillRef>
+          <a:effectRef idx="0">
+            <a:schemeClr val="accent1"/>
+          </a:effectRef>
+          <a:fontRef idx="minor">
+            <a:schemeClr val="lt1"/>
+          </a:fontRef>
+        </p:style>
+        <p:txBody>
+          <a:bodyPr rtlCol="0" anchor="ctr"/>
+          <a:lstStyle/>
+          <a:p>
+            <a:pPr algn="ctr"/>
+            <a:r>
+              <a:rPr kumimoji="1" lang="en-US" altLang="zh-CN" dirty="0"/>
+              <a:t>B</a:t>
+            </a:r>
+            <a:endParaRPr kumimoji="1" lang="zh-CN" altLang="en-US" dirty="0"/>
+          </a:p>
+        </p:txBody>
+      </p:sp>
+      <p:sp>
+        <p:nvSpPr>
+          <p:cNvPr id="12" name="椭圆 11">
+            <a:extLst>
+              <a:ext uri="{FF2B5EF4-FFF2-40B4-BE49-F238E27FC236}">
+                <a16:creationId xmlns:a16="http://schemas.microsoft.com/office/drawing/2014/main" id="{DAFB89A5-7EFE-4E4D-BE77-6D4F3402771E}"/>
+              </a:ext>
+            </a:extLst>
+          </p:cNvPr>
+          <p:cNvSpPr/>
+          <p:nvPr/>
+        </p:nvSpPr>
+        <p:spPr>
+          <a:xfrm>
+            <a:off x="1700123" y="3280370"/>
+            <a:ext cx="522514" cy="534389"/>
+          </a:xfrm>
+          <a:prstGeom prst="ellipse">
+            <a:avLst/>
+          </a:prstGeom>
+          <a:solidFill>
+            <a:srgbClr val="FF0000"/>
+          </a:solidFill>
+        </p:spPr>
+        <p:style>
+          <a:lnRef idx="2">
+            <a:schemeClr val="accent1">
+              <a:shade val="50000"/>
+            </a:schemeClr>
+          </a:lnRef>
+          <a:fillRef idx="1">
+            <a:schemeClr val="accent1"/>
+          </a:fillRef>
+          <a:effectRef idx="0">
+            <a:schemeClr val="accent1"/>
+          </a:effectRef>
+          <a:fontRef idx="minor">
+            <a:schemeClr val="lt1"/>
+          </a:fontRef>
+        </p:style>
+        <p:txBody>
+          <a:bodyPr rtlCol="0" anchor="ctr"/>
+          <a:lstStyle/>
+          <a:p>
+            <a:pPr algn="ctr"/>
+            <a:r>
+              <a:rPr kumimoji="1" lang="en-US" altLang="zh-CN" dirty="0"/>
               <a:t>C</a:t>
+            </a:r>
+            <a:endParaRPr kumimoji="1" lang="zh-CN" altLang="en-US" dirty="0"/>
+          </a:p>
+        </p:txBody>
+      </p:sp>
+      <p:sp>
+        <p:nvSpPr>
+          <p:cNvPr id="14" name="椭圆 13">
+            <a:extLst>
+              <a:ext uri="{FF2B5EF4-FFF2-40B4-BE49-F238E27FC236}">
+                <a16:creationId xmlns:a16="http://schemas.microsoft.com/office/drawing/2014/main" id="{58F1C6F1-0C6F-5343-8966-C640056E7124}"/>
+              </a:ext>
+            </a:extLst>
+          </p:cNvPr>
+          <p:cNvSpPr/>
+          <p:nvPr/>
+        </p:nvSpPr>
+        <p:spPr>
+          <a:xfrm>
+            <a:off x="4503664" y="3280370"/>
+            <a:ext cx="522514" cy="534389"/>
+          </a:xfrm>
+          <a:prstGeom prst="ellipse">
+            <a:avLst/>
+          </a:prstGeom>
+          <a:solidFill>
+            <a:srgbClr val="FF0000"/>
+          </a:solidFill>
+        </p:spPr>
+        <p:style>
+          <a:lnRef idx="2">
+            <a:schemeClr val="accent1">
+              <a:shade val="50000"/>
+            </a:schemeClr>
+          </a:lnRef>
+          <a:fillRef idx="1">
+            <a:schemeClr val="accent1"/>
+          </a:fillRef>
+          <a:effectRef idx="0">
+            <a:schemeClr val="accent1"/>
+          </a:effectRef>
+          <a:fontRef idx="minor">
+            <a:schemeClr val="lt1"/>
+          </a:fontRef>
+        </p:style>
+        <p:txBody>
+          <a:bodyPr rtlCol="0" anchor="ctr"/>
+          <a:lstStyle/>
+          <a:p>
+            <a:pPr algn="ctr"/>
+            <a:r>
+              <a:rPr kumimoji="1" lang="en-US" altLang="zh-CN" dirty="0"/>
+              <a:t>D</a:t>
             </a:r>
             <a:endParaRPr kumimoji="1" lang="zh-CN" altLang="en-US" dirty="0"/>
           </a:p>
@@ -6318,7 +6658,866 @@
                   <a:srgbClr val="0070C0"/>
                 </a:solidFill>
               </a:rPr>
-              <a:t>- STRONG BRACH EDGES</a:t>
+              <a:t>- Articulation Points</a:t>
+            </a:r>
+            <a:endParaRPr kumimoji="1" lang="zh-CN" altLang="en-US" dirty="0">
+              <a:solidFill>
+                <a:srgbClr val="0070C0"/>
+              </a:solidFill>
+            </a:endParaRPr>
+          </a:p>
+        </p:txBody>
+      </p:sp>
+      <p:cxnSp>
+        <p:nvCxnSpPr>
+          <p:cNvPr id="36" name="直线连接符 35">
+            <a:extLst>
+              <a:ext uri="{FF2B5EF4-FFF2-40B4-BE49-F238E27FC236}">
+                <a16:creationId xmlns:a16="http://schemas.microsoft.com/office/drawing/2014/main" id="{C816119A-50EC-F64F-B346-1E4F34311436}"/>
+              </a:ext>
+            </a:extLst>
+          </p:cNvPr>
+          <p:cNvCxnSpPr>
+            <a:cxnSpLocks/>
+            <a:stCxn id="4" idx="4"/>
+            <a:endCxn id="14" idx="0"/>
+          </p:cNvCxnSpPr>
+          <p:nvPr/>
+        </p:nvCxnSpPr>
+        <p:spPr>
+          <a:xfrm>
+            <a:off x="4743805" y="1853112"/>
+            <a:ext cx="21116" cy="1427258"/>
+          </a:xfrm>
+          <a:prstGeom prst="line">
+            <a:avLst/>
+          </a:prstGeom>
+        </p:spPr>
+        <p:style>
+          <a:lnRef idx="3">
+            <a:schemeClr val="accent1"/>
+          </a:lnRef>
+          <a:fillRef idx="0">
+            <a:schemeClr val="accent1"/>
+          </a:fillRef>
+          <a:effectRef idx="2">
+            <a:schemeClr val="accent1"/>
+          </a:effectRef>
+          <a:fontRef idx="minor">
+            <a:schemeClr val="tx1"/>
+          </a:fontRef>
+        </p:style>
+      </p:cxnSp>
+      <p:cxnSp>
+        <p:nvCxnSpPr>
+          <p:cNvPr id="48" name="直线连接符 47">
+            <a:extLst>
+              <a:ext uri="{FF2B5EF4-FFF2-40B4-BE49-F238E27FC236}">
+                <a16:creationId xmlns:a16="http://schemas.microsoft.com/office/drawing/2014/main" id="{EC71DA8A-34AD-4443-BB8D-950833BD995C}"/>
+              </a:ext>
+            </a:extLst>
+          </p:cNvPr>
+          <p:cNvCxnSpPr>
+            <a:cxnSpLocks/>
+            <a:stCxn id="14" idx="2"/>
+            <a:endCxn id="12" idx="6"/>
+          </p:cNvCxnSpPr>
+          <p:nvPr/>
+        </p:nvCxnSpPr>
+        <p:spPr>
+          <a:xfrm flipH="1">
+            <a:off x="2222637" y="3547565"/>
+            <a:ext cx="2281027" cy="0"/>
+          </a:xfrm>
+          <a:prstGeom prst="line">
+            <a:avLst/>
+          </a:prstGeom>
+        </p:spPr>
+        <p:style>
+          <a:lnRef idx="3">
+            <a:schemeClr val="accent1"/>
+          </a:lnRef>
+          <a:fillRef idx="0">
+            <a:schemeClr val="accent1"/>
+          </a:fillRef>
+          <a:effectRef idx="2">
+            <a:schemeClr val="accent1"/>
+          </a:effectRef>
+          <a:fontRef idx="minor">
+            <a:schemeClr val="tx1"/>
+          </a:fontRef>
+        </p:style>
+      </p:cxnSp>
+      <p:cxnSp>
+        <p:nvCxnSpPr>
+          <p:cNvPr id="37" name="直线连接符 36">
+            <a:extLst>
+              <a:ext uri="{FF2B5EF4-FFF2-40B4-BE49-F238E27FC236}">
+                <a16:creationId xmlns:a16="http://schemas.microsoft.com/office/drawing/2014/main" id="{80F37163-0406-4340-BC39-6D9CA111AD0C}"/>
+              </a:ext>
+            </a:extLst>
+          </p:cNvPr>
+          <p:cNvCxnSpPr>
+            <a:cxnSpLocks/>
+            <a:stCxn id="4" idx="2"/>
+            <a:endCxn id="11" idx="6"/>
+          </p:cNvCxnSpPr>
+          <p:nvPr/>
+        </p:nvCxnSpPr>
+        <p:spPr>
+          <a:xfrm flipH="1">
+            <a:off x="2208995" y="1585918"/>
+            <a:ext cx="2273553" cy="0"/>
+          </a:xfrm>
+          <a:prstGeom prst="line">
+            <a:avLst/>
+          </a:prstGeom>
+        </p:spPr>
+        <p:style>
+          <a:lnRef idx="3">
+            <a:schemeClr val="accent1"/>
+          </a:lnRef>
+          <a:fillRef idx="0">
+            <a:schemeClr val="accent1"/>
+          </a:fillRef>
+          <a:effectRef idx="2">
+            <a:schemeClr val="accent1"/>
+          </a:effectRef>
+          <a:fontRef idx="minor">
+            <a:schemeClr val="tx1"/>
+          </a:fontRef>
+        </p:style>
+      </p:cxnSp>
+      <p:cxnSp>
+        <p:nvCxnSpPr>
+          <p:cNvPr id="50" name="直线连接符 49">
+            <a:extLst>
+              <a:ext uri="{FF2B5EF4-FFF2-40B4-BE49-F238E27FC236}">
+                <a16:creationId xmlns:a16="http://schemas.microsoft.com/office/drawing/2014/main" id="{C6230D1F-C212-D840-9897-945ADB7F6B20}"/>
+              </a:ext>
+            </a:extLst>
+          </p:cNvPr>
+          <p:cNvCxnSpPr>
+            <a:cxnSpLocks/>
+            <a:stCxn id="12" idx="0"/>
+            <a:endCxn id="11" idx="4"/>
+          </p:cNvCxnSpPr>
+          <p:nvPr/>
+        </p:nvCxnSpPr>
+        <p:spPr>
+          <a:xfrm flipH="1" flipV="1">
+            <a:off x="1947738" y="1853112"/>
+            <a:ext cx="13642" cy="1427258"/>
+          </a:xfrm>
+          <a:prstGeom prst="line">
+            <a:avLst/>
+          </a:prstGeom>
+        </p:spPr>
+        <p:style>
+          <a:lnRef idx="3">
+            <a:schemeClr val="accent1"/>
+          </a:lnRef>
+          <a:fillRef idx="0">
+            <a:schemeClr val="accent1"/>
+          </a:fillRef>
+          <a:effectRef idx="2">
+            <a:schemeClr val="accent1"/>
+          </a:effectRef>
+          <a:fontRef idx="minor">
+            <a:schemeClr val="tx1"/>
+          </a:fontRef>
+        </p:style>
+      </p:cxnSp>
+      <p:sp>
+        <p:nvSpPr>
+          <p:cNvPr id="28" name="椭圆 27">
+            <a:extLst>
+              <a:ext uri="{FF2B5EF4-FFF2-40B4-BE49-F238E27FC236}">
+                <a16:creationId xmlns:a16="http://schemas.microsoft.com/office/drawing/2014/main" id="{2FCFD7F6-C0C9-0749-A7CB-7404518D71A2}"/>
+              </a:ext>
+            </a:extLst>
+          </p:cNvPr>
+          <p:cNvSpPr/>
+          <p:nvPr/>
+        </p:nvSpPr>
+        <p:spPr>
+          <a:xfrm>
+            <a:off x="1686481" y="5210578"/>
+            <a:ext cx="522514" cy="534389"/>
+          </a:xfrm>
+          <a:prstGeom prst="ellipse">
+            <a:avLst/>
+          </a:prstGeom>
+        </p:spPr>
+        <p:style>
+          <a:lnRef idx="2">
+            <a:schemeClr val="accent1">
+              <a:shade val="50000"/>
+            </a:schemeClr>
+          </a:lnRef>
+          <a:fillRef idx="1">
+            <a:schemeClr val="accent1"/>
+          </a:fillRef>
+          <a:effectRef idx="0">
+            <a:schemeClr val="accent1"/>
+          </a:effectRef>
+          <a:fontRef idx="minor">
+            <a:schemeClr val="lt1"/>
+          </a:fontRef>
+        </p:style>
+        <p:txBody>
+          <a:bodyPr rtlCol="0" anchor="ctr"/>
+          <a:lstStyle/>
+          <a:p>
+            <a:pPr algn="ctr"/>
+            <a:r>
+              <a:rPr kumimoji="1" lang="en-US" altLang="zh-CN" dirty="0"/>
+              <a:t>G</a:t>
+            </a:r>
+            <a:endParaRPr kumimoji="1" lang="zh-CN" altLang="en-US" dirty="0"/>
+          </a:p>
+        </p:txBody>
+      </p:sp>
+      <p:sp>
+        <p:nvSpPr>
+          <p:cNvPr id="29" name="椭圆 28">
+            <a:extLst>
+              <a:ext uri="{FF2B5EF4-FFF2-40B4-BE49-F238E27FC236}">
+                <a16:creationId xmlns:a16="http://schemas.microsoft.com/office/drawing/2014/main" id="{C0445613-E923-164A-A3F3-EC53AE62A8F0}"/>
+              </a:ext>
+            </a:extLst>
+          </p:cNvPr>
+          <p:cNvSpPr/>
+          <p:nvPr/>
+        </p:nvSpPr>
+        <p:spPr>
+          <a:xfrm>
+            <a:off x="4503664" y="5210577"/>
+            <a:ext cx="522514" cy="534389"/>
+          </a:xfrm>
+          <a:prstGeom prst="ellipse">
+            <a:avLst/>
+          </a:prstGeom>
+        </p:spPr>
+        <p:style>
+          <a:lnRef idx="2">
+            <a:schemeClr val="accent1">
+              <a:shade val="50000"/>
+            </a:schemeClr>
+          </a:lnRef>
+          <a:fillRef idx="1">
+            <a:schemeClr val="accent1"/>
+          </a:fillRef>
+          <a:effectRef idx="0">
+            <a:schemeClr val="accent1"/>
+          </a:effectRef>
+          <a:fontRef idx="minor">
+            <a:schemeClr val="lt1"/>
+          </a:fontRef>
+        </p:style>
+        <p:txBody>
+          <a:bodyPr rtlCol="0" anchor="ctr"/>
+          <a:lstStyle/>
+          <a:p>
+            <a:pPr algn="ctr"/>
+            <a:r>
+              <a:rPr kumimoji="1" lang="en-US" altLang="zh-CN" dirty="0"/>
+              <a:t>F</a:t>
+            </a:r>
+            <a:endParaRPr kumimoji="1" lang="zh-CN" altLang="en-US" dirty="0"/>
+          </a:p>
+        </p:txBody>
+      </p:sp>
+      <p:cxnSp>
+        <p:nvCxnSpPr>
+          <p:cNvPr id="30" name="直线连接符 29">
+            <a:extLst>
+              <a:ext uri="{FF2B5EF4-FFF2-40B4-BE49-F238E27FC236}">
+                <a16:creationId xmlns:a16="http://schemas.microsoft.com/office/drawing/2014/main" id="{FBD0D547-0EDA-DC45-945E-D6925888F5B4}"/>
+              </a:ext>
+            </a:extLst>
+          </p:cNvPr>
+          <p:cNvCxnSpPr>
+            <a:cxnSpLocks/>
+            <a:stCxn id="28" idx="0"/>
+            <a:endCxn id="12" idx="4"/>
+          </p:cNvCxnSpPr>
+          <p:nvPr/>
+        </p:nvCxnSpPr>
+        <p:spPr>
+          <a:xfrm flipV="1">
+            <a:off x="1947738" y="3814759"/>
+            <a:ext cx="13642" cy="1395819"/>
+          </a:xfrm>
+          <a:prstGeom prst="line">
+            <a:avLst/>
+          </a:prstGeom>
+        </p:spPr>
+        <p:style>
+          <a:lnRef idx="3">
+            <a:schemeClr val="accent1"/>
+          </a:lnRef>
+          <a:fillRef idx="0">
+            <a:schemeClr val="accent1"/>
+          </a:fillRef>
+          <a:effectRef idx="2">
+            <a:schemeClr val="accent1"/>
+          </a:effectRef>
+          <a:fontRef idx="minor">
+            <a:schemeClr val="tx1"/>
+          </a:fontRef>
+        </p:style>
+      </p:cxnSp>
+      <p:cxnSp>
+        <p:nvCxnSpPr>
+          <p:cNvPr id="33" name="直线连接符 32">
+            <a:extLst>
+              <a:ext uri="{FF2B5EF4-FFF2-40B4-BE49-F238E27FC236}">
+                <a16:creationId xmlns:a16="http://schemas.microsoft.com/office/drawing/2014/main" id="{C139E1D6-249D-2B49-8139-1C6FCA2A80D9}"/>
+              </a:ext>
+            </a:extLst>
+          </p:cNvPr>
+          <p:cNvCxnSpPr>
+            <a:cxnSpLocks/>
+            <a:stCxn id="14" idx="4"/>
+            <a:endCxn id="29" idx="0"/>
+          </p:cNvCxnSpPr>
+          <p:nvPr/>
+        </p:nvCxnSpPr>
+        <p:spPr>
+          <a:xfrm>
+            <a:off x="4764921" y="3814759"/>
+            <a:ext cx="0" cy="1395818"/>
+          </a:xfrm>
+          <a:prstGeom prst="line">
+            <a:avLst/>
+          </a:prstGeom>
+        </p:spPr>
+        <p:style>
+          <a:lnRef idx="3">
+            <a:schemeClr val="accent1"/>
+          </a:lnRef>
+          <a:fillRef idx="0">
+            <a:schemeClr val="accent1"/>
+          </a:fillRef>
+          <a:effectRef idx="2">
+            <a:schemeClr val="accent1"/>
+          </a:effectRef>
+          <a:fontRef idx="minor">
+            <a:schemeClr val="tx1"/>
+          </a:fontRef>
+        </p:style>
+      </p:cxnSp>
+      <p:cxnSp>
+        <p:nvCxnSpPr>
+          <p:cNvPr id="45" name="直线连接符 44">
+            <a:extLst>
+              <a:ext uri="{FF2B5EF4-FFF2-40B4-BE49-F238E27FC236}">
+                <a16:creationId xmlns:a16="http://schemas.microsoft.com/office/drawing/2014/main" id="{8D2F2AE0-4318-A843-9203-F8B0F1B8083C}"/>
+              </a:ext>
+            </a:extLst>
+          </p:cNvPr>
+          <p:cNvCxnSpPr>
+            <a:cxnSpLocks/>
+            <a:endCxn id="14" idx="6"/>
+          </p:cNvCxnSpPr>
+          <p:nvPr/>
+        </p:nvCxnSpPr>
+        <p:spPr>
+          <a:xfrm flipH="1" flipV="1">
+            <a:off x="5026178" y="3547565"/>
+            <a:ext cx="1934254" cy="680531"/>
+          </a:xfrm>
+          <a:prstGeom prst="line">
+            <a:avLst/>
+          </a:prstGeom>
+        </p:spPr>
+        <p:style>
+          <a:lnRef idx="3">
+            <a:schemeClr val="accent1"/>
+          </a:lnRef>
+          <a:fillRef idx="0">
+            <a:schemeClr val="accent1"/>
+          </a:fillRef>
+          <a:effectRef idx="2">
+            <a:schemeClr val="accent1"/>
+          </a:effectRef>
+          <a:fontRef idx="minor">
+            <a:schemeClr val="tx1"/>
+          </a:fontRef>
+        </p:style>
+      </p:cxnSp>
+      <p:cxnSp>
+        <p:nvCxnSpPr>
+          <p:cNvPr id="49" name="直线连接符 48">
+            <a:extLst>
+              <a:ext uri="{FF2B5EF4-FFF2-40B4-BE49-F238E27FC236}">
+                <a16:creationId xmlns:a16="http://schemas.microsoft.com/office/drawing/2014/main" id="{AF8A5A7F-CB1E-444E-90D5-C491726954DF}"/>
+              </a:ext>
+            </a:extLst>
+          </p:cNvPr>
+          <p:cNvCxnSpPr>
+            <a:cxnSpLocks/>
+            <a:stCxn id="9" idx="3"/>
+            <a:endCxn id="29" idx="6"/>
+          </p:cNvCxnSpPr>
+          <p:nvPr/>
+        </p:nvCxnSpPr>
+        <p:spPr>
+          <a:xfrm flipH="1">
+            <a:off x="5026178" y="4495290"/>
+            <a:ext cx="1749517" cy="982482"/>
+          </a:xfrm>
+          <a:prstGeom prst="line">
+            <a:avLst/>
+          </a:prstGeom>
+        </p:spPr>
+        <p:style>
+          <a:lnRef idx="3">
+            <a:schemeClr val="accent1"/>
+          </a:lnRef>
+          <a:fillRef idx="0">
+            <a:schemeClr val="accent1"/>
+          </a:fillRef>
+          <a:effectRef idx="2">
+            <a:schemeClr val="accent1"/>
+          </a:effectRef>
+          <a:fontRef idx="minor">
+            <a:schemeClr val="tx1"/>
+          </a:fontRef>
+        </p:style>
+      </p:cxnSp>
+    </p:spTree>
+    <p:extLst>
+      <p:ext uri="{BB962C8B-B14F-4D97-AF65-F5344CB8AC3E}">
+        <p14:creationId xmlns:p14="http://schemas.microsoft.com/office/powerpoint/2010/main" val="1733551507"/>
+      </p:ext>
+    </p:extLst>
+  </p:cSld>
+  <p:clrMapOvr>
+    <a:masterClrMapping/>
+  </p:clrMapOvr>
+</p:sld>
+</file>
+
+<file path=ppt/slides/slide5.xml><?xml version="1.0" encoding="utf-8"?>
+<p:sld xmlns:a="http://schemas.openxmlformats.org/drawingml/2006/main" xmlns:r="http://schemas.openxmlformats.org/officeDocument/2006/relationships" xmlns:p="http://schemas.openxmlformats.org/presentationml/2006/main">
+  <p:cSld>
+    <p:spTree>
+      <p:nvGrpSpPr>
+        <p:cNvPr id="1" name=""/>
+        <p:cNvGrpSpPr/>
+        <p:nvPr/>
+      </p:nvGrpSpPr>
+      <p:grpSpPr>
+        <a:xfrm>
+          <a:off x="0" y="0"/>
+          <a:ext cx="0" cy="0"/>
+          <a:chOff x="0" y="0"/>
+          <a:chExt cx="0" cy="0"/>
+        </a:xfrm>
+      </p:grpSpPr>
+      <p:sp>
+        <p:nvSpPr>
+          <p:cNvPr id="4" name="椭圆 3">
+            <a:extLst>
+              <a:ext uri="{FF2B5EF4-FFF2-40B4-BE49-F238E27FC236}">
+                <a16:creationId xmlns:a16="http://schemas.microsoft.com/office/drawing/2014/main" id="{DE70EE2F-EB0E-6F47-A6B1-2A297E2EE471}"/>
+              </a:ext>
+            </a:extLst>
+          </p:cNvPr>
+          <p:cNvSpPr/>
+          <p:nvPr/>
+        </p:nvSpPr>
+        <p:spPr>
+          <a:xfrm>
+            <a:off x="2466794" y="1268853"/>
+            <a:ext cx="522514" cy="534389"/>
+          </a:xfrm>
+          <a:prstGeom prst="ellipse">
+            <a:avLst/>
+          </a:prstGeom>
+        </p:spPr>
+        <p:style>
+          <a:lnRef idx="2">
+            <a:schemeClr val="accent1">
+              <a:shade val="50000"/>
+            </a:schemeClr>
+          </a:lnRef>
+          <a:fillRef idx="1">
+            <a:schemeClr val="accent1"/>
+          </a:fillRef>
+          <a:effectRef idx="0">
+            <a:schemeClr val="accent1"/>
+          </a:effectRef>
+          <a:fontRef idx="minor">
+            <a:schemeClr val="lt1"/>
+          </a:fontRef>
+        </p:style>
+        <p:txBody>
+          <a:bodyPr rtlCol="0" anchor="ctr"/>
+          <a:lstStyle/>
+          <a:p>
+            <a:pPr algn="ctr"/>
+            <a:r>
+              <a:rPr kumimoji="1" lang="en-US" altLang="zh-CN" dirty="0"/>
+              <a:t>A</a:t>
+            </a:r>
+            <a:endParaRPr kumimoji="1" lang="zh-CN" altLang="en-US" dirty="0"/>
+          </a:p>
+        </p:txBody>
+      </p:sp>
+      <p:sp>
+        <p:nvSpPr>
+          <p:cNvPr id="7" name="椭圆 6">
+            <a:extLst>
+              <a:ext uri="{FF2B5EF4-FFF2-40B4-BE49-F238E27FC236}">
+                <a16:creationId xmlns:a16="http://schemas.microsoft.com/office/drawing/2014/main" id="{0BE1B618-A039-7545-B7E8-F5BF4144ACE5}"/>
+              </a:ext>
+            </a:extLst>
+          </p:cNvPr>
+          <p:cNvSpPr/>
+          <p:nvPr/>
+        </p:nvSpPr>
+        <p:spPr>
+          <a:xfrm>
+            <a:off x="4453804" y="1289894"/>
+            <a:ext cx="522514" cy="534389"/>
+          </a:xfrm>
+          <a:prstGeom prst="ellipse">
+            <a:avLst/>
+          </a:prstGeom>
+        </p:spPr>
+        <p:style>
+          <a:lnRef idx="2">
+            <a:schemeClr val="accent1">
+              <a:shade val="50000"/>
+            </a:schemeClr>
+          </a:lnRef>
+          <a:fillRef idx="1">
+            <a:schemeClr val="accent1"/>
+          </a:fillRef>
+          <a:effectRef idx="0">
+            <a:schemeClr val="accent1"/>
+          </a:effectRef>
+          <a:fontRef idx="minor">
+            <a:schemeClr val="lt1"/>
+          </a:fontRef>
+        </p:style>
+        <p:txBody>
+          <a:bodyPr rtlCol="0" anchor="ctr"/>
+          <a:lstStyle/>
+          <a:p>
+            <a:pPr algn="ctr"/>
+            <a:r>
+              <a:rPr kumimoji="1" lang="en-US" altLang="zh-CN" dirty="0"/>
+              <a:t>B</a:t>
+            </a:r>
+            <a:endParaRPr kumimoji="1" lang="zh-CN" altLang="en-US" dirty="0"/>
+          </a:p>
+        </p:txBody>
+      </p:sp>
+      <p:sp>
+        <p:nvSpPr>
+          <p:cNvPr id="9" name="椭圆 8">
+            <a:extLst>
+              <a:ext uri="{FF2B5EF4-FFF2-40B4-BE49-F238E27FC236}">
+                <a16:creationId xmlns:a16="http://schemas.microsoft.com/office/drawing/2014/main" id="{23C0A51A-3E8A-964F-9433-32D4EA9C2205}"/>
+              </a:ext>
+            </a:extLst>
+          </p:cNvPr>
+          <p:cNvSpPr/>
+          <p:nvPr/>
+        </p:nvSpPr>
+        <p:spPr>
+          <a:xfrm>
+            <a:off x="2466794" y="4357333"/>
+            <a:ext cx="522514" cy="534389"/>
+          </a:xfrm>
+          <a:prstGeom prst="ellipse">
+            <a:avLst/>
+          </a:prstGeom>
+        </p:spPr>
+        <p:style>
+          <a:lnRef idx="2">
+            <a:schemeClr val="accent1">
+              <a:shade val="50000"/>
+            </a:schemeClr>
+          </a:lnRef>
+          <a:fillRef idx="1">
+            <a:schemeClr val="accent1"/>
+          </a:fillRef>
+          <a:effectRef idx="0">
+            <a:schemeClr val="accent1"/>
+          </a:effectRef>
+          <a:fontRef idx="minor">
+            <a:schemeClr val="lt1"/>
+          </a:fontRef>
+        </p:style>
+        <p:txBody>
+          <a:bodyPr rtlCol="0" anchor="ctr"/>
+          <a:lstStyle/>
+          <a:p>
+            <a:pPr algn="ctr"/>
+            <a:r>
+              <a:rPr kumimoji="1" lang="en-US" altLang="zh-CN" dirty="0"/>
+              <a:t>E</a:t>
+            </a:r>
+            <a:endParaRPr kumimoji="1" lang="zh-CN" altLang="en-US" dirty="0"/>
+          </a:p>
+        </p:txBody>
+      </p:sp>
+      <p:sp>
+        <p:nvSpPr>
+          <p:cNvPr id="11" name="椭圆 10">
+            <a:extLst>
+              <a:ext uri="{FF2B5EF4-FFF2-40B4-BE49-F238E27FC236}">
+                <a16:creationId xmlns:a16="http://schemas.microsoft.com/office/drawing/2014/main" id="{3AF5C068-0B69-1D4B-9F60-CFCFF6CB7466}"/>
+              </a:ext>
+            </a:extLst>
+          </p:cNvPr>
+          <p:cNvSpPr/>
+          <p:nvPr/>
+        </p:nvSpPr>
+        <p:spPr>
+          <a:xfrm>
+            <a:off x="2466794" y="2826546"/>
+            <a:ext cx="522514" cy="534389"/>
+          </a:xfrm>
+          <a:prstGeom prst="ellipse">
+            <a:avLst/>
+          </a:prstGeom>
+        </p:spPr>
+        <p:style>
+          <a:lnRef idx="2">
+            <a:schemeClr val="accent1">
+              <a:shade val="50000"/>
+            </a:schemeClr>
+          </a:lnRef>
+          <a:fillRef idx="1">
+            <a:schemeClr val="accent1"/>
+          </a:fillRef>
+          <a:effectRef idx="0">
+            <a:schemeClr val="accent1"/>
+          </a:effectRef>
+          <a:fontRef idx="minor">
+            <a:schemeClr val="lt1"/>
+          </a:fontRef>
+        </p:style>
+        <p:txBody>
+          <a:bodyPr rtlCol="0" anchor="ctr"/>
+          <a:lstStyle/>
+          <a:p>
+            <a:pPr algn="ctr"/>
+            <a:r>
+              <a:rPr kumimoji="1" lang="en-US" altLang="zh-CN" dirty="0"/>
+              <a:t>D</a:t>
+            </a:r>
+            <a:endParaRPr kumimoji="1" lang="zh-CN" altLang="en-US" dirty="0"/>
+          </a:p>
+        </p:txBody>
+      </p:sp>
+      <p:sp>
+        <p:nvSpPr>
+          <p:cNvPr id="12" name="椭圆 11">
+            <a:extLst>
+              <a:ext uri="{FF2B5EF4-FFF2-40B4-BE49-F238E27FC236}">
+                <a16:creationId xmlns:a16="http://schemas.microsoft.com/office/drawing/2014/main" id="{DAFB89A5-7EFE-4E4D-BE77-6D4F3402771E}"/>
+              </a:ext>
+            </a:extLst>
+          </p:cNvPr>
+          <p:cNvSpPr/>
+          <p:nvPr/>
+        </p:nvSpPr>
+        <p:spPr>
+          <a:xfrm>
+            <a:off x="7054826" y="1289894"/>
+            <a:ext cx="522514" cy="534389"/>
+          </a:xfrm>
+          <a:prstGeom prst="ellipse">
+            <a:avLst/>
+          </a:prstGeom>
+        </p:spPr>
+        <p:style>
+          <a:lnRef idx="2">
+            <a:schemeClr val="accent1">
+              <a:shade val="50000"/>
+            </a:schemeClr>
+          </a:lnRef>
+          <a:fillRef idx="1">
+            <a:schemeClr val="accent1"/>
+          </a:fillRef>
+          <a:effectRef idx="0">
+            <a:schemeClr val="accent1"/>
+          </a:effectRef>
+          <a:fontRef idx="minor">
+            <a:schemeClr val="lt1"/>
+          </a:fontRef>
+        </p:style>
+        <p:txBody>
+          <a:bodyPr rtlCol="0" anchor="ctr"/>
+          <a:lstStyle/>
+          <a:p>
+            <a:pPr algn="ctr"/>
+            <a:r>
+              <a:rPr kumimoji="1" lang="en-US" altLang="zh-CN" dirty="0"/>
+              <a:t>G</a:t>
+            </a:r>
+            <a:endParaRPr kumimoji="1" lang="zh-CN" altLang="en-US" dirty="0"/>
+          </a:p>
+        </p:txBody>
+      </p:sp>
+      <p:sp>
+        <p:nvSpPr>
+          <p:cNvPr id="13" name="椭圆 12">
+            <a:extLst>
+              <a:ext uri="{FF2B5EF4-FFF2-40B4-BE49-F238E27FC236}">
+                <a16:creationId xmlns:a16="http://schemas.microsoft.com/office/drawing/2014/main" id="{CF61EFBE-36F5-264F-87D2-A9FAD406CE7B}"/>
+              </a:ext>
+            </a:extLst>
+          </p:cNvPr>
+          <p:cNvSpPr/>
+          <p:nvPr/>
+        </p:nvSpPr>
+        <p:spPr>
+          <a:xfrm>
+            <a:off x="6179560" y="2816031"/>
+            <a:ext cx="522514" cy="534389"/>
+          </a:xfrm>
+          <a:prstGeom prst="ellipse">
+            <a:avLst/>
+          </a:prstGeom>
+        </p:spPr>
+        <p:style>
+          <a:lnRef idx="2">
+            <a:schemeClr val="accent1">
+              <a:shade val="50000"/>
+            </a:schemeClr>
+          </a:lnRef>
+          <a:fillRef idx="1">
+            <a:schemeClr val="accent1"/>
+          </a:fillRef>
+          <a:effectRef idx="0">
+            <a:schemeClr val="accent1"/>
+          </a:effectRef>
+          <a:fontRef idx="minor">
+            <a:schemeClr val="lt1"/>
+          </a:fontRef>
+        </p:style>
+        <p:txBody>
+          <a:bodyPr rtlCol="0" anchor="ctr"/>
+          <a:lstStyle/>
+          <a:p>
+            <a:pPr algn="ctr"/>
+            <a:r>
+              <a:rPr kumimoji="1" lang="en-US" altLang="zh-CN" dirty="0"/>
+              <a:t>F</a:t>
+            </a:r>
+            <a:endParaRPr kumimoji="1" lang="zh-CN" altLang="en-US" dirty="0"/>
+          </a:p>
+        </p:txBody>
+      </p:sp>
+      <p:sp>
+        <p:nvSpPr>
+          <p:cNvPr id="14" name="椭圆 13">
+            <a:extLst>
+              <a:ext uri="{FF2B5EF4-FFF2-40B4-BE49-F238E27FC236}">
+                <a16:creationId xmlns:a16="http://schemas.microsoft.com/office/drawing/2014/main" id="{58F1C6F1-0C6F-5343-8966-C640056E7124}"/>
+              </a:ext>
+            </a:extLst>
+          </p:cNvPr>
+          <p:cNvSpPr/>
+          <p:nvPr/>
+        </p:nvSpPr>
+        <p:spPr>
+          <a:xfrm>
+            <a:off x="4453805" y="2826546"/>
+            <a:ext cx="522514" cy="534389"/>
+          </a:xfrm>
+          <a:prstGeom prst="ellipse">
+            <a:avLst/>
+          </a:prstGeom>
+        </p:spPr>
+        <p:style>
+          <a:lnRef idx="2">
+            <a:schemeClr val="accent1">
+              <a:shade val="50000"/>
+            </a:schemeClr>
+          </a:lnRef>
+          <a:fillRef idx="1">
+            <a:schemeClr val="accent1"/>
+          </a:fillRef>
+          <a:effectRef idx="0">
+            <a:schemeClr val="accent1"/>
+          </a:effectRef>
+          <a:fontRef idx="minor">
+            <a:schemeClr val="lt1"/>
+          </a:fontRef>
+        </p:style>
+        <p:txBody>
+          <a:bodyPr rtlCol="0" anchor="ctr"/>
+          <a:lstStyle/>
+          <a:p>
+            <a:pPr algn="ctr"/>
+            <a:r>
+              <a:rPr kumimoji="1" lang="en-US" altLang="zh-CN" dirty="0"/>
+              <a:t>C</a:t>
+            </a:r>
+            <a:endParaRPr kumimoji="1" lang="zh-CN" altLang="en-US" dirty="0"/>
+          </a:p>
+        </p:txBody>
+      </p:sp>
+      <p:sp>
+        <p:nvSpPr>
+          <p:cNvPr id="2" name="文本框 1">
+            <a:extLst>
+              <a:ext uri="{FF2B5EF4-FFF2-40B4-BE49-F238E27FC236}">
+                <a16:creationId xmlns:a16="http://schemas.microsoft.com/office/drawing/2014/main" id="{4B181367-25AF-0441-83B6-92CCC482EE53}"/>
+              </a:ext>
+            </a:extLst>
+          </p:cNvPr>
+          <p:cNvSpPr txBox="1"/>
+          <p:nvPr/>
+        </p:nvSpPr>
+        <p:spPr>
+          <a:xfrm>
+            <a:off x="213755" y="142504"/>
+            <a:ext cx="5028593" cy="369332"/>
+          </a:xfrm>
+          <a:prstGeom prst="rect">
+            <a:avLst/>
+          </a:prstGeom>
+          <a:noFill/>
+        </p:spPr>
+        <p:txBody>
+          <a:bodyPr wrap="square" rtlCol="0">
+            <a:spAutoFit/>
+          </a:bodyPr>
+          <a:lstStyle/>
+          <a:p>
+            <a:r>
+              <a:rPr kumimoji="1" lang="en-US" altLang="zh-CN" b="1" dirty="0">
+                <a:solidFill>
+                  <a:srgbClr val="0070C0"/>
+                </a:solidFill>
+              </a:rPr>
+              <a:t>Graph</a:t>
+            </a:r>
+            <a:r>
+              <a:rPr kumimoji="1" lang="en-US" altLang="zh-CN" dirty="0">
+                <a:solidFill>
+                  <a:srgbClr val="0070C0"/>
+                </a:solidFill>
+              </a:rPr>
+              <a:t>- </a:t>
+            </a:r>
+            <a:r>
+              <a:rPr kumimoji="1" lang="en-US" altLang="zh-CN">
+                <a:solidFill>
+                  <a:srgbClr val="0070C0"/>
+                </a:solidFill>
+              </a:rPr>
+              <a:t>STRONG BRACH</a:t>
             </a:r>
             <a:endParaRPr kumimoji="1" lang="zh-CN" altLang="en-US" dirty="0">
               <a:solidFill>

--- a/Assets/visualization.pptx
+++ b/Assets/visualization.pptx
@@ -9,7 +9,8 @@
     <p:sldId id="259" r:id="rId3"/>
     <p:sldId id="261" r:id="rId4"/>
     <p:sldId id="262" r:id="rId5"/>
-    <p:sldId id="257" r:id="rId6"/>
+    <p:sldId id="263" r:id="rId6"/>
+    <p:sldId id="257" r:id="rId7"/>
   </p:sldIdLst>
   <p:sldSz cx="12192000" cy="6858000"/>
   <p:notesSz cx="6858000" cy="9144000"/>
@@ -7131,7 +7132,7 @@
         </p:nvSpPr>
         <p:spPr>
           <a:xfrm>
-            <a:off x="2466794" y="1268853"/>
+            <a:off x="5834743" y="517744"/>
             <a:ext cx="522514" cy="534389"/>
           </a:xfrm>
           <a:prstGeom prst="ellipse">
@@ -7181,7 +7182,7 @@
         </p:nvSpPr>
         <p:spPr>
           <a:xfrm>
-            <a:off x="4453804" y="1289894"/>
+            <a:off x="1219620" y="1633000"/>
             <a:ext cx="522514" cy="534389"/>
           </a:xfrm>
           <a:prstGeom prst="ellipse">
@@ -7231,7 +7232,7 @@
         </p:nvSpPr>
         <p:spPr>
           <a:xfrm>
-            <a:off x="2466794" y="4357333"/>
+            <a:off x="10927307" y="1633000"/>
             <a:ext cx="522514" cy="534389"/>
           </a:xfrm>
           <a:prstGeom prst="ellipse">
@@ -7281,7 +7282,7 @@
         </p:nvSpPr>
         <p:spPr>
           <a:xfrm>
-            <a:off x="2466794" y="2826546"/>
+            <a:off x="7532265" y="1633001"/>
             <a:ext cx="522514" cy="534389"/>
           </a:xfrm>
           <a:prstGeom prst="ellipse">
@@ -7331,7 +7332,7 @@
         </p:nvSpPr>
         <p:spPr>
           <a:xfrm>
-            <a:off x="7054826" y="1289894"/>
+            <a:off x="5659165" y="2831679"/>
             <a:ext cx="522514" cy="534389"/>
           </a:xfrm>
           <a:prstGeom prst="ellipse">
@@ -7381,7 +7382,7 @@
         </p:nvSpPr>
         <p:spPr>
           <a:xfrm>
-            <a:off x="6179560" y="2816031"/>
+            <a:off x="2600788" y="2744397"/>
             <a:ext cx="522514" cy="534389"/>
           </a:xfrm>
           <a:prstGeom prst="ellipse">
@@ -7431,7 +7432,7 @@
         </p:nvSpPr>
         <p:spPr>
           <a:xfrm>
-            <a:off x="4453805" y="2826546"/>
+            <a:off x="4137223" y="1633001"/>
             <a:ext cx="522514" cy="534389"/>
           </a:xfrm>
           <a:prstGeom prst="ellipse">
@@ -7509,15 +7510,1561 @@
                   <a:srgbClr val="0070C0"/>
                 </a:solidFill>
               </a:rPr>
-              <a:t>- </a:t>
-            </a:r>
-            <a:r>
-              <a:rPr kumimoji="1" lang="en-US" altLang="zh-CN">
+              <a:t>- Euler Path</a:t>
+            </a:r>
+            <a:endParaRPr kumimoji="1" lang="zh-CN" altLang="en-US" dirty="0">
+              <a:solidFill>
+                <a:srgbClr val="0070C0"/>
+              </a:solidFill>
+            </a:endParaRPr>
+          </a:p>
+        </p:txBody>
+      </p:sp>
+      <p:sp>
+        <p:nvSpPr>
+          <p:cNvPr id="33" name="文本框 32">
+            <a:extLst>
+              <a:ext uri="{FF2B5EF4-FFF2-40B4-BE49-F238E27FC236}">
+                <a16:creationId xmlns:a16="http://schemas.microsoft.com/office/drawing/2014/main" id="{09CBDA21-04B1-C84B-8BF2-ADAB7D7BFB6A}"/>
+              </a:ext>
+            </a:extLst>
+          </p:cNvPr>
+          <p:cNvSpPr txBox="1"/>
+          <p:nvPr/>
+        </p:nvSpPr>
+        <p:spPr>
+          <a:xfrm>
+            <a:off x="4560125" y="2375065"/>
+            <a:ext cx="184731" cy="369332"/>
+          </a:xfrm>
+          <a:prstGeom prst="rect">
+            <a:avLst/>
+          </a:prstGeom>
+          <a:noFill/>
+        </p:spPr>
+        <p:txBody>
+          <a:bodyPr wrap="none" rtlCol="0">
+            <a:spAutoFit/>
+          </a:bodyPr>
+          <a:lstStyle/>
+          <a:p>
+            <a:endParaRPr kumimoji="1" lang="zh-CN" altLang="en-US" dirty="0"/>
+          </a:p>
+        </p:txBody>
+      </p:sp>
+      <p:sp>
+        <p:nvSpPr>
+          <p:cNvPr id="78" name="椭圆 77">
+            <a:extLst>
+              <a:ext uri="{FF2B5EF4-FFF2-40B4-BE49-F238E27FC236}">
+                <a16:creationId xmlns:a16="http://schemas.microsoft.com/office/drawing/2014/main" id="{94F0DC91-B8C2-F645-BAF1-74B55F6D18EB}"/>
+              </a:ext>
+            </a:extLst>
+          </p:cNvPr>
+          <p:cNvSpPr/>
+          <p:nvPr/>
+        </p:nvSpPr>
+        <p:spPr>
+          <a:xfrm>
+            <a:off x="1219620" y="4072803"/>
+            <a:ext cx="522514" cy="534389"/>
+          </a:xfrm>
+          <a:prstGeom prst="ellipse">
+            <a:avLst/>
+          </a:prstGeom>
+        </p:spPr>
+        <p:style>
+          <a:lnRef idx="2">
+            <a:schemeClr val="accent1">
+              <a:shade val="50000"/>
+            </a:schemeClr>
+          </a:lnRef>
+          <a:fillRef idx="1">
+            <a:schemeClr val="accent1"/>
+          </a:fillRef>
+          <a:effectRef idx="0">
+            <a:schemeClr val="accent1"/>
+          </a:effectRef>
+          <a:fontRef idx="minor">
+            <a:schemeClr val="lt1"/>
+          </a:fontRef>
+        </p:style>
+        <p:txBody>
+          <a:bodyPr rtlCol="0" anchor="ctr"/>
+          <a:lstStyle/>
+          <a:p>
+            <a:pPr algn="ctr"/>
+            <a:r>
+              <a:rPr kumimoji="1" lang="en-US" altLang="zh-CN" dirty="0"/>
+              <a:t>H</a:t>
+            </a:r>
+            <a:endParaRPr kumimoji="1" lang="zh-CN" altLang="en-US" dirty="0"/>
+          </a:p>
+        </p:txBody>
+      </p:sp>
+      <p:sp>
+        <p:nvSpPr>
+          <p:cNvPr id="81" name="椭圆 80">
+            <a:extLst>
+              <a:ext uri="{FF2B5EF4-FFF2-40B4-BE49-F238E27FC236}">
+                <a16:creationId xmlns:a16="http://schemas.microsoft.com/office/drawing/2014/main" id="{F63FED62-3819-E546-A34A-C79DBC2D2D09}"/>
+              </a:ext>
+            </a:extLst>
+          </p:cNvPr>
+          <p:cNvSpPr/>
+          <p:nvPr/>
+        </p:nvSpPr>
+        <p:spPr>
+          <a:xfrm>
+            <a:off x="7547725" y="4072800"/>
+            <a:ext cx="522514" cy="534389"/>
+          </a:xfrm>
+          <a:prstGeom prst="ellipse">
+            <a:avLst/>
+          </a:prstGeom>
+        </p:spPr>
+        <p:style>
+          <a:lnRef idx="2">
+            <a:schemeClr val="accent1">
+              <a:shade val="50000"/>
+            </a:schemeClr>
+          </a:lnRef>
+          <a:fillRef idx="1">
+            <a:schemeClr val="accent1"/>
+          </a:fillRef>
+          <a:effectRef idx="0">
+            <a:schemeClr val="accent1"/>
+          </a:effectRef>
+          <a:fontRef idx="minor">
+            <a:schemeClr val="lt1"/>
+          </a:fontRef>
+        </p:style>
+        <p:txBody>
+          <a:bodyPr rtlCol="0" anchor="ctr"/>
+          <a:lstStyle/>
+          <a:p>
+            <a:pPr algn="ctr"/>
+            <a:r>
+              <a:rPr kumimoji="1" lang="en-US" altLang="zh-CN" dirty="0"/>
+              <a:t>J</a:t>
+            </a:r>
+            <a:endParaRPr kumimoji="1" lang="zh-CN" altLang="en-US" dirty="0"/>
+          </a:p>
+        </p:txBody>
+      </p:sp>
+      <p:sp>
+        <p:nvSpPr>
+          <p:cNvPr id="82" name="椭圆 81">
+            <a:extLst>
+              <a:ext uri="{FF2B5EF4-FFF2-40B4-BE49-F238E27FC236}">
+                <a16:creationId xmlns:a16="http://schemas.microsoft.com/office/drawing/2014/main" id="{47EE0488-AA7F-C64D-9A0E-FFD7BAFB7909}"/>
+              </a:ext>
+            </a:extLst>
+          </p:cNvPr>
+          <p:cNvSpPr/>
+          <p:nvPr/>
+        </p:nvSpPr>
+        <p:spPr>
+          <a:xfrm>
+            <a:off x="4137223" y="4072802"/>
+            <a:ext cx="522514" cy="534389"/>
+          </a:xfrm>
+          <a:prstGeom prst="ellipse">
+            <a:avLst/>
+          </a:prstGeom>
+        </p:spPr>
+        <p:style>
+          <a:lnRef idx="2">
+            <a:schemeClr val="accent1">
+              <a:shade val="50000"/>
+            </a:schemeClr>
+          </a:lnRef>
+          <a:fillRef idx="1">
+            <a:schemeClr val="accent1"/>
+          </a:fillRef>
+          <a:effectRef idx="0">
+            <a:schemeClr val="accent1"/>
+          </a:effectRef>
+          <a:fontRef idx="minor">
+            <a:schemeClr val="lt1"/>
+          </a:fontRef>
+        </p:style>
+        <p:txBody>
+          <a:bodyPr rtlCol="0" anchor="ctr"/>
+          <a:lstStyle/>
+          <a:p>
+            <a:pPr algn="ctr"/>
+            <a:r>
+              <a:rPr kumimoji="1" lang="en-US" altLang="zh-CN" dirty="0"/>
+              <a:t>I</a:t>
+            </a:r>
+            <a:endParaRPr kumimoji="1" lang="zh-CN" altLang="en-US" dirty="0"/>
+          </a:p>
+        </p:txBody>
+      </p:sp>
+      <p:sp>
+        <p:nvSpPr>
+          <p:cNvPr id="29" name="椭圆 28">
+            <a:extLst>
+              <a:ext uri="{FF2B5EF4-FFF2-40B4-BE49-F238E27FC236}">
+                <a16:creationId xmlns:a16="http://schemas.microsoft.com/office/drawing/2014/main" id="{A977F73F-8990-0740-B8B4-8E9AE392F534}"/>
+              </a:ext>
+            </a:extLst>
+          </p:cNvPr>
+          <p:cNvSpPr/>
+          <p:nvPr/>
+        </p:nvSpPr>
+        <p:spPr>
+          <a:xfrm>
+            <a:off x="10927307" y="4072800"/>
+            <a:ext cx="522514" cy="534389"/>
+          </a:xfrm>
+          <a:prstGeom prst="ellipse">
+            <a:avLst/>
+          </a:prstGeom>
+        </p:spPr>
+        <p:style>
+          <a:lnRef idx="2">
+            <a:schemeClr val="accent1">
+              <a:shade val="50000"/>
+            </a:schemeClr>
+          </a:lnRef>
+          <a:fillRef idx="1">
+            <a:schemeClr val="accent1"/>
+          </a:fillRef>
+          <a:effectRef idx="0">
+            <a:schemeClr val="accent1"/>
+          </a:effectRef>
+          <a:fontRef idx="minor">
+            <a:schemeClr val="lt1"/>
+          </a:fontRef>
+        </p:style>
+        <p:txBody>
+          <a:bodyPr rtlCol="0" anchor="ctr"/>
+          <a:lstStyle/>
+          <a:p>
+            <a:pPr algn="ctr"/>
+            <a:r>
+              <a:rPr kumimoji="1" lang="en-US" altLang="zh-CN" dirty="0"/>
+              <a:t>K</a:t>
+            </a:r>
+            <a:endParaRPr kumimoji="1" lang="zh-CN" altLang="en-US" dirty="0"/>
+          </a:p>
+        </p:txBody>
+      </p:sp>
+      <p:sp>
+        <p:nvSpPr>
+          <p:cNvPr id="30" name="椭圆 29">
+            <a:extLst>
+              <a:ext uri="{FF2B5EF4-FFF2-40B4-BE49-F238E27FC236}">
+                <a16:creationId xmlns:a16="http://schemas.microsoft.com/office/drawing/2014/main" id="{AD6F8B4D-CF75-864B-9B8A-B1BB291AA30E}"/>
+              </a:ext>
+            </a:extLst>
+          </p:cNvPr>
+          <p:cNvSpPr/>
+          <p:nvPr/>
+        </p:nvSpPr>
+        <p:spPr>
+          <a:xfrm>
+            <a:off x="5834743" y="5271478"/>
+            <a:ext cx="522514" cy="534389"/>
+          </a:xfrm>
+          <a:prstGeom prst="ellipse">
+            <a:avLst/>
+          </a:prstGeom>
+        </p:spPr>
+        <p:style>
+          <a:lnRef idx="2">
+            <a:schemeClr val="accent1">
+              <a:shade val="50000"/>
+            </a:schemeClr>
+          </a:lnRef>
+          <a:fillRef idx="1">
+            <a:schemeClr val="accent1"/>
+          </a:fillRef>
+          <a:effectRef idx="0">
+            <a:schemeClr val="accent1"/>
+          </a:effectRef>
+          <a:fontRef idx="minor">
+            <a:schemeClr val="lt1"/>
+          </a:fontRef>
+        </p:style>
+        <p:txBody>
+          <a:bodyPr rtlCol="0" anchor="ctr"/>
+          <a:lstStyle/>
+          <a:p>
+            <a:pPr algn="ctr"/>
+            <a:r>
+              <a:rPr kumimoji="1" lang="en-US" altLang="zh-CN" dirty="0"/>
+              <a:t>L</a:t>
+            </a:r>
+            <a:endParaRPr kumimoji="1" lang="zh-CN" altLang="en-US" dirty="0"/>
+          </a:p>
+        </p:txBody>
+      </p:sp>
+      <p:cxnSp>
+        <p:nvCxnSpPr>
+          <p:cNvPr id="6" name="直线连接符 5">
+            <a:extLst>
+              <a:ext uri="{FF2B5EF4-FFF2-40B4-BE49-F238E27FC236}">
+                <a16:creationId xmlns:a16="http://schemas.microsoft.com/office/drawing/2014/main" id="{6878C944-487D-4B46-9753-F4C6C239639F}"/>
+              </a:ext>
+            </a:extLst>
+          </p:cNvPr>
+          <p:cNvCxnSpPr>
+            <a:cxnSpLocks/>
+            <a:stCxn id="4" idx="3"/>
+            <a:endCxn id="14" idx="7"/>
+          </p:cNvCxnSpPr>
+          <p:nvPr/>
+        </p:nvCxnSpPr>
+        <p:spPr>
+          <a:xfrm flipH="1">
+            <a:off x="4583217" y="973874"/>
+            <a:ext cx="1328046" cy="737386"/>
+          </a:xfrm>
+          <a:prstGeom prst="line">
+            <a:avLst/>
+          </a:prstGeom>
+        </p:spPr>
+        <p:style>
+          <a:lnRef idx="3">
+            <a:schemeClr val="accent1"/>
+          </a:lnRef>
+          <a:fillRef idx="0">
+            <a:schemeClr val="accent1"/>
+          </a:fillRef>
+          <a:effectRef idx="2">
+            <a:schemeClr val="accent1"/>
+          </a:effectRef>
+          <a:fontRef idx="minor">
+            <a:schemeClr val="tx1"/>
+          </a:fontRef>
+        </p:style>
+      </p:cxnSp>
+      <p:cxnSp>
+        <p:nvCxnSpPr>
+          <p:cNvPr id="36" name="直线连接符 35">
+            <a:extLst>
+              <a:ext uri="{FF2B5EF4-FFF2-40B4-BE49-F238E27FC236}">
+                <a16:creationId xmlns:a16="http://schemas.microsoft.com/office/drawing/2014/main" id="{A0F31222-A43F-F342-B3F5-CC15778FD952}"/>
+              </a:ext>
+            </a:extLst>
+          </p:cNvPr>
+          <p:cNvCxnSpPr>
+            <a:cxnSpLocks/>
+            <a:stCxn id="4" idx="5"/>
+            <a:endCxn id="11" idx="1"/>
+          </p:cNvCxnSpPr>
+          <p:nvPr/>
+        </p:nvCxnSpPr>
+        <p:spPr>
+          <a:xfrm>
+            <a:off x="6280737" y="973874"/>
+            <a:ext cx="1328048" cy="737386"/>
+          </a:xfrm>
+          <a:prstGeom prst="line">
+            <a:avLst/>
+          </a:prstGeom>
+        </p:spPr>
+        <p:style>
+          <a:lnRef idx="3">
+            <a:schemeClr val="accent1"/>
+          </a:lnRef>
+          <a:fillRef idx="0">
+            <a:schemeClr val="accent1"/>
+          </a:fillRef>
+          <a:effectRef idx="2">
+            <a:schemeClr val="accent1"/>
+          </a:effectRef>
+          <a:fontRef idx="minor">
+            <a:schemeClr val="tx1"/>
+          </a:fontRef>
+        </p:style>
+      </p:cxnSp>
+      <p:cxnSp>
+        <p:nvCxnSpPr>
+          <p:cNvPr id="40" name="直线连接符 39">
+            <a:extLst>
+              <a:ext uri="{FF2B5EF4-FFF2-40B4-BE49-F238E27FC236}">
+                <a16:creationId xmlns:a16="http://schemas.microsoft.com/office/drawing/2014/main" id="{190C031C-6392-224C-AC95-148B32C78939}"/>
+              </a:ext>
+            </a:extLst>
+          </p:cNvPr>
+          <p:cNvCxnSpPr>
+            <a:cxnSpLocks/>
+            <a:stCxn id="11" idx="2"/>
+            <a:endCxn id="14" idx="6"/>
+          </p:cNvCxnSpPr>
+          <p:nvPr/>
+        </p:nvCxnSpPr>
+        <p:spPr>
+          <a:xfrm flipH="1">
+            <a:off x="4659737" y="1900196"/>
+            <a:ext cx="2872528" cy="0"/>
+          </a:xfrm>
+          <a:prstGeom prst="line">
+            <a:avLst/>
+          </a:prstGeom>
+        </p:spPr>
+        <p:style>
+          <a:lnRef idx="3">
+            <a:schemeClr val="accent1"/>
+          </a:lnRef>
+          <a:fillRef idx="0">
+            <a:schemeClr val="accent1"/>
+          </a:fillRef>
+          <a:effectRef idx="2">
+            <a:schemeClr val="accent1"/>
+          </a:effectRef>
+          <a:fontRef idx="minor">
+            <a:schemeClr val="tx1"/>
+          </a:fontRef>
+        </p:style>
+      </p:cxnSp>
+      <p:cxnSp>
+        <p:nvCxnSpPr>
+          <p:cNvPr id="42" name="直线连接符 41">
+            <a:extLst>
+              <a:ext uri="{FF2B5EF4-FFF2-40B4-BE49-F238E27FC236}">
+                <a16:creationId xmlns:a16="http://schemas.microsoft.com/office/drawing/2014/main" id="{71E19193-1C44-E443-953C-38DF10FE56D1}"/>
+              </a:ext>
+            </a:extLst>
+          </p:cNvPr>
+          <p:cNvCxnSpPr>
+            <a:cxnSpLocks/>
+            <a:stCxn id="7" idx="6"/>
+            <a:endCxn id="14" idx="2"/>
+          </p:cNvCxnSpPr>
+          <p:nvPr/>
+        </p:nvCxnSpPr>
+        <p:spPr>
+          <a:xfrm>
+            <a:off x="1742134" y="1900195"/>
+            <a:ext cx="2395089" cy="1"/>
+          </a:xfrm>
+          <a:prstGeom prst="line">
+            <a:avLst/>
+          </a:prstGeom>
+        </p:spPr>
+        <p:style>
+          <a:lnRef idx="3">
+            <a:schemeClr val="accent1"/>
+          </a:lnRef>
+          <a:fillRef idx="0">
+            <a:schemeClr val="accent1"/>
+          </a:fillRef>
+          <a:effectRef idx="2">
+            <a:schemeClr val="accent1"/>
+          </a:effectRef>
+          <a:fontRef idx="minor">
+            <a:schemeClr val="tx1"/>
+          </a:fontRef>
+        </p:style>
+      </p:cxnSp>
+      <p:cxnSp>
+        <p:nvCxnSpPr>
+          <p:cNvPr id="46" name="直线连接符 45">
+            <a:extLst>
+              <a:ext uri="{FF2B5EF4-FFF2-40B4-BE49-F238E27FC236}">
+                <a16:creationId xmlns:a16="http://schemas.microsoft.com/office/drawing/2014/main" id="{08BF1E1F-D5D3-F644-8AAA-6FE60BD6D374}"/>
+              </a:ext>
+            </a:extLst>
+          </p:cNvPr>
+          <p:cNvCxnSpPr>
+            <a:cxnSpLocks/>
+            <a:stCxn id="9" idx="2"/>
+            <a:endCxn id="11" idx="6"/>
+          </p:cNvCxnSpPr>
+          <p:nvPr/>
+        </p:nvCxnSpPr>
+        <p:spPr>
+          <a:xfrm flipH="1">
+            <a:off x="8054779" y="1900195"/>
+            <a:ext cx="2872528" cy="1"/>
+          </a:xfrm>
+          <a:prstGeom prst="line">
+            <a:avLst/>
+          </a:prstGeom>
+        </p:spPr>
+        <p:style>
+          <a:lnRef idx="3">
+            <a:schemeClr val="accent1"/>
+          </a:lnRef>
+          <a:fillRef idx="0">
+            <a:schemeClr val="accent1"/>
+          </a:fillRef>
+          <a:effectRef idx="2">
+            <a:schemeClr val="accent1"/>
+          </a:effectRef>
+          <a:fontRef idx="minor">
+            <a:schemeClr val="tx1"/>
+          </a:fontRef>
+        </p:style>
+      </p:cxnSp>
+      <p:cxnSp>
+        <p:nvCxnSpPr>
+          <p:cNvPr id="48" name="直线连接符 47">
+            <a:extLst>
+              <a:ext uri="{FF2B5EF4-FFF2-40B4-BE49-F238E27FC236}">
+                <a16:creationId xmlns:a16="http://schemas.microsoft.com/office/drawing/2014/main" id="{075D8F7B-AEB6-DD41-936E-D54F1F5E6513}"/>
+              </a:ext>
+            </a:extLst>
+          </p:cNvPr>
+          <p:cNvCxnSpPr>
+            <a:cxnSpLocks/>
+            <a:stCxn id="9" idx="3"/>
+            <a:endCxn id="81" idx="7"/>
+          </p:cNvCxnSpPr>
+          <p:nvPr/>
+        </p:nvCxnSpPr>
+        <p:spPr>
+          <a:xfrm flipH="1">
+            <a:off x="7993719" y="2089130"/>
+            <a:ext cx="3010108" cy="2061929"/>
+          </a:xfrm>
+          <a:prstGeom prst="line">
+            <a:avLst/>
+          </a:prstGeom>
+        </p:spPr>
+        <p:style>
+          <a:lnRef idx="3">
+            <a:schemeClr val="accent1"/>
+          </a:lnRef>
+          <a:fillRef idx="0">
+            <a:schemeClr val="accent1"/>
+          </a:fillRef>
+          <a:effectRef idx="2">
+            <a:schemeClr val="accent1"/>
+          </a:effectRef>
+          <a:fontRef idx="minor">
+            <a:schemeClr val="tx1"/>
+          </a:fontRef>
+        </p:style>
+      </p:cxnSp>
+      <p:cxnSp>
+        <p:nvCxnSpPr>
+          <p:cNvPr id="51" name="直线连接符 50">
+            <a:extLst>
+              <a:ext uri="{FF2B5EF4-FFF2-40B4-BE49-F238E27FC236}">
+                <a16:creationId xmlns:a16="http://schemas.microsoft.com/office/drawing/2014/main" id="{623A3189-B673-4040-ACB6-1E40EE2BDD4A}"/>
+              </a:ext>
+            </a:extLst>
+          </p:cNvPr>
+          <p:cNvCxnSpPr>
+            <a:cxnSpLocks/>
+            <a:stCxn id="11" idx="3"/>
+            <a:endCxn id="12" idx="7"/>
+          </p:cNvCxnSpPr>
+          <p:nvPr/>
+        </p:nvCxnSpPr>
+        <p:spPr>
+          <a:xfrm flipH="1">
+            <a:off x="6105159" y="2089131"/>
+            <a:ext cx="1503626" cy="820807"/>
+          </a:xfrm>
+          <a:prstGeom prst="line">
+            <a:avLst/>
+          </a:prstGeom>
+        </p:spPr>
+        <p:style>
+          <a:lnRef idx="3">
+            <a:schemeClr val="accent1"/>
+          </a:lnRef>
+          <a:fillRef idx="0">
+            <a:schemeClr val="accent1"/>
+          </a:fillRef>
+          <a:effectRef idx="2">
+            <a:schemeClr val="accent1"/>
+          </a:effectRef>
+          <a:fontRef idx="minor">
+            <a:schemeClr val="tx1"/>
+          </a:fontRef>
+        </p:style>
+      </p:cxnSp>
+      <p:cxnSp>
+        <p:nvCxnSpPr>
+          <p:cNvPr id="54" name="直线连接符 53">
+            <a:extLst>
+              <a:ext uri="{FF2B5EF4-FFF2-40B4-BE49-F238E27FC236}">
+                <a16:creationId xmlns:a16="http://schemas.microsoft.com/office/drawing/2014/main" id="{E79A2B24-619F-094A-A739-ECBB6E56303D}"/>
+              </a:ext>
+            </a:extLst>
+          </p:cNvPr>
+          <p:cNvCxnSpPr>
+            <a:cxnSpLocks/>
+            <a:stCxn id="12" idx="1"/>
+            <a:endCxn id="14" idx="5"/>
+          </p:cNvCxnSpPr>
+          <p:nvPr/>
+        </p:nvCxnSpPr>
+        <p:spPr>
+          <a:xfrm flipH="1" flipV="1">
+            <a:off x="4583217" y="2089131"/>
+            <a:ext cx="1152468" cy="820807"/>
+          </a:xfrm>
+          <a:prstGeom prst="line">
+            <a:avLst/>
+          </a:prstGeom>
+        </p:spPr>
+        <p:style>
+          <a:lnRef idx="3">
+            <a:schemeClr val="accent1"/>
+          </a:lnRef>
+          <a:fillRef idx="0">
+            <a:schemeClr val="accent1"/>
+          </a:fillRef>
+          <a:effectRef idx="2">
+            <a:schemeClr val="accent1"/>
+          </a:effectRef>
+          <a:fontRef idx="minor">
+            <a:schemeClr val="tx1"/>
+          </a:fontRef>
+        </p:style>
+      </p:cxnSp>
+      <p:cxnSp>
+        <p:nvCxnSpPr>
+          <p:cNvPr id="75" name="直线连接符 74">
+            <a:extLst>
+              <a:ext uri="{FF2B5EF4-FFF2-40B4-BE49-F238E27FC236}">
+                <a16:creationId xmlns:a16="http://schemas.microsoft.com/office/drawing/2014/main" id="{5025977E-6B6E-8D48-AC5A-3943BD997B58}"/>
+              </a:ext>
+            </a:extLst>
+          </p:cNvPr>
+          <p:cNvCxnSpPr>
+            <a:cxnSpLocks/>
+            <a:stCxn id="12" idx="5"/>
+            <a:endCxn id="81" idx="1"/>
+          </p:cNvCxnSpPr>
+          <p:nvPr/>
+        </p:nvCxnSpPr>
+        <p:spPr>
+          <a:xfrm>
+            <a:off x="6105159" y="3287809"/>
+            <a:ext cx="1519086" cy="863250"/>
+          </a:xfrm>
+          <a:prstGeom prst="line">
+            <a:avLst/>
+          </a:prstGeom>
+        </p:spPr>
+        <p:style>
+          <a:lnRef idx="3">
+            <a:schemeClr val="accent1"/>
+          </a:lnRef>
+          <a:fillRef idx="0">
+            <a:schemeClr val="accent1"/>
+          </a:fillRef>
+          <a:effectRef idx="2">
+            <a:schemeClr val="accent1"/>
+          </a:effectRef>
+          <a:fontRef idx="minor">
+            <a:schemeClr val="tx1"/>
+          </a:fontRef>
+        </p:style>
+      </p:cxnSp>
+      <p:cxnSp>
+        <p:nvCxnSpPr>
+          <p:cNvPr id="79" name="直线连接符 78">
+            <a:extLst>
+              <a:ext uri="{FF2B5EF4-FFF2-40B4-BE49-F238E27FC236}">
+                <a16:creationId xmlns:a16="http://schemas.microsoft.com/office/drawing/2014/main" id="{0992C402-37B0-DA47-8695-FC860BB807EC}"/>
+              </a:ext>
+            </a:extLst>
+          </p:cNvPr>
+          <p:cNvCxnSpPr>
+            <a:cxnSpLocks/>
+            <a:stCxn id="12" idx="3"/>
+            <a:endCxn id="82" idx="7"/>
+          </p:cNvCxnSpPr>
+          <p:nvPr/>
+        </p:nvCxnSpPr>
+        <p:spPr>
+          <a:xfrm flipH="1">
+            <a:off x="4583217" y="3287809"/>
+            <a:ext cx="1152468" cy="863252"/>
+          </a:xfrm>
+          <a:prstGeom prst="line">
+            <a:avLst/>
+          </a:prstGeom>
+        </p:spPr>
+        <p:style>
+          <a:lnRef idx="3">
+            <a:schemeClr val="accent1"/>
+          </a:lnRef>
+          <a:fillRef idx="0">
+            <a:schemeClr val="accent1"/>
+          </a:fillRef>
+          <a:effectRef idx="2">
+            <a:schemeClr val="accent1"/>
+          </a:effectRef>
+          <a:fontRef idx="minor">
+            <a:schemeClr val="tx1"/>
+          </a:fontRef>
+        </p:style>
+      </p:cxnSp>
+      <p:cxnSp>
+        <p:nvCxnSpPr>
+          <p:cNvPr id="110" name="直线连接符 109">
+            <a:extLst>
+              <a:ext uri="{FF2B5EF4-FFF2-40B4-BE49-F238E27FC236}">
+                <a16:creationId xmlns:a16="http://schemas.microsoft.com/office/drawing/2014/main" id="{1A768597-038C-EF4B-97F1-B635BAD0CBBD}"/>
+              </a:ext>
+            </a:extLst>
+          </p:cNvPr>
+          <p:cNvCxnSpPr>
+            <a:cxnSpLocks/>
+            <a:stCxn id="14" idx="4"/>
+            <a:endCxn id="82" idx="0"/>
+          </p:cNvCxnSpPr>
+          <p:nvPr/>
+        </p:nvCxnSpPr>
+        <p:spPr>
+          <a:xfrm>
+            <a:off x="4398480" y="2167390"/>
+            <a:ext cx="0" cy="1905412"/>
+          </a:xfrm>
+          <a:prstGeom prst="line">
+            <a:avLst/>
+          </a:prstGeom>
+        </p:spPr>
+        <p:style>
+          <a:lnRef idx="3">
+            <a:schemeClr val="accent1"/>
+          </a:lnRef>
+          <a:fillRef idx="0">
+            <a:schemeClr val="accent1"/>
+          </a:fillRef>
+          <a:effectRef idx="2">
+            <a:schemeClr val="accent1"/>
+          </a:effectRef>
+          <a:fontRef idx="minor">
+            <a:schemeClr val="tx1"/>
+          </a:fontRef>
+        </p:style>
+      </p:cxnSp>
+      <p:cxnSp>
+        <p:nvCxnSpPr>
+          <p:cNvPr id="113" name="直线连接符 112">
+            <a:extLst>
+              <a:ext uri="{FF2B5EF4-FFF2-40B4-BE49-F238E27FC236}">
+                <a16:creationId xmlns:a16="http://schemas.microsoft.com/office/drawing/2014/main" id="{98523A09-8626-9846-908C-7CC3362DDB5D}"/>
+              </a:ext>
+            </a:extLst>
+          </p:cNvPr>
+          <p:cNvCxnSpPr>
+            <a:cxnSpLocks/>
+            <a:stCxn id="13" idx="7"/>
+            <a:endCxn id="14" idx="3"/>
+          </p:cNvCxnSpPr>
+          <p:nvPr/>
+        </p:nvCxnSpPr>
+        <p:spPr>
+          <a:xfrm flipV="1">
+            <a:off x="3046782" y="2089131"/>
+            <a:ext cx="1166961" cy="733525"/>
+          </a:xfrm>
+          <a:prstGeom prst="line">
+            <a:avLst/>
+          </a:prstGeom>
+        </p:spPr>
+        <p:style>
+          <a:lnRef idx="3">
+            <a:schemeClr val="accent1"/>
+          </a:lnRef>
+          <a:fillRef idx="0">
+            <a:schemeClr val="accent1"/>
+          </a:fillRef>
+          <a:effectRef idx="2">
+            <a:schemeClr val="accent1"/>
+          </a:effectRef>
+          <a:fontRef idx="minor">
+            <a:schemeClr val="tx1"/>
+          </a:fontRef>
+        </p:style>
+      </p:cxnSp>
+      <p:cxnSp>
+        <p:nvCxnSpPr>
+          <p:cNvPr id="116" name="直线连接符 115">
+            <a:extLst>
+              <a:ext uri="{FF2B5EF4-FFF2-40B4-BE49-F238E27FC236}">
+                <a16:creationId xmlns:a16="http://schemas.microsoft.com/office/drawing/2014/main" id="{90A0F972-447E-A240-95A9-FAE10B48AB7C}"/>
+              </a:ext>
+            </a:extLst>
+          </p:cNvPr>
+          <p:cNvCxnSpPr>
+            <a:cxnSpLocks/>
+            <a:stCxn id="13" idx="5"/>
+            <a:endCxn id="82" idx="1"/>
+          </p:cNvCxnSpPr>
+          <p:nvPr/>
+        </p:nvCxnSpPr>
+        <p:spPr>
+          <a:xfrm>
+            <a:off x="3046782" y="3200527"/>
+            <a:ext cx="1166961" cy="950534"/>
+          </a:xfrm>
+          <a:prstGeom prst="line">
+            <a:avLst/>
+          </a:prstGeom>
+        </p:spPr>
+        <p:style>
+          <a:lnRef idx="3">
+            <a:schemeClr val="accent1"/>
+          </a:lnRef>
+          <a:fillRef idx="0">
+            <a:schemeClr val="accent1"/>
+          </a:fillRef>
+          <a:effectRef idx="2">
+            <a:schemeClr val="accent1"/>
+          </a:effectRef>
+          <a:fontRef idx="minor">
+            <a:schemeClr val="tx1"/>
+          </a:fontRef>
+        </p:style>
+      </p:cxnSp>
+      <p:cxnSp>
+        <p:nvCxnSpPr>
+          <p:cNvPr id="119" name="直线连接符 118">
+            <a:extLst>
+              <a:ext uri="{FF2B5EF4-FFF2-40B4-BE49-F238E27FC236}">
+                <a16:creationId xmlns:a16="http://schemas.microsoft.com/office/drawing/2014/main" id="{751F48BE-0D2C-5A4F-982C-30789170C846}"/>
+              </a:ext>
+            </a:extLst>
+          </p:cNvPr>
+          <p:cNvCxnSpPr>
+            <a:cxnSpLocks/>
+            <a:stCxn id="7" idx="4"/>
+            <a:endCxn id="78" idx="0"/>
+          </p:cNvCxnSpPr>
+          <p:nvPr/>
+        </p:nvCxnSpPr>
+        <p:spPr>
+          <a:xfrm>
+            <a:off x="1480877" y="2167389"/>
+            <a:ext cx="0" cy="1905414"/>
+          </a:xfrm>
+          <a:prstGeom prst="line">
+            <a:avLst/>
+          </a:prstGeom>
+        </p:spPr>
+        <p:style>
+          <a:lnRef idx="3">
+            <a:schemeClr val="accent1"/>
+          </a:lnRef>
+          <a:fillRef idx="0">
+            <a:schemeClr val="accent1"/>
+          </a:fillRef>
+          <a:effectRef idx="2">
+            <a:schemeClr val="accent1"/>
+          </a:effectRef>
+          <a:fontRef idx="minor">
+            <a:schemeClr val="tx1"/>
+          </a:fontRef>
+        </p:style>
+      </p:cxnSp>
+      <p:cxnSp>
+        <p:nvCxnSpPr>
+          <p:cNvPr id="122" name="直线连接符 121">
+            <a:extLst>
+              <a:ext uri="{FF2B5EF4-FFF2-40B4-BE49-F238E27FC236}">
+                <a16:creationId xmlns:a16="http://schemas.microsoft.com/office/drawing/2014/main" id="{6D6157A5-D18E-0D4F-ABB4-307C1209FC3B}"/>
+              </a:ext>
+            </a:extLst>
+          </p:cNvPr>
+          <p:cNvCxnSpPr>
+            <a:cxnSpLocks/>
+            <a:stCxn id="81" idx="2"/>
+            <a:endCxn id="82" idx="6"/>
+          </p:cNvCxnSpPr>
+          <p:nvPr/>
+        </p:nvCxnSpPr>
+        <p:spPr>
+          <a:xfrm flipH="1">
+            <a:off x="4659737" y="4339995"/>
+            <a:ext cx="2887988" cy="2"/>
+          </a:xfrm>
+          <a:prstGeom prst="line">
+            <a:avLst/>
+          </a:prstGeom>
+        </p:spPr>
+        <p:style>
+          <a:lnRef idx="3">
+            <a:schemeClr val="accent1"/>
+          </a:lnRef>
+          <a:fillRef idx="0">
+            <a:schemeClr val="accent1"/>
+          </a:fillRef>
+          <a:effectRef idx="2">
+            <a:schemeClr val="accent1"/>
+          </a:effectRef>
+          <a:fontRef idx="minor">
+            <a:schemeClr val="tx1"/>
+          </a:fontRef>
+        </p:style>
+      </p:cxnSp>
+      <p:cxnSp>
+        <p:nvCxnSpPr>
+          <p:cNvPr id="125" name="直线连接符 124">
+            <a:extLst>
+              <a:ext uri="{FF2B5EF4-FFF2-40B4-BE49-F238E27FC236}">
+                <a16:creationId xmlns:a16="http://schemas.microsoft.com/office/drawing/2014/main" id="{FE8EA335-6ADF-A844-88DB-4716E8938C0D}"/>
+              </a:ext>
+            </a:extLst>
+          </p:cNvPr>
+          <p:cNvCxnSpPr>
+            <a:cxnSpLocks/>
+            <a:stCxn id="11" idx="4"/>
+            <a:endCxn id="81" idx="0"/>
+          </p:cNvCxnSpPr>
+          <p:nvPr/>
+        </p:nvCxnSpPr>
+        <p:spPr>
+          <a:xfrm>
+            <a:off x="7793522" y="2167390"/>
+            <a:ext cx="15460" cy="1905410"/>
+          </a:xfrm>
+          <a:prstGeom prst="line">
+            <a:avLst/>
+          </a:prstGeom>
+        </p:spPr>
+        <p:style>
+          <a:lnRef idx="3">
+            <a:schemeClr val="accent1"/>
+          </a:lnRef>
+          <a:fillRef idx="0">
+            <a:schemeClr val="accent1"/>
+          </a:fillRef>
+          <a:effectRef idx="2">
+            <a:schemeClr val="accent1"/>
+          </a:effectRef>
+          <a:fontRef idx="minor">
+            <a:schemeClr val="tx1"/>
+          </a:fontRef>
+        </p:style>
+      </p:cxnSp>
+      <p:cxnSp>
+        <p:nvCxnSpPr>
+          <p:cNvPr id="128" name="直线连接符 127">
+            <a:extLst>
+              <a:ext uri="{FF2B5EF4-FFF2-40B4-BE49-F238E27FC236}">
+                <a16:creationId xmlns:a16="http://schemas.microsoft.com/office/drawing/2014/main" id="{D5F68F89-F15B-D44E-9B13-2362105FBB11}"/>
+              </a:ext>
+            </a:extLst>
+          </p:cNvPr>
+          <p:cNvCxnSpPr>
+            <a:cxnSpLocks/>
+            <a:stCxn id="11" idx="5"/>
+            <a:endCxn id="29" idx="1"/>
+          </p:cNvCxnSpPr>
+          <p:nvPr/>
+        </p:nvCxnSpPr>
+        <p:spPr>
+          <a:xfrm>
+            <a:off x="7978259" y="2089131"/>
+            <a:ext cx="3025568" cy="2061928"/>
+          </a:xfrm>
+          <a:prstGeom prst="line">
+            <a:avLst/>
+          </a:prstGeom>
+        </p:spPr>
+        <p:style>
+          <a:lnRef idx="3">
+            <a:schemeClr val="accent1"/>
+          </a:lnRef>
+          <a:fillRef idx="0">
+            <a:schemeClr val="accent1"/>
+          </a:fillRef>
+          <a:effectRef idx="2">
+            <a:schemeClr val="accent1"/>
+          </a:effectRef>
+          <a:fontRef idx="minor">
+            <a:schemeClr val="tx1"/>
+          </a:fontRef>
+        </p:style>
+      </p:cxnSp>
+      <p:cxnSp>
+        <p:nvCxnSpPr>
+          <p:cNvPr id="131" name="直线连接符 130">
+            <a:extLst>
+              <a:ext uri="{FF2B5EF4-FFF2-40B4-BE49-F238E27FC236}">
+                <a16:creationId xmlns:a16="http://schemas.microsoft.com/office/drawing/2014/main" id="{944A2DA7-8D61-0D4C-AC35-D299445665DF}"/>
+              </a:ext>
+            </a:extLst>
+          </p:cNvPr>
+          <p:cNvCxnSpPr>
+            <a:cxnSpLocks/>
+            <a:stCxn id="81" idx="6"/>
+            <a:endCxn id="29" idx="2"/>
+          </p:cNvCxnSpPr>
+          <p:nvPr/>
+        </p:nvCxnSpPr>
+        <p:spPr>
+          <a:xfrm>
+            <a:off x="8070239" y="4339995"/>
+            <a:ext cx="2857068" cy="0"/>
+          </a:xfrm>
+          <a:prstGeom prst="line">
+            <a:avLst/>
+          </a:prstGeom>
+        </p:spPr>
+        <p:style>
+          <a:lnRef idx="3">
+            <a:schemeClr val="accent1"/>
+          </a:lnRef>
+          <a:fillRef idx="0">
+            <a:schemeClr val="accent1"/>
+          </a:fillRef>
+          <a:effectRef idx="2">
+            <a:schemeClr val="accent1"/>
+          </a:effectRef>
+          <a:fontRef idx="minor">
+            <a:schemeClr val="tx1"/>
+          </a:fontRef>
+        </p:style>
+      </p:cxnSp>
+      <p:cxnSp>
+        <p:nvCxnSpPr>
+          <p:cNvPr id="135" name="直线连接符 134">
+            <a:extLst>
+              <a:ext uri="{FF2B5EF4-FFF2-40B4-BE49-F238E27FC236}">
+                <a16:creationId xmlns:a16="http://schemas.microsoft.com/office/drawing/2014/main" id="{38786592-850F-8E41-BBB4-5A746C75836E}"/>
+              </a:ext>
+            </a:extLst>
+          </p:cNvPr>
+          <p:cNvCxnSpPr>
+            <a:cxnSpLocks/>
+            <a:stCxn id="82" idx="2"/>
+            <a:endCxn id="78" idx="6"/>
+          </p:cNvCxnSpPr>
+          <p:nvPr/>
+        </p:nvCxnSpPr>
+        <p:spPr>
+          <a:xfrm flipH="1">
+            <a:off x="1742134" y="4339997"/>
+            <a:ext cx="2395089" cy="1"/>
+          </a:xfrm>
+          <a:prstGeom prst="line">
+            <a:avLst/>
+          </a:prstGeom>
+        </p:spPr>
+        <p:style>
+          <a:lnRef idx="3">
+            <a:schemeClr val="accent1"/>
+          </a:lnRef>
+          <a:fillRef idx="0">
+            <a:schemeClr val="accent1"/>
+          </a:fillRef>
+          <a:effectRef idx="2">
+            <a:schemeClr val="accent1"/>
+          </a:effectRef>
+          <a:fontRef idx="minor">
+            <a:schemeClr val="tx1"/>
+          </a:fontRef>
+        </p:style>
+      </p:cxnSp>
+      <p:cxnSp>
+        <p:nvCxnSpPr>
+          <p:cNvPr id="138" name="直线连接符 137">
+            <a:extLst>
+              <a:ext uri="{FF2B5EF4-FFF2-40B4-BE49-F238E27FC236}">
+                <a16:creationId xmlns:a16="http://schemas.microsoft.com/office/drawing/2014/main" id="{F9ACD6A4-BEBB-FE4E-A1D2-5FE55FEABFDD}"/>
+              </a:ext>
+            </a:extLst>
+          </p:cNvPr>
+          <p:cNvCxnSpPr>
+            <a:cxnSpLocks/>
+            <a:stCxn id="30" idx="1"/>
+            <a:endCxn id="82" idx="5"/>
+          </p:cNvCxnSpPr>
+          <p:nvPr/>
+        </p:nvCxnSpPr>
+        <p:spPr>
+          <a:xfrm flipH="1" flipV="1">
+            <a:off x="4583217" y="4528932"/>
+            <a:ext cx="1328046" cy="820805"/>
+          </a:xfrm>
+          <a:prstGeom prst="line">
+            <a:avLst/>
+          </a:prstGeom>
+        </p:spPr>
+        <p:style>
+          <a:lnRef idx="3">
+            <a:schemeClr val="accent1"/>
+          </a:lnRef>
+          <a:fillRef idx="0">
+            <a:schemeClr val="accent1"/>
+          </a:fillRef>
+          <a:effectRef idx="2">
+            <a:schemeClr val="accent1"/>
+          </a:effectRef>
+          <a:fontRef idx="minor">
+            <a:schemeClr val="tx1"/>
+          </a:fontRef>
+        </p:style>
+      </p:cxnSp>
+      <p:cxnSp>
+        <p:nvCxnSpPr>
+          <p:cNvPr id="141" name="直线连接符 140">
+            <a:extLst>
+              <a:ext uri="{FF2B5EF4-FFF2-40B4-BE49-F238E27FC236}">
+                <a16:creationId xmlns:a16="http://schemas.microsoft.com/office/drawing/2014/main" id="{3B41DBB0-B3D0-B346-A812-FC2CEA9042B5}"/>
+              </a:ext>
+            </a:extLst>
+          </p:cNvPr>
+          <p:cNvCxnSpPr>
+            <a:cxnSpLocks/>
+            <a:stCxn id="81" idx="3"/>
+            <a:endCxn id="30" idx="7"/>
+          </p:cNvCxnSpPr>
+          <p:nvPr/>
+        </p:nvCxnSpPr>
+        <p:spPr>
+          <a:xfrm flipH="1">
+            <a:off x="6280737" y="4528930"/>
+            <a:ext cx="1343508" cy="820807"/>
+          </a:xfrm>
+          <a:prstGeom prst="line">
+            <a:avLst/>
+          </a:prstGeom>
+        </p:spPr>
+        <p:style>
+          <a:lnRef idx="3">
+            <a:schemeClr val="accent1"/>
+          </a:lnRef>
+          <a:fillRef idx="0">
+            <a:schemeClr val="accent1"/>
+          </a:fillRef>
+          <a:effectRef idx="2">
+            <a:schemeClr val="accent1"/>
+          </a:effectRef>
+          <a:fontRef idx="minor">
+            <a:schemeClr val="tx1"/>
+          </a:fontRef>
+        </p:style>
+      </p:cxnSp>
+    </p:spTree>
+    <p:extLst>
+      <p:ext uri="{BB962C8B-B14F-4D97-AF65-F5344CB8AC3E}">
+        <p14:creationId xmlns:p14="http://schemas.microsoft.com/office/powerpoint/2010/main" val="2658128351"/>
+      </p:ext>
+    </p:extLst>
+  </p:cSld>
+  <p:clrMapOvr>
+    <a:masterClrMapping/>
+  </p:clrMapOvr>
+</p:sld>
+</file>
+
+<file path=ppt/slides/slide6.xml><?xml version="1.0" encoding="utf-8"?>
+<p:sld xmlns:a="http://schemas.openxmlformats.org/drawingml/2006/main" xmlns:r="http://schemas.openxmlformats.org/officeDocument/2006/relationships" xmlns:p="http://schemas.openxmlformats.org/presentationml/2006/main">
+  <p:cSld>
+    <p:spTree>
+      <p:nvGrpSpPr>
+        <p:cNvPr id="1" name=""/>
+        <p:cNvGrpSpPr/>
+        <p:nvPr/>
+      </p:nvGrpSpPr>
+      <p:grpSpPr>
+        <a:xfrm>
+          <a:off x="0" y="0"/>
+          <a:ext cx="0" cy="0"/>
+          <a:chOff x="0" y="0"/>
+          <a:chExt cx="0" cy="0"/>
+        </a:xfrm>
+      </p:grpSpPr>
+      <p:sp>
+        <p:nvSpPr>
+          <p:cNvPr id="4" name="椭圆 3">
+            <a:extLst>
+              <a:ext uri="{FF2B5EF4-FFF2-40B4-BE49-F238E27FC236}">
+                <a16:creationId xmlns:a16="http://schemas.microsoft.com/office/drawing/2014/main" id="{DE70EE2F-EB0E-6F47-A6B1-2A297E2EE471}"/>
+              </a:ext>
+            </a:extLst>
+          </p:cNvPr>
+          <p:cNvSpPr/>
+          <p:nvPr/>
+        </p:nvSpPr>
+        <p:spPr>
+          <a:xfrm>
+            <a:off x="2466794" y="1268853"/>
+            <a:ext cx="522514" cy="534389"/>
+          </a:xfrm>
+          <a:prstGeom prst="ellipse">
+            <a:avLst/>
+          </a:prstGeom>
+        </p:spPr>
+        <p:style>
+          <a:lnRef idx="2">
+            <a:schemeClr val="accent1">
+              <a:shade val="50000"/>
+            </a:schemeClr>
+          </a:lnRef>
+          <a:fillRef idx="1">
+            <a:schemeClr val="accent1"/>
+          </a:fillRef>
+          <a:effectRef idx="0">
+            <a:schemeClr val="accent1"/>
+          </a:effectRef>
+          <a:fontRef idx="minor">
+            <a:schemeClr val="lt1"/>
+          </a:fontRef>
+        </p:style>
+        <p:txBody>
+          <a:bodyPr rtlCol="0" anchor="ctr"/>
+          <a:lstStyle/>
+          <a:p>
+            <a:pPr algn="ctr"/>
+            <a:r>
+              <a:rPr kumimoji="1" lang="en-US" altLang="zh-CN" dirty="0"/>
+              <a:t>A</a:t>
+            </a:r>
+            <a:endParaRPr kumimoji="1" lang="zh-CN" altLang="en-US" dirty="0"/>
+          </a:p>
+        </p:txBody>
+      </p:sp>
+      <p:sp>
+        <p:nvSpPr>
+          <p:cNvPr id="7" name="椭圆 6">
+            <a:extLst>
+              <a:ext uri="{FF2B5EF4-FFF2-40B4-BE49-F238E27FC236}">
+                <a16:creationId xmlns:a16="http://schemas.microsoft.com/office/drawing/2014/main" id="{0BE1B618-A039-7545-B7E8-F5BF4144ACE5}"/>
+              </a:ext>
+            </a:extLst>
+          </p:cNvPr>
+          <p:cNvSpPr/>
+          <p:nvPr/>
+        </p:nvSpPr>
+        <p:spPr>
+          <a:xfrm>
+            <a:off x="4453804" y="1289894"/>
+            <a:ext cx="522514" cy="534389"/>
+          </a:xfrm>
+          <a:prstGeom prst="ellipse">
+            <a:avLst/>
+          </a:prstGeom>
+        </p:spPr>
+        <p:style>
+          <a:lnRef idx="2">
+            <a:schemeClr val="accent1">
+              <a:shade val="50000"/>
+            </a:schemeClr>
+          </a:lnRef>
+          <a:fillRef idx="1">
+            <a:schemeClr val="accent1"/>
+          </a:fillRef>
+          <a:effectRef idx="0">
+            <a:schemeClr val="accent1"/>
+          </a:effectRef>
+          <a:fontRef idx="minor">
+            <a:schemeClr val="lt1"/>
+          </a:fontRef>
+        </p:style>
+        <p:txBody>
+          <a:bodyPr rtlCol="0" anchor="ctr"/>
+          <a:lstStyle/>
+          <a:p>
+            <a:pPr algn="ctr"/>
+            <a:r>
+              <a:rPr kumimoji="1" lang="en-US" altLang="zh-CN" dirty="0"/>
+              <a:t>B</a:t>
+            </a:r>
+            <a:endParaRPr kumimoji="1" lang="zh-CN" altLang="en-US" dirty="0"/>
+          </a:p>
+        </p:txBody>
+      </p:sp>
+      <p:sp>
+        <p:nvSpPr>
+          <p:cNvPr id="9" name="椭圆 8">
+            <a:extLst>
+              <a:ext uri="{FF2B5EF4-FFF2-40B4-BE49-F238E27FC236}">
+                <a16:creationId xmlns:a16="http://schemas.microsoft.com/office/drawing/2014/main" id="{23C0A51A-3E8A-964F-9433-32D4EA9C2205}"/>
+              </a:ext>
+            </a:extLst>
+          </p:cNvPr>
+          <p:cNvSpPr/>
+          <p:nvPr/>
+        </p:nvSpPr>
+        <p:spPr>
+          <a:xfrm>
+            <a:off x="2466794" y="4357333"/>
+            <a:ext cx="522514" cy="534389"/>
+          </a:xfrm>
+          <a:prstGeom prst="ellipse">
+            <a:avLst/>
+          </a:prstGeom>
+        </p:spPr>
+        <p:style>
+          <a:lnRef idx="2">
+            <a:schemeClr val="accent1">
+              <a:shade val="50000"/>
+            </a:schemeClr>
+          </a:lnRef>
+          <a:fillRef idx="1">
+            <a:schemeClr val="accent1"/>
+          </a:fillRef>
+          <a:effectRef idx="0">
+            <a:schemeClr val="accent1"/>
+          </a:effectRef>
+          <a:fontRef idx="minor">
+            <a:schemeClr val="lt1"/>
+          </a:fontRef>
+        </p:style>
+        <p:txBody>
+          <a:bodyPr rtlCol="0" anchor="ctr"/>
+          <a:lstStyle/>
+          <a:p>
+            <a:pPr algn="ctr"/>
+            <a:r>
+              <a:rPr kumimoji="1" lang="en-US" altLang="zh-CN" dirty="0"/>
+              <a:t>E</a:t>
+            </a:r>
+            <a:endParaRPr kumimoji="1" lang="zh-CN" altLang="en-US" dirty="0"/>
+          </a:p>
+        </p:txBody>
+      </p:sp>
+      <p:sp>
+        <p:nvSpPr>
+          <p:cNvPr id="11" name="椭圆 10">
+            <a:extLst>
+              <a:ext uri="{FF2B5EF4-FFF2-40B4-BE49-F238E27FC236}">
+                <a16:creationId xmlns:a16="http://schemas.microsoft.com/office/drawing/2014/main" id="{3AF5C068-0B69-1D4B-9F60-CFCFF6CB7466}"/>
+              </a:ext>
+            </a:extLst>
+          </p:cNvPr>
+          <p:cNvSpPr/>
+          <p:nvPr/>
+        </p:nvSpPr>
+        <p:spPr>
+          <a:xfrm>
+            <a:off x="2466794" y="2826546"/>
+            <a:ext cx="522514" cy="534389"/>
+          </a:xfrm>
+          <a:prstGeom prst="ellipse">
+            <a:avLst/>
+          </a:prstGeom>
+        </p:spPr>
+        <p:style>
+          <a:lnRef idx="2">
+            <a:schemeClr val="accent1">
+              <a:shade val="50000"/>
+            </a:schemeClr>
+          </a:lnRef>
+          <a:fillRef idx="1">
+            <a:schemeClr val="accent1"/>
+          </a:fillRef>
+          <a:effectRef idx="0">
+            <a:schemeClr val="accent1"/>
+          </a:effectRef>
+          <a:fontRef idx="minor">
+            <a:schemeClr val="lt1"/>
+          </a:fontRef>
+        </p:style>
+        <p:txBody>
+          <a:bodyPr rtlCol="0" anchor="ctr"/>
+          <a:lstStyle/>
+          <a:p>
+            <a:pPr algn="ctr"/>
+            <a:r>
+              <a:rPr kumimoji="1" lang="en-US" altLang="zh-CN" dirty="0"/>
+              <a:t>D</a:t>
+            </a:r>
+            <a:endParaRPr kumimoji="1" lang="zh-CN" altLang="en-US" dirty="0"/>
+          </a:p>
+        </p:txBody>
+      </p:sp>
+      <p:sp>
+        <p:nvSpPr>
+          <p:cNvPr id="12" name="椭圆 11">
+            <a:extLst>
+              <a:ext uri="{FF2B5EF4-FFF2-40B4-BE49-F238E27FC236}">
+                <a16:creationId xmlns:a16="http://schemas.microsoft.com/office/drawing/2014/main" id="{DAFB89A5-7EFE-4E4D-BE77-6D4F3402771E}"/>
+              </a:ext>
+            </a:extLst>
+          </p:cNvPr>
+          <p:cNvSpPr/>
+          <p:nvPr/>
+        </p:nvSpPr>
+        <p:spPr>
+          <a:xfrm>
+            <a:off x="7054826" y="1289894"/>
+            <a:ext cx="522514" cy="534389"/>
+          </a:xfrm>
+          <a:prstGeom prst="ellipse">
+            <a:avLst/>
+          </a:prstGeom>
+        </p:spPr>
+        <p:style>
+          <a:lnRef idx="2">
+            <a:schemeClr val="accent1">
+              <a:shade val="50000"/>
+            </a:schemeClr>
+          </a:lnRef>
+          <a:fillRef idx="1">
+            <a:schemeClr val="accent1"/>
+          </a:fillRef>
+          <a:effectRef idx="0">
+            <a:schemeClr val="accent1"/>
+          </a:effectRef>
+          <a:fontRef idx="minor">
+            <a:schemeClr val="lt1"/>
+          </a:fontRef>
+        </p:style>
+        <p:txBody>
+          <a:bodyPr rtlCol="0" anchor="ctr"/>
+          <a:lstStyle/>
+          <a:p>
+            <a:pPr algn="ctr"/>
+            <a:r>
+              <a:rPr kumimoji="1" lang="en-US" altLang="zh-CN" dirty="0"/>
+              <a:t>G</a:t>
+            </a:r>
+            <a:endParaRPr kumimoji="1" lang="zh-CN" altLang="en-US" dirty="0"/>
+          </a:p>
+        </p:txBody>
+      </p:sp>
+      <p:sp>
+        <p:nvSpPr>
+          <p:cNvPr id="13" name="椭圆 12">
+            <a:extLst>
+              <a:ext uri="{FF2B5EF4-FFF2-40B4-BE49-F238E27FC236}">
+                <a16:creationId xmlns:a16="http://schemas.microsoft.com/office/drawing/2014/main" id="{CF61EFBE-36F5-264F-87D2-A9FAD406CE7B}"/>
+              </a:ext>
+            </a:extLst>
+          </p:cNvPr>
+          <p:cNvSpPr/>
+          <p:nvPr/>
+        </p:nvSpPr>
+        <p:spPr>
+          <a:xfrm>
+            <a:off x="6179560" y="2816031"/>
+            <a:ext cx="522514" cy="534389"/>
+          </a:xfrm>
+          <a:prstGeom prst="ellipse">
+            <a:avLst/>
+          </a:prstGeom>
+        </p:spPr>
+        <p:style>
+          <a:lnRef idx="2">
+            <a:schemeClr val="accent1">
+              <a:shade val="50000"/>
+            </a:schemeClr>
+          </a:lnRef>
+          <a:fillRef idx="1">
+            <a:schemeClr val="accent1"/>
+          </a:fillRef>
+          <a:effectRef idx="0">
+            <a:schemeClr val="accent1"/>
+          </a:effectRef>
+          <a:fontRef idx="minor">
+            <a:schemeClr val="lt1"/>
+          </a:fontRef>
+        </p:style>
+        <p:txBody>
+          <a:bodyPr rtlCol="0" anchor="ctr"/>
+          <a:lstStyle/>
+          <a:p>
+            <a:pPr algn="ctr"/>
+            <a:r>
+              <a:rPr kumimoji="1" lang="en-US" altLang="zh-CN" dirty="0"/>
+              <a:t>F</a:t>
+            </a:r>
+            <a:endParaRPr kumimoji="1" lang="zh-CN" altLang="en-US" dirty="0"/>
+          </a:p>
+        </p:txBody>
+      </p:sp>
+      <p:sp>
+        <p:nvSpPr>
+          <p:cNvPr id="14" name="椭圆 13">
+            <a:extLst>
+              <a:ext uri="{FF2B5EF4-FFF2-40B4-BE49-F238E27FC236}">
+                <a16:creationId xmlns:a16="http://schemas.microsoft.com/office/drawing/2014/main" id="{58F1C6F1-0C6F-5343-8966-C640056E7124}"/>
+              </a:ext>
+            </a:extLst>
+          </p:cNvPr>
+          <p:cNvSpPr/>
+          <p:nvPr/>
+        </p:nvSpPr>
+        <p:spPr>
+          <a:xfrm>
+            <a:off x="4453805" y="2826546"/>
+            <a:ext cx="522514" cy="534389"/>
+          </a:xfrm>
+          <a:prstGeom prst="ellipse">
+            <a:avLst/>
+          </a:prstGeom>
+        </p:spPr>
+        <p:style>
+          <a:lnRef idx="2">
+            <a:schemeClr val="accent1">
+              <a:shade val="50000"/>
+            </a:schemeClr>
+          </a:lnRef>
+          <a:fillRef idx="1">
+            <a:schemeClr val="accent1"/>
+          </a:fillRef>
+          <a:effectRef idx="0">
+            <a:schemeClr val="accent1"/>
+          </a:effectRef>
+          <a:fontRef idx="minor">
+            <a:schemeClr val="lt1"/>
+          </a:fontRef>
+        </p:style>
+        <p:txBody>
+          <a:bodyPr rtlCol="0" anchor="ctr"/>
+          <a:lstStyle/>
+          <a:p>
+            <a:pPr algn="ctr"/>
+            <a:r>
+              <a:rPr kumimoji="1" lang="en-US" altLang="zh-CN" dirty="0"/>
+              <a:t>C</a:t>
+            </a:r>
+            <a:endParaRPr kumimoji="1" lang="zh-CN" altLang="en-US" dirty="0"/>
+          </a:p>
+        </p:txBody>
+      </p:sp>
+      <p:sp>
+        <p:nvSpPr>
+          <p:cNvPr id="2" name="文本框 1">
+            <a:extLst>
+              <a:ext uri="{FF2B5EF4-FFF2-40B4-BE49-F238E27FC236}">
+                <a16:creationId xmlns:a16="http://schemas.microsoft.com/office/drawing/2014/main" id="{4B181367-25AF-0441-83B6-92CCC482EE53}"/>
+              </a:ext>
+            </a:extLst>
+          </p:cNvPr>
+          <p:cNvSpPr txBox="1"/>
+          <p:nvPr/>
+        </p:nvSpPr>
+        <p:spPr>
+          <a:xfrm>
+            <a:off x="213755" y="142504"/>
+            <a:ext cx="5028593" cy="369332"/>
+          </a:xfrm>
+          <a:prstGeom prst="rect">
+            <a:avLst/>
+          </a:prstGeom>
+          <a:noFill/>
+        </p:spPr>
+        <p:txBody>
+          <a:bodyPr wrap="square" rtlCol="0">
+            <a:spAutoFit/>
+          </a:bodyPr>
+          <a:lstStyle/>
+          <a:p>
+            <a:r>
+              <a:rPr kumimoji="1" lang="en-US" altLang="zh-CN" b="1" dirty="0">
                 <a:solidFill>
                   <a:srgbClr val="0070C0"/>
                 </a:solidFill>
               </a:rPr>
-              <a:t>STRONG BRACH</a:t>
+              <a:t>Graph</a:t>
+            </a:r>
+            <a:r>
+              <a:rPr kumimoji="1" lang="en-US" altLang="zh-CN" dirty="0">
+                <a:solidFill>
+                  <a:srgbClr val="0070C0"/>
+                </a:solidFill>
+              </a:rPr>
+              <a:t>- STRONG BRACH</a:t>
             </a:r>
             <a:endParaRPr kumimoji="1" lang="zh-CN" altLang="en-US" dirty="0">
               <a:solidFill>

--- a/Assets/visualization.pptx
+++ b/Assets/visualization.pptx
@@ -6,11 +6,13 @@
   </p:sldMasterIdLst>
   <p:sldIdLst>
     <p:sldId id="256" r:id="rId2"/>
-    <p:sldId id="259" r:id="rId3"/>
-    <p:sldId id="261" r:id="rId4"/>
-    <p:sldId id="262" r:id="rId5"/>
-    <p:sldId id="263" r:id="rId6"/>
-    <p:sldId id="257" r:id="rId7"/>
+    <p:sldId id="265" r:id="rId3"/>
+    <p:sldId id="259" r:id="rId4"/>
+    <p:sldId id="261" r:id="rId5"/>
+    <p:sldId id="262" r:id="rId6"/>
+    <p:sldId id="263" r:id="rId7"/>
+    <p:sldId id="264" r:id="rId8"/>
+    <p:sldId id="257" r:id="rId9"/>
   </p:sldIdLst>
   <p:sldSz cx="12192000" cy="6858000"/>
   <p:notesSz cx="6858000" cy="9144000"/>
@@ -110,6 +112,22 @@
     </a:lvl9pPr>
   </p:defaultTextStyle>
   <p:extLst>
+    <p:ext uri="{521415D9-36F7-43E2-AB2F-B90AF26B5E84}">
+      <p14:sectionLst xmlns:p14="http://schemas.microsoft.com/office/powerpoint/2010/main">
+        <p14:section name="Graph" id="{C3AD77A4-E60B-7C48-9A93-3AF8BF032940}">
+          <p14:sldIdLst>
+            <p14:sldId id="256"/>
+            <p14:sldId id="265"/>
+            <p14:sldId id="259"/>
+            <p14:sldId id="261"/>
+            <p14:sldId id="262"/>
+            <p14:sldId id="263"/>
+            <p14:sldId id="264"/>
+            <p14:sldId id="257"/>
+          </p14:sldIdLst>
+        </p14:section>
+      </p14:sectionLst>
+    </p:ext>
     <p:ext uri="{EFAFB233-063F-42B5-8137-9DF3F51BA10A}">
       <p15:sldGuideLst xmlns:p15="http://schemas.microsoft.com/office/powerpoint/2012/main"/>
     </p:ext>
@@ -264,7 +282,7 @@
           <a:p>
             <a:fld id="{D548B4E7-F4DF-F444-89BE-160B951A6CB8}" type="datetimeFigureOut">
               <a:rPr kumimoji="1" lang="zh-CN" altLang="en-US" smtClean="0"/>
-              <a:t>2020/12/1</a:t>
+              <a:t>2020/12/2</a:t>
             </a:fld>
             <a:endParaRPr kumimoji="1" lang="zh-CN" altLang="en-US"/>
           </a:p>
@@ -462,7 +480,7 @@
           <a:p>
             <a:fld id="{D548B4E7-F4DF-F444-89BE-160B951A6CB8}" type="datetimeFigureOut">
               <a:rPr kumimoji="1" lang="zh-CN" altLang="en-US" smtClean="0"/>
-              <a:t>2020/12/1</a:t>
+              <a:t>2020/12/2</a:t>
             </a:fld>
             <a:endParaRPr kumimoji="1" lang="zh-CN" altLang="en-US"/>
           </a:p>
@@ -670,7 +688,7 @@
           <a:p>
             <a:fld id="{D548B4E7-F4DF-F444-89BE-160B951A6CB8}" type="datetimeFigureOut">
               <a:rPr kumimoji="1" lang="zh-CN" altLang="en-US" smtClean="0"/>
-              <a:t>2020/12/1</a:t>
+              <a:t>2020/12/2</a:t>
             </a:fld>
             <a:endParaRPr kumimoji="1" lang="zh-CN" altLang="en-US"/>
           </a:p>
@@ -868,7 +886,7 @@
           <a:p>
             <a:fld id="{D548B4E7-F4DF-F444-89BE-160B951A6CB8}" type="datetimeFigureOut">
               <a:rPr kumimoji="1" lang="zh-CN" altLang="en-US" smtClean="0"/>
-              <a:t>2020/12/1</a:t>
+              <a:t>2020/12/2</a:t>
             </a:fld>
             <a:endParaRPr kumimoji="1" lang="zh-CN" altLang="en-US"/>
           </a:p>
@@ -1143,7 +1161,7 @@
           <a:p>
             <a:fld id="{D548B4E7-F4DF-F444-89BE-160B951A6CB8}" type="datetimeFigureOut">
               <a:rPr kumimoji="1" lang="zh-CN" altLang="en-US" smtClean="0"/>
-              <a:t>2020/12/1</a:t>
+              <a:t>2020/12/2</a:t>
             </a:fld>
             <a:endParaRPr kumimoji="1" lang="zh-CN" altLang="en-US"/>
           </a:p>
@@ -1408,7 +1426,7 @@
           <a:p>
             <a:fld id="{D548B4E7-F4DF-F444-89BE-160B951A6CB8}" type="datetimeFigureOut">
               <a:rPr kumimoji="1" lang="zh-CN" altLang="en-US" smtClean="0"/>
-              <a:t>2020/12/1</a:t>
+              <a:t>2020/12/2</a:t>
             </a:fld>
             <a:endParaRPr kumimoji="1" lang="zh-CN" altLang="en-US"/>
           </a:p>
@@ -1820,7 +1838,7 @@
           <a:p>
             <a:fld id="{D548B4E7-F4DF-F444-89BE-160B951A6CB8}" type="datetimeFigureOut">
               <a:rPr kumimoji="1" lang="zh-CN" altLang="en-US" smtClean="0"/>
-              <a:t>2020/12/1</a:t>
+              <a:t>2020/12/2</a:t>
             </a:fld>
             <a:endParaRPr kumimoji="1" lang="zh-CN" altLang="en-US"/>
           </a:p>
@@ -1976,7 +1994,7 @@
           <a:p>
             <a:fld id="{D548B4E7-F4DF-F444-89BE-160B951A6CB8}" type="datetimeFigureOut">
               <a:rPr kumimoji="1" lang="zh-CN" altLang="en-US" smtClean="0"/>
-              <a:t>2020/12/1</a:t>
+              <a:t>2020/12/2</a:t>
             </a:fld>
             <a:endParaRPr kumimoji="1" lang="zh-CN" altLang="en-US"/>
           </a:p>
@@ -2089,7 +2107,7 @@
           <a:p>
             <a:fld id="{D548B4E7-F4DF-F444-89BE-160B951A6CB8}" type="datetimeFigureOut">
               <a:rPr kumimoji="1" lang="zh-CN" altLang="en-US" smtClean="0"/>
-              <a:t>2020/12/1</a:t>
+              <a:t>2020/12/2</a:t>
             </a:fld>
             <a:endParaRPr kumimoji="1" lang="zh-CN" altLang="en-US"/>
           </a:p>
@@ -2400,7 +2418,7 @@
           <a:p>
             <a:fld id="{D548B4E7-F4DF-F444-89BE-160B951A6CB8}" type="datetimeFigureOut">
               <a:rPr kumimoji="1" lang="zh-CN" altLang="en-US" smtClean="0"/>
-              <a:t>2020/12/1</a:t>
+              <a:t>2020/12/2</a:t>
             </a:fld>
             <a:endParaRPr kumimoji="1" lang="zh-CN" altLang="en-US"/>
           </a:p>
@@ -2688,7 +2706,7 @@
           <a:p>
             <a:fld id="{D548B4E7-F4DF-F444-89BE-160B951A6CB8}" type="datetimeFigureOut">
               <a:rPr kumimoji="1" lang="zh-CN" altLang="en-US" smtClean="0"/>
-              <a:t>2020/12/1</a:t>
+              <a:t>2020/12/2</a:t>
             </a:fld>
             <a:endParaRPr kumimoji="1" lang="zh-CN" altLang="en-US"/>
           </a:p>
@@ -2922,7 +2940,7 @@
           <a:p>
             <a:fld id="{D548B4E7-F4DF-F444-89BE-160B951A6CB8}" type="datetimeFigureOut">
               <a:rPr kumimoji="1" lang="zh-CN" altLang="en-US" smtClean="0"/>
-              <a:t>2020/12/1</a:t>
+              <a:t>2020/12/2</a:t>
             </a:fld>
             <a:endParaRPr kumimoji="1" lang="zh-CN" altLang="en-US"/>
           </a:p>
@@ -3731,7 +3749,7 @@
                   <a:srgbClr val="0070C0"/>
                 </a:solidFill>
               </a:rPr>
-              <a:t>- SHORTEST PATH</a:t>
+              <a:t>- Top Sort</a:t>
             </a:r>
             <a:endParaRPr kumimoji="1" lang="zh-CN" altLang="en-US" dirty="0">
               <a:solidFill>
@@ -4010,13 +4028,13 @@
           </p:cNvPr>
           <p:cNvCxnSpPr>
             <a:cxnSpLocks/>
-            <a:stCxn id="11" idx="7"/>
-            <a:endCxn id="4" idx="3"/>
+            <a:stCxn id="4" idx="3"/>
+            <a:endCxn id="11" idx="7"/>
           </p:cNvCxnSpPr>
           <p:nvPr/>
         </p:nvCxnSpPr>
         <p:spPr>
-          <a:xfrm flipV="1">
+          <a:xfrm flipH="1">
             <a:off x="3866501" y="1774853"/>
             <a:ext cx="692567" cy="964244"/>
           </a:xfrm>
@@ -4180,13 +4198,13 @@
           </p:cNvPr>
           <p:cNvCxnSpPr>
             <a:cxnSpLocks/>
-            <a:stCxn id="14" idx="6"/>
-            <a:endCxn id="9" idx="2"/>
+            <a:stCxn id="9" idx="2"/>
+            <a:endCxn id="14" idx="6"/>
           </p:cNvCxnSpPr>
           <p:nvPr/>
         </p:nvCxnSpPr>
         <p:spPr>
-          <a:xfrm>
+          <a:xfrm flipH="1" flipV="1">
             <a:off x="6053940" y="2923767"/>
             <a:ext cx="1413334" cy="278"/>
           </a:xfrm>
@@ -4255,534 +4273,6 @@
           </a:fontRef>
         </p:style>
       </p:cxnSp>
-      <p:sp>
-        <p:nvSpPr>
-          <p:cNvPr id="83" name="文本框 82">
-            <a:extLst>
-              <a:ext uri="{FF2B5EF4-FFF2-40B4-BE49-F238E27FC236}">
-                <a16:creationId xmlns:a16="http://schemas.microsoft.com/office/drawing/2014/main" id="{7BFEE32A-6BA7-0548-8910-3933F8B58F82}"/>
-              </a:ext>
-            </a:extLst>
-          </p:cNvPr>
-          <p:cNvSpPr txBox="1"/>
-          <p:nvPr/>
-        </p:nvSpPr>
-        <p:spPr>
-          <a:xfrm>
-            <a:off x="4617735" y="2547259"/>
-            <a:ext cx="427511" cy="400110"/>
-          </a:xfrm>
-          <a:prstGeom prst="rect">
-            <a:avLst/>
-          </a:prstGeom>
-          <a:noFill/>
-        </p:spPr>
-        <p:txBody>
-          <a:bodyPr wrap="square" rtlCol="0">
-            <a:spAutoFit/>
-          </a:bodyPr>
-          <a:lstStyle/>
-          <a:p>
-            <a:r>
-              <a:rPr kumimoji="1" lang="en-US" altLang="zh-CN" sz="2000" b="1" dirty="0">
-                <a:solidFill>
-                  <a:srgbClr val="0070C0"/>
-                </a:solidFill>
-              </a:rPr>
-              <a:t>2</a:t>
-            </a:r>
-            <a:endParaRPr kumimoji="1" lang="zh-CN" altLang="en-US" sz="2000" b="1" dirty="0">
-              <a:solidFill>
-                <a:srgbClr val="0070C0"/>
-              </a:solidFill>
-            </a:endParaRPr>
-          </a:p>
-        </p:txBody>
-      </p:sp>
-      <p:sp>
-        <p:nvSpPr>
-          <p:cNvPr id="84" name="文本框 83">
-            <a:extLst>
-              <a:ext uri="{FF2B5EF4-FFF2-40B4-BE49-F238E27FC236}">
-                <a16:creationId xmlns:a16="http://schemas.microsoft.com/office/drawing/2014/main" id="{873363F6-2CB3-A743-AB2E-88C875F47B94}"/>
-              </a:ext>
-            </a:extLst>
-          </p:cNvPr>
-          <p:cNvSpPr txBox="1"/>
-          <p:nvPr/>
-        </p:nvSpPr>
-        <p:spPr>
-          <a:xfrm>
-            <a:off x="5705286" y="1207072"/>
-            <a:ext cx="427511" cy="400110"/>
-          </a:xfrm>
-          <a:prstGeom prst="rect">
-            <a:avLst/>
-          </a:prstGeom>
-          <a:noFill/>
-        </p:spPr>
-        <p:txBody>
-          <a:bodyPr wrap="square" rtlCol="0">
-            <a:spAutoFit/>
-          </a:bodyPr>
-          <a:lstStyle/>
-          <a:p>
-            <a:r>
-              <a:rPr kumimoji="1" lang="en-US" altLang="zh-CN" sz="2000" b="1" dirty="0">
-                <a:solidFill>
-                  <a:srgbClr val="0070C0"/>
-                </a:solidFill>
-              </a:rPr>
-              <a:t>2</a:t>
-            </a:r>
-            <a:endParaRPr kumimoji="1" lang="zh-CN" altLang="en-US" sz="2000" b="1" dirty="0">
-              <a:solidFill>
-                <a:srgbClr val="0070C0"/>
-              </a:solidFill>
-            </a:endParaRPr>
-          </a:p>
-        </p:txBody>
-      </p:sp>
-      <p:sp>
-        <p:nvSpPr>
-          <p:cNvPr id="85" name="文本框 84">
-            <a:extLst>
-              <a:ext uri="{FF2B5EF4-FFF2-40B4-BE49-F238E27FC236}">
-                <a16:creationId xmlns:a16="http://schemas.microsoft.com/office/drawing/2014/main" id="{AAD8D632-5E77-4B48-9D12-CE508113C66A}"/>
-              </a:ext>
-            </a:extLst>
-          </p:cNvPr>
-          <p:cNvSpPr txBox="1"/>
-          <p:nvPr/>
-        </p:nvSpPr>
-        <p:spPr>
-          <a:xfrm>
-            <a:off x="3866501" y="2004653"/>
-            <a:ext cx="427511" cy="400110"/>
-          </a:xfrm>
-          <a:prstGeom prst="rect">
-            <a:avLst/>
-          </a:prstGeom>
-          <a:noFill/>
-        </p:spPr>
-        <p:txBody>
-          <a:bodyPr wrap="square" rtlCol="0">
-            <a:spAutoFit/>
-          </a:bodyPr>
-          <a:lstStyle/>
-          <a:p>
-            <a:r>
-              <a:rPr kumimoji="1" lang="en-US" altLang="zh-CN" sz="2000" b="1" dirty="0">
-                <a:solidFill>
-                  <a:srgbClr val="0070C0"/>
-                </a:solidFill>
-              </a:rPr>
-              <a:t>4</a:t>
-            </a:r>
-            <a:endParaRPr kumimoji="1" lang="zh-CN" altLang="en-US" sz="2000" b="1" dirty="0">
-              <a:solidFill>
-                <a:srgbClr val="0070C0"/>
-              </a:solidFill>
-            </a:endParaRPr>
-          </a:p>
-        </p:txBody>
-      </p:sp>
-      <p:sp>
-        <p:nvSpPr>
-          <p:cNvPr id="86" name="文本框 85">
-            <a:extLst>
-              <a:ext uri="{FF2B5EF4-FFF2-40B4-BE49-F238E27FC236}">
-                <a16:creationId xmlns:a16="http://schemas.microsoft.com/office/drawing/2014/main" id="{585D858A-DC8C-9043-BBC0-0C7570E09B9C}"/>
-              </a:ext>
-            </a:extLst>
-          </p:cNvPr>
-          <p:cNvSpPr txBox="1"/>
-          <p:nvPr/>
-        </p:nvSpPr>
-        <p:spPr>
-          <a:xfrm>
-            <a:off x="5242349" y="2029395"/>
-            <a:ext cx="427511" cy="400110"/>
-          </a:xfrm>
-          <a:prstGeom prst="rect">
-            <a:avLst/>
-          </a:prstGeom>
-          <a:noFill/>
-        </p:spPr>
-        <p:txBody>
-          <a:bodyPr wrap="square" rtlCol="0">
-            <a:spAutoFit/>
-          </a:bodyPr>
-          <a:lstStyle/>
-          <a:p>
-            <a:r>
-              <a:rPr kumimoji="1" lang="en-US" altLang="zh-CN" sz="2000" b="1" dirty="0">
-                <a:solidFill>
-                  <a:srgbClr val="0070C0"/>
-                </a:solidFill>
-              </a:rPr>
-              <a:t>1</a:t>
-            </a:r>
-            <a:endParaRPr kumimoji="1" lang="zh-CN" altLang="en-US" sz="2000" b="1" dirty="0">
-              <a:solidFill>
-                <a:srgbClr val="0070C0"/>
-              </a:solidFill>
-            </a:endParaRPr>
-          </a:p>
-        </p:txBody>
-      </p:sp>
-      <p:sp>
-        <p:nvSpPr>
-          <p:cNvPr id="87" name="文本框 86">
-            <a:extLst>
-              <a:ext uri="{FF2B5EF4-FFF2-40B4-BE49-F238E27FC236}">
-                <a16:creationId xmlns:a16="http://schemas.microsoft.com/office/drawing/2014/main" id="{A22A7D8C-E438-2444-94C4-F1A46A339D95}"/>
-              </a:ext>
-            </a:extLst>
-          </p:cNvPr>
-          <p:cNvSpPr txBox="1"/>
-          <p:nvPr/>
-        </p:nvSpPr>
-        <p:spPr>
-          <a:xfrm>
-            <a:off x="6318900" y="3303552"/>
-            <a:ext cx="427511" cy="400110"/>
-          </a:xfrm>
-          <a:prstGeom prst="rect">
-            <a:avLst/>
-          </a:prstGeom>
-          <a:noFill/>
-        </p:spPr>
-        <p:txBody>
-          <a:bodyPr wrap="square" rtlCol="0">
-            <a:spAutoFit/>
-          </a:bodyPr>
-          <a:lstStyle/>
-          <a:p>
-            <a:r>
-              <a:rPr kumimoji="1" lang="en-US" altLang="zh-CN" sz="2000" b="1" dirty="0">
-                <a:solidFill>
-                  <a:srgbClr val="0070C0"/>
-                </a:solidFill>
-              </a:rPr>
-              <a:t>4</a:t>
-            </a:r>
-            <a:endParaRPr kumimoji="1" lang="zh-CN" altLang="en-US" sz="2000" b="1" dirty="0">
-              <a:solidFill>
-                <a:srgbClr val="0070C0"/>
-              </a:solidFill>
-            </a:endParaRPr>
-          </a:p>
-        </p:txBody>
-      </p:sp>
-      <p:sp>
-        <p:nvSpPr>
-          <p:cNvPr id="92" name="文本框 91">
-            <a:extLst>
-              <a:ext uri="{FF2B5EF4-FFF2-40B4-BE49-F238E27FC236}">
-                <a16:creationId xmlns:a16="http://schemas.microsoft.com/office/drawing/2014/main" id="{2C10DFAD-DDA4-AC47-A5FA-D16F3EE5183A}"/>
-              </a:ext>
-            </a:extLst>
-          </p:cNvPr>
-          <p:cNvSpPr txBox="1"/>
-          <p:nvPr/>
-        </p:nvSpPr>
-        <p:spPr>
-          <a:xfrm>
-            <a:off x="6118889" y="1952587"/>
-            <a:ext cx="427511" cy="400110"/>
-          </a:xfrm>
-          <a:prstGeom prst="rect">
-            <a:avLst/>
-          </a:prstGeom>
-          <a:noFill/>
-        </p:spPr>
-        <p:txBody>
-          <a:bodyPr wrap="square" rtlCol="0">
-            <a:spAutoFit/>
-          </a:bodyPr>
-          <a:lstStyle/>
-          <a:p>
-            <a:r>
-              <a:rPr kumimoji="1" lang="en-US" altLang="zh-CN" sz="2000" b="1" dirty="0">
-                <a:solidFill>
-                  <a:srgbClr val="0070C0"/>
-                </a:solidFill>
-              </a:rPr>
-              <a:t>3</a:t>
-            </a:r>
-            <a:endParaRPr kumimoji="1" lang="zh-CN" altLang="en-US" sz="2000" b="1" dirty="0">
-              <a:solidFill>
-                <a:srgbClr val="0070C0"/>
-              </a:solidFill>
-            </a:endParaRPr>
-          </a:p>
-        </p:txBody>
-      </p:sp>
-      <p:sp>
-        <p:nvSpPr>
-          <p:cNvPr id="93" name="文本框 92">
-            <a:extLst>
-              <a:ext uri="{FF2B5EF4-FFF2-40B4-BE49-F238E27FC236}">
-                <a16:creationId xmlns:a16="http://schemas.microsoft.com/office/drawing/2014/main" id="{5BEB6626-958C-BD4C-A5D7-E564CA8A103F}"/>
-              </a:ext>
-            </a:extLst>
-          </p:cNvPr>
-          <p:cNvSpPr txBox="1"/>
-          <p:nvPr/>
-        </p:nvSpPr>
-        <p:spPr>
-          <a:xfrm>
-            <a:off x="7301020" y="1871101"/>
-            <a:ext cx="632799" cy="400110"/>
-          </a:xfrm>
-          <a:prstGeom prst="rect">
-            <a:avLst/>
-          </a:prstGeom>
-          <a:noFill/>
-        </p:spPr>
-        <p:txBody>
-          <a:bodyPr wrap="square" rtlCol="0">
-            <a:spAutoFit/>
-          </a:bodyPr>
-          <a:lstStyle/>
-          <a:p>
-            <a:r>
-              <a:rPr kumimoji="1" lang="en-US" altLang="zh-CN" sz="2000" b="1" dirty="0">
-                <a:solidFill>
-                  <a:srgbClr val="0070C0"/>
-                </a:solidFill>
-              </a:rPr>
-              <a:t>10</a:t>
-            </a:r>
-            <a:endParaRPr kumimoji="1" lang="zh-CN" altLang="en-US" sz="2000" b="1" dirty="0">
-              <a:solidFill>
-                <a:srgbClr val="0070C0"/>
-              </a:solidFill>
-            </a:endParaRPr>
-          </a:p>
-        </p:txBody>
-      </p:sp>
-      <p:sp>
-        <p:nvSpPr>
-          <p:cNvPr id="94" name="文本框 93">
-            <a:extLst>
-              <a:ext uri="{FF2B5EF4-FFF2-40B4-BE49-F238E27FC236}">
-                <a16:creationId xmlns:a16="http://schemas.microsoft.com/office/drawing/2014/main" id="{10E6D250-A62B-874A-BC6A-053C7CE7F230}"/>
-              </a:ext>
-            </a:extLst>
-          </p:cNvPr>
-          <p:cNvSpPr txBox="1"/>
-          <p:nvPr/>
-        </p:nvSpPr>
-        <p:spPr>
-          <a:xfrm>
-            <a:off x="4978199" y="3266901"/>
-            <a:ext cx="427511" cy="400110"/>
-          </a:xfrm>
-          <a:prstGeom prst="rect">
-            <a:avLst/>
-          </a:prstGeom>
-          <a:noFill/>
-        </p:spPr>
-        <p:txBody>
-          <a:bodyPr wrap="square" rtlCol="0">
-            <a:spAutoFit/>
-          </a:bodyPr>
-          <a:lstStyle/>
-          <a:p>
-            <a:r>
-              <a:rPr kumimoji="1" lang="en-US" altLang="zh-CN" sz="2000" b="1" dirty="0">
-                <a:solidFill>
-                  <a:srgbClr val="0070C0"/>
-                </a:solidFill>
-              </a:rPr>
-              <a:t>8</a:t>
-            </a:r>
-            <a:endParaRPr kumimoji="1" lang="zh-CN" altLang="en-US" sz="2000" b="1" dirty="0">
-              <a:solidFill>
-                <a:srgbClr val="0070C0"/>
-              </a:solidFill>
-            </a:endParaRPr>
-          </a:p>
-        </p:txBody>
-      </p:sp>
-      <p:sp>
-        <p:nvSpPr>
-          <p:cNvPr id="95" name="文本框 94">
-            <a:extLst>
-              <a:ext uri="{FF2B5EF4-FFF2-40B4-BE49-F238E27FC236}">
-                <a16:creationId xmlns:a16="http://schemas.microsoft.com/office/drawing/2014/main" id="{C955F167-FA1F-8D4A-BEE1-4E18C3DAC3DC}"/>
-              </a:ext>
-            </a:extLst>
-          </p:cNvPr>
-          <p:cNvSpPr txBox="1"/>
-          <p:nvPr/>
-        </p:nvSpPr>
-        <p:spPr>
-          <a:xfrm>
-            <a:off x="3898471" y="3387995"/>
-            <a:ext cx="427511" cy="400110"/>
-          </a:xfrm>
-          <a:prstGeom prst="rect">
-            <a:avLst/>
-          </a:prstGeom>
-          <a:noFill/>
-        </p:spPr>
-        <p:txBody>
-          <a:bodyPr wrap="square" rtlCol="0">
-            <a:spAutoFit/>
-          </a:bodyPr>
-          <a:lstStyle/>
-          <a:p>
-            <a:r>
-              <a:rPr kumimoji="1" lang="en-US" altLang="zh-CN" sz="2000" b="1" dirty="0">
-                <a:solidFill>
-                  <a:srgbClr val="0070C0"/>
-                </a:solidFill>
-              </a:rPr>
-              <a:t>5</a:t>
-            </a:r>
-            <a:endParaRPr kumimoji="1" lang="zh-CN" altLang="en-US" sz="2000" b="1" dirty="0">
-              <a:solidFill>
-                <a:srgbClr val="0070C0"/>
-              </a:solidFill>
-            </a:endParaRPr>
-          </a:p>
-        </p:txBody>
-      </p:sp>
-      <p:sp>
-        <p:nvSpPr>
-          <p:cNvPr id="96" name="文本框 95">
-            <a:extLst>
-              <a:ext uri="{FF2B5EF4-FFF2-40B4-BE49-F238E27FC236}">
-                <a16:creationId xmlns:a16="http://schemas.microsoft.com/office/drawing/2014/main" id="{A0969ED9-8911-A046-9609-88E26E2988A0}"/>
-              </a:ext>
-            </a:extLst>
-          </p:cNvPr>
-          <p:cNvSpPr txBox="1"/>
-          <p:nvPr/>
-        </p:nvSpPr>
-        <p:spPr>
-          <a:xfrm>
-            <a:off x="6656824" y="2562254"/>
-            <a:ext cx="427511" cy="400110"/>
-          </a:xfrm>
-          <a:prstGeom prst="rect">
-            <a:avLst/>
-          </a:prstGeom>
-          <a:noFill/>
-        </p:spPr>
-        <p:txBody>
-          <a:bodyPr wrap="square" rtlCol="0">
-            <a:spAutoFit/>
-          </a:bodyPr>
-          <a:lstStyle/>
-          <a:p>
-            <a:r>
-              <a:rPr kumimoji="1" lang="en-US" altLang="zh-CN" sz="2000" b="1" dirty="0">
-                <a:solidFill>
-                  <a:srgbClr val="0070C0"/>
-                </a:solidFill>
-              </a:rPr>
-              <a:t>7</a:t>
-            </a:r>
-            <a:endParaRPr kumimoji="1" lang="zh-CN" altLang="en-US" sz="2000" b="1" dirty="0">
-              <a:solidFill>
-                <a:srgbClr val="0070C0"/>
-              </a:solidFill>
-            </a:endParaRPr>
-          </a:p>
-        </p:txBody>
-      </p:sp>
-      <p:sp>
-        <p:nvSpPr>
-          <p:cNvPr id="97" name="文本框 96">
-            <a:extLst>
-              <a:ext uri="{FF2B5EF4-FFF2-40B4-BE49-F238E27FC236}">
-                <a16:creationId xmlns:a16="http://schemas.microsoft.com/office/drawing/2014/main" id="{D11B0202-8C0A-DF48-8F1C-40EE685B249F}"/>
-              </a:ext>
-            </a:extLst>
-          </p:cNvPr>
-          <p:cNvSpPr txBox="1"/>
-          <p:nvPr/>
-        </p:nvSpPr>
-        <p:spPr>
-          <a:xfrm>
-            <a:off x="7395439" y="3482332"/>
-            <a:ext cx="427511" cy="400110"/>
-          </a:xfrm>
-          <a:prstGeom prst="rect">
-            <a:avLst/>
-          </a:prstGeom>
-          <a:noFill/>
-        </p:spPr>
-        <p:txBody>
-          <a:bodyPr wrap="square" rtlCol="0">
-            <a:spAutoFit/>
-          </a:bodyPr>
-          <a:lstStyle/>
-          <a:p>
-            <a:r>
-              <a:rPr kumimoji="1" lang="en-US" altLang="zh-CN" sz="2000" b="1" dirty="0">
-                <a:solidFill>
-                  <a:srgbClr val="0070C0"/>
-                </a:solidFill>
-              </a:rPr>
-              <a:t>6</a:t>
-            </a:r>
-            <a:endParaRPr kumimoji="1" lang="zh-CN" altLang="en-US" sz="2000" b="1" dirty="0">
-              <a:solidFill>
-                <a:srgbClr val="0070C0"/>
-              </a:solidFill>
-            </a:endParaRPr>
-          </a:p>
-        </p:txBody>
-      </p:sp>
-      <p:sp>
-        <p:nvSpPr>
-          <p:cNvPr id="100" name="文本框 99">
-            <a:extLst>
-              <a:ext uri="{FF2B5EF4-FFF2-40B4-BE49-F238E27FC236}">
-                <a16:creationId xmlns:a16="http://schemas.microsoft.com/office/drawing/2014/main" id="{9ECA1526-212F-5C42-AF2B-77B53F528B1C}"/>
-              </a:ext>
-            </a:extLst>
-          </p:cNvPr>
-          <p:cNvSpPr txBox="1"/>
-          <p:nvPr/>
-        </p:nvSpPr>
-        <p:spPr>
-          <a:xfrm>
-            <a:off x="5639052" y="4173856"/>
-            <a:ext cx="427511" cy="400110"/>
-          </a:xfrm>
-          <a:prstGeom prst="rect">
-            <a:avLst/>
-          </a:prstGeom>
-          <a:noFill/>
-        </p:spPr>
-        <p:txBody>
-          <a:bodyPr wrap="square" rtlCol="0">
-            <a:spAutoFit/>
-          </a:bodyPr>
-          <a:lstStyle/>
-          <a:p>
-            <a:r>
-              <a:rPr kumimoji="1" lang="en-US" altLang="zh-CN" sz="2000" b="1" dirty="0">
-                <a:solidFill>
-                  <a:srgbClr val="0070C0"/>
-                </a:solidFill>
-              </a:rPr>
-              <a:t>1</a:t>
-            </a:r>
-            <a:endParaRPr kumimoji="1" lang="zh-CN" altLang="en-US" sz="2000" b="1" dirty="0">
-              <a:solidFill>
-                <a:srgbClr val="0070C0"/>
-              </a:solidFill>
-            </a:endParaRPr>
-          </a:p>
-        </p:txBody>
-      </p:sp>
     </p:spTree>
     <p:extLst>
       <p:ext uri="{BB962C8B-B14F-4D97-AF65-F5344CB8AC3E}">
@@ -5205,7 +4695,7 @@
                   <a:srgbClr val="0070C0"/>
                 </a:solidFill>
               </a:rPr>
-              <a:t>- Minimum Spanning Tree</a:t>
+              <a:t>- SHORTEST PATH</a:t>
             </a:r>
             <a:endParaRPr kumimoji="1" lang="zh-CN" altLang="en-US" dirty="0">
               <a:solidFill>
@@ -5215,6 +4705,520 @@
           </a:p>
         </p:txBody>
       </p:sp>
+      <p:cxnSp>
+        <p:nvCxnSpPr>
+          <p:cNvPr id="5" name="直线箭头连接符 4">
+            <a:extLst>
+              <a:ext uri="{FF2B5EF4-FFF2-40B4-BE49-F238E27FC236}">
+                <a16:creationId xmlns:a16="http://schemas.microsoft.com/office/drawing/2014/main" id="{DC0AE937-7200-F84D-917F-6D93C3931826}"/>
+              </a:ext>
+            </a:extLst>
+          </p:cNvPr>
+          <p:cNvCxnSpPr>
+            <a:cxnSpLocks/>
+            <a:stCxn id="4" idx="5"/>
+            <a:endCxn id="14" idx="1"/>
+          </p:cNvCxnSpPr>
+          <p:nvPr/>
+        </p:nvCxnSpPr>
+        <p:spPr>
+          <a:xfrm>
+            <a:off x="4928542" y="1774853"/>
+            <a:ext cx="679404" cy="959978"/>
+          </a:xfrm>
+          <a:prstGeom prst="straightConnector1">
+            <a:avLst/>
+          </a:prstGeom>
+          <a:ln>
+            <a:tailEnd type="triangle"/>
+          </a:ln>
+        </p:spPr>
+        <p:style>
+          <a:lnRef idx="3">
+            <a:schemeClr val="accent1"/>
+          </a:lnRef>
+          <a:fillRef idx="0">
+            <a:schemeClr val="accent1"/>
+          </a:fillRef>
+          <a:effectRef idx="2">
+            <a:schemeClr val="accent1"/>
+          </a:effectRef>
+          <a:fontRef idx="minor">
+            <a:schemeClr val="tx1"/>
+          </a:fontRef>
+        </p:style>
+      </p:cxnSp>
+      <p:cxnSp>
+        <p:nvCxnSpPr>
+          <p:cNvPr id="8" name="直线箭头连接符 7">
+            <a:extLst>
+              <a:ext uri="{FF2B5EF4-FFF2-40B4-BE49-F238E27FC236}">
+                <a16:creationId xmlns:a16="http://schemas.microsoft.com/office/drawing/2014/main" id="{3C289379-0749-8D4C-A405-AB6BED94714E}"/>
+              </a:ext>
+            </a:extLst>
+          </p:cNvPr>
+          <p:cNvCxnSpPr>
+            <a:cxnSpLocks/>
+            <a:stCxn id="4" idx="6"/>
+            <a:endCxn id="7" idx="2"/>
+          </p:cNvCxnSpPr>
+          <p:nvPr/>
+        </p:nvCxnSpPr>
+        <p:spPr>
+          <a:xfrm>
+            <a:off x="5005062" y="1585918"/>
+            <a:ext cx="1644676" cy="0"/>
+          </a:xfrm>
+          <a:prstGeom prst="straightConnector1">
+            <a:avLst/>
+          </a:prstGeom>
+          <a:ln>
+            <a:tailEnd type="triangle"/>
+          </a:ln>
+        </p:spPr>
+        <p:style>
+          <a:lnRef idx="3">
+            <a:schemeClr val="accent1"/>
+          </a:lnRef>
+          <a:fillRef idx="0">
+            <a:schemeClr val="accent1"/>
+          </a:fillRef>
+          <a:effectRef idx="2">
+            <a:schemeClr val="accent1"/>
+          </a:effectRef>
+          <a:fontRef idx="minor">
+            <a:schemeClr val="tx1"/>
+          </a:fontRef>
+        </p:style>
+      </p:cxnSp>
+      <p:cxnSp>
+        <p:nvCxnSpPr>
+          <p:cNvPr id="16" name="直线箭头连接符 15">
+            <a:extLst>
+              <a:ext uri="{FF2B5EF4-FFF2-40B4-BE49-F238E27FC236}">
+                <a16:creationId xmlns:a16="http://schemas.microsoft.com/office/drawing/2014/main" id="{300552AD-6A6D-E345-A0E3-5E4B202DBEE9}"/>
+              </a:ext>
+            </a:extLst>
+          </p:cNvPr>
+          <p:cNvCxnSpPr>
+            <a:cxnSpLocks/>
+            <a:stCxn id="7" idx="3"/>
+            <a:endCxn id="14" idx="7"/>
+          </p:cNvCxnSpPr>
+          <p:nvPr/>
+        </p:nvCxnSpPr>
+        <p:spPr>
+          <a:xfrm flipH="1">
+            <a:off x="5977420" y="1774853"/>
+            <a:ext cx="748838" cy="959978"/>
+          </a:xfrm>
+          <a:prstGeom prst="straightConnector1">
+            <a:avLst/>
+          </a:prstGeom>
+          <a:ln>
+            <a:tailEnd type="triangle"/>
+          </a:ln>
+        </p:spPr>
+        <p:style>
+          <a:lnRef idx="3">
+            <a:schemeClr val="accent1"/>
+          </a:lnRef>
+          <a:fillRef idx="0">
+            <a:schemeClr val="accent1"/>
+          </a:fillRef>
+          <a:effectRef idx="2">
+            <a:schemeClr val="accent1"/>
+          </a:effectRef>
+          <a:fontRef idx="minor">
+            <a:schemeClr val="tx1"/>
+          </a:fontRef>
+        </p:style>
+      </p:cxnSp>
+      <p:cxnSp>
+        <p:nvCxnSpPr>
+          <p:cNvPr id="18" name="直线箭头连接符 17">
+            <a:extLst>
+              <a:ext uri="{FF2B5EF4-FFF2-40B4-BE49-F238E27FC236}">
+                <a16:creationId xmlns:a16="http://schemas.microsoft.com/office/drawing/2014/main" id="{72205337-60AF-024C-B9AC-B594C0DBE8E3}"/>
+              </a:ext>
+            </a:extLst>
+          </p:cNvPr>
+          <p:cNvCxnSpPr>
+            <a:cxnSpLocks/>
+            <a:stCxn id="7" idx="5"/>
+            <a:endCxn id="9" idx="0"/>
+          </p:cNvCxnSpPr>
+          <p:nvPr/>
+        </p:nvCxnSpPr>
+        <p:spPr>
+          <a:xfrm>
+            <a:off x="7095732" y="1774853"/>
+            <a:ext cx="632799" cy="881997"/>
+          </a:xfrm>
+          <a:prstGeom prst="straightConnector1">
+            <a:avLst/>
+          </a:prstGeom>
+          <a:ln>
+            <a:tailEnd type="triangle"/>
+          </a:ln>
+        </p:spPr>
+        <p:style>
+          <a:lnRef idx="3">
+            <a:schemeClr val="accent1"/>
+          </a:lnRef>
+          <a:fillRef idx="0">
+            <a:schemeClr val="accent1"/>
+          </a:fillRef>
+          <a:effectRef idx="2">
+            <a:schemeClr val="accent1"/>
+          </a:effectRef>
+          <a:fontRef idx="minor">
+            <a:schemeClr val="tx1"/>
+          </a:fontRef>
+        </p:style>
+      </p:cxnSp>
+      <p:cxnSp>
+        <p:nvCxnSpPr>
+          <p:cNvPr id="20" name="直线箭头连接符 19">
+            <a:extLst>
+              <a:ext uri="{FF2B5EF4-FFF2-40B4-BE49-F238E27FC236}">
+                <a16:creationId xmlns:a16="http://schemas.microsoft.com/office/drawing/2014/main" id="{E8C63654-5F39-BF43-B33C-9A7A3F093F34}"/>
+              </a:ext>
+            </a:extLst>
+          </p:cNvPr>
+          <p:cNvCxnSpPr>
+            <a:cxnSpLocks/>
+            <a:stCxn id="9" idx="4"/>
+            <a:endCxn id="12" idx="7"/>
+          </p:cNvCxnSpPr>
+          <p:nvPr/>
+        </p:nvCxnSpPr>
+        <p:spPr>
+          <a:xfrm flipH="1">
+            <a:off x="7095732" y="3191239"/>
+            <a:ext cx="632799" cy="832279"/>
+          </a:xfrm>
+          <a:prstGeom prst="straightConnector1">
+            <a:avLst/>
+          </a:prstGeom>
+          <a:ln>
+            <a:tailEnd type="triangle"/>
+          </a:ln>
+        </p:spPr>
+        <p:style>
+          <a:lnRef idx="3">
+            <a:schemeClr val="accent1"/>
+          </a:lnRef>
+          <a:fillRef idx="0">
+            <a:schemeClr val="accent1"/>
+          </a:fillRef>
+          <a:effectRef idx="2">
+            <a:schemeClr val="accent1"/>
+          </a:effectRef>
+          <a:fontRef idx="minor">
+            <a:schemeClr val="tx1"/>
+          </a:fontRef>
+        </p:style>
+      </p:cxnSp>
+      <p:cxnSp>
+        <p:nvCxnSpPr>
+          <p:cNvPr id="23" name="直线箭头连接符 22">
+            <a:extLst>
+              <a:ext uri="{FF2B5EF4-FFF2-40B4-BE49-F238E27FC236}">
+                <a16:creationId xmlns:a16="http://schemas.microsoft.com/office/drawing/2014/main" id="{3BD51E29-51C0-4642-B2D7-6E9C206F4487}"/>
+              </a:ext>
+            </a:extLst>
+          </p:cNvPr>
+          <p:cNvCxnSpPr>
+            <a:cxnSpLocks/>
+            <a:stCxn id="14" idx="3"/>
+            <a:endCxn id="13" idx="7"/>
+          </p:cNvCxnSpPr>
+          <p:nvPr/>
+        </p:nvCxnSpPr>
+        <p:spPr>
+          <a:xfrm flipH="1">
+            <a:off x="4928542" y="3112702"/>
+            <a:ext cx="679404" cy="874165"/>
+          </a:xfrm>
+          <a:prstGeom prst="straightConnector1">
+            <a:avLst/>
+          </a:prstGeom>
+          <a:ln>
+            <a:tailEnd type="triangle"/>
+          </a:ln>
+        </p:spPr>
+        <p:style>
+          <a:lnRef idx="3">
+            <a:schemeClr val="accent1"/>
+          </a:lnRef>
+          <a:fillRef idx="0">
+            <a:schemeClr val="accent1"/>
+          </a:fillRef>
+          <a:effectRef idx="2">
+            <a:schemeClr val="accent1"/>
+          </a:effectRef>
+          <a:fontRef idx="minor">
+            <a:schemeClr val="tx1"/>
+          </a:fontRef>
+        </p:style>
+      </p:cxnSp>
+      <p:cxnSp>
+        <p:nvCxnSpPr>
+          <p:cNvPr id="25" name="直线箭头连接符 24">
+            <a:extLst>
+              <a:ext uri="{FF2B5EF4-FFF2-40B4-BE49-F238E27FC236}">
+                <a16:creationId xmlns:a16="http://schemas.microsoft.com/office/drawing/2014/main" id="{67A4B1F0-9AAB-2C4E-8EBD-B99A140C6FF2}"/>
+              </a:ext>
+            </a:extLst>
+          </p:cNvPr>
+          <p:cNvCxnSpPr>
+            <a:cxnSpLocks/>
+            <a:stCxn id="11" idx="7"/>
+            <a:endCxn id="4" idx="3"/>
+          </p:cNvCxnSpPr>
+          <p:nvPr/>
+        </p:nvCxnSpPr>
+        <p:spPr>
+          <a:xfrm flipV="1">
+            <a:off x="3866501" y="1774853"/>
+            <a:ext cx="692567" cy="964244"/>
+          </a:xfrm>
+          <a:prstGeom prst="straightConnector1">
+            <a:avLst/>
+          </a:prstGeom>
+          <a:ln>
+            <a:tailEnd type="triangle"/>
+          </a:ln>
+        </p:spPr>
+        <p:style>
+          <a:lnRef idx="3">
+            <a:schemeClr val="accent1"/>
+          </a:lnRef>
+          <a:fillRef idx="0">
+            <a:schemeClr val="accent1"/>
+          </a:fillRef>
+          <a:effectRef idx="2">
+            <a:schemeClr val="accent1"/>
+          </a:effectRef>
+          <a:fontRef idx="minor">
+            <a:schemeClr val="tx1"/>
+          </a:fontRef>
+        </p:style>
+      </p:cxnSp>
+      <p:cxnSp>
+        <p:nvCxnSpPr>
+          <p:cNvPr id="39" name="直线箭头连接符 38">
+            <a:extLst>
+              <a:ext uri="{FF2B5EF4-FFF2-40B4-BE49-F238E27FC236}">
+                <a16:creationId xmlns:a16="http://schemas.microsoft.com/office/drawing/2014/main" id="{A0A02A6F-ECB6-894A-8221-4F8B00D51F02}"/>
+              </a:ext>
+            </a:extLst>
+          </p:cNvPr>
+          <p:cNvCxnSpPr>
+            <a:cxnSpLocks/>
+            <a:stCxn id="14" idx="5"/>
+            <a:endCxn id="12" idx="1"/>
+          </p:cNvCxnSpPr>
+          <p:nvPr/>
+        </p:nvCxnSpPr>
+        <p:spPr>
+          <a:xfrm>
+            <a:off x="5977420" y="3112702"/>
+            <a:ext cx="748838" cy="910816"/>
+          </a:xfrm>
+          <a:prstGeom prst="straightConnector1">
+            <a:avLst/>
+          </a:prstGeom>
+          <a:ln>
+            <a:tailEnd type="triangle"/>
+          </a:ln>
+        </p:spPr>
+        <p:style>
+          <a:lnRef idx="3">
+            <a:schemeClr val="accent1"/>
+          </a:lnRef>
+          <a:fillRef idx="0">
+            <a:schemeClr val="accent1"/>
+          </a:fillRef>
+          <a:effectRef idx="2">
+            <a:schemeClr val="accent1"/>
+          </a:effectRef>
+          <a:fontRef idx="minor">
+            <a:schemeClr val="tx1"/>
+          </a:fontRef>
+        </p:style>
+      </p:cxnSp>
+      <p:cxnSp>
+        <p:nvCxnSpPr>
+          <p:cNvPr id="41" name="直线箭头连接符 40">
+            <a:extLst>
+              <a:ext uri="{FF2B5EF4-FFF2-40B4-BE49-F238E27FC236}">
+                <a16:creationId xmlns:a16="http://schemas.microsoft.com/office/drawing/2014/main" id="{DA1F7EB5-B9D0-894D-8C93-733946ABFC2E}"/>
+              </a:ext>
+            </a:extLst>
+          </p:cNvPr>
+          <p:cNvCxnSpPr>
+            <a:cxnSpLocks/>
+            <a:endCxn id="11" idx="6"/>
+          </p:cNvCxnSpPr>
+          <p:nvPr/>
+        </p:nvCxnSpPr>
+        <p:spPr>
+          <a:xfrm flipH="1" flipV="1">
+            <a:off x="3943021" y="2928033"/>
+            <a:ext cx="1721361" cy="5146"/>
+          </a:xfrm>
+          <a:prstGeom prst="straightConnector1">
+            <a:avLst/>
+          </a:prstGeom>
+          <a:ln>
+            <a:tailEnd type="triangle"/>
+          </a:ln>
+        </p:spPr>
+        <p:style>
+          <a:lnRef idx="3">
+            <a:schemeClr val="accent1"/>
+          </a:lnRef>
+          <a:fillRef idx="0">
+            <a:schemeClr val="accent1"/>
+          </a:fillRef>
+          <a:effectRef idx="2">
+            <a:schemeClr val="accent1"/>
+          </a:effectRef>
+          <a:fontRef idx="minor">
+            <a:schemeClr val="tx1"/>
+          </a:fontRef>
+        </p:style>
+      </p:cxnSp>
+      <p:cxnSp>
+        <p:nvCxnSpPr>
+          <p:cNvPr id="43" name="直线箭头连接符 42">
+            <a:extLst>
+              <a:ext uri="{FF2B5EF4-FFF2-40B4-BE49-F238E27FC236}">
+                <a16:creationId xmlns:a16="http://schemas.microsoft.com/office/drawing/2014/main" id="{D6947BA2-74A3-8048-81D6-BCDB50920098}"/>
+              </a:ext>
+            </a:extLst>
+          </p:cNvPr>
+          <p:cNvCxnSpPr>
+            <a:cxnSpLocks/>
+            <a:endCxn id="13" idx="6"/>
+          </p:cNvCxnSpPr>
+          <p:nvPr/>
+        </p:nvCxnSpPr>
+        <p:spPr>
+          <a:xfrm flipH="1" flipV="1">
+            <a:off x="5005062" y="4175803"/>
+            <a:ext cx="1644676" cy="28045"/>
+          </a:xfrm>
+          <a:prstGeom prst="straightConnector1">
+            <a:avLst/>
+          </a:prstGeom>
+          <a:ln>
+            <a:tailEnd type="triangle"/>
+          </a:ln>
+        </p:spPr>
+        <p:style>
+          <a:lnRef idx="3">
+            <a:schemeClr val="accent1"/>
+          </a:lnRef>
+          <a:fillRef idx="0">
+            <a:schemeClr val="accent1"/>
+          </a:fillRef>
+          <a:effectRef idx="2">
+            <a:schemeClr val="accent1"/>
+          </a:effectRef>
+          <a:fontRef idx="minor">
+            <a:schemeClr val="tx1"/>
+          </a:fontRef>
+        </p:style>
+      </p:cxnSp>
+      <p:cxnSp>
+        <p:nvCxnSpPr>
+          <p:cNvPr id="45" name="直线箭头连接符 44">
+            <a:extLst>
+              <a:ext uri="{FF2B5EF4-FFF2-40B4-BE49-F238E27FC236}">
+                <a16:creationId xmlns:a16="http://schemas.microsoft.com/office/drawing/2014/main" id="{1AAC828F-96AB-744E-8555-7ECB2A3F3CB1}"/>
+              </a:ext>
+            </a:extLst>
+          </p:cNvPr>
+          <p:cNvCxnSpPr>
+            <a:cxnSpLocks/>
+            <a:stCxn id="14" idx="6"/>
+            <a:endCxn id="9" idx="2"/>
+          </p:cNvCxnSpPr>
+          <p:nvPr/>
+        </p:nvCxnSpPr>
+        <p:spPr>
+          <a:xfrm>
+            <a:off x="6053940" y="2923767"/>
+            <a:ext cx="1413334" cy="278"/>
+          </a:xfrm>
+          <a:prstGeom prst="straightConnector1">
+            <a:avLst/>
+          </a:prstGeom>
+          <a:ln>
+            <a:tailEnd type="triangle"/>
+          </a:ln>
+        </p:spPr>
+        <p:style>
+          <a:lnRef idx="3">
+            <a:schemeClr val="accent1"/>
+          </a:lnRef>
+          <a:fillRef idx="0">
+            <a:schemeClr val="accent1"/>
+          </a:fillRef>
+          <a:effectRef idx="2">
+            <a:schemeClr val="accent1"/>
+          </a:effectRef>
+          <a:fontRef idx="minor">
+            <a:schemeClr val="tx1"/>
+          </a:fontRef>
+        </p:style>
+      </p:cxnSp>
+      <p:cxnSp>
+        <p:nvCxnSpPr>
+          <p:cNvPr id="47" name="直线箭头连接符 46">
+            <a:extLst>
+              <a:ext uri="{FF2B5EF4-FFF2-40B4-BE49-F238E27FC236}">
+                <a16:creationId xmlns:a16="http://schemas.microsoft.com/office/drawing/2014/main" id="{23B83BC8-FC7E-0647-81F6-4DCB9298CCC1}"/>
+              </a:ext>
+            </a:extLst>
+          </p:cNvPr>
+          <p:cNvCxnSpPr>
+            <a:cxnSpLocks/>
+            <a:stCxn id="11" idx="5"/>
+            <a:endCxn id="13" idx="1"/>
+          </p:cNvCxnSpPr>
+          <p:nvPr/>
+        </p:nvCxnSpPr>
+        <p:spPr>
+          <a:xfrm>
+            <a:off x="3866501" y="3116968"/>
+            <a:ext cx="692567" cy="869899"/>
+          </a:xfrm>
+          <a:prstGeom prst="straightConnector1">
+            <a:avLst/>
+          </a:prstGeom>
+          <a:ln>
+            <a:tailEnd type="triangle"/>
+          </a:ln>
+        </p:spPr>
+        <p:style>
+          <a:lnRef idx="3">
+            <a:schemeClr val="accent1"/>
+          </a:lnRef>
+          <a:fillRef idx="0">
+            <a:schemeClr val="accent1"/>
+          </a:fillRef>
+          <a:effectRef idx="2">
+            <a:schemeClr val="accent1"/>
+          </a:effectRef>
+          <a:fontRef idx="minor">
+            <a:schemeClr val="tx1"/>
+          </a:fontRef>
+        </p:style>
+      </p:cxnSp>
       <p:sp>
         <p:nvSpPr>
           <p:cNvPr id="83" name="文本框 82">
@@ -5305,6 +5309,50 @@
       </p:sp>
       <p:sp>
         <p:nvSpPr>
+          <p:cNvPr id="85" name="文本框 84">
+            <a:extLst>
+              <a:ext uri="{FF2B5EF4-FFF2-40B4-BE49-F238E27FC236}">
+                <a16:creationId xmlns:a16="http://schemas.microsoft.com/office/drawing/2014/main" id="{AAD8D632-5E77-4B48-9D12-CE508113C66A}"/>
+              </a:ext>
+            </a:extLst>
+          </p:cNvPr>
+          <p:cNvSpPr txBox="1"/>
+          <p:nvPr/>
+        </p:nvSpPr>
+        <p:spPr>
+          <a:xfrm>
+            <a:off x="3866501" y="2004653"/>
+            <a:ext cx="427511" cy="400110"/>
+          </a:xfrm>
+          <a:prstGeom prst="rect">
+            <a:avLst/>
+          </a:prstGeom>
+          <a:noFill/>
+        </p:spPr>
+        <p:txBody>
+          <a:bodyPr wrap="square" rtlCol="0">
+            <a:spAutoFit/>
+          </a:bodyPr>
+          <a:lstStyle/>
+          <a:p>
+            <a:r>
+              <a:rPr kumimoji="1" lang="en-US" altLang="zh-CN" sz="2000" b="1" dirty="0">
+                <a:solidFill>
+                  <a:srgbClr val="0070C0"/>
+                </a:solidFill>
+              </a:rPr>
+              <a:t>4</a:t>
+            </a:r>
+            <a:endParaRPr kumimoji="1" lang="zh-CN" altLang="en-US" sz="2000" b="1" dirty="0">
+              <a:solidFill>
+                <a:srgbClr val="0070C0"/>
+              </a:solidFill>
+            </a:endParaRPr>
+          </a:p>
+        </p:txBody>
+      </p:sp>
+      <p:sp>
+        <p:nvSpPr>
           <p:cNvPr id="86" name="文本框 85">
             <a:extLst>
               <a:ext uri="{FF2B5EF4-FFF2-40B4-BE49-F238E27FC236}">
@@ -5393,6 +5441,226 @@
       </p:sp>
       <p:sp>
         <p:nvSpPr>
+          <p:cNvPr id="92" name="文本框 91">
+            <a:extLst>
+              <a:ext uri="{FF2B5EF4-FFF2-40B4-BE49-F238E27FC236}">
+                <a16:creationId xmlns:a16="http://schemas.microsoft.com/office/drawing/2014/main" id="{2C10DFAD-DDA4-AC47-A5FA-D16F3EE5183A}"/>
+              </a:ext>
+            </a:extLst>
+          </p:cNvPr>
+          <p:cNvSpPr txBox="1"/>
+          <p:nvPr/>
+        </p:nvSpPr>
+        <p:spPr>
+          <a:xfrm>
+            <a:off x="6118889" y="1952587"/>
+            <a:ext cx="427511" cy="400110"/>
+          </a:xfrm>
+          <a:prstGeom prst="rect">
+            <a:avLst/>
+          </a:prstGeom>
+          <a:noFill/>
+        </p:spPr>
+        <p:txBody>
+          <a:bodyPr wrap="square" rtlCol="0">
+            <a:spAutoFit/>
+          </a:bodyPr>
+          <a:lstStyle/>
+          <a:p>
+            <a:r>
+              <a:rPr kumimoji="1" lang="en-US" altLang="zh-CN" sz="2000" b="1" dirty="0">
+                <a:solidFill>
+                  <a:srgbClr val="0070C0"/>
+                </a:solidFill>
+              </a:rPr>
+              <a:t>3</a:t>
+            </a:r>
+            <a:endParaRPr kumimoji="1" lang="zh-CN" altLang="en-US" sz="2000" b="1" dirty="0">
+              <a:solidFill>
+                <a:srgbClr val="0070C0"/>
+              </a:solidFill>
+            </a:endParaRPr>
+          </a:p>
+        </p:txBody>
+      </p:sp>
+      <p:sp>
+        <p:nvSpPr>
+          <p:cNvPr id="93" name="文本框 92">
+            <a:extLst>
+              <a:ext uri="{FF2B5EF4-FFF2-40B4-BE49-F238E27FC236}">
+                <a16:creationId xmlns:a16="http://schemas.microsoft.com/office/drawing/2014/main" id="{5BEB6626-958C-BD4C-A5D7-E564CA8A103F}"/>
+              </a:ext>
+            </a:extLst>
+          </p:cNvPr>
+          <p:cNvSpPr txBox="1"/>
+          <p:nvPr/>
+        </p:nvSpPr>
+        <p:spPr>
+          <a:xfrm>
+            <a:off x="7301020" y="1871101"/>
+            <a:ext cx="632799" cy="400110"/>
+          </a:xfrm>
+          <a:prstGeom prst="rect">
+            <a:avLst/>
+          </a:prstGeom>
+          <a:noFill/>
+        </p:spPr>
+        <p:txBody>
+          <a:bodyPr wrap="square" rtlCol="0">
+            <a:spAutoFit/>
+          </a:bodyPr>
+          <a:lstStyle/>
+          <a:p>
+            <a:r>
+              <a:rPr kumimoji="1" lang="en-US" altLang="zh-CN" sz="2000" b="1" dirty="0">
+                <a:solidFill>
+                  <a:srgbClr val="0070C0"/>
+                </a:solidFill>
+              </a:rPr>
+              <a:t>10</a:t>
+            </a:r>
+            <a:endParaRPr kumimoji="1" lang="zh-CN" altLang="en-US" sz="2000" b="1" dirty="0">
+              <a:solidFill>
+                <a:srgbClr val="0070C0"/>
+              </a:solidFill>
+            </a:endParaRPr>
+          </a:p>
+        </p:txBody>
+      </p:sp>
+      <p:sp>
+        <p:nvSpPr>
+          <p:cNvPr id="94" name="文本框 93">
+            <a:extLst>
+              <a:ext uri="{FF2B5EF4-FFF2-40B4-BE49-F238E27FC236}">
+                <a16:creationId xmlns:a16="http://schemas.microsoft.com/office/drawing/2014/main" id="{10E6D250-A62B-874A-BC6A-053C7CE7F230}"/>
+              </a:ext>
+            </a:extLst>
+          </p:cNvPr>
+          <p:cNvSpPr txBox="1"/>
+          <p:nvPr/>
+        </p:nvSpPr>
+        <p:spPr>
+          <a:xfrm>
+            <a:off x="4978199" y="3266901"/>
+            <a:ext cx="427511" cy="400110"/>
+          </a:xfrm>
+          <a:prstGeom prst="rect">
+            <a:avLst/>
+          </a:prstGeom>
+          <a:noFill/>
+        </p:spPr>
+        <p:txBody>
+          <a:bodyPr wrap="square" rtlCol="0">
+            <a:spAutoFit/>
+          </a:bodyPr>
+          <a:lstStyle/>
+          <a:p>
+            <a:r>
+              <a:rPr kumimoji="1" lang="en-US" altLang="zh-CN" sz="2000" b="1" dirty="0">
+                <a:solidFill>
+                  <a:srgbClr val="0070C0"/>
+                </a:solidFill>
+              </a:rPr>
+              <a:t>8</a:t>
+            </a:r>
+            <a:endParaRPr kumimoji="1" lang="zh-CN" altLang="en-US" sz="2000" b="1" dirty="0">
+              <a:solidFill>
+                <a:srgbClr val="0070C0"/>
+              </a:solidFill>
+            </a:endParaRPr>
+          </a:p>
+        </p:txBody>
+      </p:sp>
+      <p:sp>
+        <p:nvSpPr>
+          <p:cNvPr id="95" name="文本框 94">
+            <a:extLst>
+              <a:ext uri="{FF2B5EF4-FFF2-40B4-BE49-F238E27FC236}">
+                <a16:creationId xmlns:a16="http://schemas.microsoft.com/office/drawing/2014/main" id="{C955F167-FA1F-8D4A-BEE1-4E18C3DAC3DC}"/>
+              </a:ext>
+            </a:extLst>
+          </p:cNvPr>
+          <p:cNvSpPr txBox="1"/>
+          <p:nvPr/>
+        </p:nvSpPr>
+        <p:spPr>
+          <a:xfrm>
+            <a:off x="3898471" y="3387995"/>
+            <a:ext cx="427511" cy="400110"/>
+          </a:xfrm>
+          <a:prstGeom prst="rect">
+            <a:avLst/>
+          </a:prstGeom>
+          <a:noFill/>
+        </p:spPr>
+        <p:txBody>
+          <a:bodyPr wrap="square" rtlCol="0">
+            <a:spAutoFit/>
+          </a:bodyPr>
+          <a:lstStyle/>
+          <a:p>
+            <a:r>
+              <a:rPr kumimoji="1" lang="en-US" altLang="zh-CN" sz="2000" b="1" dirty="0">
+                <a:solidFill>
+                  <a:srgbClr val="0070C0"/>
+                </a:solidFill>
+              </a:rPr>
+              <a:t>5</a:t>
+            </a:r>
+            <a:endParaRPr kumimoji="1" lang="zh-CN" altLang="en-US" sz="2000" b="1" dirty="0">
+              <a:solidFill>
+                <a:srgbClr val="0070C0"/>
+              </a:solidFill>
+            </a:endParaRPr>
+          </a:p>
+        </p:txBody>
+      </p:sp>
+      <p:sp>
+        <p:nvSpPr>
+          <p:cNvPr id="96" name="文本框 95">
+            <a:extLst>
+              <a:ext uri="{FF2B5EF4-FFF2-40B4-BE49-F238E27FC236}">
+                <a16:creationId xmlns:a16="http://schemas.microsoft.com/office/drawing/2014/main" id="{A0969ED9-8911-A046-9609-88E26E2988A0}"/>
+              </a:ext>
+            </a:extLst>
+          </p:cNvPr>
+          <p:cNvSpPr txBox="1"/>
+          <p:nvPr/>
+        </p:nvSpPr>
+        <p:spPr>
+          <a:xfrm>
+            <a:off x="6656824" y="2562254"/>
+            <a:ext cx="427511" cy="400110"/>
+          </a:xfrm>
+          <a:prstGeom prst="rect">
+            <a:avLst/>
+          </a:prstGeom>
+          <a:noFill/>
+        </p:spPr>
+        <p:txBody>
+          <a:bodyPr wrap="square" rtlCol="0">
+            <a:spAutoFit/>
+          </a:bodyPr>
+          <a:lstStyle/>
+          <a:p>
+            <a:r>
+              <a:rPr kumimoji="1" lang="en-US" altLang="zh-CN" sz="2000" b="1" dirty="0">
+                <a:solidFill>
+                  <a:srgbClr val="0070C0"/>
+                </a:solidFill>
+              </a:rPr>
+              <a:t>7</a:t>
+            </a:r>
+            <a:endParaRPr kumimoji="1" lang="zh-CN" altLang="en-US" sz="2000" b="1" dirty="0">
+              <a:solidFill>
+                <a:srgbClr val="0070C0"/>
+              </a:solidFill>
+            </a:endParaRPr>
+          </a:p>
+        </p:txBody>
+      </p:sp>
+      <p:sp>
+        <p:nvSpPr>
           <p:cNvPr id="97" name="文本框 96">
             <a:extLst>
               <a:ext uri="{FF2B5EF4-FFF2-40B4-BE49-F238E27FC236}">
@@ -5479,250 +5747,10 @@
           </a:p>
         </p:txBody>
       </p:sp>
-      <p:cxnSp>
-        <p:nvCxnSpPr>
-          <p:cNvPr id="6" name="直线连接符 5">
-            <a:extLst>
-              <a:ext uri="{FF2B5EF4-FFF2-40B4-BE49-F238E27FC236}">
-                <a16:creationId xmlns:a16="http://schemas.microsoft.com/office/drawing/2014/main" id="{C04CECBB-E185-B44E-8625-66D5F0DDA884}"/>
-              </a:ext>
-            </a:extLst>
-          </p:cNvPr>
-          <p:cNvCxnSpPr>
-            <a:cxnSpLocks/>
-            <a:stCxn id="4" idx="6"/>
-            <a:endCxn id="7" idx="2"/>
-          </p:cNvCxnSpPr>
-          <p:nvPr/>
-        </p:nvCxnSpPr>
-        <p:spPr>
-          <a:xfrm>
-            <a:off x="5005062" y="1585918"/>
-            <a:ext cx="1644676" cy="0"/>
-          </a:xfrm>
-          <a:prstGeom prst="line">
-            <a:avLst/>
-          </a:prstGeom>
-        </p:spPr>
-        <p:style>
-          <a:lnRef idx="3">
-            <a:schemeClr val="accent1"/>
-          </a:lnRef>
-          <a:fillRef idx="0">
-            <a:schemeClr val="accent1"/>
-          </a:fillRef>
-          <a:effectRef idx="2">
-            <a:schemeClr val="accent1"/>
-          </a:effectRef>
-          <a:fontRef idx="minor">
-            <a:schemeClr val="tx1"/>
-          </a:fontRef>
-        </p:style>
-      </p:cxnSp>
-      <p:cxnSp>
-        <p:nvCxnSpPr>
-          <p:cNvPr id="36" name="直线连接符 35">
-            <a:extLst>
-              <a:ext uri="{FF2B5EF4-FFF2-40B4-BE49-F238E27FC236}">
-                <a16:creationId xmlns:a16="http://schemas.microsoft.com/office/drawing/2014/main" id="{C816119A-50EC-F64F-B346-1E4F34311436}"/>
-              </a:ext>
-            </a:extLst>
-          </p:cNvPr>
-          <p:cNvCxnSpPr>
-            <a:cxnSpLocks/>
-            <a:stCxn id="4" idx="4"/>
-            <a:endCxn id="14" idx="1"/>
-          </p:cNvCxnSpPr>
-          <p:nvPr/>
-        </p:nvCxnSpPr>
-        <p:spPr>
-          <a:xfrm>
-            <a:off x="4743805" y="1853112"/>
-            <a:ext cx="864141" cy="881719"/>
-          </a:xfrm>
-          <a:prstGeom prst="line">
-            <a:avLst/>
-          </a:prstGeom>
-        </p:spPr>
-        <p:style>
-          <a:lnRef idx="3">
-            <a:schemeClr val="accent1"/>
-          </a:lnRef>
-          <a:fillRef idx="0">
-            <a:schemeClr val="accent1"/>
-          </a:fillRef>
-          <a:effectRef idx="2">
-            <a:schemeClr val="accent1"/>
-          </a:effectRef>
-          <a:fontRef idx="minor">
-            <a:schemeClr val="tx1"/>
-          </a:fontRef>
-        </p:style>
-      </p:cxnSp>
-      <p:cxnSp>
-        <p:nvCxnSpPr>
-          <p:cNvPr id="40" name="直线连接符 39">
-            <a:extLst>
-              <a:ext uri="{FF2B5EF4-FFF2-40B4-BE49-F238E27FC236}">
-                <a16:creationId xmlns:a16="http://schemas.microsoft.com/office/drawing/2014/main" id="{EB405FE0-3C54-4640-AFC4-3A273E52B3E6}"/>
-              </a:ext>
-            </a:extLst>
-          </p:cNvPr>
-          <p:cNvCxnSpPr>
-            <a:cxnSpLocks/>
-            <a:stCxn id="11" idx="6"/>
-            <a:endCxn id="14" idx="2"/>
-          </p:cNvCxnSpPr>
-          <p:nvPr/>
-        </p:nvCxnSpPr>
-        <p:spPr>
-          <a:xfrm flipV="1">
-            <a:off x="3943021" y="2923767"/>
-            <a:ext cx="1588405" cy="4266"/>
-          </a:xfrm>
-          <a:prstGeom prst="line">
-            <a:avLst/>
-          </a:prstGeom>
-        </p:spPr>
-        <p:style>
-          <a:lnRef idx="3">
-            <a:schemeClr val="accent1"/>
-          </a:lnRef>
-          <a:fillRef idx="0">
-            <a:schemeClr val="accent1"/>
-          </a:fillRef>
-          <a:effectRef idx="2">
-            <a:schemeClr val="accent1"/>
-          </a:effectRef>
-          <a:fontRef idx="minor">
-            <a:schemeClr val="tx1"/>
-          </a:fontRef>
-        </p:style>
-      </p:cxnSp>
-      <p:cxnSp>
-        <p:nvCxnSpPr>
-          <p:cNvPr id="42" name="直线连接符 41">
-            <a:extLst>
-              <a:ext uri="{FF2B5EF4-FFF2-40B4-BE49-F238E27FC236}">
-                <a16:creationId xmlns:a16="http://schemas.microsoft.com/office/drawing/2014/main" id="{1389A965-25CD-7F43-8FF1-D0961C980CF8}"/>
-              </a:ext>
-            </a:extLst>
-          </p:cNvPr>
-          <p:cNvCxnSpPr>
-            <a:cxnSpLocks/>
-            <a:stCxn id="13" idx="6"/>
-            <a:endCxn id="12" idx="2"/>
-          </p:cNvCxnSpPr>
-          <p:nvPr/>
-        </p:nvCxnSpPr>
-        <p:spPr>
-          <a:xfrm>
-            <a:off x="5005062" y="4175803"/>
-            <a:ext cx="1644676" cy="36651"/>
-          </a:xfrm>
-          <a:prstGeom prst="line">
-            <a:avLst/>
-          </a:prstGeom>
-        </p:spPr>
-        <p:style>
-          <a:lnRef idx="3">
-            <a:schemeClr val="accent1"/>
-          </a:lnRef>
-          <a:fillRef idx="0">
-            <a:schemeClr val="accent1"/>
-          </a:fillRef>
-          <a:effectRef idx="2">
-            <a:schemeClr val="accent1"/>
-          </a:effectRef>
-          <a:fontRef idx="minor">
-            <a:schemeClr val="tx1"/>
-          </a:fontRef>
-        </p:style>
-      </p:cxnSp>
-      <p:cxnSp>
-        <p:nvCxnSpPr>
-          <p:cNvPr id="46" name="直线连接符 45">
-            <a:extLst>
-              <a:ext uri="{FF2B5EF4-FFF2-40B4-BE49-F238E27FC236}">
-                <a16:creationId xmlns:a16="http://schemas.microsoft.com/office/drawing/2014/main" id="{CE93BDB0-150E-8742-9368-8607348002E4}"/>
-              </a:ext>
-            </a:extLst>
-          </p:cNvPr>
-          <p:cNvCxnSpPr>
-            <a:cxnSpLocks/>
-            <a:stCxn id="14" idx="5"/>
-            <a:endCxn id="12" idx="1"/>
-          </p:cNvCxnSpPr>
-          <p:nvPr/>
-        </p:nvCxnSpPr>
-        <p:spPr>
-          <a:xfrm>
-            <a:off x="5977420" y="3112702"/>
-            <a:ext cx="748838" cy="910816"/>
-          </a:xfrm>
-          <a:prstGeom prst="line">
-            <a:avLst/>
-          </a:prstGeom>
-        </p:spPr>
-        <p:style>
-          <a:lnRef idx="3">
-            <a:schemeClr val="accent1"/>
-          </a:lnRef>
-          <a:fillRef idx="0">
-            <a:schemeClr val="accent1"/>
-          </a:fillRef>
-          <a:effectRef idx="2">
-            <a:schemeClr val="accent1"/>
-          </a:effectRef>
-          <a:fontRef idx="minor">
-            <a:schemeClr val="tx1"/>
-          </a:fontRef>
-        </p:style>
-      </p:cxnSp>
-      <p:cxnSp>
-        <p:nvCxnSpPr>
-          <p:cNvPr id="48" name="直线连接符 47">
-            <a:extLst>
-              <a:ext uri="{FF2B5EF4-FFF2-40B4-BE49-F238E27FC236}">
-                <a16:creationId xmlns:a16="http://schemas.microsoft.com/office/drawing/2014/main" id="{EC71DA8A-34AD-4443-BB8D-950833BD995C}"/>
-              </a:ext>
-            </a:extLst>
-          </p:cNvPr>
-          <p:cNvCxnSpPr>
-            <a:cxnSpLocks/>
-            <a:stCxn id="9" idx="4"/>
-            <a:endCxn id="12" idx="7"/>
-          </p:cNvCxnSpPr>
-          <p:nvPr/>
-        </p:nvCxnSpPr>
-        <p:spPr>
-          <a:xfrm flipH="1">
-            <a:off x="7095732" y="3191239"/>
-            <a:ext cx="632799" cy="832279"/>
-          </a:xfrm>
-          <a:prstGeom prst="line">
-            <a:avLst/>
-          </a:prstGeom>
-        </p:spPr>
-        <p:style>
-          <a:lnRef idx="3">
-            <a:schemeClr val="accent1"/>
-          </a:lnRef>
-          <a:fillRef idx="0">
-            <a:schemeClr val="accent1"/>
-          </a:fillRef>
-          <a:effectRef idx="2">
-            <a:schemeClr val="accent1"/>
-          </a:effectRef>
-          <a:fontRef idx="minor">
-            <a:schemeClr val="tx1"/>
-          </a:fontRef>
-        </p:style>
-      </p:cxnSp>
     </p:spTree>
     <p:extLst>
       <p:ext uri="{BB962C8B-B14F-4D97-AF65-F5344CB8AC3E}">
-        <p14:creationId xmlns:p14="http://schemas.microsoft.com/office/powerpoint/2010/main" val="3700799129"/>
+        <p14:creationId xmlns:p14="http://schemas.microsoft.com/office/powerpoint/2010/main" val="298130772"/>
       </p:ext>
     </p:extLst>
   </p:cSld>
@@ -5801,10 +5829,10 @@
       </p:sp>
       <p:sp>
         <p:nvSpPr>
-          <p:cNvPr id="9" name="椭圆 8">
-            <a:extLst>
-              <a:ext uri="{FF2B5EF4-FFF2-40B4-BE49-F238E27FC236}">
-                <a16:creationId xmlns:a16="http://schemas.microsoft.com/office/drawing/2014/main" id="{23C0A51A-3E8A-964F-9433-32D4EA9C2205}"/>
+          <p:cNvPr id="7" name="椭圆 6">
+            <a:extLst>
+              <a:ext uri="{FF2B5EF4-FFF2-40B4-BE49-F238E27FC236}">
+                <a16:creationId xmlns:a16="http://schemas.microsoft.com/office/drawing/2014/main" id="{0BE1B618-A039-7545-B7E8-F5BF4144ACE5}"/>
               </a:ext>
             </a:extLst>
           </p:cNvPr>
@@ -5813,7 +5841,7 @@
         </p:nvSpPr>
         <p:spPr>
           <a:xfrm>
-            <a:off x="7202095" y="3216200"/>
+            <a:off x="6649738" y="1318723"/>
             <a:ext cx="522514" cy="534389"/>
           </a:xfrm>
           <a:prstGeom prst="ellipse">
@@ -5843,7 +5871,7 @@
             <a:pPr algn="ctr"/>
             <a:r>
               <a:rPr kumimoji="1" lang="en-US" altLang="zh-CN" dirty="0"/>
-              <a:t>E</a:t>
+              <a:t>B</a:t>
             </a:r>
             <a:endParaRPr kumimoji="1" lang="zh-CN" altLang="en-US" dirty="0"/>
           </a:p>
@@ -5851,10 +5879,10 @@
       </p:sp>
       <p:sp>
         <p:nvSpPr>
-          <p:cNvPr id="11" name="椭圆 10">
-            <a:extLst>
-              <a:ext uri="{FF2B5EF4-FFF2-40B4-BE49-F238E27FC236}">
-                <a16:creationId xmlns:a16="http://schemas.microsoft.com/office/drawing/2014/main" id="{3AF5C068-0B69-1D4B-9F60-CFCFF6CB7466}"/>
+          <p:cNvPr id="9" name="椭圆 8">
+            <a:extLst>
+              <a:ext uri="{FF2B5EF4-FFF2-40B4-BE49-F238E27FC236}">
+                <a16:creationId xmlns:a16="http://schemas.microsoft.com/office/drawing/2014/main" id="{23C0A51A-3E8A-964F-9433-32D4EA9C2205}"/>
               </a:ext>
             </a:extLst>
           </p:cNvPr>
@@ -5863,7 +5891,7 @@
         </p:nvSpPr>
         <p:spPr>
           <a:xfrm>
-            <a:off x="1888887" y="3218152"/>
+            <a:off x="7467274" y="2656850"/>
             <a:ext cx="522514" cy="534389"/>
           </a:xfrm>
           <a:prstGeom prst="ellipse">
@@ -5893,7 +5921,7 @@
             <a:pPr algn="ctr"/>
             <a:r>
               <a:rPr kumimoji="1" lang="en-US" altLang="zh-CN" dirty="0"/>
-              <a:t>B</a:t>
+              <a:t>E</a:t>
             </a:r>
             <a:endParaRPr kumimoji="1" lang="zh-CN" altLang="en-US" dirty="0"/>
           </a:p>
@@ -5901,10 +5929,10 @@
       </p:sp>
       <p:sp>
         <p:nvSpPr>
-          <p:cNvPr id="12" name="椭圆 11">
-            <a:extLst>
-              <a:ext uri="{FF2B5EF4-FFF2-40B4-BE49-F238E27FC236}">
-                <a16:creationId xmlns:a16="http://schemas.microsoft.com/office/drawing/2014/main" id="{DAFB89A5-7EFE-4E4D-BE77-6D4F3402771E}"/>
+          <p:cNvPr id="11" name="椭圆 10">
+            <a:extLst>
+              <a:ext uri="{FF2B5EF4-FFF2-40B4-BE49-F238E27FC236}">
+                <a16:creationId xmlns:a16="http://schemas.microsoft.com/office/drawing/2014/main" id="{3AF5C068-0B69-1D4B-9F60-CFCFF6CB7466}"/>
               </a:ext>
             </a:extLst>
           </p:cNvPr>
@@ -5913,7 +5941,7 @@
         </p:nvSpPr>
         <p:spPr>
           <a:xfrm>
-            <a:off x="4559068" y="5189415"/>
+            <a:off x="3420507" y="2660838"/>
             <a:ext cx="522514" cy="534389"/>
           </a:xfrm>
           <a:prstGeom prst="ellipse">
@@ -5951,6 +5979,106 @@
       </p:sp>
       <p:sp>
         <p:nvSpPr>
+          <p:cNvPr id="12" name="椭圆 11">
+            <a:extLst>
+              <a:ext uri="{FF2B5EF4-FFF2-40B4-BE49-F238E27FC236}">
+                <a16:creationId xmlns:a16="http://schemas.microsoft.com/office/drawing/2014/main" id="{DAFB89A5-7EFE-4E4D-BE77-6D4F3402771E}"/>
+              </a:ext>
+            </a:extLst>
+          </p:cNvPr>
+          <p:cNvSpPr/>
+          <p:nvPr/>
+        </p:nvSpPr>
+        <p:spPr>
+          <a:xfrm>
+            <a:off x="6969113" y="4106716"/>
+            <a:ext cx="522514" cy="534389"/>
+          </a:xfrm>
+          <a:prstGeom prst="ellipse">
+            <a:avLst/>
+          </a:prstGeom>
+        </p:spPr>
+        <p:style>
+          <a:lnRef idx="2">
+            <a:schemeClr val="accent1">
+              <a:shade val="50000"/>
+            </a:schemeClr>
+          </a:lnRef>
+          <a:fillRef idx="1">
+            <a:schemeClr val="accent1"/>
+          </a:fillRef>
+          <a:effectRef idx="0">
+            <a:schemeClr val="accent1"/>
+          </a:effectRef>
+          <a:fontRef idx="minor">
+            <a:schemeClr val="lt1"/>
+          </a:fontRef>
+        </p:style>
+        <p:txBody>
+          <a:bodyPr rtlCol="0" anchor="ctr"/>
+          <a:lstStyle/>
+          <a:p>
+            <a:pPr algn="ctr"/>
+            <a:r>
+              <a:rPr kumimoji="1" lang="en-US" altLang="zh-CN" dirty="0"/>
+              <a:t>G</a:t>
+            </a:r>
+            <a:endParaRPr kumimoji="1" lang="zh-CN" altLang="en-US" dirty="0"/>
+          </a:p>
+        </p:txBody>
+      </p:sp>
+      <p:sp>
+        <p:nvSpPr>
+          <p:cNvPr id="13" name="椭圆 12">
+            <a:extLst>
+              <a:ext uri="{FF2B5EF4-FFF2-40B4-BE49-F238E27FC236}">
+                <a16:creationId xmlns:a16="http://schemas.microsoft.com/office/drawing/2014/main" id="{CF61EFBE-36F5-264F-87D2-A9FAD406CE7B}"/>
+              </a:ext>
+            </a:extLst>
+          </p:cNvPr>
+          <p:cNvSpPr/>
+          <p:nvPr/>
+        </p:nvSpPr>
+        <p:spPr>
+          <a:xfrm>
+            <a:off x="4422614" y="4106715"/>
+            <a:ext cx="522514" cy="534389"/>
+          </a:xfrm>
+          <a:prstGeom prst="ellipse">
+            <a:avLst/>
+          </a:prstGeom>
+        </p:spPr>
+        <p:style>
+          <a:lnRef idx="2">
+            <a:schemeClr val="accent1">
+              <a:shade val="50000"/>
+            </a:schemeClr>
+          </a:lnRef>
+          <a:fillRef idx="1">
+            <a:schemeClr val="accent1"/>
+          </a:fillRef>
+          <a:effectRef idx="0">
+            <a:schemeClr val="accent1"/>
+          </a:effectRef>
+          <a:fontRef idx="minor">
+            <a:schemeClr val="lt1"/>
+          </a:fontRef>
+        </p:style>
+        <p:txBody>
+          <a:bodyPr rtlCol="0" anchor="ctr"/>
+          <a:lstStyle/>
+          <a:p>
+            <a:pPr algn="ctr"/>
+            <a:r>
+              <a:rPr kumimoji="1" lang="en-US" altLang="zh-CN" dirty="0"/>
+              <a:t>F</a:t>
+            </a:r>
+            <a:endParaRPr kumimoji="1" lang="zh-CN" altLang="en-US" dirty="0"/>
+          </a:p>
+        </p:txBody>
+      </p:sp>
+      <p:sp>
+        <p:nvSpPr>
           <p:cNvPr id="14" name="椭圆 13">
             <a:extLst>
               <a:ext uri="{FF2B5EF4-FFF2-40B4-BE49-F238E27FC236}">
@@ -5963,7 +6091,7 @@
         </p:nvSpPr>
         <p:spPr>
           <a:xfrm>
-            <a:off x="4531329" y="3216200"/>
+            <a:off x="5657784" y="2656821"/>
             <a:ext cx="522514" cy="534389"/>
           </a:xfrm>
           <a:prstGeom prst="ellipse">
@@ -6041,7 +6169,7 @@
                   <a:srgbClr val="0070C0"/>
                 </a:solidFill>
               </a:rPr>
-              <a:t>- Biconnected Graph</a:t>
+              <a:t>- Minimum Spanning Tree</a:t>
             </a:r>
             <a:endParaRPr kumimoji="1" lang="zh-CN" altLang="en-US" dirty="0">
               <a:solidFill>
@@ -6051,6 +6179,270 @@
           </a:p>
         </p:txBody>
       </p:sp>
+      <p:sp>
+        <p:nvSpPr>
+          <p:cNvPr id="83" name="文本框 82">
+            <a:extLst>
+              <a:ext uri="{FF2B5EF4-FFF2-40B4-BE49-F238E27FC236}">
+                <a16:creationId xmlns:a16="http://schemas.microsoft.com/office/drawing/2014/main" id="{7BFEE32A-6BA7-0548-8910-3933F8B58F82}"/>
+              </a:ext>
+            </a:extLst>
+          </p:cNvPr>
+          <p:cNvSpPr txBox="1"/>
+          <p:nvPr/>
+        </p:nvSpPr>
+        <p:spPr>
+          <a:xfrm>
+            <a:off x="4617735" y="2547259"/>
+            <a:ext cx="427511" cy="400110"/>
+          </a:xfrm>
+          <a:prstGeom prst="rect">
+            <a:avLst/>
+          </a:prstGeom>
+          <a:noFill/>
+        </p:spPr>
+        <p:txBody>
+          <a:bodyPr wrap="square" rtlCol="0">
+            <a:spAutoFit/>
+          </a:bodyPr>
+          <a:lstStyle/>
+          <a:p>
+            <a:r>
+              <a:rPr kumimoji="1" lang="en-US" altLang="zh-CN" sz="2000" b="1" dirty="0">
+                <a:solidFill>
+                  <a:srgbClr val="0070C0"/>
+                </a:solidFill>
+              </a:rPr>
+              <a:t>2</a:t>
+            </a:r>
+            <a:endParaRPr kumimoji="1" lang="zh-CN" altLang="en-US" sz="2000" b="1" dirty="0">
+              <a:solidFill>
+                <a:srgbClr val="0070C0"/>
+              </a:solidFill>
+            </a:endParaRPr>
+          </a:p>
+        </p:txBody>
+      </p:sp>
+      <p:sp>
+        <p:nvSpPr>
+          <p:cNvPr id="84" name="文本框 83">
+            <a:extLst>
+              <a:ext uri="{FF2B5EF4-FFF2-40B4-BE49-F238E27FC236}">
+                <a16:creationId xmlns:a16="http://schemas.microsoft.com/office/drawing/2014/main" id="{873363F6-2CB3-A743-AB2E-88C875F47B94}"/>
+              </a:ext>
+            </a:extLst>
+          </p:cNvPr>
+          <p:cNvSpPr txBox="1"/>
+          <p:nvPr/>
+        </p:nvSpPr>
+        <p:spPr>
+          <a:xfrm>
+            <a:off x="5705286" y="1207072"/>
+            <a:ext cx="427511" cy="400110"/>
+          </a:xfrm>
+          <a:prstGeom prst="rect">
+            <a:avLst/>
+          </a:prstGeom>
+          <a:noFill/>
+        </p:spPr>
+        <p:txBody>
+          <a:bodyPr wrap="square" rtlCol="0">
+            <a:spAutoFit/>
+          </a:bodyPr>
+          <a:lstStyle/>
+          <a:p>
+            <a:r>
+              <a:rPr kumimoji="1" lang="en-US" altLang="zh-CN" sz="2000" b="1" dirty="0">
+                <a:solidFill>
+                  <a:srgbClr val="0070C0"/>
+                </a:solidFill>
+              </a:rPr>
+              <a:t>2</a:t>
+            </a:r>
+            <a:endParaRPr kumimoji="1" lang="zh-CN" altLang="en-US" sz="2000" b="1" dirty="0">
+              <a:solidFill>
+                <a:srgbClr val="0070C0"/>
+              </a:solidFill>
+            </a:endParaRPr>
+          </a:p>
+        </p:txBody>
+      </p:sp>
+      <p:sp>
+        <p:nvSpPr>
+          <p:cNvPr id="86" name="文本框 85">
+            <a:extLst>
+              <a:ext uri="{FF2B5EF4-FFF2-40B4-BE49-F238E27FC236}">
+                <a16:creationId xmlns:a16="http://schemas.microsoft.com/office/drawing/2014/main" id="{585D858A-DC8C-9043-BBC0-0C7570E09B9C}"/>
+              </a:ext>
+            </a:extLst>
+          </p:cNvPr>
+          <p:cNvSpPr txBox="1"/>
+          <p:nvPr/>
+        </p:nvSpPr>
+        <p:spPr>
+          <a:xfrm>
+            <a:off x="5331423" y="1920314"/>
+            <a:ext cx="427511" cy="400110"/>
+          </a:xfrm>
+          <a:prstGeom prst="rect">
+            <a:avLst/>
+          </a:prstGeom>
+          <a:noFill/>
+        </p:spPr>
+        <p:txBody>
+          <a:bodyPr wrap="square" rtlCol="0">
+            <a:spAutoFit/>
+          </a:bodyPr>
+          <a:lstStyle/>
+          <a:p>
+            <a:r>
+              <a:rPr kumimoji="1" lang="en-US" altLang="zh-CN" sz="2000" b="1" dirty="0">
+                <a:solidFill>
+                  <a:srgbClr val="0070C0"/>
+                </a:solidFill>
+              </a:rPr>
+              <a:t>1</a:t>
+            </a:r>
+            <a:endParaRPr kumimoji="1" lang="zh-CN" altLang="en-US" sz="2000" b="1" dirty="0">
+              <a:solidFill>
+                <a:srgbClr val="0070C0"/>
+              </a:solidFill>
+            </a:endParaRPr>
+          </a:p>
+        </p:txBody>
+      </p:sp>
+      <p:sp>
+        <p:nvSpPr>
+          <p:cNvPr id="87" name="文本框 86">
+            <a:extLst>
+              <a:ext uri="{FF2B5EF4-FFF2-40B4-BE49-F238E27FC236}">
+                <a16:creationId xmlns:a16="http://schemas.microsoft.com/office/drawing/2014/main" id="{A22A7D8C-E438-2444-94C4-F1A46A339D95}"/>
+              </a:ext>
+            </a:extLst>
+          </p:cNvPr>
+          <p:cNvSpPr txBox="1"/>
+          <p:nvPr/>
+        </p:nvSpPr>
+        <p:spPr>
+          <a:xfrm>
+            <a:off x="6500714" y="3250862"/>
+            <a:ext cx="427511" cy="400110"/>
+          </a:xfrm>
+          <a:prstGeom prst="rect">
+            <a:avLst/>
+          </a:prstGeom>
+          <a:noFill/>
+        </p:spPr>
+        <p:txBody>
+          <a:bodyPr wrap="square" rtlCol="0">
+            <a:spAutoFit/>
+          </a:bodyPr>
+          <a:lstStyle/>
+          <a:p>
+            <a:r>
+              <a:rPr kumimoji="1" lang="en-US" altLang="zh-CN" sz="2000" b="1" dirty="0">
+                <a:solidFill>
+                  <a:srgbClr val="0070C0"/>
+                </a:solidFill>
+              </a:rPr>
+              <a:t>4</a:t>
+            </a:r>
+            <a:endParaRPr kumimoji="1" lang="zh-CN" altLang="en-US" sz="2000" b="1" dirty="0">
+              <a:solidFill>
+                <a:srgbClr val="0070C0"/>
+              </a:solidFill>
+            </a:endParaRPr>
+          </a:p>
+        </p:txBody>
+      </p:sp>
+      <p:sp>
+        <p:nvSpPr>
+          <p:cNvPr id="97" name="文本框 96">
+            <a:extLst>
+              <a:ext uri="{FF2B5EF4-FFF2-40B4-BE49-F238E27FC236}">
+                <a16:creationId xmlns:a16="http://schemas.microsoft.com/office/drawing/2014/main" id="{D11B0202-8C0A-DF48-8F1C-40EE685B249F}"/>
+              </a:ext>
+            </a:extLst>
+          </p:cNvPr>
+          <p:cNvSpPr txBox="1"/>
+          <p:nvPr/>
+        </p:nvSpPr>
+        <p:spPr>
+          <a:xfrm>
+            <a:off x="7645404" y="3525573"/>
+            <a:ext cx="427511" cy="400110"/>
+          </a:xfrm>
+          <a:prstGeom prst="rect">
+            <a:avLst/>
+          </a:prstGeom>
+          <a:noFill/>
+        </p:spPr>
+        <p:txBody>
+          <a:bodyPr wrap="square" rtlCol="0">
+            <a:spAutoFit/>
+          </a:bodyPr>
+          <a:lstStyle/>
+          <a:p>
+            <a:r>
+              <a:rPr kumimoji="1" lang="en-US" altLang="zh-CN" sz="2000" b="1" dirty="0">
+                <a:solidFill>
+                  <a:srgbClr val="0070C0"/>
+                </a:solidFill>
+              </a:rPr>
+              <a:t>6</a:t>
+            </a:r>
+            <a:endParaRPr kumimoji="1" lang="zh-CN" altLang="en-US" sz="2000" b="1" dirty="0">
+              <a:solidFill>
+                <a:srgbClr val="0070C0"/>
+              </a:solidFill>
+            </a:endParaRPr>
+          </a:p>
+        </p:txBody>
+      </p:sp>
+      <p:sp>
+        <p:nvSpPr>
+          <p:cNvPr id="100" name="文本框 99">
+            <a:extLst>
+              <a:ext uri="{FF2B5EF4-FFF2-40B4-BE49-F238E27FC236}">
+                <a16:creationId xmlns:a16="http://schemas.microsoft.com/office/drawing/2014/main" id="{9ECA1526-212F-5C42-AF2B-77B53F528B1C}"/>
+              </a:ext>
+            </a:extLst>
+          </p:cNvPr>
+          <p:cNvSpPr txBox="1"/>
+          <p:nvPr/>
+        </p:nvSpPr>
+        <p:spPr>
+          <a:xfrm>
+            <a:off x="5657784" y="4417696"/>
+            <a:ext cx="427511" cy="400110"/>
+          </a:xfrm>
+          <a:prstGeom prst="rect">
+            <a:avLst/>
+          </a:prstGeom>
+          <a:noFill/>
+        </p:spPr>
+        <p:txBody>
+          <a:bodyPr wrap="square" rtlCol="0">
+            <a:spAutoFit/>
+          </a:bodyPr>
+          <a:lstStyle/>
+          <a:p>
+            <a:r>
+              <a:rPr kumimoji="1" lang="en-US" altLang="zh-CN" sz="2000" b="1" dirty="0">
+                <a:solidFill>
+                  <a:srgbClr val="0070C0"/>
+                </a:solidFill>
+              </a:rPr>
+              <a:t>1</a:t>
+            </a:r>
+            <a:endParaRPr kumimoji="1" lang="zh-CN" altLang="en-US" sz="2000" b="1" dirty="0">
+              <a:solidFill>
+                <a:srgbClr val="0070C0"/>
+              </a:solidFill>
+            </a:endParaRPr>
+          </a:p>
+        </p:txBody>
+      </p:sp>
       <p:cxnSp>
         <p:nvCxnSpPr>
           <p:cNvPr id="6" name="直线连接符 5">
@@ -6062,15 +6454,15 @@
           </p:cNvPr>
           <p:cNvCxnSpPr>
             <a:cxnSpLocks/>
-            <a:stCxn id="4" idx="5"/>
-            <a:endCxn id="9" idx="1"/>
+            <a:stCxn id="4" idx="6"/>
+            <a:endCxn id="7" idx="2"/>
           </p:cNvCxnSpPr>
           <p:nvPr/>
         </p:nvCxnSpPr>
         <p:spPr>
           <a:xfrm>
-            <a:off x="4928542" y="1774853"/>
-            <a:ext cx="2350073" cy="1519606"/>
+            <a:off x="5005062" y="1585918"/>
+            <a:ext cx="1644676" cy="0"/>
           </a:xfrm>
           <a:prstGeom prst="line">
             <a:avLst/>
@@ -6102,15 +6494,15 @@
           </p:cNvPr>
           <p:cNvCxnSpPr>
             <a:cxnSpLocks/>
-            <a:stCxn id="4" idx="4"/>
-            <a:endCxn id="14" idx="0"/>
+            <a:stCxn id="4" idx="5"/>
+            <a:endCxn id="14" idx="1"/>
           </p:cNvCxnSpPr>
           <p:nvPr/>
         </p:nvCxnSpPr>
         <p:spPr>
           <a:xfrm>
-            <a:off x="4743805" y="1853112"/>
-            <a:ext cx="48781" cy="1363088"/>
+            <a:off x="4928542" y="1774853"/>
+            <a:ext cx="805762" cy="960227"/>
           </a:xfrm>
           <a:prstGeom prst="line">
             <a:avLst/>
@@ -6149,8 +6541,48 @@
         </p:nvCxnSpPr>
         <p:spPr>
           <a:xfrm flipV="1">
-            <a:off x="2411401" y="3483395"/>
-            <a:ext cx="2119928" cy="1952"/>
+            <a:off x="3943021" y="2924016"/>
+            <a:ext cx="1714763" cy="4017"/>
+          </a:xfrm>
+          <a:prstGeom prst="line">
+            <a:avLst/>
+          </a:prstGeom>
+        </p:spPr>
+        <p:style>
+          <a:lnRef idx="3">
+            <a:schemeClr val="accent1"/>
+          </a:lnRef>
+          <a:fillRef idx="0">
+            <a:schemeClr val="accent1"/>
+          </a:fillRef>
+          <a:effectRef idx="2">
+            <a:schemeClr val="accent1"/>
+          </a:effectRef>
+          <a:fontRef idx="minor">
+            <a:schemeClr val="tx1"/>
+          </a:fontRef>
+        </p:style>
+      </p:cxnSp>
+      <p:cxnSp>
+        <p:nvCxnSpPr>
+          <p:cNvPr id="42" name="直线连接符 41">
+            <a:extLst>
+              <a:ext uri="{FF2B5EF4-FFF2-40B4-BE49-F238E27FC236}">
+                <a16:creationId xmlns:a16="http://schemas.microsoft.com/office/drawing/2014/main" id="{1389A965-25CD-7F43-8FF1-D0961C980CF8}"/>
+              </a:ext>
+            </a:extLst>
+          </p:cNvPr>
+          <p:cNvCxnSpPr>
+            <a:cxnSpLocks/>
+            <a:stCxn id="13" idx="6"/>
+            <a:endCxn id="12" idx="2"/>
+          </p:cNvCxnSpPr>
+          <p:nvPr/>
+        </p:nvCxnSpPr>
+        <p:spPr>
+          <a:xfrm>
+            <a:off x="4945128" y="4373910"/>
+            <a:ext cx="2023985" cy="1"/>
           </a:xfrm>
           <a:prstGeom prst="line">
             <a:avLst/>
@@ -6182,15 +6614,15 @@
           </p:cNvPr>
           <p:cNvCxnSpPr>
             <a:cxnSpLocks/>
-            <a:stCxn id="14" idx="4"/>
-            <a:endCxn id="12" idx="0"/>
+            <a:stCxn id="14" idx="5"/>
+            <a:endCxn id="12" idx="1"/>
           </p:cNvCxnSpPr>
           <p:nvPr/>
         </p:nvCxnSpPr>
         <p:spPr>
           <a:xfrm>
-            <a:off x="4792586" y="3750589"/>
-            <a:ext cx="27739" cy="1438826"/>
+            <a:off x="6103778" y="3112951"/>
+            <a:ext cx="941855" cy="1072024"/>
           </a:xfrm>
           <a:prstGeom prst="line">
             <a:avLst/>
@@ -6222,95 +6654,15 @@
           </p:cNvPr>
           <p:cNvCxnSpPr>
             <a:cxnSpLocks/>
-            <a:stCxn id="9" idx="3"/>
-            <a:endCxn id="12" idx="6"/>
+            <a:stCxn id="9" idx="4"/>
+            <a:endCxn id="12" idx="7"/>
           </p:cNvCxnSpPr>
           <p:nvPr/>
         </p:nvCxnSpPr>
         <p:spPr>
           <a:xfrm flipH="1">
-            <a:off x="5081582" y="3672330"/>
-            <a:ext cx="2197033" cy="1784280"/>
-          </a:xfrm>
-          <a:prstGeom prst="line">
-            <a:avLst/>
-          </a:prstGeom>
-        </p:spPr>
-        <p:style>
-          <a:lnRef idx="3">
-            <a:schemeClr val="accent1"/>
-          </a:lnRef>
-          <a:fillRef idx="0">
-            <a:schemeClr val="accent1"/>
-          </a:fillRef>
-          <a:effectRef idx="2">
-            <a:schemeClr val="accent1"/>
-          </a:effectRef>
-          <a:fontRef idx="minor">
-            <a:schemeClr val="tx1"/>
-          </a:fontRef>
-        </p:style>
-      </p:cxnSp>
-      <p:cxnSp>
-        <p:nvCxnSpPr>
-          <p:cNvPr id="37" name="直线连接符 36">
-            <a:extLst>
-              <a:ext uri="{FF2B5EF4-FFF2-40B4-BE49-F238E27FC236}">
-                <a16:creationId xmlns:a16="http://schemas.microsoft.com/office/drawing/2014/main" id="{80F37163-0406-4340-BC39-6D9CA111AD0C}"/>
-              </a:ext>
-            </a:extLst>
-          </p:cNvPr>
-          <p:cNvCxnSpPr>
-            <a:cxnSpLocks/>
-            <a:stCxn id="4" idx="3"/>
-            <a:endCxn id="11" idx="7"/>
-          </p:cNvCxnSpPr>
-          <p:nvPr/>
-        </p:nvCxnSpPr>
-        <p:spPr>
-          <a:xfrm flipH="1">
-            <a:off x="2334881" y="1774853"/>
-            <a:ext cx="2224187" cy="1521558"/>
-          </a:xfrm>
-          <a:prstGeom prst="line">
-            <a:avLst/>
-          </a:prstGeom>
-        </p:spPr>
-        <p:style>
-          <a:lnRef idx="3">
-            <a:schemeClr val="accent1"/>
-          </a:lnRef>
-          <a:fillRef idx="0">
-            <a:schemeClr val="accent1"/>
-          </a:fillRef>
-          <a:effectRef idx="2">
-            <a:schemeClr val="accent1"/>
-          </a:effectRef>
-          <a:fontRef idx="minor">
-            <a:schemeClr val="tx1"/>
-          </a:fontRef>
-        </p:style>
-      </p:cxnSp>
-      <p:cxnSp>
-        <p:nvCxnSpPr>
-          <p:cNvPr id="50" name="直线连接符 49">
-            <a:extLst>
-              <a:ext uri="{FF2B5EF4-FFF2-40B4-BE49-F238E27FC236}">
-                <a16:creationId xmlns:a16="http://schemas.microsoft.com/office/drawing/2014/main" id="{C6230D1F-C212-D840-9897-945ADB7F6B20}"/>
-              </a:ext>
-            </a:extLst>
-          </p:cNvPr>
-          <p:cNvCxnSpPr>
-            <a:cxnSpLocks/>
-            <a:stCxn id="12" idx="2"/>
-            <a:endCxn id="11" idx="5"/>
-          </p:cNvCxnSpPr>
-          <p:nvPr/>
-        </p:nvCxnSpPr>
-        <p:spPr>
-          <a:xfrm flipH="1" flipV="1">
-            <a:off x="2334881" y="3674282"/>
-            <a:ext cx="2224187" cy="1782328"/>
+            <a:off x="7415107" y="3191239"/>
+            <a:ext cx="313424" cy="993736"/>
           </a:xfrm>
           <a:prstGeom prst="line">
             <a:avLst/>
@@ -6334,7 +6686,7 @@
     </p:spTree>
     <p:extLst>
       <p:ext uri="{BB962C8B-B14F-4D97-AF65-F5344CB8AC3E}">
-        <p14:creationId xmlns:p14="http://schemas.microsoft.com/office/powerpoint/2010/main" val="436782837"/>
+        <p14:creationId xmlns:p14="http://schemas.microsoft.com/office/powerpoint/2010/main" val="3700799129"/>
       </p:ext>
     </p:extLst>
   </p:cSld>
@@ -6425,7 +6777,7 @@
         </p:nvSpPr>
         <p:spPr>
           <a:xfrm>
-            <a:off x="6699175" y="4039160"/>
+            <a:off x="7202095" y="3216200"/>
             <a:ext cx="522514" cy="534389"/>
           </a:xfrm>
           <a:prstGeom prst="ellipse">
@@ -6475,7 +6827,7 @@
         </p:nvSpPr>
         <p:spPr>
           <a:xfrm>
-            <a:off x="1686481" y="1318723"/>
+            <a:off x="1888887" y="3218152"/>
             <a:ext cx="522514" cy="534389"/>
           </a:xfrm>
           <a:prstGeom prst="ellipse">
@@ -6525,15 +6877,12 @@
         </p:nvSpPr>
         <p:spPr>
           <a:xfrm>
-            <a:off x="1700123" y="3280370"/>
+            <a:off x="4559068" y="5189415"/>
             <a:ext cx="522514" cy="534389"/>
           </a:xfrm>
           <a:prstGeom prst="ellipse">
             <a:avLst/>
           </a:prstGeom>
-          <a:solidFill>
-            <a:srgbClr val="FF0000"/>
-          </a:solidFill>
         </p:spPr>
         <p:style>
           <a:lnRef idx="2">
@@ -6578,15 +6927,12 @@
         </p:nvSpPr>
         <p:spPr>
           <a:xfrm>
-            <a:off x="4503664" y="3280370"/>
+            <a:off x="4531329" y="3216200"/>
             <a:ext cx="522514" cy="534389"/>
           </a:xfrm>
           <a:prstGeom prst="ellipse">
             <a:avLst/>
           </a:prstGeom>
-          <a:solidFill>
-            <a:srgbClr val="FF0000"/>
-          </a:solidFill>
         </p:spPr>
         <p:style>
           <a:lnRef idx="2">
@@ -6659,7 +7005,7 @@
                   <a:srgbClr val="0070C0"/>
                 </a:solidFill>
               </a:rPr>
-              <a:t>- Articulation Points</a:t>
+              <a:t>- Biconnected Graph</a:t>
             </a:r>
             <a:endParaRPr kumimoji="1" lang="zh-CN" altLang="en-US" dirty="0">
               <a:solidFill>
@@ -6671,6 +7017,46 @@
       </p:sp>
       <p:cxnSp>
         <p:nvCxnSpPr>
+          <p:cNvPr id="6" name="直线连接符 5">
+            <a:extLst>
+              <a:ext uri="{FF2B5EF4-FFF2-40B4-BE49-F238E27FC236}">
+                <a16:creationId xmlns:a16="http://schemas.microsoft.com/office/drawing/2014/main" id="{C04CECBB-E185-B44E-8625-66D5F0DDA884}"/>
+              </a:ext>
+            </a:extLst>
+          </p:cNvPr>
+          <p:cNvCxnSpPr>
+            <a:cxnSpLocks/>
+            <a:stCxn id="4" idx="5"/>
+            <a:endCxn id="9" idx="1"/>
+          </p:cNvCxnSpPr>
+          <p:nvPr/>
+        </p:nvCxnSpPr>
+        <p:spPr>
+          <a:xfrm>
+            <a:off x="4928542" y="1774853"/>
+            <a:ext cx="2350073" cy="1519606"/>
+          </a:xfrm>
+          <a:prstGeom prst="line">
+            <a:avLst/>
+          </a:prstGeom>
+        </p:spPr>
+        <p:style>
+          <a:lnRef idx="3">
+            <a:schemeClr val="accent1"/>
+          </a:lnRef>
+          <a:fillRef idx="0">
+            <a:schemeClr val="accent1"/>
+          </a:fillRef>
+          <a:effectRef idx="2">
+            <a:schemeClr val="accent1"/>
+          </a:effectRef>
+          <a:fontRef idx="minor">
+            <a:schemeClr val="tx1"/>
+          </a:fontRef>
+        </p:style>
+      </p:cxnSp>
+      <p:cxnSp>
+        <p:nvCxnSpPr>
           <p:cNvPr id="36" name="直线连接符 35">
             <a:extLst>
               <a:ext uri="{FF2B5EF4-FFF2-40B4-BE49-F238E27FC236}">
@@ -6688,7 +7074,87 @@
         <p:spPr>
           <a:xfrm>
             <a:off x="4743805" y="1853112"/>
-            <a:ext cx="21116" cy="1427258"/>
+            <a:ext cx="48781" cy="1363088"/>
+          </a:xfrm>
+          <a:prstGeom prst="line">
+            <a:avLst/>
+          </a:prstGeom>
+        </p:spPr>
+        <p:style>
+          <a:lnRef idx="3">
+            <a:schemeClr val="accent1"/>
+          </a:lnRef>
+          <a:fillRef idx="0">
+            <a:schemeClr val="accent1"/>
+          </a:fillRef>
+          <a:effectRef idx="2">
+            <a:schemeClr val="accent1"/>
+          </a:effectRef>
+          <a:fontRef idx="minor">
+            <a:schemeClr val="tx1"/>
+          </a:fontRef>
+        </p:style>
+      </p:cxnSp>
+      <p:cxnSp>
+        <p:nvCxnSpPr>
+          <p:cNvPr id="40" name="直线连接符 39">
+            <a:extLst>
+              <a:ext uri="{FF2B5EF4-FFF2-40B4-BE49-F238E27FC236}">
+                <a16:creationId xmlns:a16="http://schemas.microsoft.com/office/drawing/2014/main" id="{EB405FE0-3C54-4640-AFC4-3A273E52B3E6}"/>
+              </a:ext>
+            </a:extLst>
+          </p:cNvPr>
+          <p:cNvCxnSpPr>
+            <a:cxnSpLocks/>
+            <a:stCxn id="11" idx="6"/>
+            <a:endCxn id="14" idx="2"/>
+          </p:cNvCxnSpPr>
+          <p:nvPr/>
+        </p:nvCxnSpPr>
+        <p:spPr>
+          <a:xfrm flipV="1">
+            <a:off x="2411401" y="3483395"/>
+            <a:ext cx="2119928" cy="1952"/>
+          </a:xfrm>
+          <a:prstGeom prst="line">
+            <a:avLst/>
+          </a:prstGeom>
+        </p:spPr>
+        <p:style>
+          <a:lnRef idx="3">
+            <a:schemeClr val="accent1"/>
+          </a:lnRef>
+          <a:fillRef idx="0">
+            <a:schemeClr val="accent1"/>
+          </a:fillRef>
+          <a:effectRef idx="2">
+            <a:schemeClr val="accent1"/>
+          </a:effectRef>
+          <a:fontRef idx="minor">
+            <a:schemeClr val="tx1"/>
+          </a:fontRef>
+        </p:style>
+      </p:cxnSp>
+      <p:cxnSp>
+        <p:nvCxnSpPr>
+          <p:cNvPr id="46" name="直线连接符 45">
+            <a:extLst>
+              <a:ext uri="{FF2B5EF4-FFF2-40B4-BE49-F238E27FC236}">
+                <a16:creationId xmlns:a16="http://schemas.microsoft.com/office/drawing/2014/main" id="{CE93BDB0-150E-8742-9368-8607348002E4}"/>
+              </a:ext>
+            </a:extLst>
+          </p:cNvPr>
+          <p:cNvCxnSpPr>
+            <a:cxnSpLocks/>
+            <a:stCxn id="14" idx="4"/>
+            <a:endCxn id="12" idx="0"/>
+          </p:cNvCxnSpPr>
+          <p:nvPr/>
+        </p:nvCxnSpPr>
+        <p:spPr>
+          <a:xfrm>
+            <a:off x="4792586" y="3750589"/>
+            <a:ext cx="27739" cy="1438826"/>
           </a:xfrm>
           <a:prstGeom prst="line">
             <a:avLst/>
@@ -6720,15 +7186,15 @@
           </p:cNvPr>
           <p:cNvCxnSpPr>
             <a:cxnSpLocks/>
-            <a:stCxn id="14" idx="2"/>
+            <a:stCxn id="9" idx="3"/>
             <a:endCxn id="12" idx="6"/>
           </p:cNvCxnSpPr>
           <p:nvPr/>
         </p:nvCxnSpPr>
         <p:spPr>
           <a:xfrm flipH="1">
-            <a:off x="2222637" y="3547565"/>
-            <a:ext cx="2281027" cy="0"/>
+            <a:off x="5081582" y="3672330"/>
+            <a:ext cx="2197033" cy="1784280"/>
           </a:xfrm>
           <a:prstGeom prst="line">
             <a:avLst/>
@@ -6760,15 +7226,15 @@
           </p:cNvPr>
           <p:cNvCxnSpPr>
             <a:cxnSpLocks/>
-            <a:stCxn id="4" idx="2"/>
-            <a:endCxn id="11" idx="6"/>
+            <a:stCxn id="4" idx="3"/>
+            <a:endCxn id="11" idx="7"/>
           </p:cNvCxnSpPr>
           <p:nvPr/>
         </p:nvCxnSpPr>
         <p:spPr>
           <a:xfrm flipH="1">
-            <a:off x="2208995" y="1585918"/>
-            <a:ext cx="2273553" cy="0"/>
+            <a:off x="2334881" y="1774853"/>
+            <a:ext cx="2224187" cy="1521558"/>
           </a:xfrm>
           <a:prstGeom prst="line">
             <a:avLst/>
@@ -6800,274 +7266,15 @@
           </p:cNvPr>
           <p:cNvCxnSpPr>
             <a:cxnSpLocks/>
-            <a:stCxn id="12" idx="0"/>
-            <a:endCxn id="11" idx="4"/>
+            <a:stCxn id="12" idx="2"/>
+            <a:endCxn id="11" idx="5"/>
           </p:cNvCxnSpPr>
           <p:nvPr/>
         </p:nvCxnSpPr>
         <p:spPr>
           <a:xfrm flipH="1" flipV="1">
-            <a:off x="1947738" y="1853112"/>
-            <a:ext cx="13642" cy="1427258"/>
-          </a:xfrm>
-          <a:prstGeom prst="line">
-            <a:avLst/>
-          </a:prstGeom>
-        </p:spPr>
-        <p:style>
-          <a:lnRef idx="3">
-            <a:schemeClr val="accent1"/>
-          </a:lnRef>
-          <a:fillRef idx="0">
-            <a:schemeClr val="accent1"/>
-          </a:fillRef>
-          <a:effectRef idx="2">
-            <a:schemeClr val="accent1"/>
-          </a:effectRef>
-          <a:fontRef idx="minor">
-            <a:schemeClr val="tx1"/>
-          </a:fontRef>
-        </p:style>
-      </p:cxnSp>
-      <p:sp>
-        <p:nvSpPr>
-          <p:cNvPr id="28" name="椭圆 27">
-            <a:extLst>
-              <a:ext uri="{FF2B5EF4-FFF2-40B4-BE49-F238E27FC236}">
-                <a16:creationId xmlns:a16="http://schemas.microsoft.com/office/drawing/2014/main" id="{2FCFD7F6-C0C9-0749-A7CB-7404518D71A2}"/>
-              </a:ext>
-            </a:extLst>
-          </p:cNvPr>
-          <p:cNvSpPr/>
-          <p:nvPr/>
-        </p:nvSpPr>
-        <p:spPr>
-          <a:xfrm>
-            <a:off x="1686481" y="5210578"/>
-            <a:ext cx="522514" cy="534389"/>
-          </a:xfrm>
-          <a:prstGeom prst="ellipse">
-            <a:avLst/>
-          </a:prstGeom>
-        </p:spPr>
-        <p:style>
-          <a:lnRef idx="2">
-            <a:schemeClr val="accent1">
-              <a:shade val="50000"/>
-            </a:schemeClr>
-          </a:lnRef>
-          <a:fillRef idx="1">
-            <a:schemeClr val="accent1"/>
-          </a:fillRef>
-          <a:effectRef idx="0">
-            <a:schemeClr val="accent1"/>
-          </a:effectRef>
-          <a:fontRef idx="minor">
-            <a:schemeClr val="lt1"/>
-          </a:fontRef>
-        </p:style>
-        <p:txBody>
-          <a:bodyPr rtlCol="0" anchor="ctr"/>
-          <a:lstStyle/>
-          <a:p>
-            <a:pPr algn="ctr"/>
-            <a:r>
-              <a:rPr kumimoji="1" lang="en-US" altLang="zh-CN" dirty="0"/>
-              <a:t>G</a:t>
-            </a:r>
-            <a:endParaRPr kumimoji="1" lang="zh-CN" altLang="en-US" dirty="0"/>
-          </a:p>
-        </p:txBody>
-      </p:sp>
-      <p:sp>
-        <p:nvSpPr>
-          <p:cNvPr id="29" name="椭圆 28">
-            <a:extLst>
-              <a:ext uri="{FF2B5EF4-FFF2-40B4-BE49-F238E27FC236}">
-                <a16:creationId xmlns:a16="http://schemas.microsoft.com/office/drawing/2014/main" id="{C0445613-E923-164A-A3F3-EC53AE62A8F0}"/>
-              </a:ext>
-            </a:extLst>
-          </p:cNvPr>
-          <p:cNvSpPr/>
-          <p:nvPr/>
-        </p:nvSpPr>
-        <p:spPr>
-          <a:xfrm>
-            <a:off x="4503664" y="5210577"/>
-            <a:ext cx="522514" cy="534389"/>
-          </a:xfrm>
-          <a:prstGeom prst="ellipse">
-            <a:avLst/>
-          </a:prstGeom>
-        </p:spPr>
-        <p:style>
-          <a:lnRef idx="2">
-            <a:schemeClr val="accent1">
-              <a:shade val="50000"/>
-            </a:schemeClr>
-          </a:lnRef>
-          <a:fillRef idx="1">
-            <a:schemeClr val="accent1"/>
-          </a:fillRef>
-          <a:effectRef idx="0">
-            <a:schemeClr val="accent1"/>
-          </a:effectRef>
-          <a:fontRef idx="minor">
-            <a:schemeClr val="lt1"/>
-          </a:fontRef>
-        </p:style>
-        <p:txBody>
-          <a:bodyPr rtlCol="0" anchor="ctr"/>
-          <a:lstStyle/>
-          <a:p>
-            <a:pPr algn="ctr"/>
-            <a:r>
-              <a:rPr kumimoji="1" lang="en-US" altLang="zh-CN" dirty="0"/>
-              <a:t>F</a:t>
-            </a:r>
-            <a:endParaRPr kumimoji="1" lang="zh-CN" altLang="en-US" dirty="0"/>
-          </a:p>
-        </p:txBody>
-      </p:sp>
-      <p:cxnSp>
-        <p:nvCxnSpPr>
-          <p:cNvPr id="30" name="直线连接符 29">
-            <a:extLst>
-              <a:ext uri="{FF2B5EF4-FFF2-40B4-BE49-F238E27FC236}">
-                <a16:creationId xmlns:a16="http://schemas.microsoft.com/office/drawing/2014/main" id="{FBD0D547-0EDA-DC45-945E-D6925888F5B4}"/>
-              </a:ext>
-            </a:extLst>
-          </p:cNvPr>
-          <p:cNvCxnSpPr>
-            <a:cxnSpLocks/>
-            <a:stCxn id="28" idx="0"/>
-            <a:endCxn id="12" idx="4"/>
-          </p:cNvCxnSpPr>
-          <p:nvPr/>
-        </p:nvCxnSpPr>
-        <p:spPr>
-          <a:xfrm flipV="1">
-            <a:off x="1947738" y="3814759"/>
-            <a:ext cx="13642" cy="1395819"/>
-          </a:xfrm>
-          <a:prstGeom prst="line">
-            <a:avLst/>
-          </a:prstGeom>
-        </p:spPr>
-        <p:style>
-          <a:lnRef idx="3">
-            <a:schemeClr val="accent1"/>
-          </a:lnRef>
-          <a:fillRef idx="0">
-            <a:schemeClr val="accent1"/>
-          </a:fillRef>
-          <a:effectRef idx="2">
-            <a:schemeClr val="accent1"/>
-          </a:effectRef>
-          <a:fontRef idx="minor">
-            <a:schemeClr val="tx1"/>
-          </a:fontRef>
-        </p:style>
-      </p:cxnSp>
-      <p:cxnSp>
-        <p:nvCxnSpPr>
-          <p:cNvPr id="33" name="直线连接符 32">
-            <a:extLst>
-              <a:ext uri="{FF2B5EF4-FFF2-40B4-BE49-F238E27FC236}">
-                <a16:creationId xmlns:a16="http://schemas.microsoft.com/office/drawing/2014/main" id="{C139E1D6-249D-2B49-8139-1C6FCA2A80D9}"/>
-              </a:ext>
-            </a:extLst>
-          </p:cNvPr>
-          <p:cNvCxnSpPr>
-            <a:cxnSpLocks/>
-            <a:stCxn id="14" idx="4"/>
-            <a:endCxn id="29" idx="0"/>
-          </p:cNvCxnSpPr>
-          <p:nvPr/>
-        </p:nvCxnSpPr>
-        <p:spPr>
-          <a:xfrm>
-            <a:off x="4764921" y="3814759"/>
-            <a:ext cx="0" cy="1395818"/>
-          </a:xfrm>
-          <a:prstGeom prst="line">
-            <a:avLst/>
-          </a:prstGeom>
-        </p:spPr>
-        <p:style>
-          <a:lnRef idx="3">
-            <a:schemeClr val="accent1"/>
-          </a:lnRef>
-          <a:fillRef idx="0">
-            <a:schemeClr val="accent1"/>
-          </a:fillRef>
-          <a:effectRef idx="2">
-            <a:schemeClr val="accent1"/>
-          </a:effectRef>
-          <a:fontRef idx="minor">
-            <a:schemeClr val="tx1"/>
-          </a:fontRef>
-        </p:style>
-      </p:cxnSp>
-      <p:cxnSp>
-        <p:nvCxnSpPr>
-          <p:cNvPr id="45" name="直线连接符 44">
-            <a:extLst>
-              <a:ext uri="{FF2B5EF4-FFF2-40B4-BE49-F238E27FC236}">
-                <a16:creationId xmlns:a16="http://schemas.microsoft.com/office/drawing/2014/main" id="{8D2F2AE0-4318-A843-9203-F8B0F1B8083C}"/>
-              </a:ext>
-            </a:extLst>
-          </p:cNvPr>
-          <p:cNvCxnSpPr>
-            <a:cxnSpLocks/>
-            <a:endCxn id="14" idx="6"/>
-          </p:cNvCxnSpPr>
-          <p:nvPr/>
-        </p:nvCxnSpPr>
-        <p:spPr>
-          <a:xfrm flipH="1" flipV="1">
-            <a:off x="5026178" y="3547565"/>
-            <a:ext cx="1934254" cy="680531"/>
-          </a:xfrm>
-          <a:prstGeom prst="line">
-            <a:avLst/>
-          </a:prstGeom>
-        </p:spPr>
-        <p:style>
-          <a:lnRef idx="3">
-            <a:schemeClr val="accent1"/>
-          </a:lnRef>
-          <a:fillRef idx="0">
-            <a:schemeClr val="accent1"/>
-          </a:fillRef>
-          <a:effectRef idx="2">
-            <a:schemeClr val="accent1"/>
-          </a:effectRef>
-          <a:fontRef idx="minor">
-            <a:schemeClr val="tx1"/>
-          </a:fontRef>
-        </p:style>
-      </p:cxnSp>
-      <p:cxnSp>
-        <p:nvCxnSpPr>
-          <p:cNvPr id="49" name="直线连接符 48">
-            <a:extLst>
-              <a:ext uri="{FF2B5EF4-FFF2-40B4-BE49-F238E27FC236}">
-                <a16:creationId xmlns:a16="http://schemas.microsoft.com/office/drawing/2014/main" id="{AF8A5A7F-CB1E-444E-90D5-C491726954DF}"/>
-              </a:ext>
-            </a:extLst>
-          </p:cNvPr>
-          <p:cNvCxnSpPr>
-            <a:cxnSpLocks/>
-            <a:stCxn id="9" idx="3"/>
-            <a:endCxn id="29" idx="6"/>
-          </p:cNvCxnSpPr>
-          <p:nvPr/>
-        </p:nvCxnSpPr>
-        <p:spPr>
-          <a:xfrm flipH="1">
-            <a:off x="5026178" y="4495290"/>
-            <a:ext cx="1749517" cy="982482"/>
+            <a:off x="2334881" y="3674282"/>
+            <a:ext cx="2224187" cy="1782328"/>
           </a:xfrm>
           <a:prstGeom prst="line">
             <a:avLst/>
@@ -7091,7 +7298,7 @@
     </p:spTree>
     <p:extLst>
       <p:ext uri="{BB962C8B-B14F-4D97-AF65-F5344CB8AC3E}">
-        <p14:creationId xmlns:p14="http://schemas.microsoft.com/office/powerpoint/2010/main" val="1733551507"/>
+        <p14:creationId xmlns:p14="http://schemas.microsoft.com/office/powerpoint/2010/main" val="436782837"/>
       </p:ext>
     </p:extLst>
   </p:cSld>
@@ -7132,7 +7339,7 @@
         </p:nvSpPr>
         <p:spPr>
           <a:xfrm>
-            <a:off x="5834743" y="517744"/>
+            <a:off x="4482548" y="1318723"/>
             <a:ext cx="522514" cy="534389"/>
           </a:xfrm>
           <a:prstGeom prst="ellipse">
@@ -7170,10 +7377,10 @@
       </p:sp>
       <p:sp>
         <p:nvSpPr>
-          <p:cNvPr id="7" name="椭圆 6">
-            <a:extLst>
-              <a:ext uri="{FF2B5EF4-FFF2-40B4-BE49-F238E27FC236}">
-                <a16:creationId xmlns:a16="http://schemas.microsoft.com/office/drawing/2014/main" id="{0BE1B618-A039-7545-B7E8-F5BF4144ACE5}"/>
+          <p:cNvPr id="9" name="椭圆 8">
+            <a:extLst>
+              <a:ext uri="{FF2B5EF4-FFF2-40B4-BE49-F238E27FC236}">
+                <a16:creationId xmlns:a16="http://schemas.microsoft.com/office/drawing/2014/main" id="{23C0A51A-3E8A-964F-9433-32D4EA9C2205}"/>
               </a:ext>
             </a:extLst>
           </p:cNvPr>
@@ -7182,7 +7389,7 @@
         </p:nvSpPr>
         <p:spPr>
           <a:xfrm>
-            <a:off x="1219620" y="1633000"/>
+            <a:off x="6699175" y="4039160"/>
             <a:ext cx="522514" cy="534389"/>
           </a:xfrm>
           <a:prstGeom prst="ellipse">
@@ -7212,7 +7419,7 @@
             <a:pPr algn="ctr"/>
             <a:r>
               <a:rPr kumimoji="1" lang="en-US" altLang="zh-CN" dirty="0"/>
-              <a:t>B</a:t>
+              <a:t>E</a:t>
             </a:r>
             <a:endParaRPr kumimoji="1" lang="zh-CN" altLang="en-US" dirty="0"/>
           </a:p>
@@ -7220,10 +7427,10 @@
       </p:sp>
       <p:sp>
         <p:nvSpPr>
-          <p:cNvPr id="9" name="椭圆 8">
-            <a:extLst>
-              <a:ext uri="{FF2B5EF4-FFF2-40B4-BE49-F238E27FC236}">
-                <a16:creationId xmlns:a16="http://schemas.microsoft.com/office/drawing/2014/main" id="{23C0A51A-3E8A-964F-9433-32D4EA9C2205}"/>
+          <p:cNvPr id="11" name="椭圆 10">
+            <a:extLst>
+              <a:ext uri="{FF2B5EF4-FFF2-40B4-BE49-F238E27FC236}">
+                <a16:creationId xmlns:a16="http://schemas.microsoft.com/office/drawing/2014/main" id="{3AF5C068-0B69-1D4B-9F60-CFCFF6CB7466}"/>
               </a:ext>
             </a:extLst>
           </p:cNvPr>
@@ -7232,7 +7439,7 @@
         </p:nvSpPr>
         <p:spPr>
           <a:xfrm>
-            <a:off x="10927307" y="1633000"/>
+            <a:off x="1686481" y="1318723"/>
             <a:ext cx="522514" cy="534389"/>
           </a:xfrm>
           <a:prstGeom prst="ellipse">
@@ -7262,7 +7469,7 @@
             <a:pPr algn="ctr"/>
             <a:r>
               <a:rPr kumimoji="1" lang="en-US" altLang="zh-CN" dirty="0"/>
-              <a:t>E</a:t>
+              <a:t>B</a:t>
             </a:r>
             <a:endParaRPr kumimoji="1" lang="zh-CN" altLang="en-US" dirty="0"/>
           </a:p>
@@ -7270,10 +7477,10 @@
       </p:sp>
       <p:sp>
         <p:nvSpPr>
-          <p:cNvPr id="11" name="椭圆 10">
-            <a:extLst>
-              <a:ext uri="{FF2B5EF4-FFF2-40B4-BE49-F238E27FC236}">
-                <a16:creationId xmlns:a16="http://schemas.microsoft.com/office/drawing/2014/main" id="{3AF5C068-0B69-1D4B-9F60-CFCFF6CB7466}"/>
+          <p:cNvPr id="12" name="椭圆 11">
+            <a:extLst>
+              <a:ext uri="{FF2B5EF4-FFF2-40B4-BE49-F238E27FC236}">
+                <a16:creationId xmlns:a16="http://schemas.microsoft.com/office/drawing/2014/main" id="{DAFB89A5-7EFE-4E4D-BE77-6D4F3402771E}"/>
               </a:ext>
             </a:extLst>
           </p:cNvPr>
@@ -7282,12 +7489,15 @@
         </p:nvSpPr>
         <p:spPr>
           <a:xfrm>
-            <a:off x="7532265" y="1633001"/>
+            <a:off x="1700123" y="3280370"/>
             <a:ext cx="522514" cy="534389"/>
           </a:xfrm>
           <a:prstGeom prst="ellipse">
             <a:avLst/>
           </a:prstGeom>
+          <a:solidFill>
+            <a:srgbClr val="FF0000"/>
+          </a:solidFill>
         </p:spPr>
         <p:style>
           <a:lnRef idx="2">
@@ -7312,7 +7522,7 @@
             <a:pPr algn="ctr"/>
             <a:r>
               <a:rPr kumimoji="1" lang="en-US" altLang="zh-CN" dirty="0"/>
-              <a:t>D</a:t>
+              <a:t>C</a:t>
             </a:r>
             <a:endParaRPr kumimoji="1" lang="zh-CN" altLang="en-US" dirty="0"/>
           </a:p>
@@ -7320,10 +7530,10 @@
       </p:sp>
       <p:sp>
         <p:nvSpPr>
-          <p:cNvPr id="12" name="椭圆 11">
-            <a:extLst>
-              <a:ext uri="{FF2B5EF4-FFF2-40B4-BE49-F238E27FC236}">
-                <a16:creationId xmlns:a16="http://schemas.microsoft.com/office/drawing/2014/main" id="{DAFB89A5-7EFE-4E4D-BE77-6D4F3402771E}"/>
+          <p:cNvPr id="14" name="椭圆 13">
+            <a:extLst>
+              <a:ext uri="{FF2B5EF4-FFF2-40B4-BE49-F238E27FC236}">
+                <a16:creationId xmlns:a16="http://schemas.microsoft.com/office/drawing/2014/main" id="{58F1C6F1-0C6F-5343-8966-C640056E7124}"/>
               </a:ext>
             </a:extLst>
           </p:cNvPr>
@@ -7332,12 +7542,15 @@
         </p:nvSpPr>
         <p:spPr>
           <a:xfrm>
-            <a:off x="5659165" y="2831679"/>
+            <a:off x="4503664" y="3280370"/>
             <a:ext cx="522514" cy="534389"/>
           </a:xfrm>
           <a:prstGeom prst="ellipse">
             <a:avLst/>
           </a:prstGeom>
+          <a:solidFill>
+            <a:srgbClr val="FF0000"/>
+          </a:solidFill>
         </p:spPr>
         <p:style>
           <a:lnRef idx="2">
@@ -7362,107 +7575,7 @@
             <a:pPr algn="ctr"/>
             <a:r>
               <a:rPr kumimoji="1" lang="en-US" altLang="zh-CN" dirty="0"/>
-              <a:t>G</a:t>
-            </a:r>
-            <a:endParaRPr kumimoji="1" lang="zh-CN" altLang="en-US" dirty="0"/>
-          </a:p>
-        </p:txBody>
-      </p:sp>
-      <p:sp>
-        <p:nvSpPr>
-          <p:cNvPr id="13" name="椭圆 12">
-            <a:extLst>
-              <a:ext uri="{FF2B5EF4-FFF2-40B4-BE49-F238E27FC236}">
-                <a16:creationId xmlns:a16="http://schemas.microsoft.com/office/drawing/2014/main" id="{CF61EFBE-36F5-264F-87D2-A9FAD406CE7B}"/>
-              </a:ext>
-            </a:extLst>
-          </p:cNvPr>
-          <p:cNvSpPr/>
-          <p:nvPr/>
-        </p:nvSpPr>
-        <p:spPr>
-          <a:xfrm>
-            <a:off x="2600788" y="2744397"/>
-            <a:ext cx="522514" cy="534389"/>
-          </a:xfrm>
-          <a:prstGeom prst="ellipse">
-            <a:avLst/>
-          </a:prstGeom>
-        </p:spPr>
-        <p:style>
-          <a:lnRef idx="2">
-            <a:schemeClr val="accent1">
-              <a:shade val="50000"/>
-            </a:schemeClr>
-          </a:lnRef>
-          <a:fillRef idx="1">
-            <a:schemeClr val="accent1"/>
-          </a:fillRef>
-          <a:effectRef idx="0">
-            <a:schemeClr val="accent1"/>
-          </a:effectRef>
-          <a:fontRef idx="minor">
-            <a:schemeClr val="lt1"/>
-          </a:fontRef>
-        </p:style>
-        <p:txBody>
-          <a:bodyPr rtlCol="0" anchor="ctr"/>
-          <a:lstStyle/>
-          <a:p>
-            <a:pPr algn="ctr"/>
-            <a:r>
-              <a:rPr kumimoji="1" lang="en-US" altLang="zh-CN" dirty="0"/>
-              <a:t>F</a:t>
-            </a:r>
-            <a:endParaRPr kumimoji="1" lang="zh-CN" altLang="en-US" dirty="0"/>
-          </a:p>
-        </p:txBody>
-      </p:sp>
-      <p:sp>
-        <p:nvSpPr>
-          <p:cNvPr id="14" name="椭圆 13">
-            <a:extLst>
-              <a:ext uri="{FF2B5EF4-FFF2-40B4-BE49-F238E27FC236}">
-                <a16:creationId xmlns:a16="http://schemas.microsoft.com/office/drawing/2014/main" id="{58F1C6F1-0C6F-5343-8966-C640056E7124}"/>
-              </a:ext>
-            </a:extLst>
-          </p:cNvPr>
-          <p:cNvSpPr/>
-          <p:nvPr/>
-        </p:nvSpPr>
-        <p:spPr>
-          <a:xfrm>
-            <a:off x="4137223" y="1633001"/>
-            <a:ext cx="522514" cy="534389"/>
-          </a:xfrm>
-          <a:prstGeom prst="ellipse">
-            <a:avLst/>
-          </a:prstGeom>
-        </p:spPr>
-        <p:style>
-          <a:lnRef idx="2">
-            <a:schemeClr val="accent1">
-              <a:shade val="50000"/>
-            </a:schemeClr>
-          </a:lnRef>
-          <a:fillRef idx="1">
-            <a:schemeClr val="accent1"/>
-          </a:fillRef>
-          <a:effectRef idx="0">
-            <a:schemeClr val="accent1"/>
-          </a:effectRef>
-          <a:fontRef idx="minor">
-            <a:schemeClr val="lt1"/>
-          </a:fontRef>
-        </p:style>
-        <p:txBody>
-          <a:bodyPr rtlCol="0" anchor="ctr"/>
-          <a:lstStyle/>
-          <a:p>
-            <a:pPr algn="ctr"/>
-            <a:r>
-              <a:rPr kumimoji="1" lang="en-US" altLang="zh-CN" dirty="0"/>
-              <a:t>C</a:t>
+              <a:t>D</a:t>
             </a:r>
             <a:endParaRPr kumimoji="1" lang="zh-CN" altLang="en-US" dirty="0"/>
           </a:p>
@@ -7510,7 +7623,7 @@
                   <a:srgbClr val="0070C0"/>
                 </a:solidFill>
               </a:rPr>
-              <a:t>- Euler Path</a:t>
+              <a:t>- Articulation Points</a:t>
             </a:r>
             <a:endParaRPr kumimoji="1" lang="zh-CN" altLang="en-US" dirty="0">
               <a:solidFill>
@@ -7520,44 +7633,172 @@
           </a:p>
         </p:txBody>
       </p:sp>
-      <p:sp>
-        <p:nvSpPr>
-          <p:cNvPr id="33" name="文本框 32">
-            <a:extLst>
-              <a:ext uri="{FF2B5EF4-FFF2-40B4-BE49-F238E27FC236}">
-                <a16:creationId xmlns:a16="http://schemas.microsoft.com/office/drawing/2014/main" id="{09CBDA21-04B1-C84B-8BF2-ADAB7D7BFB6A}"/>
-              </a:ext>
-            </a:extLst>
-          </p:cNvPr>
-          <p:cNvSpPr txBox="1"/>
-          <p:nvPr/>
-        </p:nvSpPr>
-        <p:spPr>
-          <a:xfrm>
-            <a:off x="4560125" y="2375065"/>
-            <a:ext cx="184731" cy="369332"/>
-          </a:xfrm>
-          <a:prstGeom prst="rect">
-            <a:avLst/>
-          </a:prstGeom>
-          <a:noFill/>
-        </p:spPr>
-        <p:txBody>
-          <a:bodyPr wrap="none" rtlCol="0">
-            <a:spAutoFit/>
-          </a:bodyPr>
-          <a:lstStyle/>
-          <a:p>
-            <a:endParaRPr kumimoji="1" lang="zh-CN" altLang="en-US" dirty="0"/>
-          </a:p>
-        </p:txBody>
-      </p:sp>
-      <p:sp>
-        <p:nvSpPr>
-          <p:cNvPr id="78" name="椭圆 77">
-            <a:extLst>
-              <a:ext uri="{FF2B5EF4-FFF2-40B4-BE49-F238E27FC236}">
-                <a16:creationId xmlns:a16="http://schemas.microsoft.com/office/drawing/2014/main" id="{94F0DC91-B8C2-F645-BAF1-74B55F6D18EB}"/>
+      <p:cxnSp>
+        <p:nvCxnSpPr>
+          <p:cNvPr id="36" name="直线连接符 35">
+            <a:extLst>
+              <a:ext uri="{FF2B5EF4-FFF2-40B4-BE49-F238E27FC236}">
+                <a16:creationId xmlns:a16="http://schemas.microsoft.com/office/drawing/2014/main" id="{C816119A-50EC-F64F-B346-1E4F34311436}"/>
+              </a:ext>
+            </a:extLst>
+          </p:cNvPr>
+          <p:cNvCxnSpPr>
+            <a:cxnSpLocks/>
+            <a:stCxn id="4" idx="4"/>
+            <a:endCxn id="14" idx="0"/>
+          </p:cNvCxnSpPr>
+          <p:nvPr/>
+        </p:nvCxnSpPr>
+        <p:spPr>
+          <a:xfrm>
+            <a:off x="4743805" y="1853112"/>
+            <a:ext cx="21116" cy="1427258"/>
+          </a:xfrm>
+          <a:prstGeom prst="line">
+            <a:avLst/>
+          </a:prstGeom>
+        </p:spPr>
+        <p:style>
+          <a:lnRef idx="3">
+            <a:schemeClr val="accent1"/>
+          </a:lnRef>
+          <a:fillRef idx="0">
+            <a:schemeClr val="accent1"/>
+          </a:fillRef>
+          <a:effectRef idx="2">
+            <a:schemeClr val="accent1"/>
+          </a:effectRef>
+          <a:fontRef idx="minor">
+            <a:schemeClr val="tx1"/>
+          </a:fontRef>
+        </p:style>
+      </p:cxnSp>
+      <p:cxnSp>
+        <p:nvCxnSpPr>
+          <p:cNvPr id="48" name="直线连接符 47">
+            <a:extLst>
+              <a:ext uri="{FF2B5EF4-FFF2-40B4-BE49-F238E27FC236}">
+                <a16:creationId xmlns:a16="http://schemas.microsoft.com/office/drawing/2014/main" id="{EC71DA8A-34AD-4443-BB8D-950833BD995C}"/>
+              </a:ext>
+            </a:extLst>
+          </p:cNvPr>
+          <p:cNvCxnSpPr>
+            <a:cxnSpLocks/>
+            <a:stCxn id="14" idx="2"/>
+            <a:endCxn id="12" idx="6"/>
+          </p:cNvCxnSpPr>
+          <p:nvPr/>
+        </p:nvCxnSpPr>
+        <p:spPr>
+          <a:xfrm flipH="1">
+            <a:off x="2222637" y="3547565"/>
+            <a:ext cx="2281027" cy="0"/>
+          </a:xfrm>
+          <a:prstGeom prst="line">
+            <a:avLst/>
+          </a:prstGeom>
+        </p:spPr>
+        <p:style>
+          <a:lnRef idx="3">
+            <a:schemeClr val="accent1"/>
+          </a:lnRef>
+          <a:fillRef idx="0">
+            <a:schemeClr val="accent1"/>
+          </a:fillRef>
+          <a:effectRef idx="2">
+            <a:schemeClr val="accent1"/>
+          </a:effectRef>
+          <a:fontRef idx="minor">
+            <a:schemeClr val="tx1"/>
+          </a:fontRef>
+        </p:style>
+      </p:cxnSp>
+      <p:cxnSp>
+        <p:nvCxnSpPr>
+          <p:cNvPr id="37" name="直线连接符 36">
+            <a:extLst>
+              <a:ext uri="{FF2B5EF4-FFF2-40B4-BE49-F238E27FC236}">
+                <a16:creationId xmlns:a16="http://schemas.microsoft.com/office/drawing/2014/main" id="{80F37163-0406-4340-BC39-6D9CA111AD0C}"/>
+              </a:ext>
+            </a:extLst>
+          </p:cNvPr>
+          <p:cNvCxnSpPr>
+            <a:cxnSpLocks/>
+            <a:stCxn id="4" idx="2"/>
+            <a:endCxn id="11" idx="6"/>
+          </p:cNvCxnSpPr>
+          <p:nvPr/>
+        </p:nvCxnSpPr>
+        <p:spPr>
+          <a:xfrm flipH="1">
+            <a:off x="2208995" y="1585918"/>
+            <a:ext cx="2273553" cy="0"/>
+          </a:xfrm>
+          <a:prstGeom prst="line">
+            <a:avLst/>
+          </a:prstGeom>
+        </p:spPr>
+        <p:style>
+          <a:lnRef idx="3">
+            <a:schemeClr val="accent1"/>
+          </a:lnRef>
+          <a:fillRef idx="0">
+            <a:schemeClr val="accent1"/>
+          </a:fillRef>
+          <a:effectRef idx="2">
+            <a:schemeClr val="accent1"/>
+          </a:effectRef>
+          <a:fontRef idx="minor">
+            <a:schemeClr val="tx1"/>
+          </a:fontRef>
+        </p:style>
+      </p:cxnSp>
+      <p:cxnSp>
+        <p:nvCxnSpPr>
+          <p:cNvPr id="50" name="直线连接符 49">
+            <a:extLst>
+              <a:ext uri="{FF2B5EF4-FFF2-40B4-BE49-F238E27FC236}">
+                <a16:creationId xmlns:a16="http://schemas.microsoft.com/office/drawing/2014/main" id="{C6230D1F-C212-D840-9897-945ADB7F6B20}"/>
+              </a:ext>
+            </a:extLst>
+          </p:cNvPr>
+          <p:cNvCxnSpPr>
+            <a:cxnSpLocks/>
+            <a:stCxn id="12" idx="0"/>
+            <a:endCxn id="11" idx="4"/>
+          </p:cNvCxnSpPr>
+          <p:nvPr/>
+        </p:nvCxnSpPr>
+        <p:spPr>
+          <a:xfrm flipH="1" flipV="1">
+            <a:off x="1947738" y="1853112"/>
+            <a:ext cx="13642" cy="1427258"/>
+          </a:xfrm>
+          <a:prstGeom prst="line">
+            <a:avLst/>
+          </a:prstGeom>
+        </p:spPr>
+        <p:style>
+          <a:lnRef idx="3">
+            <a:schemeClr val="accent1"/>
+          </a:lnRef>
+          <a:fillRef idx="0">
+            <a:schemeClr val="accent1"/>
+          </a:fillRef>
+          <a:effectRef idx="2">
+            <a:schemeClr val="accent1"/>
+          </a:effectRef>
+          <a:fontRef idx="minor">
+            <a:schemeClr val="tx1"/>
+          </a:fontRef>
+        </p:style>
+      </p:cxnSp>
+      <p:sp>
+        <p:nvSpPr>
+          <p:cNvPr id="28" name="椭圆 27">
+            <a:extLst>
+              <a:ext uri="{FF2B5EF4-FFF2-40B4-BE49-F238E27FC236}">
+                <a16:creationId xmlns:a16="http://schemas.microsoft.com/office/drawing/2014/main" id="{2FCFD7F6-C0C9-0749-A7CB-7404518D71A2}"/>
               </a:ext>
             </a:extLst>
           </p:cNvPr>
@@ -7566,7 +7807,7 @@
         </p:nvSpPr>
         <p:spPr>
           <a:xfrm>
-            <a:off x="1219620" y="4072803"/>
+            <a:off x="1686481" y="5210578"/>
             <a:ext cx="522514" cy="534389"/>
           </a:xfrm>
           <a:prstGeom prst="ellipse">
@@ -7596,7 +7837,7 @@
             <a:pPr algn="ctr"/>
             <a:r>
               <a:rPr kumimoji="1" lang="en-US" altLang="zh-CN" dirty="0"/>
-              <a:t>H</a:t>
+              <a:t>G</a:t>
             </a:r>
             <a:endParaRPr kumimoji="1" lang="zh-CN" altLang="en-US" dirty="0"/>
           </a:p>
@@ -7604,10 +7845,10 @@
       </p:sp>
       <p:sp>
         <p:nvSpPr>
-          <p:cNvPr id="81" name="椭圆 80">
-            <a:extLst>
-              <a:ext uri="{FF2B5EF4-FFF2-40B4-BE49-F238E27FC236}">
-                <a16:creationId xmlns:a16="http://schemas.microsoft.com/office/drawing/2014/main" id="{F63FED62-3819-E546-A34A-C79DBC2D2D09}"/>
+          <p:cNvPr id="29" name="椭圆 28">
+            <a:extLst>
+              <a:ext uri="{FF2B5EF4-FFF2-40B4-BE49-F238E27FC236}">
+                <a16:creationId xmlns:a16="http://schemas.microsoft.com/office/drawing/2014/main" id="{C0445613-E923-164A-A3F3-EC53AE62A8F0}"/>
               </a:ext>
             </a:extLst>
           </p:cNvPr>
@@ -7616,7 +7857,7 @@
         </p:nvSpPr>
         <p:spPr>
           <a:xfrm>
-            <a:off x="7547725" y="4072800"/>
+            <a:off x="4503664" y="5210577"/>
             <a:ext cx="522514" cy="534389"/>
           </a:xfrm>
           <a:prstGeom prst="ellipse">
@@ -7646,18 +7887,207 @@
             <a:pPr algn="ctr"/>
             <a:r>
               <a:rPr kumimoji="1" lang="en-US" altLang="zh-CN" dirty="0"/>
-              <a:t>J</a:t>
+              <a:t>F</a:t>
             </a:r>
             <a:endParaRPr kumimoji="1" lang="zh-CN" altLang="en-US" dirty="0"/>
           </a:p>
         </p:txBody>
       </p:sp>
-      <p:sp>
-        <p:nvSpPr>
-          <p:cNvPr id="82" name="椭圆 81">
-            <a:extLst>
-              <a:ext uri="{FF2B5EF4-FFF2-40B4-BE49-F238E27FC236}">
-                <a16:creationId xmlns:a16="http://schemas.microsoft.com/office/drawing/2014/main" id="{47EE0488-AA7F-C64D-9A0E-FFD7BAFB7909}"/>
+      <p:cxnSp>
+        <p:nvCxnSpPr>
+          <p:cNvPr id="30" name="直线连接符 29">
+            <a:extLst>
+              <a:ext uri="{FF2B5EF4-FFF2-40B4-BE49-F238E27FC236}">
+                <a16:creationId xmlns:a16="http://schemas.microsoft.com/office/drawing/2014/main" id="{FBD0D547-0EDA-DC45-945E-D6925888F5B4}"/>
+              </a:ext>
+            </a:extLst>
+          </p:cNvPr>
+          <p:cNvCxnSpPr>
+            <a:cxnSpLocks/>
+            <a:stCxn id="28" idx="0"/>
+            <a:endCxn id="12" idx="4"/>
+          </p:cNvCxnSpPr>
+          <p:nvPr/>
+        </p:nvCxnSpPr>
+        <p:spPr>
+          <a:xfrm flipV="1">
+            <a:off x="1947738" y="3814759"/>
+            <a:ext cx="13642" cy="1395819"/>
+          </a:xfrm>
+          <a:prstGeom prst="line">
+            <a:avLst/>
+          </a:prstGeom>
+        </p:spPr>
+        <p:style>
+          <a:lnRef idx="3">
+            <a:schemeClr val="accent1"/>
+          </a:lnRef>
+          <a:fillRef idx="0">
+            <a:schemeClr val="accent1"/>
+          </a:fillRef>
+          <a:effectRef idx="2">
+            <a:schemeClr val="accent1"/>
+          </a:effectRef>
+          <a:fontRef idx="minor">
+            <a:schemeClr val="tx1"/>
+          </a:fontRef>
+        </p:style>
+      </p:cxnSp>
+      <p:cxnSp>
+        <p:nvCxnSpPr>
+          <p:cNvPr id="33" name="直线连接符 32">
+            <a:extLst>
+              <a:ext uri="{FF2B5EF4-FFF2-40B4-BE49-F238E27FC236}">
+                <a16:creationId xmlns:a16="http://schemas.microsoft.com/office/drawing/2014/main" id="{C139E1D6-249D-2B49-8139-1C6FCA2A80D9}"/>
+              </a:ext>
+            </a:extLst>
+          </p:cNvPr>
+          <p:cNvCxnSpPr>
+            <a:cxnSpLocks/>
+            <a:stCxn id="14" idx="4"/>
+            <a:endCxn id="29" idx="0"/>
+          </p:cNvCxnSpPr>
+          <p:nvPr/>
+        </p:nvCxnSpPr>
+        <p:spPr>
+          <a:xfrm>
+            <a:off x="4764921" y="3814759"/>
+            <a:ext cx="0" cy="1395818"/>
+          </a:xfrm>
+          <a:prstGeom prst="line">
+            <a:avLst/>
+          </a:prstGeom>
+        </p:spPr>
+        <p:style>
+          <a:lnRef idx="3">
+            <a:schemeClr val="accent1"/>
+          </a:lnRef>
+          <a:fillRef idx="0">
+            <a:schemeClr val="accent1"/>
+          </a:fillRef>
+          <a:effectRef idx="2">
+            <a:schemeClr val="accent1"/>
+          </a:effectRef>
+          <a:fontRef idx="minor">
+            <a:schemeClr val="tx1"/>
+          </a:fontRef>
+        </p:style>
+      </p:cxnSp>
+      <p:cxnSp>
+        <p:nvCxnSpPr>
+          <p:cNvPr id="45" name="直线连接符 44">
+            <a:extLst>
+              <a:ext uri="{FF2B5EF4-FFF2-40B4-BE49-F238E27FC236}">
+                <a16:creationId xmlns:a16="http://schemas.microsoft.com/office/drawing/2014/main" id="{8D2F2AE0-4318-A843-9203-F8B0F1B8083C}"/>
+              </a:ext>
+            </a:extLst>
+          </p:cNvPr>
+          <p:cNvCxnSpPr>
+            <a:cxnSpLocks/>
+            <a:endCxn id="14" idx="6"/>
+          </p:cNvCxnSpPr>
+          <p:nvPr/>
+        </p:nvCxnSpPr>
+        <p:spPr>
+          <a:xfrm flipH="1" flipV="1">
+            <a:off x="5026178" y="3547565"/>
+            <a:ext cx="1934254" cy="680531"/>
+          </a:xfrm>
+          <a:prstGeom prst="line">
+            <a:avLst/>
+          </a:prstGeom>
+        </p:spPr>
+        <p:style>
+          <a:lnRef idx="3">
+            <a:schemeClr val="accent1"/>
+          </a:lnRef>
+          <a:fillRef idx="0">
+            <a:schemeClr val="accent1"/>
+          </a:fillRef>
+          <a:effectRef idx="2">
+            <a:schemeClr val="accent1"/>
+          </a:effectRef>
+          <a:fontRef idx="minor">
+            <a:schemeClr val="tx1"/>
+          </a:fontRef>
+        </p:style>
+      </p:cxnSp>
+      <p:cxnSp>
+        <p:nvCxnSpPr>
+          <p:cNvPr id="49" name="直线连接符 48">
+            <a:extLst>
+              <a:ext uri="{FF2B5EF4-FFF2-40B4-BE49-F238E27FC236}">
+                <a16:creationId xmlns:a16="http://schemas.microsoft.com/office/drawing/2014/main" id="{AF8A5A7F-CB1E-444E-90D5-C491726954DF}"/>
+              </a:ext>
+            </a:extLst>
+          </p:cNvPr>
+          <p:cNvCxnSpPr>
+            <a:cxnSpLocks/>
+            <a:stCxn id="9" idx="3"/>
+            <a:endCxn id="29" idx="6"/>
+          </p:cNvCxnSpPr>
+          <p:nvPr/>
+        </p:nvCxnSpPr>
+        <p:spPr>
+          <a:xfrm flipH="1">
+            <a:off x="5026178" y="4495290"/>
+            <a:ext cx="1749517" cy="982482"/>
+          </a:xfrm>
+          <a:prstGeom prst="line">
+            <a:avLst/>
+          </a:prstGeom>
+        </p:spPr>
+        <p:style>
+          <a:lnRef idx="3">
+            <a:schemeClr val="accent1"/>
+          </a:lnRef>
+          <a:fillRef idx="0">
+            <a:schemeClr val="accent1"/>
+          </a:fillRef>
+          <a:effectRef idx="2">
+            <a:schemeClr val="accent1"/>
+          </a:effectRef>
+          <a:fontRef idx="minor">
+            <a:schemeClr val="tx1"/>
+          </a:fontRef>
+        </p:style>
+      </p:cxnSp>
+    </p:spTree>
+    <p:extLst>
+      <p:ext uri="{BB962C8B-B14F-4D97-AF65-F5344CB8AC3E}">
+        <p14:creationId xmlns:p14="http://schemas.microsoft.com/office/powerpoint/2010/main" val="1733551507"/>
+      </p:ext>
+    </p:extLst>
+  </p:cSld>
+  <p:clrMapOvr>
+    <a:masterClrMapping/>
+  </p:clrMapOvr>
+</p:sld>
+</file>
+
+<file path=ppt/slides/slide6.xml><?xml version="1.0" encoding="utf-8"?>
+<p:sld xmlns:a="http://schemas.openxmlformats.org/drawingml/2006/main" xmlns:r="http://schemas.openxmlformats.org/officeDocument/2006/relationships" xmlns:p="http://schemas.openxmlformats.org/presentationml/2006/main">
+  <p:cSld>
+    <p:spTree>
+      <p:nvGrpSpPr>
+        <p:cNvPr id="1" name=""/>
+        <p:cNvGrpSpPr/>
+        <p:nvPr/>
+      </p:nvGrpSpPr>
+      <p:grpSpPr>
+        <a:xfrm>
+          <a:off x="0" y="0"/>
+          <a:ext cx="0" cy="0"/>
+          <a:chOff x="0" y="0"/>
+          <a:chExt cx="0" cy="0"/>
+        </a:xfrm>
+      </p:grpSpPr>
+      <p:sp>
+        <p:nvSpPr>
+          <p:cNvPr id="4" name="椭圆 3">
+            <a:extLst>
+              <a:ext uri="{FF2B5EF4-FFF2-40B4-BE49-F238E27FC236}">
+                <a16:creationId xmlns:a16="http://schemas.microsoft.com/office/drawing/2014/main" id="{DE70EE2F-EB0E-6F47-A6B1-2A297E2EE471}"/>
               </a:ext>
             </a:extLst>
           </p:cNvPr>
@@ -7666,7 +8096,7 @@
         </p:nvSpPr>
         <p:spPr>
           <a:xfrm>
-            <a:off x="4137223" y="4072802"/>
+            <a:off x="1951068" y="1026636"/>
             <a:ext cx="522514" cy="534389"/>
           </a:xfrm>
           <a:prstGeom prst="ellipse">
@@ -7696,7 +8126,7 @@
             <a:pPr algn="ctr"/>
             <a:r>
               <a:rPr kumimoji="1" lang="en-US" altLang="zh-CN" dirty="0"/>
-              <a:t>I</a:t>
+              <a:t>A</a:t>
             </a:r>
             <a:endParaRPr kumimoji="1" lang="zh-CN" altLang="en-US" dirty="0"/>
           </a:p>
@@ -7704,10 +8134,10 @@
       </p:sp>
       <p:sp>
         <p:nvSpPr>
-          <p:cNvPr id="29" name="椭圆 28">
-            <a:extLst>
-              <a:ext uri="{FF2B5EF4-FFF2-40B4-BE49-F238E27FC236}">
-                <a16:creationId xmlns:a16="http://schemas.microsoft.com/office/drawing/2014/main" id="{A977F73F-8990-0740-B8B4-8E9AE392F534}"/>
+          <p:cNvPr id="11" name="椭圆 10">
+            <a:extLst>
+              <a:ext uri="{FF2B5EF4-FFF2-40B4-BE49-F238E27FC236}">
+                <a16:creationId xmlns:a16="http://schemas.microsoft.com/office/drawing/2014/main" id="{3AF5C068-0B69-1D4B-9F60-CFCFF6CB7466}"/>
               </a:ext>
             </a:extLst>
           </p:cNvPr>
@@ -7716,7 +8146,7 @@
         </p:nvSpPr>
         <p:spPr>
           <a:xfrm>
-            <a:off x="10927307" y="4072800"/>
+            <a:off x="3214705" y="2014489"/>
             <a:ext cx="522514" cy="534389"/>
           </a:xfrm>
           <a:prstGeom prst="ellipse">
@@ -7746,7 +8176,7 @@
             <a:pPr algn="ctr"/>
             <a:r>
               <a:rPr kumimoji="1" lang="en-US" altLang="zh-CN" dirty="0"/>
-              <a:t>K</a:t>
+              <a:t>C</a:t>
             </a:r>
             <a:endParaRPr kumimoji="1" lang="zh-CN" altLang="en-US" dirty="0"/>
           </a:p>
@@ -7754,10 +8184,10 @@
       </p:sp>
       <p:sp>
         <p:nvSpPr>
-          <p:cNvPr id="30" name="椭圆 29">
-            <a:extLst>
-              <a:ext uri="{FF2B5EF4-FFF2-40B4-BE49-F238E27FC236}">
-                <a16:creationId xmlns:a16="http://schemas.microsoft.com/office/drawing/2014/main" id="{AD6F8B4D-CF75-864B-9B8A-B1BB291AA30E}"/>
+          <p:cNvPr id="12" name="椭圆 11">
+            <a:extLst>
+              <a:ext uri="{FF2B5EF4-FFF2-40B4-BE49-F238E27FC236}">
+                <a16:creationId xmlns:a16="http://schemas.microsoft.com/office/drawing/2014/main" id="{DAFB89A5-7EFE-4E4D-BE77-6D4F3402771E}"/>
               </a:ext>
             </a:extLst>
           </p:cNvPr>
@@ -7766,7 +8196,7 @@
         </p:nvSpPr>
         <p:spPr>
           <a:xfrm>
-            <a:off x="5834743" y="5271478"/>
+            <a:off x="1951068" y="3000870"/>
             <a:ext cx="522514" cy="534389"/>
           </a:xfrm>
           <a:prstGeom prst="ellipse">
@@ -7796,7 +8226,236 @@
             <a:pPr algn="ctr"/>
             <a:r>
               <a:rPr kumimoji="1" lang="en-US" altLang="zh-CN" dirty="0"/>
-              <a:t>L</a:t>
+              <a:t>F</a:t>
+            </a:r>
+            <a:endParaRPr kumimoji="1" lang="zh-CN" altLang="en-US" dirty="0"/>
+          </a:p>
+        </p:txBody>
+      </p:sp>
+      <p:sp>
+        <p:nvSpPr>
+          <p:cNvPr id="14" name="椭圆 13">
+            <a:extLst>
+              <a:ext uri="{FF2B5EF4-FFF2-40B4-BE49-F238E27FC236}">
+                <a16:creationId xmlns:a16="http://schemas.microsoft.com/office/drawing/2014/main" id="{58F1C6F1-0C6F-5343-8966-C640056E7124}"/>
+              </a:ext>
+            </a:extLst>
+          </p:cNvPr>
+          <p:cNvSpPr/>
+          <p:nvPr/>
+        </p:nvSpPr>
+        <p:spPr>
+          <a:xfrm>
+            <a:off x="687430" y="2013018"/>
+            <a:ext cx="522514" cy="534389"/>
+          </a:xfrm>
+          <a:prstGeom prst="ellipse">
+            <a:avLst/>
+          </a:prstGeom>
+        </p:spPr>
+        <p:style>
+          <a:lnRef idx="2">
+            <a:schemeClr val="accent1">
+              <a:shade val="50000"/>
+            </a:schemeClr>
+          </a:lnRef>
+          <a:fillRef idx="1">
+            <a:schemeClr val="accent1"/>
+          </a:fillRef>
+          <a:effectRef idx="0">
+            <a:schemeClr val="accent1"/>
+          </a:effectRef>
+          <a:fontRef idx="minor">
+            <a:schemeClr val="lt1"/>
+          </a:fontRef>
+        </p:style>
+        <p:txBody>
+          <a:bodyPr rtlCol="0" anchor="ctr"/>
+          <a:lstStyle/>
+          <a:p>
+            <a:pPr algn="ctr"/>
+            <a:r>
+              <a:rPr kumimoji="1" lang="en-US" altLang="zh-CN" dirty="0"/>
+              <a:t>B</a:t>
+            </a:r>
+            <a:endParaRPr kumimoji="1" lang="zh-CN" altLang="en-US" dirty="0"/>
+          </a:p>
+        </p:txBody>
+      </p:sp>
+      <p:sp>
+        <p:nvSpPr>
+          <p:cNvPr id="2" name="文本框 1">
+            <a:extLst>
+              <a:ext uri="{FF2B5EF4-FFF2-40B4-BE49-F238E27FC236}">
+                <a16:creationId xmlns:a16="http://schemas.microsoft.com/office/drawing/2014/main" id="{4B181367-25AF-0441-83B6-92CCC482EE53}"/>
+              </a:ext>
+            </a:extLst>
+          </p:cNvPr>
+          <p:cNvSpPr txBox="1"/>
+          <p:nvPr/>
+        </p:nvSpPr>
+        <p:spPr>
+          <a:xfrm>
+            <a:off x="213755" y="142504"/>
+            <a:ext cx="5028593" cy="369332"/>
+          </a:xfrm>
+          <a:prstGeom prst="rect">
+            <a:avLst/>
+          </a:prstGeom>
+          <a:noFill/>
+        </p:spPr>
+        <p:txBody>
+          <a:bodyPr wrap="square" rtlCol="0">
+            <a:spAutoFit/>
+          </a:bodyPr>
+          <a:lstStyle/>
+          <a:p>
+            <a:r>
+              <a:rPr kumimoji="1" lang="en-US" altLang="zh-CN" b="1" dirty="0">
+                <a:solidFill>
+                  <a:srgbClr val="0070C0"/>
+                </a:solidFill>
+              </a:rPr>
+              <a:t>Graph</a:t>
+            </a:r>
+            <a:r>
+              <a:rPr kumimoji="1" lang="en-US" altLang="zh-CN" dirty="0">
+                <a:solidFill>
+                  <a:srgbClr val="0070C0"/>
+                </a:solidFill>
+              </a:rPr>
+              <a:t>- Euler Path</a:t>
+            </a:r>
+          </a:p>
+        </p:txBody>
+      </p:sp>
+      <p:sp>
+        <p:nvSpPr>
+          <p:cNvPr id="33" name="文本框 32">
+            <a:extLst>
+              <a:ext uri="{FF2B5EF4-FFF2-40B4-BE49-F238E27FC236}">
+                <a16:creationId xmlns:a16="http://schemas.microsoft.com/office/drawing/2014/main" id="{09CBDA21-04B1-C84B-8BF2-ADAB7D7BFB6A}"/>
+              </a:ext>
+            </a:extLst>
+          </p:cNvPr>
+          <p:cNvSpPr txBox="1"/>
+          <p:nvPr/>
+        </p:nvSpPr>
+        <p:spPr>
+          <a:xfrm>
+            <a:off x="4560125" y="2375065"/>
+            <a:ext cx="184731" cy="369332"/>
+          </a:xfrm>
+          <a:prstGeom prst="rect">
+            <a:avLst/>
+          </a:prstGeom>
+          <a:noFill/>
+        </p:spPr>
+        <p:txBody>
+          <a:bodyPr wrap="none" rtlCol="0">
+            <a:spAutoFit/>
+          </a:bodyPr>
+          <a:lstStyle/>
+          <a:p>
+            <a:endParaRPr kumimoji="1" lang="zh-CN" altLang="en-US" dirty="0"/>
+          </a:p>
+        </p:txBody>
+      </p:sp>
+      <p:sp>
+        <p:nvSpPr>
+          <p:cNvPr id="81" name="椭圆 80">
+            <a:extLst>
+              <a:ext uri="{FF2B5EF4-FFF2-40B4-BE49-F238E27FC236}">
+                <a16:creationId xmlns:a16="http://schemas.microsoft.com/office/drawing/2014/main" id="{F63FED62-3819-E546-A34A-C79DBC2D2D09}"/>
+              </a:ext>
+            </a:extLst>
+          </p:cNvPr>
+          <p:cNvSpPr/>
+          <p:nvPr/>
+        </p:nvSpPr>
+        <p:spPr>
+          <a:xfrm>
+            <a:off x="3214705" y="3987251"/>
+            <a:ext cx="522514" cy="534389"/>
+          </a:xfrm>
+          <a:prstGeom prst="ellipse">
+            <a:avLst/>
+          </a:prstGeom>
+        </p:spPr>
+        <p:style>
+          <a:lnRef idx="2">
+            <a:schemeClr val="accent1">
+              <a:shade val="50000"/>
+            </a:schemeClr>
+          </a:lnRef>
+          <a:fillRef idx="1">
+            <a:schemeClr val="accent1"/>
+          </a:fillRef>
+          <a:effectRef idx="0">
+            <a:schemeClr val="accent1"/>
+          </a:effectRef>
+          <a:fontRef idx="minor">
+            <a:schemeClr val="lt1"/>
+          </a:fontRef>
+        </p:style>
+        <p:txBody>
+          <a:bodyPr rtlCol="0" anchor="ctr"/>
+          <a:lstStyle/>
+          <a:p>
+            <a:pPr algn="ctr"/>
+            <a:r>
+              <a:rPr kumimoji="1" lang="en-US" altLang="zh-CN" dirty="0"/>
+              <a:t>E</a:t>
+            </a:r>
+            <a:endParaRPr kumimoji="1" lang="zh-CN" altLang="en-US" dirty="0"/>
+          </a:p>
+        </p:txBody>
+      </p:sp>
+      <p:sp>
+        <p:nvSpPr>
+          <p:cNvPr id="82" name="椭圆 81">
+            <a:extLst>
+              <a:ext uri="{FF2B5EF4-FFF2-40B4-BE49-F238E27FC236}">
+                <a16:creationId xmlns:a16="http://schemas.microsoft.com/office/drawing/2014/main" id="{47EE0488-AA7F-C64D-9A0E-FFD7BAFB7909}"/>
+              </a:ext>
+            </a:extLst>
+          </p:cNvPr>
+          <p:cNvSpPr/>
+          <p:nvPr/>
+        </p:nvSpPr>
+        <p:spPr>
+          <a:xfrm>
+            <a:off x="687430" y="3987252"/>
+            <a:ext cx="522514" cy="534389"/>
+          </a:xfrm>
+          <a:prstGeom prst="ellipse">
+            <a:avLst/>
+          </a:prstGeom>
+        </p:spPr>
+        <p:style>
+          <a:lnRef idx="2">
+            <a:schemeClr val="accent1">
+              <a:shade val="50000"/>
+            </a:schemeClr>
+          </a:lnRef>
+          <a:fillRef idx="1">
+            <a:schemeClr val="accent1"/>
+          </a:fillRef>
+          <a:effectRef idx="0">
+            <a:schemeClr val="accent1"/>
+          </a:effectRef>
+          <a:fontRef idx="minor">
+            <a:schemeClr val="lt1"/>
+          </a:fontRef>
+        </p:style>
+        <p:txBody>
+          <a:bodyPr rtlCol="0" anchor="ctr"/>
+          <a:lstStyle/>
+          <a:p>
+            <a:pPr algn="ctr"/>
+            <a:r>
+              <a:rPr kumimoji="1" lang="en-US" altLang="zh-CN" dirty="0"/>
+              <a:t>D</a:t>
             </a:r>
             <a:endParaRPr kumimoji="1" lang="zh-CN" altLang="en-US" dirty="0"/>
           </a:p>
@@ -7820,8 +8479,8 @@
         </p:nvCxnSpPr>
         <p:spPr>
           <a:xfrm flipH="1">
-            <a:off x="4583217" y="973874"/>
-            <a:ext cx="1328046" cy="737386"/>
+            <a:off x="1133424" y="1482766"/>
+            <a:ext cx="894164" cy="608511"/>
           </a:xfrm>
           <a:prstGeom prst="line">
             <a:avLst/>
@@ -7860,8 +8519,8 @@
         </p:nvCxnSpPr>
         <p:spPr>
           <a:xfrm>
-            <a:off x="6280737" y="973874"/>
-            <a:ext cx="1328048" cy="737386"/>
+            <a:off x="2397062" y="1482766"/>
+            <a:ext cx="894163" cy="609982"/>
           </a:xfrm>
           <a:prstGeom prst="line">
             <a:avLst/>
@@ -7899,129 +8558,9 @@
           <p:nvPr/>
         </p:nvCxnSpPr>
         <p:spPr>
-          <a:xfrm flipH="1">
-            <a:off x="4659737" y="1900196"/>
-            <a:ext cx="2872528" cy="0"/>
-          </a:xfrm>
-          <a:prstGeom prst="line">
-            <a:avLst/>
-          </a:prstGeom>
-        </p:spPr>
-        <p:style>
-          <a:lnRef idx="3">
-            <a:schemeClr val="accent1"/>
-          </a:lnRef>
-          <a:fillRef idx="0">
-            <a:schemeClr val="accent1"/>
-          </a:fillRef>
-          <a:effectRef idx="2">
-            <a:schemeClr val="accent1"/>
-          </a:effectRef>
-          <a:fontRef idx="minor">
-            <a:schemeClr val="tx1"/>
-          </a:fontRef>
-        </p:style>
-      </p:cxnSp>
-      <p:cxnSp>
-        <p:nvCxnSpPr>
-          <p:cNvPr id="42" name="直线连接符 41">
-            <a:extLst>
-              <a:ext uri="{FF2B5EF4-FFF2-40B4-BE49-F238E27FC236}">
-                <a16:creationId xmlns:a16="http://schemas.microsoft.com/office/drawing/2014/main" id="{71E19193-1C44-E443-953C-38DF10FE56D1}"/>
-              </a:ext>
-            </a:extLst>
-          </p:cNvPr>
-          <p:cNvCxnSpPr>
-            <a:cxnSpLocks/>
-            <a:stCxn id="7" idx="6"/>
-            <a:endCxn id="14" idx="2"/>
-          </p:cNvCxnSpPr>
-          <p:nvPr/>
-        </p:nvCxnSpPr>
-        <p:spPr>
-          <a:xfrm>
-            <a:off x="1742134" y="1900195"/>
-            <a:ext cx="2395089" cy="1"/>
-          </a:xfrm>
-          <a:prstGeom prst="line">
-            <a:avLst/>
-          </a:prstGeom>
-        </p:spPr>
-        <p:style>
-          <a:lnRef idx="3">
-            <a:schemeClr val="accent1"/>
-          </a:lnRef>
-          <a:fillRef idx="0">
-            <a:schemeClr val="accent1"/>
-          </a:fillRef>
-          <a:effectRef idx="2">
-            <a:schemeClr val="accent1"/>
-          </a:effectRef>
-          <a:fontRef idx="minor">
-            <a:schemeClr val="tx1"/>
-          </a:fontRef>
-        </p:style>
-      </p:cxnSp>
-      <p:cxnSp>
-        <p:nvCxnSpPr>
-          <p:cNvPr id="46" name="直线连接符 45">
-            <a:extLst>
-              <a:ext uri="{FF2B5EF4-FFF2-40B4-BE49-F238E27FC236}">
-                <a16:creationId xmlns:a16="http://schemas.microsoft.com/office/drawing/2014/main" id="{08BF1E1F-D5D3-F644-8AAA-6FE60BD6D374}"/>
-              </a:ext>
-            </a:extLst>
-          </p:cNvPr>
-          <p:cNvCxnSpPr>
-            <a:cxnSpLocks/>
-            <a:stCxn id="9" idx="2"/>
-            <a:endCxn id="11" idx="6"/>
-          </p:cNvCxnSpPr>
-          <p:nvPr/>
-        </p:nvCxnSpPr>
-        <p:spPr>
-          <a:xfrm flipH="1">
-            <a:off x="8054779" y="1900195"/>
-            <a:ext cx="2872528" cy="1"/>
-          </a:xfrm>
-          <a:prstGeom prst="line">
-            <a:avLst/>
-          </a:prstGeom>
-        </p:spPr>
-        <p:style>
-          <a:lnRef idx="3">
-            <a:schemeClr val="accent1"/>
-          </a:lnRef>
-          <a:fillRef idx="0">
-            <a:schemeClr val="accent1"/>
-          </a:fillRef>
-          <a:effectRef idx="2">
-            <a:schemeClr val="accent1"/>
-          </a:effectRef>
-          <a:fontRef idx="minor">
-            <a:schemeClr val="tx1"/>
-          </a:fontRef>
-        </p:style>
-      </p:cxnSp>
-      <p:cxnSp>
-        <p:nvCxnSpPr>
-          <p:cNvPr id="48" name="直线连接符 47">
-            <a:extLst>
-              <a:ext uri="{FF2B5EF4-FFF2-40B4-BE49-F238E27FC236}">
-                <a16:creationId xmlns:a16="http://schemas.microsoft.com/office/drawing/2014/main" id="{075D8F7B-AEB6-DD41-936E-D54F1F5E6513}"/>
-              </a:ext>
-            </a:extLst>
-          </p:cNvPr>
-          <p:cNvCxnSpPr>
-            <a:cxnSpLocks/>
-            <a:stCxn id="9" idx="3"/>
-            <a:endCxn id="81" idx="7"/>
-          </p:cNvCxnSpPr>
-          <p:nvPr/>
-        </p:nvCxnSpPr>
-        <p:spPr>
-          <a:xfrm flipH="1">
-            <a:off x="7993719" y="2089130"/>
-            <a:ext cx="3010108" cy="2061929"/>
+          <a:xfrm flipH="1" flipV="1">
+            <a:off x="1209944" y="2280213"/>
+            <a:ext cx="2004761" cy="1471"/>
           </a:xfrm>
           <a:prstGeom prst="line">
             <a:avLst/>
@@ -8060,8 +8599,8 @@
         </p:nvCxnSpPr>
         <p:spPr>
           <a:xfrm flipH="1">
-            <a:off x="6105159" y="2089131"/>
-            <a:ext cx="1503626" cy="820807"/>
+            <a:off x="2397062" y="2470619"/>
+            <a:ext cx="894163" cy="608510"/>
           </a:xfrm>
           <a:prstGeom prst="line">
             <a:avLst/>
@@ -8100,8 +8639,8 @@
         </p:nvCxnSpPr>
         <p:spPr>
           <a:xfrm flipH="1" flipV="1">
-            <a:off x="4583217" y="2089131"/>
-            <a:ext cx="1152468" cy="820807"/>
+            <a:off x="1133424" y="2469148"/>
+            <a:ext cx="894164" cy="609981"/>
           </a:xfrm>
           <a:prstGeom prst="line">
             <a:avLst/>
@@ -8140,8 +8679,8 @@
         </p:nvCxnSpPr>
         <p:spPr>
           <a:xfrm>
-            <a:off x="6105159" y="3287809"/>
-            <a:ext cx="1519086" cy="863250"/>
+            <a:off x="2397062" y="3457000"/>
+            <a:ext cx="894163" cy="608510"/>
           </a:xfrm>
           <a:prstGeom prst="line">
             <a:avLst/>
@@ -8180,8 +8719,8 @@
         </p:nvCxnSpPr>
         <p:spPr>
           <a:xfrm flipH="1">
-            <a:off x="4583217" y="3287809"/>
-            <a:ext cx="1152468" cy="863252"/>
+            <a:off x="1133424" y="3457000"/>
+            <a:ext cx="894164" cy="608511"/>
           </a:xfrm>
           <a:prstGeom prst="line">
             <a:avLst/>
@@ -8220,128 +8759,8 @@
         </p:nvCxnSpPr>
         <p:spPr>
           <a:xfrm>
-            <a:off x="4398480" y="2167390"/>
-            <a:ext cx="0" cy="1905412"/>
-          </a:xfrm>
-          <a:prstGeom prst="line">
-            <a:avLst/>
-          </a:prstGeom>
-        </p:spPr>
-        <p:style>
-          <a:lnRef idx="3">
-            <a:schemeClr val="accent1"/>
-          </a:lnRef>
-          <a:fillRef idx="0">
-            <a:schemeClr val="accent1"/>
-          </a:fillRef>
-          <a:effectRef idx="2">
-            <a:schemeClr val="accent1"/>
-          </a:effectRef>
-          <a:fontRef idx="minor">
-            <a:schemeClr val="tx1"/>
-          </a:fontRef>
-        </p:style>
-      </p:cxnSp>
-      <p:cxnSp>
-        <p:nvCxnSpPr>
-          <p:cNvPr id="113" name="直线连接符 112">
-            <a:extLst>
-              <a:ext uri="{FF2B5EF4-FFF2-40B4-BE49-F238E27FC236}">
-                <a16:creationId xmlns:a16="http://schemas.microsoft.com/office/drawing/2014/main" id="{98523A09-8626-9846-908C-7CC3362DDB5D}"/>
-              </a:ext>
-            </a:extLst>
-          </p:cNvPr>
-          <p:cNvCxnSpPr>
-            <a:cxnSpLocks/>
-            <a:stCxn id="13" idx="7"/>
-            <a:endCxn id="14" idx="3"/>
-          </p:cNvCxnSpPr>
-          <p:nvPr/>
-        </p:nvCxnSpPr>
-        <p:spPr>
-          <a:xfrm flipV="1">
-            <a:off x="3046782" y="2089131"/>
-            <a:ext cx="1166961" cy="733525"/>
-          </a:xfrm>
-          <a:prstGeom prst="line">
-            <a:avLst/>
-          </a:prstGeom>
-        </p:spPr>
-        <p:style>
-          <a:lnRef idx="3">
-            <a:schemeClr val="accent1"/>
-          </a:lnRef>
-          <a:fillRef idx="0">
-            <a:schemeClr val="accent1"/>
-          </a:fillRef>
-          <a:effectRef idx="2">
-            <a:schemeClr val="accent1"/>
-          </a:effectRef>
-          <a:fontRef idx="minor">
-            <a:schemeClr val="tx1"/>
-          </a:fontRef>
-        </p:style>
-      </p:cxnSp>
-      <p:cxnSp>
-        <p:nvCxnSpPr>
-          <p:cNvPr id="116" name="直线连接符 115">
-            <a:extLst>
-              <a:ext uri="{FF2B5EF4-FFF2-40B4-BE49-F238E27FC236}">
-                <a16:creationId xmlns:a16="http://schemas.microsoft.com/office/drawing/2014/main" id="{90A0F972-447E-A240-95A9-FAE10B48AB7C}"/>
-              </a:ext>
-            </a:extLst>
-          </p:cNvPr>
-          <p:cNvCxnSpPr>
-            <a:cxnSpLocks/>
-            <a:stCxn id="13" idx="5"/>
-            <a:endCxn id="82" idx="1"/>
-          </p:cNvCxnSpPr>
-          <p:nvPr/>
-        </p:nvCxnSpPr>
-        <p:spPr>
-          <a:xfrm>
-            <a:off x="3046782" y="3200527"/>
-            <a:ext cx="1166961" cy="950534"/>
-          </a:xfrm>
-          <a:prstGeom prst="line">
-            <a:avLst/>
-          </a:prstGeom>
-        </p:spPr>
-        <p:style>
-          <a:lnRef idx="3">
-            <a:schemeClr val="accent1"/>
-          </a:lnRef>
-          <a:fillRef idx="0">
-            <a:schemeClr val="accent1"/>
-          </a:fillRef>
-          <a:effectRef idx="2">
-            <a:schemeClr val="accent1"/>
-          </a:effectRef>
-          <a:fontRef idx="minor">
-            <a:schemeClr val="tx1"/>
-          </a:fontRef>
-        </p:style>
-      </p:cxnSp>
-      <p:cxnSp>
-        <p:nvCxnSpPr>
-          <p:cNvPr id="119" name="直线连接符 118">
-            <a:extLst>
-              <a:ext uri="{FF2B5EF4-FFF2-40B4-BE49-F238E27FC236}">
-                <a16:creationId xmlns:a16="http://schemas.microsoft.com/office/drawing/2014/main" id="{751F48BE-0D2C-5A4F-982C-30789170C846}"/>
-              </a:ext>
-            </a:extLst>
-          </p:cNvPr>
-          <p:cNvCxnSpPr>
-            <a:cxnSpLocks/>
-            <a:stCxn id="7" idx="4"/>
-            <a:endCxn id="78" idx="0"/>
-          </p:cNvCxnSpPr>
-          <p:nvPr/>
-        </p:nvCxnSpPr>
-        <p:spPr>
-          <a:xfrm>
-            <a:off x="1480877" y="2167389"/>
-            <a:ext cx="0" cy="1905414"/>
+            <a:off x="948687" y="2547407"/>
+            <a:ext cx="0" cy="1439845"/>
           </a:xfrm>
           <a:prstGeom prst="line">
             <a:avLst/>
@@ -8380,8 +8799,8 @@
         </p:nvCxnSpPr>
         <p:spPr>
           <a:xfrm flipH="1">
-            <a:off x="4659737" y="4339995"/>
-            <a:ext cx="2887988" cy="2"/>
+            <a:off x="1209944" y="4254446"/>
+            <a:ext cx="2004761" cy="1"/>
           </a:xfrm>
           <a:prstGeom prst="line">
             <a:avLst/>
@@ -8420,8 +8839,348 @@
         </p:nvCxnSpPr>
         <p:spPr>
           <a:xfrm>
-            <a:off x="7793522" y="2167390"/>
-            <a:ext cx="15460" cy="1905410"/>
+            <a:off x="3475962" y="2548878"/>
+            <a:ext cx="0" cy="1438373"/>
+          </a:xfrm>
+          <a:prstGeom prst="line">
+            <a:avLst/>
+          </a:prstGeom>
+        </p:spPr>
+        <p:style>
+          <a:lnRef idx="3">
+            <a:schemeClr val="accent1"/>
+          </a:lnRef>
+          <a:fillRef idx="0">
+            <a:schemeClr val="accent1"/>
+          </a:fillRef>
+          <a:effectRef idx="2">
+            <a:schemeClr val="accent1"/>
+          </a:effectRef>
+          <a:fontRef idx="minor">
+            <a:schemeClr val="tx1"/>
+          </a:fontRef>
+        </p:style>
+      </p:cxnSp>
+      <p:sp>
+        <p:nvSpPr>
+          <p:cNvPr id="215" name="椭圆 214">
+            <a:extLst>
+              <a:ext uri="{FF2B5EF4-FFF2-40B4-BE49-F238E27FC236}">
+                <a16:creationId xmlns:a16="http://schemas.microsoft.com/office/drawing/2014/main" id="{C120EB18-F650-D54F-A688-FA4B34E1EE46}"/>
+              </a:ext>
+            </a:extLst>
+          </p:cNvPr>
+          <p:cNvSpPr/>
+          <p:nvPr/>
+        </p:nvSpPr>
+        <p:spPr>
+          <a:xfrm>
+            <a:off x="6061396" y="1025165"/>
+            <a:ext cx="522514" cy="534389"/>
+          </a:xfrm>
+          <a:prstGeom prst="ellipse">
+            <a:avLst/>
+          </a:prstGeom>
+        </p:spPr>
+        <p:style>
+          <a:lnRef idx="2">
+            <a:schemeClr val="accent1">
+              <a:shade val="50000"/>
+            </a:schemeClr>
+          </a:lnRef>
+          <a:fillRef idx="1">
+            <a:schemeClr val="accent1"/>
+          </a:fillRef>
+          <a:effectRef idx="0">
+            <a:schemeClr val="accent1"/>
+          </a:effectRef>
+          <a:fontRef idx="minor">
+            <a:schemeClr val="lt1"/>
+          </a:fontRef>
+        </p:style>
+        <p:txBody>
+          <a:bodyPr rtlCol="0" anchor="ctr"/>
+          <a:lstStyle/>
+          <a:p>
+            <a:pPr algn="ctr"/>
+            <a:r>
+              <a:rPr kumimoji="1" lang="en-US" altLang="zh-CN" dirty="0"/>
+              <a:t>A</a:t>
+            </a:r>
+            <a:endParaRPr kumimoji="1" lang="zh-CN" altLang="en-US" dirty="0"/>
+          </a:p>
+        </p:txBody>
+      </p:sp>
+      <p:sp>
+        <p:nvSpPr>
+          <p:cNvPr id="216" name="椭圆 215">
+            <a:extLst>
+              <a:ext uri="{FF2B5EF4-FFF2-40B4-BE49-F238E27FC236}">
+                <a16:creationId xmlns:a16="http://schemas.microsoft.com/office/drawing/2014/main" id="{03C027CF-4BAE-0C4A-8ABA-C5BC690F6FAE}"/>
+              </a:ext>
+            </a:extLst>
+          </p:cNvPr>
+          <p:cNvSpPr/>
+          <p:nvPr/>
+        </p:nvSpPr>
+        <p:spPr>
+          <a:xfrm>
+            <a:off x="7325033" y="2013018"/>
+            <a:ext cx="522514" cy="534389"/>
+          </a:xfrm>
+          <a:prstGeom prst="ellipse">
+            <a:avLst/>
+          </a:prstGeom>
+        </p:spPr>
+        <p:style>
+          <a:lnRef idx="2">
+            <a:schemeClr val="accent1">
+              <a:shade val="50000"/>
+            </a:schemeClr>
+          </a:lnRef>
+          <a:fillRef idx="1">
+            <a:schemeClr val="accent1"/>
+          </a:fillRef>
+          <a:effectRef idx="0">
+            <a:schemeClr val="accent1"/>
+          </a:effectRef>
+          <a:fontRef idx="minor">
+            <a:schemeClr val="lt1"/>
+          </a:fontRef>
+        </p:style>
+        <p:txBody>
+          <a:bodyPr rtlCol="0" anchor="ctr"/>
+          <a:lstStyle/>
+          <a:p>
+            <a:pPr algn="ctr"/>
+            <a:r>
+              <a:rPr kumimoji="1" lang="en-US" altLang="zh-CN" dirty="0"/>
+              <a:t>C</a:t>
+            </a:r>
+            <a:endParaRPr kumimoji="1" lang="zh-CN" altLang="en-US" dirty="0"/>
+          </a:p>
+        </p:txBody>
+      </p:sp>
+      <p:sp>
+        <p:nvSpPr>
+          <p:cNvPr id="217" name="椭圆 216">
+            <a:extLst>
+              <a:ext uri="{FF2B5EF4-FFF2-40B4-BE49-F238E27FC236}">
+                <a16:creationId xmlns:a16="http://schemas.microsoft.com/office/drawing/2014/main" id="{9CA6EB23-586A-994C-A21A-0BC719DFC30A}"/>
+              </a:ext>
+            </a:extLst>
+          </p:cNvPr>
+          <p:cNvSpPr/>
+          <p:nvPr/>
+        </p:nvSpPr>
+        <p:spPr>
+          <a:xfrm>
+            <a:off x="6061396" y="2999399"/>
+            <a:ext cx="522514" cy="534389"/>
+          </a:xfrm>
+          <a:prstGeom prst="ellipse">
+            <a:avLst/>
+          </a:prstGeom>
+        </p:spPr>
+        <p:style>
+          <a:lnRef idx="2">
+            <a:schemeClr val="accent1">
+              <a:shade val="50000"/>
+            </a:schemeClr>
+          </a:lnRef>
+          <a:fillRef idx="1">
+            <a:schemeClr val="accent1"/>
+          </a:fillRef>
+          <a:effectRef idx="0">
+            <a:schemeClr val="accent1"/>
+          </a:effectRef>
+          <a:fontRef idx="minor">
+            <a:schemeClr val="lt1"/>
+          </a:fontRef>
+        </p:style>
+        <p:txBody>
+          <a:bodyPr rtlCol="0" anchor="ctr"/>
+          <a:lstStyle/>
+          <a:p>
+            <a:pPr algn="ctr"/>
+            <a:r>
+              <a:rPr kumimoji="1" lang="en-US" altLang="zh-CN" dirty="0"/>
+              <a:t>F</a:t>
+            </a:r>
+            <a:endParaRPr kumimoji="1" lang="zh-CN" altLang="en-US" dirty="0"/>
+          </a:p>
+        </p:txBody>
+      </p:sp>
+      <p:sp>
+        <p:nvSpPr>
+          <p:cNvPr id="218" name="椭圆 217">
+            <a:extLst>
+              <a:ext uri="{FF2B5EF4-FFF2-40B4-BE49-F238E27FC236}">
+                <a16:creationId xmlns:a16="http://schemas.microsoft.com/office/drawing/2014/main" id="{69303AF3-7992-E24A-931C-A1E6EE8CBA9A}"/>
+              </a:ext>
+            </a:extLst>
+          </p:cNvPr>
+          <p:cNvSpPr/>
+          <p:nvPr/>
+        </p:nvSpPr>
+        <p:spPr>
+          <a:xfrm>
+            <a:off x="4797758" y="2011547"/>
+            <a:ext cx="522514" cy="534389"/>
+          </a:xfrm>
+          <a:prstGeom prst="ellipse">
+            <a:avLst/>
+          </a:prstGeom>
+        </p:spPr>
+        <p:style>
+          <a:lnRef idx="2">
+            <a:schemeClr val="accent1">
+              <a:shade val="50000"/>
+            </a:schemeClr>
+          </a:lnRef>
+          <a:fillRef idx="1">
+            <a:schemeClr val="accent1"/>
+          </a:fillRef>
+          <a:effectRef idx="0">
+            <a:schemeClr val="accent1"/>
+          </a:effectRef>
+          <a:fontRef idx="minor">
+            <a:schemeClr val="lt1"/>
+          </a:fontRef>
+        </p:style>
+        <p:txBody>
+          <a:bodyPr rtlCol="0" anchor="ctr"/>
+          <a:lstStyle/>
+          <a:p>
+            <a:pPr algn="ctr"/>
+            <a:r>
+              <a:rPr kumimoji="1" lang="en-US" altLang="zh-CN" dirty="0"/>
+              <a:t>B</a:t>
+            </a:r>
+            <a:endParaRPr kumimoji="1" lang="zh-CN" altLang="en-US" dirty="0"/>
+          </a:p>
+        </p:txBody>
+      </p:sp>
+      <p:sp>
+        <p:nvSpPr>
+          <p:cNvPr id="219" name="椭圆 218">
+            <a:extLst>
+              <a:ext uri="{FF2B5EF4-FFF2-40B4-BE49-F238E27FC236}">
+                <a16:creationId xmlns:a16="http://schemas.microsoft.com/office/drawing/2014/main" id="{29DD09EF-1D55-D543-9A8C-6C27E25C0EC1}"/>
+              </a:ext>
+            </a:extLst>
+          </p:cNvPr>
+          <p:cNvSpPr/>
+          <p:nvPr/>
+        </p:nvSpPr>
+        <p:spPr>
+          <a:xfrm>
+            <a:off x="7325033" y="3985780"/>
+            <a:ext cx="522514" cy="534389"/>
+          </a:xfrm>
+          <a:prstGeom prst="ellipse">
+            <a:avLst/>
+          </a:prstGeom>
+        </p:spPr>
+        <p:style>
+          <a:lnRef idx="2">
+            <a:schemeClr val="accent1">
+              <a:shade val="50000"/>
+            </a:schemeClr>
+          </a:lnRef>
+          <a:fillRef idx="1">
+            <a:schemeClr val="accent1"/>
+          </a:fillRef>
+          <a:effectRef idx="0">
+            <a:schemeClr val="accent1"/>
+          </a:effectRef>
+          <a:fontRef idx="minor">
+            <a:schemeClr val="lt1"/>
+          </a:fontRef>
+        </p:style>
+        <p:txBody>
+          <a:bodyPr rtlCol="0" anchor="ctr"/>
+          <a:lstStyle/>
+          <a:p>
+            <a:pPr algn="ctr"/>
+            <a:r>
+              <a:rPr kumimoji="1" lang="en-US" altLang="zh-CN" dirty="0"/>
+              <a:t>E</a:t>
+            </a:r>
+            <a:endParaRPr kumimoji="1" lang="zh-CN" altLang="en-US" dirty="0"/>
+          </a:p>
+        </p:txBody>
+      </p:sp>
+      <p:sp>
+        <p:nvSpPr>
+          <p:cNvPr id="220" name="椭圆 219">
+            <a:extLst>
+              <a:ext uri="{FF2B5EF4-FFF2-40B4-BE49-F238E27FC236}">
+                <a16:creationId xmlns:a16="http://schemas.microsoft.com/office/drawing/2014/main" id="{AE028013-FB5A-3E44-8DD0-6ADB99A0C405}"/>
+              </a:ext>
+            </a:extLst>
+          </p:cNvPr>
+          <p:cNvSpPr/>
+          <p:nvPr/>
+        </p:nvSpPr>
+        <p:spPr>
+          <a:xfrm>
+            <a:off x="4797758" y="3985781"/>
+            <a:ext cx="522514" cy="534389"/>
+          </a:xfrm>
+          <a:prstGeom prst="ellipse">
+            <a:avLst/>
+          </a:prstGeom>
+        </p:spPr>
+        <p:style>
+          <a:lnRef idx="2">
+            <a:schemeClr val="accent1">
+              <a:shade val="50000"/>
+            </a:schemeClr>
+          </a:lnRef>
+          <a:fillRef idx="1">
+            <a:schemeClr val="accent1"/>
+          </a:fillRef>
+          <a:effectRef idx="0">
+            <a:schemeClr val="accent1"/>
+          </a:effectRef>
+          <a:fontRef idx="minor">
+            <a:schemeClr val="lt1"/>
+          </a:fontRef>
+        </p:style>
+        <p:txBody>
+          <a:bodyPr rtlCol="0" anchor="ctr"/>
+          <a:lstStyle/>
+          <a:p>
+            <a:pPr algn="ctr"/>
+            <a:r>
+              <a:rPr kumimoji="1" lang="en-US" altLang="zh-CN" dirty="0"/>
+              <a:t>D</a:t>
+            </a:r>
+            <a:endParaRPr kumimoji="1" lang="zh-CN" altLang="en-US" dirty="0"/>
+          </a:p>
+        </p:txBody>
+      </p:sp>
+      <p:cxnSp>
+        <p:nvCxnSpPr>
+          <p:cNvPr id="221" name="直线连接符 220">
+            <a:extLst>
+              <a:ext uri="{FF2B5EF4-FFF2-40B4-BE49-F238E27FC236}">
+                <a16:creationId xmlns:a16="http://schemas.microsoft.com/office/drawing/2014/main" id="{718ECABB-C50F-AD4D-AC54-A993F9CF0C9A}"/>
+              </a:ext>
+            </a:extLst>
+          </p:cNvPr>
+          <p:cNvCxnSpPr>
+            <a:cxnSpLocks/>
+            <a:stCxn id="215" idx="3"/>
+            <a:endCxn id="218" idx="7"/>
+          </p:cNvCxnSpPr>
+          <p:nvPr/>
+        </p:nvCxnSpPr>
+        <p:spPr>
+          <a:xfrm flipH="1">
+            <a:off x="5243752" y="1481295"/>
+            <a:ext cx="894164" cy="608511"/>
           </a:xfrm>
           <a:prstGeom prst="line">
             <a:avLst/>
@@ -8444,24 +9203,24 @@
       </p:cxnSp>
       <p:cxnSp>
         <p:nvCxnSpPr>
-          <p:cNvPr id="128" name="直线连接符 127">
-            <a:extLst>
-              <a:ext uri="{FF2B5EF4-FFF2-40B4-BE49-F238E27FC236}">
-                <a16:creationId xmlns:a16="http://schemas.microsoft.com/office/drawing/2014/main" id="{D5F68F89-F15B-D44E-9B13-2362105FBB11}"/>
+          <p:cNvPr id="222" name="直线连接符 221">
+            <a:extLst>
+              <a:ext uri="{FF2B5EF4-FFF2-40B4-BE49-F238E27FC236}">
+                <a16:creationId xmlns:a16="http://schemas.microsoft.com/office/drawing/2014/main" id="{177298AB-E45C-7E49-A4FC-B94BB423CA24}"/>
               </a:ext>
             </a:extLst>
           </p:cNvPr>
           <p:cNvCxnSpPr>
             <a:cxnSpLocks/>
-            <a:stCxn id="11" idx="5"/>
-            <a:endCxn id="29" idx="1"/>
+            <a:stCxn id="215" idx="5"/>
+            <a:endCxn id="216" idx="1"/>
           </p:cNvCxnSpPr>
           <p:nvPr/>
         </p:nvCxnSpPr>
         <p:spPr>
           <a:xfrm>
-            <a:off x="7978259" y="2089131"/>
-            <a:ext cx="3025568" cy="2061928"/>
+            <a:off x="6507390" y="1481295"/>
+            <a:ext cx="894163" cy="609982"/>
           </a:xfrm>
           <a:prstGeom prst="line">
             <a:avLst/>
@@ -8484,24 +9243,24 @@
       </p:cxnSp>
       <p:cxnSp>
         <p:nvCxnSpPr>
-          <p:cNvPr id="131" name="直线连接符 130">
-            <a:extLst>
-              <a:ext uri="{FF2B5EF4-FFF2-40B4-BE49-F238E27FC236}">
-                <a16:creationId xmlns:a16="http://schemas.microsoft.com/office/drawing/2014/main" id="{944A2DA7-8D61-0D4C-AC35-D299445665DF}"/>
+          <p:cNvPr id="223" name="直线连接符 222">
+            <a:extLst>
+              <a:ext uri="{FF2B5EF4-FFF2-40B4-BE49-F238E27FC236}">
+                <a16:creationId xmlns:a16="http://schemas.microsoft.com/office/drawing/2014/main" id="{F8796ED3-42F3-F44A-9ACF-E0EEEFEEC62E}"/>
               </a:ext>
             </a:extLst>
           </p:cNvPr>
           <p:cNvCxnSpPr>
             <a:cxnSpLocks/>
-            <a:stCxn id="81" idx="6"/>
-            <a:endCxn id="29" idx="2"/>
+            <a:stCxn id="216" idx="2"/>
+            <a:endCxn id="218" idx="6"/>
           </p:cNvCxnSpPr>
           <p:nvPr/>
         </p:nvCxnSpPr>
         <p:spPr>
-          <a:xfrm>
-            <a:off x="8070239" y="4339995"/>
-            <a:ext cx="2857068" cy="0"/>
+          <a:xfrm flipH="1" flipV="1">
+            <a:off x="5320272" y="2278742"/>
+            <a:ext cx="2004761" cy="1471"/>
           </a:xfrm>
           <a:prstGeom prst="line">
             <a:avLst/>
@@ -8524,24 +9283,24 @@
       </p:cxnSp>
       <p:cxnSp>
         <p:nvCxnSpPr>
-          <p:cNvPr id="135" name="直线连接符 134">
-            <a:extLst>
-              <a:ext uri="{FF2B5EF4-FFF2-40B4-BE49-F238E27FC236}">
-                <a16:creationId xmlns:a16="http://schemas.microsoft.com/office/drawing/2014/main" id="{38786592-850F-8E41-BBB4-5A746C75836E}"/>
+          <p:cNvPr id="224" name="直线连接符 223">
+            <a:extLst>
+              <a:ext uri="{FF2B5EF4-FFF2-40B4-BE49-F238E27FC236}">
+                <a16:creationId xmlns:a16="http://schemas.microsoft.com/office/drawing/2014/main" id="{9A08444D-9E78-DB49-A3D7-C09F3AC8D456}"/>
               </a:ext>
             </a:extLst>
           </p:cNvPr>
           <p:cNvCxnSpPr>
             <a:cxnSpLocks/>
-            <a:stCxn id="82" idx="2"/>
-            <a:endCxn id="78" idx="6"/>
+            <a:stCxn id="216" idx="3"/>
+            <a:endCxn id="217" idx="7"/>
           </p:cNvCxnSpPr>
           <p:nvPr/>
         </p:nvCxnSpPr>
         <p:spPr>
           <a:xfrm flipH="1">
-            <a:off x="1742134" y="4339997"/>
-            <a:ext cx="2395089" cy="1"/>
+            <a:off x="6507390" y="2469148"/>
+            <a:ext cx="894163" cy="608510"/>
           </a:xfrm>
           <a:prstGeom prst="line">
             <a:avLst/>
@@ -8564,24 +9323,24 @@
       </p:cxnSp>
       <p:cxnSp>
         <p:nvCxnSpPr>
-          <p:cNvPr id="138" name="直线连接符 137">
-            <a:extLst>
-              <a:ext uri="{FF2B5EF4-FFF2-40B4-BE49-F238E27FC236}">
-                <a16:creationId xmlns:a16="http://schemas.microsoft.com/office/drawing/2014/main" id="{F9ACD6A4-BEBB-FE4E-A1D2-5FE55FEABFDD}"/>
+          <p:cNvPr id="225" name="直线连接符 224">
+            <a:extLst>
+              <a:ext uri="{FF2B5EF4-FFF2-40B4-BE49-F238E27FC236}">
+                <a16:creationId xmlns:a16="http://schemas.microsoft.com/office/drawing/2014/main" id="{4D3AB08F-EACD-654D-ACDD-B25A5F95F88D}"/>
               </a:ext>
             </a:extLst>
           </p:cNvPr>
           <p:cNvCxnSpPr>
             <a:cxnSpLocks/>
-            <a:stCxn id="30" idx="1"/>
-            <a:endCxn id="82" idx="5"/>
+            <a:stCxn id="217" idx="1"/>
+            <a:endCxn id="218" idx="5"/>
           </p:cNvCxnSpPr>
           <p:nvPr/>
         </p:nvCxnSpPr>
         <p:spPr>
           <a:xfrm flipH="1" flipV="1">
-            <a:off x="4583217" y="4528932"/>
-            <a:ext cx="1328046" cy="820805"/>
+            <a:off x="5243752" y="2467677"/>
+            <a:ext cx="894164" cy="609981"/>
           </a:xfrm>
           <a:prstGeom prst="line">
             <a:avLst/>
@@ -8604,24 +9363,64 @@
       </p:cxnSp>
       <p:cxnSp>
         <p:nvCxnSpPr>
-          <p:cNvPr id="141" name="直线连接符 140">
-            <a:extLst>
-              <a:ext uri="{FF2B5EF4-FFF2-40B4-BE49-F238E27FC236}">
-                <a16:creationId xmlns:a16="http://schemas.microsoft.com/office/drawing/2014/main" id="{3B41DBB0-B3D0-B346-A812-FC2CEA9042B5}"/>
+          <p:cNvPr id="226" name="直线连接符 225">
+            <a:extLst>
+              <a:ext uri="{FF2B5EF4-FFF2-40B4-BE49-F238E27FC236}">
+                <a16:creationId xmlns:a16="http://schemas.microsoft.com/office/drawing/2014/main" id="{CAE7DCAB-B857-1F41-B704-A380ED6D3FE4}"/>
               </a:ext>
             </a:extLst>
           </p:cNvPr>
           <p:cNvCxnSpPr>
             <a:cxnSpLocks/>
-            <a:stCxn id="81" idx="3"/>
-            <a:endCxn id="30" idx="7"/>
+            <a:stCxn id="217" idx="5"/>
+            <a:endCxn id="219" idx="1"/>
           </p:cNvCxnSpPr>
           <p:nvPr/>
         </p:nvCxnSpPr>
         <p:spPr>
+          <a:xfrm>
+            <a:off x="6507390" y="3455529"/>
+            <a:ext cx="894163" cy="608510"/>
+          </a:xfrm>
+          <a:prstGeom prst="line">
+            <a:avLst/>
+          </a:prstGeom>
+        </p:spPr>
+        <p:style>
+          <a:lnRef idx="3">
+            <a:schemeClr val="accent1"/>
+          </a:lnRef>
+          <a:fillRef idx="0">
+            <a:schemeClr val="accent1"/>
+          </a:fillRef>
+          <a:effectRef idx="2">
+            <a:schemeClr val="accent1"/>
+          </a:effectRef>
+          <a:fontRef idx="minor">
+            <a:schemeClr val="tx1"/>
+          </a:fontRef>
+        </p:style>
+      </p:cxnSp>
+      <p:cxnSp>
+        <p:nvCxnSpPr>
+          <p:cNvPr id="227" name="直线连接符 226">
+            <a:extLst>
+              <a:ext uri="{FF2B5EF4-FFF2-40B4-BE49-F238E27FC236}">
+                <a16:creationId xmlns:a16="http://schemas.microsoft.com/office/drawing/2014/main" id="{6554DA69-5FA1-FD49-9BA4-EE8E9CA39E95}"/>
+              </a:ext>
+            </a:extLst>
+          </p:cNvPr>
+          <p:cNvCxnSpPr>
+            <a:cxnSpLocks/>
+            <a:stCxn id="217" idx="3"/>
+            <a:endCxn id="220" idx="7"/>
+          </p:cNvCxnSpPr>
+          <p:nvPr/>
+        </p:nvCxnSpPr>
+        <p:spPr>
           <a:xfrm flipH="1">
-            <a:off x="6280737" y="4528930"/>
-            <a:ext cx="1343508" cy="820807"/>
+            <a:off x="5243752" y="3455529"/>
+            <a:ext cx="894164" cy="608511"/>
           </a:xfrm>
           <a:prstGeom prst="line">
             <a:avLst/>
@@ -8642,6 +9441,934 @@
           </a:fontRef>
         </p:style>
       </p:cxnSp>
+      <p:cxnSp>
+        <p:nvCxnSpPr>
+          <p:cNvPr id="228" name="直线连接符 227">
+            <a:extLst>
+              <a:ext uri="{FF2B5EF4-FFF2-40B4-BE49-F238E27FC236}">
+                <a16:creationId xmlns:a16="http://schemas.microsoft.com/office/drawing/2014/main" id="{5B35926E-C835-AD40-ABA3-A67248AA4D41}"/>
+              </a:ext>
+            </a:extLst>
+          </p:cNvPr>
+          <p:cNvCxnSpPr>
+            <a:cxnSpLocks/>
+            <a:stCxn id="218" idx="4"/>
+            <a:endCxn id="220" idx="0"/>
+          </p:cNvCxnSpPr>
+          <p:nvPr/>
+        </p:nvCxnSpPr>
+        <p:spPr>
+          <a:xfrm>
+            <a:off x="5059015" y="2545936"/>
+            <a:ext cx="0" cy="1439845"/>
+          </a:xfrm>
+          <a:prstGeom prst="line">
+            <a:avLst/>
+          </a:prstGeom>
+        </p:spPr>
+        <p:style>
+          <a:lnRef idx="3">
+            <a:schemeClr val="accent1"/>
+          </a:lnRef>
+          <a:fillRef idx="0">
+            <a:schemeClr val="accent1"/>
+          </a:fillRef>
+          <a:effectRef idx="2">
+            <a:schemeClr val="accent1"/>
+          </a:effectRef>
+          <a:fontRef idx="minor">
+            <a:schemeClr val="tx1"/>
+          </a:fontRef>
+        </p:style>
+      </p:cxnSp>
+      <p:cxnSp>
+        <p:nvCxnSpPr>
+          <p:cNvPr id="229" name="直线连接符 228">
+            <a:extLst>
+              <a:ext uri="{FF2B5EF4-FFF2-40B4-BE49-F238E27FC236}">
+                <a16:creationId xmlns:a16="http://schemas.microsoft.com/office/drawing/2014/main" id="{1B7F522C-30E5-EA4D-9301-04F30C5D6C34}"/>
+              </a:ext>
+            </a:extLst>
+          </p:cNvPr>
+          <p:cNvCxnSpPr>
+            <a:cxnSpLocks/>
+            <a:stCxn id="219" idx="2"/>
+            <a:endCxn id="220" idx="6"/>
+          </p:cNvCxnSpPr>
+          <p:nvPr/>
+        </p:nvCxnSpPr>
+        <p:spPr>
+          <a:xfrm flipH="1">
+            <a:off x="5320272" y="4252975"/>
+            <a:ext cx="2004761" cy="1"/>
+          </a:xfrm>
+          <a:prstGeom prst="line">
+            <a:avLst/>
+          </a:prstGeom>
+        </p:spPr>
+        <p:style>
+          <a:lnRef idx="3">
+            <a:schemeClr val="accent1"/>
+          </a:lnRef>
+          <a:fillRef idx="0">
+            <a:schemeClr val="accent1"/>
+          </a:fillRef>
+          <a:effectRef idx="2">
+            <a:schemeClr val="accent1"/>
+          </a:effectRef>
+          <a:fontRef idx="minor">
+            <a:schemeClr val="tx1"/>
+          </a:fontRef>
+        </p:style>
+      </p:cxnSp>
+      <p:cxnSp>
+        <p:nvCxnSpPr>
+          <p:cNvPr id="230" name="直线连接符 229">
+            <a:extLst>
+              <a:ext uri="{FF2B5EF4-FFF2-40B4-BE49-F238E27FC236}">
+                <a16:creationId xmlns:a16="http://schemas.microsoft.com/office/drawing/2014/main" id="{5C358B1D-DF9E-8246-B2A0-B5BD82B23BAA}"/>
+              </a:ext>
+            </a:extLst>
+          </p:cNvPr>
+          <p:cNvCxnSpPr>
+            <a:cxnSpLocks/>
+            <a:stCxn id="216" idx="4"/>
+            <a:endCxn id="219" idx="0"/>
+          </p:cNvCxnSpPr>
+          <p:nvPr/>
+        </p:nvCxnSpPr>
+        <p:spPr>
+          <a:xfrm>
+            <a:off x="7586290" y="2547407"/>
+            <a:ext cx="0" cy="1438373"/>
+          </a:xfrm>
+          <a:prstGeom prst="line">
+            <a:avLst/>
+          </a:prstGeom>
+        </p:spPr>
+        <p:style>
+          <a:lnRef idx="3">
+            <a:schemeClr val="accent1"/>
+          </a:lnRef>
+          <a:fillRef idx="0">
+            <a:schemeClr val="accent1"/>
+          </a:fillRef>
+          <a:effectRef idx="2">
+            <a:schemeClr val="accent1"/>
+          </a:effectRef>
+          <a:fontRef idx="minor">
+            <a:schemeClr val="tx1"/>
+          </a:fontRef>
+        </p:style>
+      </p:cxnSp>
+      <p:sp>
+        <p:nvSpPr>
+          <p:cNvPr id="231" name="椭圆 230">
+            <a:extLst>
+              <a:ext uri="{FF2B5EF4-FFF2-40B4-BE49-F238E27FC236}">
+                <a16:creationId xmlns:a16="http://schemas.microsoft.com/office/drawing/2014/main" id="{0A6EEF51-6B1F-5440-A0F1-74CDB4F517BB}"/>
+              </a:ext>
+            </a:extLst>
+          </p:cNvPr>
+          <p:cNvSpPr/>
+          <p:nvPr/>
+        </p:nvSpPr>
+        <p:spPr>
+          <a:xfrm>
+            <a:off x="6087053" y="4972163"/>
+            <a:ext cx="522514" cy="534389"/>
+          </a:xfrm>
+          <a:prstGeom prst="ellipse">
+            <a:avLst/>
+          </a:prstGeom>
+        </p:spPr>
+        <p:style>
+          <a:lnRef idx="2">
+            <a:schemeClr val="accent1">
+              <a:shade val="50000"/>
+            </a:schemeClr>
+          </a:lnRef>
+          <a:fillRef idx="1">
+            <a:schemeClr val="accent1"/>
+          </a:fillRef>
+          <a:effectRef idx="0">
+            <a:schemeClr val="accent1"/>
+          </a:effectRef>
+          <a:fontRef idx="minor">
+            <a:schemeClr val="lt1"/>
+          </a:fontRef>
+        </p:style>
+        <p:txBody>
+          <a:bodyPr rtlCol="0" anchor="ctr"/>
+          <a:lstStyle/>
+          <a:p>
+            <a:pPr algn="ctr"/>
+            <a:r>
+              <a:rPr kumimoji="1" lang="en-US" altLang="zh-CN" dirty="0"/>
+              <a:t>G</a:t>
+            </a:r>
+            <a:endParaRPr kumimoji="1" lang="zh-CN" altLang="en-US" dirty="0"/>
+          </a:p>
+        </p:txBody>
+      </p:sp>
+      <p:cxnSp>
+        <p:nvCxnSpPr>
+          <p:cNvPr id="232" name="直线连接符 231">
+            <a:extLst>
+              <a:ext uri="{FF2B5EF4-FFF2-40B4-BE49-F238E27FC236}">
+                <a16:creationId xmlns:a16="http://schemas.microsoft.com/office/drawing/2014/main" id="{D54F6464-2178-6E46-9D29-083A9FCA6464}"/>
+              </a:ext>
+            </a:extLst>
+          </p:cNvPr>
+          <p:cNvCxnSpPr>
+            <a:cxnSpLocks/>
+            <a:stCxn id="231" idx="2"/>
+            <a:endCxn id="220" idx="5"/>
+          </p:cNvCxnSpPr>
+          <p:nvPr/>
+        </p:nvCxnSpPr>
+        <p:spPr>
+          <a:xfrm flipH="1" flipV="1">
+            <a:off x="5243752" y="4441911"/>
+            <a:ext cx="843301" cy="797447"/>
+          </a:xfrm>
+          <a:prstGeom prst="line">
+            <a:avLst/>
+          </a:prstGeom>
+        </p:spPr>
+        <p:style>
+          <a:lnRef idx="3">
+            <a:schemeClr val="accent1"/>
+          </a:lnRef>
+          <a:fillRef idx="0">
+            <a:schemeClr val="accent1"/>
+          </a:fillRef>
+          <a:effectRef idx="2">
+            <a:schemeClr val="accent1"/>
+          </a:effectRef>
+          <a:fontRef idx="minor">
+            <a:schemeClr val="tx1"/>
+          </a:fontRef>
+        </p:style>
+      </p:cxnSp>
+      <p:cxnSp>
+        <p:nvCxnSpPr>
+          <p:cNvPr id="235" name="直线连接符 234">
+            <a:extLst>
+              <a:ext uri="{FF2B5EF4-FFF2-40B4-BE49-F238E27FC236}">
+                <a16:creationId xmlns:a16="http://schemas.microsoft.com/office/drawing/2014/main" id="{12B3E7AA-29C5-0549-B7E7-7235312D8D44}"/>
+              </a:ext>
+            </a:extLst>
+          </p:cNvPr>
+          <p:cNvCxnSpPr>
+            <a:cxnSpLocks/>
+            <a:stCxn id="219" idx="3"/>
+            <a:endCxn id="231" idx="6"/>
+          </p:cNvCxnSpPr>
+          <p:nvPr/>
+        </p:nvCxnSpPr>
+        <p:spPr>
+          <a:xfrm flipH="1">
+            <a:off x="6609567" y="4441910"/>
+            <a:ext cx="791986" cy="797448"/>
+          </a:xfrm>
+          <a:prstGeom prst="line">
+            <a:avLst/>
+          </a:prstGeom>
+        </p:spPr>
+        <p:style>
+          <a:lnRef idx="3">
+            <a:schemeClr val="accent1"/>
+          </a:lnRef>
+          <a:fillRef idx="0">
+            <a:schemeClr val="accent1"/>
+          </a:fillRef>
+          <a:effectRef idx="2">
+            <a:schemeClr val="accent1"/>
+          </a:effectRef>
+          <a:fontRef idx="minor">
+            <a:schemeClr val="tx1"/>
+          </a:fontRef>
+        </p:style>
+      </p:cxnSp>
+      <p:sp>
+        <p:nvSpPr>
+          <p:cNvPr id="253" name="椭圆 252">
+            <a:extLst>
+              <a:ext uri="{FF2B5EF4-FFF2-40B4-BE49-F238E27FC236}">
+                <a16:creationId xmlns:a16="http://schemas.microsoft.com/office/drawing/2014/main" id="{9111157E-3E5B-2A47-AF39-0EDE9469FA9C}"/>
+              </a:ext>
+            </a:extLst>
+          </p:cNvPr>
+          <p:cNvSpPr/>
+          <p:nvPr/>
+        </p:nvSpPr>
+        <p:spPr>
+          <a:xfrm>
+            <a:off x="11351545" y="2013018"/>
+            <a:ext cx="522514" cy="534389"/>
+          </a:xfrm>
+          <a:prstGeom prst="ellipse">
+            <a:avLst/>
+          </a:prstGeom>
+        </p:spPr>
+        <p:style>
+          <a:lnRef idx="2">
+            <a:schemeClr val="accent1">
+              <a:shade val="50000"/>
+            </a:schemeClr>
+          </a:lnRef>
+          <a:fillRef idx="1">
+            <a:schemeClr val="accent1"/>
+          </a:fillRef>
+          <a:effectRef idx="0">
+            <a:schemeClr val="accent1"/>
+          </a:effectRef>
+          <a:fontRef idx="minor">
+            <a:schemeClr val="lt1"/>
+          </a:fontRef>
+        </p:style>
+        <p:txBody>
+          <a:bodyPr rtlCol="0" anchor="ctr"/>
+          <a:lstStyle/>
+          <a:p>
+            <a:pPr algn="ctr"/>
+            <a:r>
+              <a:rPr kumimoji="1" lang="en-US" altLang="zh-CN" dirty="0"/>
+              <a:t>C</a:t>
+            </a:r>
+            <a:endParaRPr kumimoji="1" lang="zh-CN" altLang="en-US" dirty="0"/>
+          </a:p>
+        </p:txBody>
+      </p:sp>
+      <p:sp>
+        <p:nvSpPr>
+          <p:cNvPr id="254" name="椭圆 253">
+            <a:extLst>
+              <a:ext uri="{FF2B5EF4-FFF2-40B4-BE49-F238E27FC236}">
+                <a16:creationId xmlns:a16="http://schemas.microsoft.com/office/drawing/2014/main" id="{313881C2-6D27-EC46-AE5B-8D0ED0312D5F}"/>
+              </a:ext>
+            </a:extLst>
+          </p:cNvPr>
+          <p:cNvSpPr/>
+          <p:nvPr/>
+        </p:nvSpPr>
+        <p:spPr>
+          <a:xfrm>
+            <a:off x="10087908" y="2999399"/>
+            <a:ext cx="522514" cy="534389"/>
+          </a:xfrm>
+          <a:prstGeom prst="ellipse">
+            <a:avLst/>
+          </a:prstGeom>
+        </p:spPr>
+        <p:style>
+          <a:lnRef idx="2">
+            <a:schemeClr val="accent1">
+              <a:shade val="50000"/>
+            </a:schemeClr>
+          </a:lnRef>
+          <a:fillRef idx="1">
+            <a:schemeClr val="accent1"/>
+          </a:fillRef>
+          <a:effectRef idx="0">
+            <a:schemeClr val="accent1"/>
+          </a:effectRef>
+          <a:fontRef idx="minor">
+            <a:schemeClr val="lt1"/>
+          </a:fontRef>
+        </p:style>
+        <p:txBody>
+          <a:bodyPr rtlCol="0" anchor="ctr"/>
+          <a:lstStyle/>
+          <a:p>
+            <a:pPr algn="ctr"/>
+            <a:r>
+              <a:rPr kumimoji="1" lang="en-US" altLang="zh-CN" dirty="0"/>
+              <a:t>F</a:t>
+            </a:r>
+            <a:endParaRPr kumimoji="1" lang="zh-CN" altLang="en-US" dirty="0"/>
+          </a:p>
+        </p:txBody>
+      </p:sp>
+      <p:sp>
+        <p:nvSpPr>
+          <p:cNvPr id="255" name="椭圆 254">
+            <a:extLst>
+              <a:ext uri="{FF2B5EF4-FFF2-40B4-BE49-F238E27FC236}">
+                <a16:creationId xmlns:a16="http://schemas.microsoft.com/office/drawing/2014/main" id="{CB2DB7DE-65F3-0441-95EC-7B3236470C41}"/>
+              </a:ext>
+            </a:extLst>
+          </p:cNvPr>
+          <p:cNvSpPr/>
+          <p:nvPr/>
+        </p:nvSpPr>
+        <p:spPr>
+          <a:xfrm>
+            <a:off x="8824270" y="2011547"/>
+            <a:ext cx="522514" cy="534389"/>
+          </a:xfrm>
+          <a:prstGeom prst="ellipse">
+            <a:avLst/>
+          </a:prstGeom>
+        </p:spPr>
+        <p:style>
+          <a:lnRef idx="2">
+            <a:schemeClr val="accent1">
+              <a:shade val="50000"/>
+            </a:schemeClr>
+          </a:lnRef>
+          <a:fillRef idx="1">
+            <a:schemeClr val="accent1"/>
+          </a:fillRef>
+          <a:effectRef idx="0">
+            <a:schemeClr val="accent1"/>
+          </a:effectRef>
+          <a:fontRef idx="minor">
+            <a:schemeClr val="lt1"/>
+          </a:fontRef>
+        </p:style>
+        <p:txBody>
+          <a:bodyPr rtlCol="0" anchor="ctr"/>
+          <a:lstStyle/>
+          <a:p>
+            <a:pPr algn="ctr"/>
+            <a:r>
+              <a:rPr kumimoji="1" lang="en-US" altLang="zh-CN" dirty="0"/>
+              <a:t>B</a:t>
+            </a:r>
+            <a:endParaRPr kumimoji="1" lang="zh-CN" altLang="en-US" dirty="0"/>
+          </a:p>
+        </p:txBody>
+      </p:sp>
+      <p:sp>
+        <p:nvSpPr>
+          <p:cNvPr id="256" name="椭圆 255">
+            <a:extLst>
+              <a:ext uri="{FF2B5EF4-FFF2-40B4-BE49-F238E27FC236}">
+                <a16:creationId xmlns:a16="http://schemas.microsoft.com/office/drawing/2014/main" id="{17B6DFBF-358A-5D4C-9789-27A34C9E73E9}"/>
+              </a:ext>
+            </a:extLst>
+          </p:cNvPr>
+          <p:cNvSpPr/>
+          <p:nvPr/>
+        </p:nvSpPr>
+        <p:spPr>
+          <a:xfrm>
+            <a:off x="11351545" y="3985780"/>
+            <a:ext cx="522514" cy="534389"/>
+          </a:xfrm>
+          <a:prstGeom prst="ellipse">
+            <a:avLst/>
+          </a:prstGeom>
+        </p:spPr>
+        <p:style>
+          <a:lnRef idx="2">
+            <a:schemeClr val="accent1">
+              <a:shade val="50000"/>
+            </a:schemeClr>
+          </a:lnRef>
+          <a:fillRef idx="1">
+            <a:schemeClr val="accent1"/>
+          </a:fillRef>
+          <a:effectRef idx="0">
+            <a:schemeClr val="accent1"/>
+          </a:effectRef>
+          <a:fontRef idx="minor">
+            <a:schemeClr val="lt1"/>
+          </a:fontRef>
+        </p:style>
+        <p:txBody>
+          <a:bodyPr rtlCol="0" anchor="ctr"/>
+          <a:lstStyle/>
+          <a:p>
+            <a:pPr algn="ctr"/>
+            <a:r>
+              <a:rPr kumimoji="1" lang="en-US" altLang="zh-CN" dirty="0"/>
+              <a:t>E</a:t>
+            </a:r>
+            <a:endParaRPr kumimoji="1" lang="zh-CN" altLang="en-US" dirty="0"/>
+          </a:p>
+        </p:txBody>
+      </p:sp>
+      <p:sp>
+        <p:nvSpPr>
+          <p:cNvPr id="257" name="椭圆 256">
+            <a:extLst>
+              <a:ext uri="{FF2B5EF4-FFF2-40B4-BE49-F238E27FC236}">
+                <a16:creationId xmlns:a16="http://schemas.microsoft.com/office/drawing/2014/main" id="{0DB5D9E0-F4AE-7D40-A4E5-DF55632BF7C1}"/>
+              </a:ext>
+            </a:extLst>
+          </p:cNvPr>
+          <p:cNvSpPr/>
+          <p:nvPr/>
+        </p:nvSpPr>
+        <p:spPr>
+          <a:xfrm>
+            <a:off x="8824270" y="3985781"/>
+            <a:ext cx="522514" cy="534389"/>
+          </a:xfrm>
+          <a:prstGeom prst="ellipse">
+            <a:avLst/>
+          </a:prstGeom>
+        </p:spPr>
+        <p:style>
+          <a:lnRef idx="2">
+            <a:schemeClr val="accent1">
+              <a:shade val="50000"/>
+            </a:schemeClr>
+          </a:lnRef>
+          <a:fillRef idx="1">
+            <a:schemeClr val="accent1"/>
+          </a:fillRef>
+          <a:effectRef idx="0">
+            <a:schemeClr val="accent1"/>
+          </a:effectRef>
+          <a:fontRef idx="minor">
+            <a:schemeClr val="lt1"/>
+          </a:fontRef>
+        </p:style>
+        <p:txBody>
+          <a:bodyPr rtlCol="0" anchor="ctr"/>
+          <a:lstStyle/>
+          <a:p>
+            <a:pPr algn="ctr"/>
+            <a:r>
+              <a:rPr kumimoji="1" lang="en-US" altLang="zh-CN" dirty="0"/>
+              <a:t>D</a:t>
+            </a:r>
+            <a:endParaRPr kumimoji="1" lang="zh-CN" altLang="en-US" dirty="0"/>
+          </a:p>
+        </p:txBody>
+      </p:sp>
+      <p:cxnSp>
+        <p:nvCxnSpPr>
+          <p:cNvPr id="258" name="直线连接符 257">
+            <a:extLst>
+              <a:ext uri="{FF2B5EF4-FFF2-40B4-BE49-F238E27FC236}">
+                <a16:creationId xmlns:a16="http://schemas.microsoft.com/office/drawing/2014/main" id="{A67AB43A-646A-7240-BAB3-65FF43AA9FE9}"/>
+              </a:ext>
+            </a:extLst>
+          </p:cNvPr>
+          <p:cNvCxnSpPr>
+            <a:cxnSpLocks/>
+            <a:stCxn id="253" idx="2"/>
+            <a:endCxn id="255" idx="6"/>
+          </p:cNvCxnSpPr>
+          <p:nvPr/>
+        </p:nvCxnSpPr>
+        <p:spPr>
+          <a:xfrm flipH="1" flipV="1">
+            <a:off x="9346784" y="2278742"/>
+            <a:ext cx="2004761" cy="1471"/>
+          </a:xfrm>
+          <a:prstGeom prst="line">
+            <a:avLst/>
+          </a:prstGeom>
+        </p:spPr>
+        <p:style>
+          <a:lnRef idx="3">
+            <a:schemeClr val="accent1"/>
+          </a:lnRef>
+          <a:fillRef idx="0">
+            <a:schemeClr val="accent1"/>
+          </a:fillRef>
+          <a:effectRef idx="2">
+            <a:schemeClr val="accent1"/>
+          </a:effectRef>
+          <a:fontRef idx="minor">
+            <a:schemeClr val="tx1"/>
+          </a:fontRef>
+        </p:style>
+      </p:cxnSp>
+      <p:cxnSp>
+        <p:nvCxnSpPr>
+          <p:cNvPr id="259" name="直线连接符 258">
+            <a:extLst>
+              <a:ext uri="{FF2B5EF4-FFF2-40B4-BE49-F238E27FC236}">
+                <a16:creationId xmlns:a16="http://schemas.microsoft.com/office/drawing/2014/main" id="{CC9B0E04-1FC0-B046-841B-CF9F552CD01F}"/>
+              </a:ext>
+            </a:extLst>
+          </p:cNvPr>
+          <p:cNvCxnSpPr>
+            <a:cxnSpLocks/>
+            <a:stCxn id="253" idx="3"/>
+            <a:endCxn id="254" idx="7"/>
+          </p:cNvCxnSpPr>
+          <p:nvPr/>
+        </p:nvCxnSpPr>
+        <p:spPr>
+          <a:xfrm flipH="1">
+            <a:off x="10533902" y="2469148"/>
+            <a:ext cx="894163" cy="608510"/>
+          </a:xfrm>
+          <a:prstGeom prst="line">
+            <a:avLst/>
+          </a:prstGeom>
+        </p:spPr>
+        <p:style>
+          <a:lnRef idx="3">
+            <a:schemeClr val="accent1"/>
+          </a:lnRef>
+          <a:fillRef idx="0">
+            <a:schemeClr val="accent1"/>
+          </a:fillRef>
+          <a:effectRef idx="2">
+            <a:schemeClr val="accent1"/>
+          </a:effectRef>
+          <a:fontRef idx="minor">
+            <a:schemeClr val="tx1"/>
+          </a:fontRef>
+        </p:style>
+      </p:cxnSp>
+      <p:cxnSp>
+        <p:nvCxnSpPr>
+          <p:cNvPr id="260" name="直线连接符 259">
+            <a:extLst>
+              <a:ext uri="{FF2B5EF4-FFF2-40B4-BE49-F238E27FC236}">
+                <a16:creationId xmlns:a16="http://schemas.microsoft.com/office/drawing/2014/main" id="{20A8AA28-B3E1-4740-BE77-76E98B56B5D9}"/>
+              </a:ext>
+            </a:extLst>
+          </p:cNvPr>
+          <p:cNvCxnSpPr>
+            <a:cxnSpLocks/>
+            <a:stCxn id="254" idx="1"/>
+            <a:endCxn id="255" idx="5"/>
+          </p:cNvCxnSpPr>
+          <p:nvPr/>
+        </p:nvCxnSpPr>
+        <p:spPr>
+          <a:xfrm flipH="1" flipV="1">
+            <a:off x="9270264" y="2467677"/>
+            <a:ext cx="894164" cy="609981"/>
+          </a:xfrm>
+          <a:prstGeom prst="line">
+            <a:avLst/>
+          </a:prstGeom>
+        </p:spPr>
+        <p:style>
+          <a:lnRef idx="3">
+            <a:schemeClr val="accent1"/>
+          </a:lnRef>
+          <a:fillRef idx="0">
+            <a:schemeClr val="accent1"/>
+          </a:fillRef>
+          <a:effectRef idx="2">
+            <a:schemeClr val="accent1"/>
+          </a:effectRef>
+          <a:fontRef idx="minor">
+            <a:schemeClr val="tx1"/>
+          </a:fontRef>
+        </p:style>
+      </p:cxnSp>
+      <p:cxnSp>
+        <p:nvCxnSpPr>
+          <p:cNvPr id="261" name="直线连接符 260">
+            <a:extLst>
+              <a:ext uri="{FF2B5EF4-FFF2-40B4-BE49-F238E27FC236}">
+                <a16:creationId xmlns:a16="http://schemas.microsoft.com/office/drawing/2014/main" id="{15729A70-D43E-5546-91F3-0B5633A91C5A}"/>
+              </a:ext>
+            </a:extLst>
+          </p:cNvPr>
+          <p:cNvCxnSpPr>
+            <a:cxnSpLocks/>
+            <a:stCxn id="254" idx="5"/>
+            <a:endCxn id="256" idx="1"/>
+          </p:cNvCxnSpPr>
+          <p:nvPr/>
+        </p:nvCxnSpPr>
+        <p:spPr>
+          <a:xfrm>
+            <a:off x="10533902" y="3455529"/>
+            <a:ext cx="894163" cy="608510"/>
+          </a:xfrm>
+          <a:prstGeom prst="line">
+            <a:avLst/>
+          </a:prstGeom>
+        </p:spPr>
+        <p:style>
+          <a:lnRef idx="3">
+            <a:schemeClr val="accent1"/>
+          </a:lnRef>
+          <a:fillRef idx="0">
+            <a:schemeClr val="accent1"/>
+          </a:fillRef>
+          <a:effectRef idx="2">
+            <a:schemeClr val="accent1"/>
+          </a:effectRef>
+          <a:fontRef idx="minor">
+            <a:schemeClr val="tx1"/>
+          </a:fontRef>
+        </p:style>
+      </p:cxnSp>
+      <p:cxnSp>
+        <p:nvCxnSpPr>
+          <p:cNvPr id="262" name="直线连接符 261">
+            <a:extLst>
+              <a:ext uri="{FF2B5EF4-FFF2-40B4-BE49-F238E27FC236}">
+                <a16:creationId xmlns:a16="http://schemas.microsoft.com/office/drawing/2014/main" id="{474FA64B-04F6-3541-9020-D653BEC8DF2E}"/>
+              </a:ext>
+            </a:extLst>
+          </p:cNvPr>
+          <p:cNvCxnSpPr>
+            <a:cxnSpLocks/>
+            <a:stCxn id="254" idx="3"/>
+            <a:endCxn id="257" idx="7"/>
+          </p:cNvCxnSpPr>
+          <p:nvPr/>
+        </p:nvCxnSpPr>
+        <p:spPr>
+          <a:xfrm flipH="1">
+            <a:off x="9270264" y="3455529"/>
+            <a:ext cx="894164" cy="608511"/>
+          </a:xfrm>
+          <a:prstGeom prst="line">
+            <a:avLst/>
+          </a:prstGeom>
+        </p:spPr>
+        <p:style>
+          <a:lnRef idx="3">
+            <a:schemeClr val="accent1"/>
+          </a:lnRef>
+          <a:fillRef idx="0">
+            <a:schemeClr val="accent1"/>
+          </a:fillRef>
+          <a:effectRef idx="2">
+            <a:schemeClr val="accent1"/>
+          </a:effectRef>
+          <a:fontRef idx="minor">
+            <a:schemeClr val="tx1"/>
+          </a:fontRef>
+        </p:style>
+      </p:cxnSp>
+      <p:cxnSp>
+        <p:nvCxnSpPr>
+          <p:cNvPr id="263" name="直线连接符 262">
+            <a:extLst>
+              <a:ext uri="{FF2B5EF4-FFF2-40B4-BE49-F238E27FC236}">
+                <a16:creationId xmlns:a16="http://schemas.microsoft.com/office/drawing/2014/main" id="{FBBFE206-2DB4-C848-846E-DF955D6C3B20}"/>
+              </a:ext>
+            </a:extLst>
+          </p:cNvPr>
+          <p:cNvCxnSpPr>
+            <a:cxnSpLocks/>
+            <a:stCxn id="255" idx="4"/>
+            <a:endCxn id="257" idx="0"/>
+          </p:cNvCxnSpPr>
+          <p:nvPr/>
+        </p:nvCxnSpPr>
+        <p:spPr>
+          <a:xfrm>
+            <a:off x="9085527" y="2545936"/>
+            <a:ext cx="0" cy="1439845"/>
+          </a:xfrm>
+          <a:prstGeom prst="line">
+            <a:avLst/>
+          </a:prstGeom>
+        </p:spPr>
+        <p:style>
+          <a:lnRef idx="3">
+            <a:schemeClr val="accent1"/>
+          </a:lnRef>
+          <a:fillRef idx="0">
+            <a:schemeClr val="accent1"/>
+          </a:fillRef>
+          <a:effectRef idx="2">
+            <a:schemeClr val="accent1"/>
+          </a:effectRef>
+          <a:fontRef idx="minor">
+            <a:schemeClr val="tx1"/>
+          </a:fontRef>
+        </p:style>
+      </p:cxnSp>
+      <p:cxnSp>
+        <p:nvCxnSpPr>
+          <p:cNvPr id="264" name="直线连接符 263">
+            <a:extLst>
+              <a:ext uri="{FF2B5EF4-FFF2-40B4-BE49-F238E27FC236}">
+                <a16:creationId xmlns:a16="http://schemas.microsoft.com/office/drawing/2014/main" id="{CE17C2DC-8E65-4649-BB1A-A260BEBDBB91}"/>
+              </a:ext>
+            </a:extLst>
+          </p:cNvPr>
+          <p:cNvCxnSpPr>
+            <a:cxnSpLocks/>
+            <a:stCxn id="256" idx="2"/>
+            <a:endCxn id="257" idx="6"/>
+          </p:cNvCxnSpPr>
+          <p:nvPr/>
+        </p:nvCxnSpPr>
+        <p:spPr>
+          <a:xfrm flipH="1">
+            <a:off x="9346784" y="4252975"/>
+            <a:ext cx="2004761" cy="1"/>
+          </a:xfrm>
+          <a:prstGeom prst="line">
+            <a:avLst/>
+          </a:prstGeom>
+        </p:spPr>
+        <p:style>
+          <a:lnRef idx="3">
+            <a:schemeClr val="accent1"/>
+          </a:lnRef>
+          <a:fillRef idx="0">
+            <a:schemeClr val="accent1"/>
+          </a:fillRef>
+          <a:effectRef idx="2">
+            <a:schemeClr val="accent1"/>
+          </a:effectRef>
+          <a:fontRef idx="minor">
+            <a:schemeClr val="tx1"/>
+          </a:fontRef>
+        </p:style>
+      </p:cxnSp>
+      <p:cxnSp>
+        <p:nvCxnSpPr>
+          <p:cNvPr id="265" name="直线连接符 264">
+            <a:extLst>
+              <a:ext uri="{FF2B5EF4-FFF2-40B4-BE49-F238E27FC236}">
+                <a16:creationId xmlns:a16="http://schemas.microsoft.com/office/drawing/2014/main" id="{D24B9058-9748-1046-97CA-2C075F402CA9}"/>
+              </a:ext>
+            </a:extLst>
+          </p:cNvPr>
+          <p:cNvCxnSpPr>
+            <a:cxnSpLocks/>
+            <a:stCxn id="253" idx="4"/>
+            <a:endCxn id="256" idx="0"/>
+          </p:cNvCxnSpPr>
+          <p:nvPr/>
+        </p:nvCxnSpPr>
+        <p:spPr>
+          <a:xfrm>
+            <a:off x="11612802" y="2547407"/>
+            <a:ext cx="0" cy="1438373"/>
+          </a:xfrm>
+          <a:prstGeom prst="line">
+            <a:avLst/>
+          </a:prstGeom>
+        </p:spPr>
+        <p:style>
+          <a:lnRef idx="3">
+            <a:schemeClr val="accent1"/>
+          </a:lnRef>
+          <a:fillRef idx="0">
+            <a:schemeClr val="accent1"/>
+          </a:fillRef>
+          <a:effectRef idx="2">
+            <a:schemeClr val="accent1"/>
+          </a:effectRef>
+          <a:fontRef idx="minor">
+            <a:schemeClr val="tx1"/>
+          </a:fontRef>
+        </p:style>
+      </p:cxnSp>
+      <p:pic>
+        <p:nvPicPr>
+          <p:cNvPr id="267" name="图形 266" descr="复选标记">
+            <a:extLst>
+              <a:ext uri="{FF2B5EF4-FFF2-40B4-BE49-F238E27FC236}">
+                <a16:creationId xmlns:a16="http://schemas.microsoft.com/office/drawing/2014/main" id="{A6CD31D0-4BB8-1A4A-8A8A-3D3603E35989}"/>
+              </a:ext>
+            </a:extLst>
+          </p:cNvPr>
+          <p:cNvPicPr>
+            <a:picLocks noChangeAspect="1"/>
+          </p:cNvPicPr>
+          <p:nvPr/>
+        </p:nvPicPr>
+        <p:blipFill>
+          <a:blip r:embed="rId2">
+            <a:extLst>
+              <a:ext uri="{96DAC541-7B7A-43D3-8B79-37D633B846F1}">
+                <asvg:svgBlip xmlns:asvg="http://schemas.microsoft.com/office/drawing/2016/SVG/main" r:embed="rId3"/>
+              </a:ext>
+            </a:extLst>
+          </a:blip>
+          <a:stretch>
+            <a:fillRect/>
+          </a:stretch>
+        </p:blipFill>
+        <p:spPr>
+          <a:xfrm>
+            <a:off x="5891110" y="5695488"/>
+            <a:ext cx="914400" cy="914400"/>
+          </a:xfrm>
+          <a:prstGeom prst="rect">
+            <a:avLst/>
+          </a:prstGeom>
+        </p:spPr>
+      </p:pic>
+      <p:pic>
+        <p:nvPicPr>
+          <p:cNvPr id="269" name="图形 268" descr="关闭">
+            <a:extLst>
+              <a:ext uri="{FF2B5EF4-FFF2-40B4-BE49-F238E27FC236}">
+                <a16:creationId xmlns:a16="http://schemas.microsoft.com/office/drawing/2014/main" id="{3085555A-CA07-BD4D-B215-A125178A1750}"/>
+              </a:ext>
+            </a:extLst>
+          </p:cNvPr>
+          <p:cNvPicPr>
+            <a:picLocks noChangeAspect="1"/>
+          </p:cNvPicPr>
+          <p:nvPr/>
+        </p:nvPicPr>
+        <p:blipFill>
+          <a:blip r:embed="rId4">
+            <a:extLst>
+              <a:ext uri="{96DAC541-7B7A-43D3-8B79-37D633B846F1}">
+                <asvg:svgBlip xmlns:asvg="http://schemas.microsoft.com/office/drawing/2016/SVG/main" r:embed="rId5"/>
+              </a:ext>
+            </a:extLst>
+          </a:blip>
+          <a:stretch>
+            <a:fillRect/>
+          </a:stretch>
+        </p:blipFill>
+        <p:spPr>
+          <a:xfrm>
+            <a:off x="10164428" y="5699234"/>
+            <a:ext cx="914400" cy="914400"/>
+          </a:xfrm>
+          <a:prstGeom prst="rect">
+            <a:avLst/>
+          </a:prstGeom>
+        </p:spPr>
+      </p:pic>
+      <p:pic>
+        <p:nvPicPr>
+          <p:cNvPr id="270" name="图形 269" descr="复选标记">
+            <a:extLst>
+              <a:ext uri="{FF2B5EF4-FFF2-40B4-BE49-F238E27FC236}">
+                <a16:creationId xmlns:a16="http://schemas.microsoft.com/office/drawing/2014/main" id="{C210C239-690C-6F47-90FF-744772783CC2}"/>
+              </a:ext>
+            </a:extLst>
+          </p:cNvPr>
+          <p:cNvPicPr>
+            <a:picLocks noChangeAspect="1"/>
+          </p:cNvPicPr>
+          <p:nvPr/>
+        </p:nvPicPr>
+        <p:blipFill>
+          <a:blip r:embed="rId2">
+            <a:extLst>
+              <a:ext uri="{96DAC541-7B7A-43D3-8B79-37D633B846F1}">
+                <asvg:svgBlip xmlns:asvg="http://schemas.microsoft.com/office/drawing/2016/SVG/main" r:embed="rId3"/>
+              </a:ext>
+            </a:extLst>
+          </a:blip>
+          <a:stretch>
+            <a:fillRect/>
+          </a:stretch>
+        </p:blipFill>
+        <p:spPr>
+          <a:xfrm>
+            <a:off x="1755124" y="5695488"/>
+            <a:ext cx="914400" cy="914400"/>
+          </a:xfrm>
+          <a:prstGeom prst="rect">
+            <a:avLst/>
+          </a:prstGeom>
+        </p:spPr>
+      </p:pic>
     </p:spTree>
     <p:extLst>
       <p:ext uri="{BB962C8B-B14F-4D97-AF65-F5344CB8AC3E}">
@@ -8655,7 +10382,1556 @@
 </p:sld>
 </file>
 
-<file path=ppt/slides/slide6.xml><?xml version="1.0" encoding="utf-8"?>
+<file path=ppt/slides/slide7.xml><?xml version="1.0" encoding="utf-8"?>
+<p:sld xmlns:a="http://schemas.openxmlformats.org/drawingml/2006/main" xmlns:r="http://schemas.openxmlformats.org/officeDocument/2006/relationships" xmlns:p="http://schemas.openxmlformats.org/presentationml/2006/main">
+  <p:cSld>
+    <p:spTree>
+      <p:nvGrpSpPr>
+        <p:cNvPr id="1" name=""/>
+        <p:cNvGrpSpPr/>
+        <p:nvPr/>
+      </p:nvGrpSpPr>
+      <p:grpSpPr>
+        <a:xfrm>
+          <a:off x="0" y="0"/>
+          <a:ext cx="0" cy="0"/>
+          <a:chOff x="0" y="0"/>
+          <a:chExt cx="0" cy="0"/>
+        </a:xfrm>
+      </p:grpSpPr>
+      <p:sp>
+        <p:nvSpPr>
+          <p:cNvPr id="4" name="椭圆 3">
+            <a:extLst>
+              <a:ext uri="{FF2B5EF4-FFF2-40B4-BE49-F238E27FC236}">
+                <a16:creationId xmlns:a16="http://schemas.microsoft.com/office/drawing/2014/main" id="{DE70EE2F-EB0E-6F47-A6B1-2A297E2EE471}"/>
+              </a:ext>
+            </a:extLst>
+          </p:cNvPr>
+          <p:cNvSpPr/>
+          <p:nvPr/>
+        </p:nvSpPr>
+        <p:spPr>
+          <a:xfrm>
+            <a:off x="5834743" y="517744"/>
+            <a:ext cx="522514" cy="534389"/>
+          </a:xfrm>
+          <a:prstGeom prst="ellipse">
+            <a:avLst/>
+          </a:prstGeom>
+        </p:spPr>
+        <p:style>
+          <a:lnRef idx="2">
+            <a:schemeClr val="accent1">
+              <a:shade val="50000"/>
+            </a:schemeClr>
+          </a:lnRef>
+          <a:fillRef idx="1">
+            <a:schemeClr val="accent1"/>
+          </a:fillRef>
+          <a:effectRef idx="0">
+            <a:schemeClr val="accent1"/>
+          </a:effectRef>
+          <a:fontRef idx="minor">
+            <a:schemeClr val="lt1"/>
+          </a:fontRef>
+        </p:style>
+        <p:txBody>
+          <a:bodyPr rtlCol="0" anchor="ctr"/>
+          <a:lstStyle/>
+          <a:p>
+            <a:pPr algn="ctr"/>
+            <a:r>
+              <a:rPr kumimoji="1" lang="en-US" altLang="zh-CN" dirty="0"/>
+              <a:t>A</a:t>
+            </a:r>
+            <a:endParaRPr kumimoji="1" lang="zh-CN" altLang="en-US" dirty="0"/>
+          </a:p>
+        </p:txBody>
+      </p:sp>
+      <p:sp>
+        <p:nvSpPr>
+          <p:cNvPr id="7" name="椭圆 6">
+            <a:extLst>
+              <a:ext uri="{FF2B5EF4-FFF2-40B4-BE49-F238E27FC236}">
+                <a16:creationId xmlns:a16="http://schemas.microsoft.com/office/drawing/2014/main" id="{0BE1B618-A039-7545-B7E8-F5BF4144ACE5}"/>
+              </a:ext>
+            </a:extLst>
+          </p:cNvPr>
+          <p:cNvSpPr/>
+          <p:nvPr/>
+        </p:nvSpPr>
+        <p:spPr>
+          <a:xfrm>
+            <a:off x="1219620" y="1633000"/>
+            <a:ext cx="522514" cy="534389"/>
+          </a:xfrm>
+          <a:prstGeom prst="ellipse">
+            <a:avLst/>
+          </a:prstGeom>
+        </p:spPr>
+        <p:style>
+          <a:lnRef idx="2">
+            <a:schemeClr val="accent1">
+              <a:shade val="50000"/>
+            </a:schemeClr>
+          </a:lnRef>
+          <a:fillRef idx="1">
+            <a:schemeClr val="accent1"/>
+          </a:fillRef>
+          <a:effectRef idx="0">
+            <a:schemeClr val="accent1"/>
+          </a:effectRef>
+          <a:fontRef idx="minor">
+            <a:schemeClr val="lt1"/>
+          </a:fontRef>
+        </p:style>
+        <p:txBody>
+          <a:bodyPr rtlCol="0" anchor="ctr"/>
+          <a:lstStyle/>
+          <a:p>
+            <a:pPr algn="ctr"/>
+            <a:r>
+              <a:rPr kumimoji="1" lang="en-US" altLang="zh-CN" dirty="0"/>
+              <a:t>B</a:t>
+            </a:r>
+            <a:endParaRPr kumimoji="1" lang="zh-CN" altLang="en-US" dirty="0"/>
+          </a:p>
+        </p:txBody>
+      </p:sp>
+      <p:sp>
+        <p:nvSpPr>
+          <p:cNvPr id="9" name="椭圆 8">
+            <a:extLst>
+              <a:ext uri="{FF2B5EF4-FFF2-40B4-BE49-F238E27FC236}">
+                <a16:creationId xmlns:a16="http://schemas.microsoft.com/office/drawing/2014/main" id="{23C0A51A-3E8A-964F-9433-32D4EA9C2205}"/>
+              </a:ext>
+            </a:extLst>
+          </p:cNvPr>
+          <p:cNvSpPr/>
+          <p:nvPr/>
+        </p:nvSpPr>
+        <p:spPr>
+          <a:xfrm>
+            <a:off x="10927307" y="1633000"/>
+            <a:ext cx="522514" cy="534389"/>
+          </a:xfrm>
+          <a:prstGeom prst="ellipse">
+            <a:avLst/>
+          </a:prstGeom>
+        </p:spPr>
+        <p:style>
+          <a:lnRef idx="2">
+            <a:schemeClr val="accent1">
+              <a:shade val="50000"/>
+            </a:schemeClr>
+          </a:lnRef>
+          <a:fillRef idx="1">
+            <a:schemeClr val="accent1"/>
+          </a:fillRef>
+          <a:effectRef idx="0">
+            <a:schemeClr val="accent1"/>
+          </a:effectRef>
+          <a:fontRef idx="minor">
+            <a:schemeClr val="lt1"/>
+          </a:fontRef>
+        </p:style>
+        <p:txBody>
+          <a:bodyPr rtlCol="0" anchor="ctr"/>
+          <a:lstStyle/>
+          <a:p>
+            <a:pPr algn="ctr"/>
+            <a:r>
+              <a:rPr kumimoji="1" lang="en-US" altLang="zh-CN" dirty="0"/>
+              <a:t>E</a:t>
+            </a:r>
+            <a:endParaRPr kumimoji="1" lang="zh-CN" altLang="en-US" dirty="0"/>
+          </a:p>
+        </p:txBody>
+      </p:sp>
+      <p:sp>
+        <p:nvSpPr>
+          <p:cNvPr id="11" name="椭圆 10">
+            <a:extLst>
+              <a:ext uri="{FF2B5EF4-FFF2-40B4-BE49-F238E27FC236}">
+                <a16:creationId xmlns:a16="http://schemas.microsoft.com/office/drawing/2014/main" id="{3AF5C068-0B69-1D4B-9F60-CFCFF6CB7466}"/>
+              </a:ext>
+            </a:extLst>
+          </p:cNvPr>
+          <p:cNvSpPr/>
+          <p:nvPr/>
+        </p:nvSpPr>
+        <p:spPr>
+          <a:xfrm>
+            <a:off x="7532265" y="1633001"/>
+            <a:ext cx="522514" cy="534389"/>
+          </a:xfrm>
+          <a:prstGeom prst="ellipse">
+            <a:avLst/>
+          </a:prstGeom>
+        </p:spPr>
+        <p:style>
+          <a:lnRef idx="2">
+            <a:schemeClr val="accent1">
+              <a:shade val="50000"/>
+            </a:schemeClr>
+          </a:lnRef>
+          <a:fillRef idx="1">
+            <a:schemeClr val="accent1"/>
+          </a:fillRef>
+          <a:effectRef idx="0">
+            <a:schemeClr val="accent1"/>
+          </a:effectRef>
+          <a:fontRef idx="minor">
+            <a:schemeClr val="lt1"/>
+          </a:fontRef>
+        </p:style>
+        <p:txBody>
+          <a:bodyPr rtlCol="0" anchor="ctr"/>
+          <a:lstStyle/>
+          <a:p>
+            <a:pPr algn="ctr"/>
+            <a:r>
+              <a:rPr kumimoji="1" lang="en-US" altLang="zh-CN" dirty="0"/>
+              <a:t>D</a:t>
+            </a:r>
+            <a:endParaRPr kumimoji="1" lang="zh-CN" altLang="en-US" dirty="0"/>
+          </a:p>
+        </p:txBody>
+      </p:sp>
+      <p:sp>
+        <p:nvSpPr>
+          <p:cNvPr id="12" name="椭圆 11">
+            <a:extLst>
+              <a:ext uri="{FF2B5EF4-FFF2-40B4-BE49-F238E27FC236}">
+                <a16:creationId xmlns:a16="http://schemas.microsoft.com/office/drawing/2014/main" id="{DAFB89A5-7EFE-4E4D-BE77-6D4F3402771E}"/>
+              </a:ext>
+            </a:extLst>
+          </p:cNvPr>
+          <p:cNvSpPr/>
+          <p:nvPr/>
+        </p:nvSpPr>
+        <p:spPr>
+          <a:xfrm>
+            <a:off x="5659165" y="2831679"/>
+            <a:ext cx="522514" cy="534389"/>
+          </a:xfrm>
+          <a:prstGeom prst="ellipse">
+            <a:avLst/>
+          </a:prstGeom>
+        </p:spPr>
+        <p:style>
+          <a:lnRef idx="2">
+            <a:schemeClr val="accent1">
+              <a:shade val="50000"/>
+            </a:schemeClr>
+          </a:lnRef>
+          <a:fillRef idx="1">
+            <a:schemeClr val="accent1"/>
+          </a:fillRef>
+          <a:effectRef idx="0">
+            <a:schemeClr val="accent1"/>
+          </a:effectRef>
+          <a:fontRef idx="minor">
+            <a:schemeClr val="lt1"/>
+          </a:fontRef>
+        </p:style>
+        <p:txBody>
+          <a:bodyPr rtlCol="0" anchor="ctr"/>
+          <a:lstStyle/>
+          <a:p>
+            <a:pPr algn="ctr"/>
+            <a:r>
+              <a:rPr kumimoji="1" lang="en-US" altLang="zh-CN" dirty="0"/>
+              <a:t>G</a:t>
+            </a:r>
+            <a:endParaRPr kumimoji="1" lang="zh-CN" altLang="en-US" dirty="0"/>
+          </a:p>
+        </p:txBody>
+      </p:sp>
+      <p:sp>
+        <p:nvSpPr>
+          <p:cNvPr id="13" name="椭圆 12">
+            <a:extLst>
+              <a:ext uri="{FF2B5EF4-FFF2-40B4-BE49-F238E27FC236}">
+                <a16:creationId xmlns:a16="http://schemas.microsoft.com/office/drawing/2014/main" id="{CF61EFBE-36F5-264F-87D2-A9FAD406CE7B}"/>
+              </a:ext>
+            </a:extLst>
+          </p:cNvPr>
+          <p:cNvSpPr/>
+          <p:nvPr/>
+        </p:nvSpPr>
+        <p:spPr>
+          <a:xfrm>
+            <a:off x="2600788" y="2744397"/>
+            <a:ext cx="522514" cy="534389"/>
+          </a:xfrm>
+          <a:prstGeom prst="ellipse">
+            <a:avLst/>
+          </a:prstGeom>
+        </p:spPr>
+        <p:style>
+          <a:lnRef idx="2">
+            <a:schemeClr val="accent1">
+              <a:shade val="50000"/>
+            </a:schemeClr>
+          </a:lnRef>
+          <a:fillRef idx="1">
+            <a:schemeClr val="accent1"/>
+          </a:fillRef>
+          <a:effectRef idx="0">
+            <a:schemeClr val="accent1"/>
+          </a:effectRef>
+          <a:fontRef idx="minor">
+            <a:schemeClr val="lt1"/>
+          </a:fontRef>
+        </p:style>
+        <p:txBody>
+          <a:bodyPr rtlCol="0" anchor="ctr"/>
+          <a:lstStyle/>
+          <a:p>
+            <a:pPr algn="ctr"/>
+            <a:r>
+              <a:rPr kumimoji="1" lang="en-US" altLang="zh-CN" dirty="0"/>
+              <a:t>F</a:t>
+            </a:r>
+            <a:endParaRPr kumimoji="1" lang="zh-CN" altLang="en-US" dirty="0"/>
+          </a:p>
+        </p:txBody>
+      </p:sp>
+      <p:sp>
+        <p:nvSpPr>
+          <p:cNvPr id="14" name="椭圆 13">
+            <a:extLst>
+              <a:ext uri="{FF2B5EF4-FFF2-40B4-BE49-F238E27FC236}">
+                <a16:creationId xmlns:a16="http://schemas.microsoft.com/office/drawing/2014/main" id="{58F1C6F1-0C6F-5343-8966-C640056E7124}"/>
+              </a:ext>
+            </a:extLst>
+          </p:cNvPr>
+          <p:cNvSpPr/>
+          <p:nvPr/>
+        </p:nvSpPr>
+        <p:spPr>
+          <a:xfrm>
+            <a:off x="4137223" y="1633001"/>
+            <a:ext cx="522514" cy="534389"/>
+          </a:xfrm>
+          <a:prstGeom prst="ellipse">
+            <a:avLst/>
+          </a:prstGeom>
+        </p:spPr>
+        <p:style>
+          <a:lnRef idx="2">
+            <a:schemeClr val="accent1">
+              <a:shade val="50000"/>
+            </a:schemeClr>
+          </a:lnRef>
+          <a:fillRef idx="1">
+            <a:schemeClr val="accent1"/>
+          </a:fillRef>
+          <a:effectRef idx="0">
+            <a:schemeClr val="accent1"/>
+          </a:effectRef>
+          <a:fontRef idx="minor">
+            <a:schemeClr val="lt1"/>
+          </a:fontRef>
+        </p:style>
+        <p:txBody>
+          <a:bodyPr rtlCol="0" anchor="ctr"/>
+          <a:lstStyle/>
+          <a:p>
+            <a:pPr algn="ctr"/>
+            <a:r>
+              <a:rPr kumimoji="1" lang="en-US" altLang="zh-CN" dirty="0"/>
+              <a:t>C</a:t>
+            </a:r>
+            <a:endParaRPr kumimoji="1" lang="zh-CN" altLang="en-US" dirty="0"/>
+          </a:p>
+        </p:txBody>
+      </p:sp>
+      <p:sp>
+        <p:nvSpPr>
+          <p:cNvPr id="2" name="文本框 1">
+            <a:extLst>
+              <a:ext uri="{FF2B5EF4-FFF2-40B4-BE49-F238E27FC236}">
+                <a16:creationId xmlns:a16="http://schemas.microsoft.com/office/drawing/2014/main" id="{4B181367-25AF-0441-83B6-92CCC482EE53}"/>
+              </a:ext>
+            </a:extLst>
+          </p:cNvPr>
+          <p:cNvSpPr txBox="1"/>
+          <p:nvPr/>
+        </p:nvSpPr>
+        <p:spPr>
+          <a:xfrm>
+            <a:off x="213755" y="142504"/>
+            <a:ext cx="5028593" cy="369332"/>
+          </a:xfrm>
+          <a:prstGeom prst="rect">
+            <a:avLst/>
+          </a:prstGeom>
+          <a:noFill/>
+        </p:spPr>
+        <p:txBody>
+          <a:bodyPr wrap="square" rtlCol="0">
+            <a:spAutoFit/>
+          </a:bodyPr>
+          <a:lstStyle/>
+          <a:p>
+            <a:r>
+              <a:rPr kumimoji="1" lang="en-US" altLang="zh-CN" b="1" dirty="0">
+                <a:solidFill>
+                  <a:srgbClr val="0070C0"/>
+                </a:solidFill>
+              </a:rPr>
+              <a:t>Graph</a:t>
+            </a:r>
+            <a:r>
+              <a:rPr kumimoji="1" lang="en-US" altLang="zh-CN" dirty="0">
+                <a:solidFill>
+                  <a:srgbClr val="0070C0"/>
+                </a:solidFill>
+              </a:rPr>
+              <a:t>- Euler Circuits</a:t>
+            </a:r>
+          </a:p>
+        </p:txBody>
+      </p:sp>
+      <p:sp>
+        <p:nvSpPr>
+          <p:cNvPr id="33" name="文本框 32">
+            <a:extLst>
+              <a:ext uri="{FF2B5EF4-FFF2-40B4-BE49-F238E27FC236}">
+                <a16:creationId xmlns:a16="http://schemas.microsoft.com/office/drawing/2014/main" id="{09CBDA21-04B1-C84B-8BF2-ADAB7D7BFB6A}"/>
+              </a:ext>
+            </a:extLst>
+          </p:cNvPr>
+          <p:cNvSpPr txBox="1"/>
+          <p:nvPr/>
+        </p:nvSpPr>
+        <p:spPr>
+          <a:xfrm>
+            <a:off x="4560125" y="2375065"/>
+            <a:ext cx="184731" cy="369332"/>
+          </a:xfrm>
+          <a:prstGeom prst="rect">
+            <a:avLst/>
+          </a:prstGeom>
+          <a:noFill/>
+        </p:spPr>
+        <p:txBody>
+          <a:bodyPr wrap="none" rtlCol="0">
+            <a:spAutoFit/>
+          </a:bodyPr>
+          <a:lstStyle/>
+          <a:p>
+            <a:endParaRPr kumimoji="1" lang="zh-CN" altLang="en-US" dirty="0"/>
+          </a:p>
+        </p:txBody>
+      </p:sp>
+      <p:sp>
+        <p:nvSpPr>
+          <p:cNvPr id="78" name="椭圆 77">
+            <a:extLst>
+              <a:ext uri="{FF2B5EF4-FFF2-40B4-BE49-F238E27FC236}">
+                <a16:creationId xmlns:a16="http://schemas.microsoft.com/office/drawing/2014/main" id="{94F0DC91-B8C2-F645-BAF1-74B55F6D18EB}"/>
+              </a:ext>
+            </a:extLst>
+          </p:cNvPr>
+          <p:cNvSpPr/>
+          <p:nvPr/>
+        </p:nvSpPr>
+        <p:spPr>
+          <a:xfrm>
+            <a:off x="1219620" y="4072803"/>
+            <a:ext cx="522514" cy="534389"/>
+          </a:xfrm>
+          <a:prstGeom prst="ellipse">
+            <a:avLst/>
+          </a:prstGeom>
+        </p:spPr>
+        <p:style>
+          <a:lnRef idx="2">
+            <a:schemeClr val="accent1">
+              <a:shade val="50000"/>
+            </a:schemeClr>
+          </a:lnRef>
+          <a:fillRef idx="1">
+            <a:schemeClr val="accent1"/>
+          </a:fillRef>
+          <a:effectRef idx="0">
+            <a:schemeClr val="accent1"/>
+          </a:effectRef>
+          <a:fontRef idx="minor">
+            <a:schemeClr val="lt1"/>
+          </a:fontRef>
+        </p:style>
+        <p:txBody>
+          <a:bodyPr rtlCol="0" anchor="ctr"/>
+          <a:lstStyle/>
+          <a:p>
+            <a:pPr algn="ctr"/>
+            <a:r>
+              <a:rPr kumimoji="1" lang="en-US" altLang="zh-CN" dirty="0"/>
+              <a:t>H</a:t>
+            </a:r>
+            <a:endParaRPr kumimoji="1" lang="zh-CN" altLang="en-US" dirty="0"/>
+          </a:p>
+        </p:txBody>
+      </p:sp>
+      <p:sp>
+        <p:nvSpPr>
+          <p:cNvPr id="81" name="椭圆 80">
+            <a:extLst>
+              <a:ext uri="{FF2B5EF4-FFF2-40B4-BE49-F238E27FC236}">
+                <a16:creationId xmlns:a16="http://schemas.microsoft.com/office/drawing/2014/main" id="{F63FED62-3819-E546-A34A-C79DBC2D2D09}"/>
+              </a:ext>
+            </a:extLst>
+          </p:cNvPr>
+          <p:cNvSpPr/>
+          <p:nvPr/>
+        </p:nvSpPr>
+        <p:spPr>
+          <a:xfrm>
+            <a:off x="7547725" y="4072800"/>
+            <a:ext cx="522514" cy="534389"/>
+          </a:xfrm>
+          <a:prstGeom prst="ellipse">
+            <a:avLst/>
+          </a:prstGeom>
+        </p:spPr>
+        <p:style>
+          <a:lnRef idx="2">
+            <a:schemeClr val="accent1">
+              <a:shade val="50000"/>
+            </a:schemeClr>
+          </a:lnRef>
+          <a:fillRef idx="1">
+            <a:schemeClr val="accent1"/>
+          </a:fillRef>
+          <a:effectRef idx="0">
+            <a:schemeClr val="accent1"/>
+          </a:effectRef>
+          <a:fontRef idx="minor">
+            <a:schemeClr val="lt1"/>
+          </a:fontRef>
+        </p:style>
+        <p:txBody>
+          <a:bodyPr rtlCol="0" anchor="ctr"/>
+          <a:lstStyle/>
+          <a:p>
+            <a:pPr algn="ctr"/>
+            <a:r>
+              <a:rPr kumimoji="1" lang="en-US" altLang="zh-CN" dirty="0"/>
+              <a:t>J</a:t>
+            </a:r>
+            <a:endParaRPr kumimoji="1" lang="zh-CN" altLang="en-US" dirty="0"/>
+          </a:p>
+        </p:txBody>
+      </p:sp>
+      <p:sp>
+        <p:nvSpPr>
+          <p:cNvPr id="82" name="椭圆 81">
+            <a:extLst>
+              <a:ext uri="{FF2B5EF4-FFF2-40B4-BE49-F238E27FC236}">
+                <a16:creationId xmlns:a16="http://schemas.microsoft.com/office/drawing/2014/main" id="{47EE0488-AA7F-C64D-9A0E-FFD7BAFB7909}"/>
+              </a:ext>
+            </a:extLst>
+          </p:cNvPr>
+          <p:cNvSpPr/>
+          <p:nvPr/>
+        </p:nvSpPr>
+        <p:spPr>
+          <a:xfrm>
+            <a:off x="4137223" y="4072802"/>
+            <a:ext cx="522514" cy="534389"/>
+          </a:xfrm>
+          <a:prstGeom prst="ellipse">
+            <a:avLst/>
+          </a:prstGeom>
+        </p:spPr>
+        <p:style>
+          <a:lnRef idx="2">
+            <a:schemeClr val="accent1">
+              <a:shade val="50000"/>
+            </a:schemeClr>
+          </a:lnRef>
+          <a:fillRef idx="1">
+            <a:schemeClr val="accent1"/>
+          </a:fillRef>
+          <a:effectRef idx="0">
+            <a:schemeClr val="accent1"/>
+          </a:effectRef>
+          <a:fontRef idx="minor">
+            <a:schemeClr val="lt1"/>
+          </a:fontRef>
+        </p:style>
+        <p:txBody>
+          <a:bodyPr rtlCol="0" anchor="ctr"/>
+          <a:lstStyle/>
+          <a:p>
+            <a:pPr algn="ctr"/>
+            <a:r>
+              <a:rPr kumimoji="1" lang="en-US" altLang="zh-CN" dirty="0"/>
+              <a:t>I</a:t>
+            </a:r>
+            <a:endParaRPr kumimoji="1" lang="zh-CN" altLang="en-US" dirty="0"/>
+          </a:p>
+        </p:txBody>
+      </p:sp>
+      <p:sp>
+        <p:nvSpPr>
+          <p:cNvPr id="29" name="椭圆 28">
+            <a:extLst>
+              <a:ext uri="{FF2B5EF4-FFF2-40B4-BE49-F238E27FC236}">
+                <a16:creationId xmlns:a16="http://schemas.microsoft.com/office/drawing/2014/main" id="{A977F73F-8990-0740-B8B4-8E9AE392F534}"/>
+              </a:ext>
+            </a:extLst>
+          </p:cNvPr>
+          <p:cNvSpPr/>
+          <p:nvPr/>
+        </p:nvSpPr>
+        <p:spPr>
+          <a:xfrm>
+            <a:off x="10927307" y="4072800"/>
+            <a:ext cx="522514" cy="534389"/>
+          </a:xfrm>
+          <a:prstGeom prst="ellipse">
+            <a:avLst/>
+          </a:prstGeom>
+        </p:spPr>
+        <p:style>
+          <a:lnRef idx="2">
+            <a:schemeClr val="accent1">
+              <a:shade val="50000"/>
+            </a:schemeClr>
+          </a:lnRef>
+          <a:fillRef idx="1">
+            <a:schemeClr val="accent1"/>
+          </a:fillRef>
+          <a:effectRef idx="0">
+            <a:schemeClr val="accent1"/>
+          </a:effectRef>
+          <a:fontRef idx="minor">
+            <a:schemeClr val="lt1"/>
+          </a:fontRef>
+        </p:style>
+        <p:txBody>
+          <a:bodyPr rtlCol="0" anchor="ctr"/>
+          <a:lstStyle/>
+          <a:p>
+            <a:pPr algn="ctr"/>
+            <a:r>
+              <a:rPr kumimoji="1" lang="en-US" altLang="zh-CN" dirty="0"/>
+              <a:t>K</a:t>
+            </a:r>
+            <a:endParaRPr kumimoji="1" lang="zh-CN" altLang="en-US" dirty="0"/>
+          </a:p>
+        </p:txBody>
+      </p:sp>
+      <p:sp>
+        <p:nvSpPr>
+          <p:cNvPr id="30" name="椭圆 29">
+            <a:extLst>
+              <a:ext uri="{FF2B5EF4-FFF2-40B4-BE49-F238E27FC236}">
+                <a16:creationId xmlns:a16="http://schemas.microsoft.com/office/drawing/2014/main" id="{AD6F8B4D-CF75-864B-9B8A-B1BB291AA30E}"/>
+              </a:ext>
+            </a:extLst>
+          </p:cNvPr>
+          <p:cNvSpPr/>
+          <p:nvPr/>
+        </p:nvSpPr>
+        <p:spPr>
+          <a:xfrm>
+            <a:off x="5834743" y="5271478"/>
+            <a:ext cx="522514" cy="534389"/>
+          </a:xfrm>
+          <a:prstGeom prst="ellipse">
+            <a:avLst/>
+          </a:prstGeom>
+        </p:spPr>
+        <p:style>
+          <a:lnRef idx="2">
+            <a:schemeClr val="accent1">
+              <a:shade val="50000"/>
+            </a:schemeClr>
+          </a:lnRef>
+          <a:fillRef idx="1">
+            <a:schemeClr val="accent1"/>
+          </a:fillRef>
+          <a:effectRef idx="0">
+            <a:schemeClr val="accent1"/>
+          </a:effectRef>
+          <a:fontRef idx="minor">
+            <a:schemeClr val="lt1"/>
+          </a:fontRef>
+        </p:style>
+        <p:txBody>
+          <a:bodyPr rtlCol="0" anchor="ctr"/>
+          <a:lstStyle/>
+          <a:p>
+            <a:pPr algn="ctr"/>
+            <a:r>
+              <a:rPr kumimoji="1" lang="en-US" altLang="zh-CN" dirty="0"/>
+              <a:t>L</a:t>
+            </a:r>
+            <a:endParaRPr kumimoji="1" lang="zh-CN" altLang="en-US" dirty="0"/>
+          </a:p>
+        </p:txBody>
+      </p:sp>
+      <p:cxnSp>
+        <p:nvCxnSpPr>
+          <p:cNvPr id="6" name="直线连接符 5">
+            <a:extLst>
+              <a:ext uri="{FF2B5EF4-FFF2-40B4-BE49-F238E27FC236}">
+                <a16:creationId xmlns:a16="http://schemas.microsoft.com/office/drawing/2014/main" id="{6878C944-487D-4B46-9753-F4C6C239639F}"/>
+              </a:ext>
+            </a:extLst>
+          </p:cNvPr>
+          <p:cNvCxnSpPr>
+            <a:cxnSpLocks/>
+            <a:stCxn id="4" idx="3"/>
+            <a:endCxn id="14" idx="7"/>
+          </p:cNvCxnSpPr>
+          <p:nvPr/>
+        </p:nvCxnSpPr>
+        <p:spPr>
+          <a:xfrm flipH="1">
+            <a:off x="4583217" y="973874"/>
+            <a:ext cx="1328046" cy="737386"/>
+          </a:xfrm>
+          <a:prstGeom prst="line">
+            <a:avLst/>
+          </a:prstGeom>
+        </p:spPr>
+        <p:style>
+          <a:lnRef idx="3">
+            <a:schemeClr val="accent1"/>
+          </a:lnRef>
+          <a:fillRef idx="0">
+            <a:schemeClr val="accent1"/>
+          </a:fillRef>
+          <a:effectRef idx="2">
+            <a:schemeClr val="accent1"/>
+          </a:effectRef>
+          <a:fontRef idx="minor">
+            <a:schemeClr val="tx1"/>
+          </a:fontRef>
+        </p:style>
+      </p:cxnSp>
+      <p:cxnSp>
+        <p:nvCxnSpPr>
+          <p:cNvPr id="36" name="直线连接符 35">
+            <a:extLst>
+              <a:ext uri="{FF2B5EF4-FFF2-40B4-BE49-F238E27FC236}">
+                <a16:creationId xmlns:a16="http://schemas.microsoft.com/office/drawing/2014/main" id="{A0F31222-A43F-F342-B3F5-CC15778FD952}"/>
+              </a:ext>
+            </a:extLst>
+          </p:cNvPr>
+          <p:cNvCxnSpPr>
+            <a:cxnSpLocks/>
+            <a:stCxn id="4" idx="5"/>
+            <a:endCxn id="11" idx="1"/>
+          </p:cNvCxnSpPr>
+          <p:nvPr/>
+        </p:nvCxnSpPr>
+        <p:spPr>
+          <a:xfrm>
+            <a:off x="6280737" y="973874"/>
+            <a:ext cx="1328048" cy="737386"/>
+          </a:xfrm>
+          <a:prstGeom prst="line">
+            <a:avLst/>
+          </a:prstGeom>
+        </p:spPr>
+        <p:style>
+          <a:lnRef idx="3">
+            <a:schemeClr val="accent1"/>
+          </a:lnRef>
+          <a:fillRef idx="0">
+            <a:schemeClr val="accent1"/>
+          </a:fillRef>
+          <a:effectRef idx="2">
+            <a:schemeClr val="accent1"/>
+          </a:effectRef>
+          <a:fontRef idx="minor">
+            <a:schemeClr val="tx1"/>
+          </a:fontRef>
+        </p:style>
+      </p:cxnSp>
+      <p:cxnSp>
+        <p:nvCxnSpPr>
+          <p:cNvPr id="40" name="直线连接符 39">
+            <a:extLst>
+              <a:ext uri="{FF2B5EF4-FFF2-40B4-BE49-F238E27FC236}">
+                <a16:creationId xmlns:a16="http://schemas.microsoft.com/office/drawing/2014/main" id="{190C031C-6392-224C-AC95-148B32C78939}"/>
+              </a:ext>
+            </a:extLst>
+          </p:cNvPr>
+          <p:cNvCxnSpPr>
+            <a:cxnSpLocks/>
+            <a:stCxn id="11" idx="2"/>
+            <a:endCxn id="14" idx="6"/>
+          </p:cNvCxnSpPr>
+          <p:nvPr/>
+        </p:nvCxnSpPr>
+        <p:spPr>
+          <a:xfrm flipH="1">
+            <a:off x="4659737" y="1900196"/>
+            <a:ext cx="2872528" cy="0"/>
+          </a:xfrm>
+          <a:prstGeom prst="line">
+            <a:avLst/>
+          </a:prstGeom>
+        </p:spPr>
+        <p:style>
+          <a:lnRef idx="3">
+            <a:schemeClr val="accent1"/>
+          </a:lnRef>
+          <a:fillRef idx="0">
+            <a:schemeClr val="accent1"/>
+          </a:fillRef>
+          <a:effectRef idx="2">
+            <a:schemeClr val="accent1"/>
+          </a:effectRef>
+          <a:fontRef idx="minor">
+            <a:schemeClr val="tx1"/>
+          </a:fontRef>
+        </p:style>
+      </p:cxnSp>
+      <p:cxnSp>
+        <p:nvCxnSpPr>
+          <p:cNvPr id="42" name="直线连接符 41">
+            <a:extLst>
+              <a:ext uri="{FF2B5EF4-FFF2-40B4-BE49-F238E27FC236}">
+                <a16:creationId xmlns:a16="http://schemas.microsoft.com/office/drawing/2014/main" id="{71E19193-1C44-E443-953C-38DF10FE56D1}"/>
+              </a:ext>
+            </a:extLst>
+          </p:cNvPr>
+          <p:cNvCxnSpPr>
+            <a:cxnSpLocks/>
+            <a:stCxn id="7" idx="6"/>
+            <a:endCxn id="14" idx="2"/>
+          </p:cNvCxnSpPr>
+          <p:nvPr/>
+        </p:nvCxnSpPr>
+        <p:spPr>
+          <a:xfrm>
+            <a:off x="1742134" y="1900195"/>
+            <a:ext cx="2395089" cy="1"/>
+          </a:xfrm>
+          <a:prstGeom prst="line">
+            <a:avLst/>
+          </a:prstGeom>
+        </p:spPr>
+        <p:style>
+          <a:lnRef idx="3">
+            <a:schemeClr val="accent1"/>
+          </a:lnRef>
+          <a:fillRef idx="0">
+            <a:schemeClr val="accent1"/>
+          </a:fillRef>
+          <a:effectRef idx="2">
+            <a:schemeClr val="accent1"/>
+          </a:effectRef>
+          <a:fontRef idx="minor">
+            <a:schemeClr val="tx1"/>
+          </a:fontRef>
+        </p:style>
+      </p:cxnSp>
+      <p:cxnSp>
+        <p:nvCxnSpPr>
+          <p:cNvPr id="46" name="直线连接符 45">
+            <a:extLst>
+              <a:ext uri="{FF2B5EF4-FFF2-40B4-BE49-F238E27FC236}">
+                <a16:creationId xmlns:a16="http://schemas.microsoft.com/office/drawing/2014/main" id="{08BF1E1F-D5D3-F644-8AAA-6FE60BD6D374}"/>
+              </a:ext>
+            </a:extLst>
+          </p:cNvPr>
+          <p:cNvCxnSpPr>
+            <a:cxnSpLocks/>
+            <a:stCxn id="9" idx="2"/>
+            <a:endCxn id="11" idx="6"/>
+          </p:cNvCxnSpPr>
+          <p:nvPr/>
+        </p:nvCxnSpPr>
+        <p:spPr>
+          <a:xfrm flipH="1">
+            <a:off x="8054779" y="1900195"/>
+            <a:ext cx="2872528" cy="1"/>
+          </a:xfrm>
+          <a:prstGeom prst="line">
+            <a:avLst/>
+          </a:prstGeom>
+        </p:spPr>
+        <p:style>
+          <a:lnRef idx="3">
+            <a:schemeClr val="accent1"/>
+          </a:lnRef>
+          <a:fillRef idx="0">
+            <a:schemeClr val="accent1"/>
+          </a:fillRef>
+          <a:effectRef idx="2">
+            <a:schemeClr val="accent1"/>
+          </a:effectRef>
+          <a:fontRef idx="minor">
+            <a:schemeClr val="tx1"/>
+          </a:fontRef>
+        </p:style>
+      </p:cxnSp>
+      <p:cxnSp>
+        <p:nvCxnSpPr>
+          <p:cNvPr id="48" name="直线连接符 47">
+            <a:extLst>
+              <a:ext uri="{FF2B5EF4-FFF2-40B4-BE49-F238E27FC236}">
+                <a16:creationId xmlns:a16="http://schemas.microsoft.com/office/drawing/2014/main" id="{075D8F7B-AEB6-DD41-936E-D54F1F5E6513}"/>
+              </a:ext>
+            </a:extLst>
+          </p:cNvPr>
+          <p:cNvCxnSpPr>
+            <a:cxnSpLocks/>
+            <a:stCxn id="9" idx="3"/>
+            <a:endCxn id="81" idx="7"/>
+          </p:cNvCxnSpPr>
+          <p:nvPr/>
+        </p:nvCxnSpPr>
+        <p:spPr>
+          <a:xfrm flipH="1">
+            <a:off x="7993719" y="2089130"/>
+            <a:ext cx="3010108" cy="2061929"/>
+          </a:xfrm>
+          <a:prstGeom prst="line">
+            <a:avLst/>
+          </a:prstGeom>
+        </p:spPr>
+        <p:style>
+          <a:lnRef idx="3">
+            <a:schemeClr val="accent1"/>
+          </a:lnRef>
+          <a:fillRef idx="0">
+            <a:schemeClr val="accent1"/>
+          </a:fillRef>
+          <a:effectRef idx="2">
+            <a:schemeClr val="accent1"/>
+          </a:effectRef>
+          <a:fontRef idx="minor">
+            <a:schemeClr val="tx1"/>
+          </a:fontRef>
+        </p:style>
+      </p:cxnSp>
+      <p:cxnSp>
+        <p:nvCxnSpPr>
+          <p:cNvPr id="51" name="直线连接符 50">
+            <a:extLst>
+              <a:ext uri="{FF2B5EF4-FFF2-40B4-BE49-F238E27FC236}">
+                <a16:creationId xmlns:a16="http://schemas.microsoft.com/office/drawing/2014/main" id="{623A3189-B673-4040-ACB6-1E40EE2BDD4A}"/>
+              </a:ext>
+            </a:extLst>
+          </p:cNvPr>
+          <p:cNvCxnSpPr>
+            <a:cxnSpLocks/>
+            <a:stCxn id="11" idx="3"/>
+            <a:endCxn id="12" idx="7"/>
+          </p:cNvCxnSpPr>
+          <p:nvPr/>
+        </p:nvCxnSpPr>
+        <p:spPr>
+          <a:xfrm flipH="1">
+            <a:off x="6105159" y="2089131"/>
+            <a:ext cx="1503626" cy="820807"/>
+          </a:xfrm>
+          <a:prstGeom prst="line">
+            <a:avLst/>
+          </a:prstGeom>
+        </p:spPr>
+        <p:style>
+          <a:lnRef idx="3">
+            <a:schemeClr val="accent1"/>
+          </a:lnRef>
+          <a:fillRef idx="0">
+            <a:schemeClr val="accent1"/>
+          </a:fillRef>
+          <a:effectRef idx="2">
+            <a:schemeClr val="accent1"/>
+          </a:effectRef>
+          <a:fontRef idx="minor">
+            <a:schemeClr val="tx1"/>
+          </a:fontRef>
+        </p:style>
+      </p:cxnSp>
+      <p:cxnSp>
+        <p:nvCxnSpPr>
+          <p:cNvPr id="54" name="直线连接符 53">
+            <a:extLst>
+              <a:ext uri="{FF2B5EF4-FFF2-40B4-BE49-F238E27FC236}">
+                <a16:creationId xmlns:a16="http://schemas.microsoft.com/office/drawing/2014/main" id="{E79A2B24-619F-094A-A739-ECBB6E56303D}"/>
+              </a:ext>
+            </a:extLst>
+          </p:cNvPr>
+          <p:cNvCxnSpPr>
+            <a:cxnSpLocks/>
+            <a:stCxn id="12" idx="1"/>
+            <a:endCxn id="14" idx="5"/>
+          </p:cNvCxnSpPr>
+          <p:nvPr/>
+        </p:nvCxnSpPr>
+        <p:spPr>
+          <a:xfrm flipH="1" flipV="1">
+            <a:off x="4583217" y="2089131"/>
+            <a:ext cx="1152468" cy="820807"/>
+          </a:xfrm>
+          <a:prstGeom prst="line">
+            <a:avLst/>
+          </a:prstGeom>
+        </p:spPr>
+        <p:style>
+          <a:lnRef idx="3">
+            <a:schemeClr val="accent1"/>
+          </a:lnRef>
+          <a:fillRef idx="0">
+            <a:schemeClr val="accent1"/>
+          </a:fillRef>
+          <a:effectRef idx="2">
+            <a:schemeClr val="accent1"/>
+          </a:effectRef>
+          <a:fontRef idx="minor">
+            <a:schemeClr val="tx1"/>
+          </a:fontRef>
+        </p:style>
+      </p:cxnSp>
+      <p:cxnSp>
+        <p:nvCxnSpPr>
+          <p:cNvPr id="75" name="直线连接符 74">
+            <a:extLst>
+              <a:ext uri="{FF2B5EF4-FFF2-40B4-BE49-F238E27FC236}">
+                <a16:creationId xmlns:a16="http://schemas.microsoft.com/office/drawing/2014/main" id="{5025977E-6B6E-8D48-AC5A-3943BD997B58}"/>
+              </a:ext>
+            </a:extLst>
+          </p:cNvPr>
+          <p:cNvCxnSpPr>
+            <a:cxnSpLocks/>
+            <a:stCxn id="12" idx="5"/>
+            <a:endCxn id="81" idx="1"/>
+          </p:cNvCxnSpPr>
+          <p:nvPr/>
+        </p:nvCxnSpPr>
+        <p:spPr>
+          <a:xfrm>
+            <a:off x="6105159" y="3287809"/>
+            <a:ext cx="1519086" cy="863250"/>
+          </a:xfrm>
+          <a:prstGeom prst="line">
+            <a:avLst/>
+          </a:prstGeom>
+        </p:spPr>
+        <p:style>
+          <a:lnRef idx="3">
+            <a:schemeClr val="accent1"/>
+          </a:lnRef>
+          <a:fillRef idx="0">
+            <a:schemeClr val="accent1"/>
+          </a:fillRef>
+          <a:effectRef idx="2">
+            <a:schemeClr val="accent1"/>
+          </a:effectRef>
+          <a:fontRef idx="minor">
+            <a:schemeClr val="tx1"/>
+          </a:fontRef>
+        </p:style>
+      </p:cxnSp>
+      <p:cxnSp>
+        <p:nvCxnSpPr>
+          <p:cNvPr id="79" name="直线连接符 78">
+            <a:extLst>
+              <a:ext uri="{FF2B5EF4-FFF2-40B4-BE49-F238E27FC236}">
+                <a16:creationId xmlns:a16="http://schemas.microsoft.com/office/drawing/2014/main" id="{0992C402-37B0-DA47-8695-FC860BB807EC}"/>
+              </a:ext>
+            </a:extLst>
+          </p:cNvPr>
+          <p:cNvCxnSpPr>
+            <a:cxnSpLocks/>
+            <a:stCxn id="12" idx="3"/>
+            <a:endCxn id="82" idx="7"/>
+          </p:cNvCxnSpPr>
+          <p:nvPr/>
+        </p:nvCxnSpPr>
+        <p:spPr>
+          <a:xfrm flipH="1">
+            <a:off x="4583217" y="3287809"/>
+            <a:ext cx="1152468" cy="863252"/>
+          </a:xfrm>
+          <a:prstGeom prst="line">
+            <a:avLst/>
+          </a:prstGeom>
+        </p:spPr>
+        <p:style>
+          <a:lnRef idx="3">
+            <a:schemeClr val="accent1"/>
+          </a:lnRef>
+          <a:fillRef idx="0">
+            <a:schemeClr val="accent1"/>
+          </a:fillRef>
+          <a:effectRef idx="2">
+            <a:schemeClr val="accent1"/>
+          </a:effectRef>
+          <a:fontRef idx="minor">
+            <a:schemeClr val="tx1"/>
+          </a:fontRef>
+        </p:style>
+      </p:cxnSp>
+      <p:cxnSp>
+        <p:nvCxnSpPr>
+          <p:cNvPr id="110" name="直线连接符 109">
+            <a:extLst>
+              <a:ext uri="{FF2B5EF4-FFF2-40B4-BE49-F238E27FC236}">
+                <a16:creationId xmlns:a16="http://schemas.microsoft.com/office/drawing/2014/main" id="{1A768597-038C-EF4B-97F1-B635BAD0CBBD}"/>
+              </a:ext>
+            </a:extLst>
+          </p:cNvPr>
+          <p:cNvCxnSpPr>
+            <a:cxnSpLocks/>
+            <a:stCxn id="14" idx="4"/>
+            <a:endCxn id="82" idx="0"/>
+          </p:cNvCxnSpPr>
+          <p:nvPr/>
+        </p:nvCxnSpPr>
+        <p:spPr>
+          <a:xfrm>
+            <a:off x="4398480" y="2167390"/>
+            <a:ext cx="0" cy="1905412"/>
+          </a:xfrm>
+          <a:prstGeom prst="line">
+            <a:avLst/>
+          </a:prstGeom>
+        </p:spPr>
+        <p:style>
+          <a:lnRef idx="3">
+            <a:schemeClr val="accent1"/>
+          </a:lnRef>
+          <a:fillRef idx="0">
+            <a:schemeClr val="accent1"/>
+          </a:fillRef>
+          <a:effectRef idx="2">
+            <a:schemeClr val="accent1"/>
+          </a:effectRef>
+          <a:fontRef idx="minor">
+            <a:schemeClr val="tx1"/>
+          </a:fontRef>
+        </p:style>
+      </p:cxnSp>
+      <p:cxnSp>
+        <p:nvCxnSpPr>
+          <p:cNvPr id="113" name="直线连接符 112">
+            <a:extLst>
+              <a:ext uri="{FF2B5EF4-FFF2-40B4-BE49-F238E27FC236}">
+                <a16:creationId xmlns:a16="http://schemas.microsoft.com/office/drawing/2014/main" id="{98523A09-8626-9846-908C-7CC3362DDB5D}"/>
+              </a:ext>
+            </a:extLst>
+          </p:cNvPr>
+          <p:cNvCxnSpPr>
+            <a:cxnSpLocks/>
+            <a:stCxn id="13" idx="7"/>
+            <a:endCxn id="14" idx="3"/>
+          </p:cNvCxnSpPr>
+          <p:nvPr/>
+        </p:nvCxnSpPr>
+        <p:spPr>
+          <a:xfrm flipV="1">
+            <a:off x="3046782" y="2089131"/>
+            <a:ext cx="1166961" cy="733525"/>
+          </a:xfrm>
+          <a:prstGeom prst="line">
+            <a:avLst/>
+          </a:prstGeom>
+        </p:spPr>
+        <p:style>
+          <a:lnRef idx="3">
+            <a:schemeClr val="accent1"/>
+          </a:lnRef>
+          <a:fillRef idx="0">
+            <a:schemeClr val="accent1"/>
+          </a:fillRef>
+          <a:effectRef idx="2">
+            <a:schemeClr val="accent1"/>
+          </a:effectRef>
+          <a:fontRef idx="minor">
+            <a:schemeClr val="tx1"/>
+          </a:fontRef>
+        </p:style>
+      </p:cxnSp>
+      <p:cxnSp>
+        <p:nvCxnSpPr>
+          <p:cNvPr id="116" name="直线连接符 115">
+            <a:extLst>
+              <a:ext uri="{FF2B5EF4-FFF2-40B4-BE49-F238E27FC236}">
+                <a16:creationId xmlns:a16="http://schemas.microsoft.com/office/drawing/2014/main" id="{90A0F972-447E-A240-95A9-FAE10B48AB7C}"/>
+              </a:ext>
+            </a:extLst>
+          </p:cNvPr>
+          <p:cNvCxnSpPr>
+            <a:cxnSpLocks/>
+            <a:stCxn id="13" idx="5"/>
+            <a:endCxn id="82" idx="1"/>
+          </p:cNvCxnSpPr>
+          <p:nvPr/>
+        </p:nvCxnSpPr>
+        <p:spPr>
+          <a:xfrm>
+            <a:off x="3046782" y="3200527"/>
+            <a:ext cx="1166961" cy="950534"/>
+          </a:xfrm>
+          <a:prstGeom prst="line">
+            <a:avLst/>
+          </a:prstGeom>
+        </p:spPr>
+        <p:style>
+          <a:lnRef idx="3">
+            <a:schemeClr val="accent1"/>
+          </a:lnRef>
+          <a:fillRef idx="0">
+            <a:schemeClr val="accent1"/>
+          </a:fillRef>
+          <a:effectRef idx="2">
+            <a:schemeClr val="accent1"/>
+          </a:effectRef>
+          <a:fontRef idx="minor">
+            <a:schemeClr val="tx1"/>
+          </a:fontRef>
+        </p:style>
+      </p:cxnSp>
+      <p:cxnSp>
+        <p:nvCxnSpPr>
+          <p:cNvPr id="119" name="直线连接符 118">
+            <a:extLst>
+              <a:ext uri="{FF2B5EF4-FFF2-40B4-BE49-F238E27FC236}">
+                <a16:creationId xmlns:a16="http://schemas.microsoft.com/office/drawing/2014/main" id="{751F48BE-0D2C-5A4F-982C-30789170C846}"/>
+              </a:ext>
+            </a:extLst>
+          </p:cNvPr>
+          <p:cNvCxnSpPr>
+            <a:cxnSpLocks/>
+            <a:stCxn id="7" idx="4"/>
+            <a:endCxn id="78" idx="0"/>
+          </p:cNvCxnSpPr>
+          <p:nvPr/>
+        </p:nvCxnSpPr>
+        <p:spPr>
+          <a:xfrm>
+            <a:off x="1480877" y="2167389"/>
+            <a:ext cx="0" cy="1905414"/>
+          </a:xfrm>
+          <a:prstGeom prst="line">
+            <a:avLst/>
+          </a:prstGeom>
+        </p:spPr>
+        <p:style>
+          <a:lnRef idx="3">
+            <a:schemeClr val="accent1"/>
+          </a:lnRef>
+          <a:fillRef idx="0">
+            <a:schemeClr val="accent1"/>
+          </a:fillRef>
+          <a:effectRef idx="2">
+            <a:schemeClr val="accent1"/>
+          </a:effectRef>
+          <a:fontRef idx="minor">
+            <a:schemeClr val="tx1"/>
+          </a:fontRef>
+        </p:style>
+      </p:cxnSp>
+      <p:cxnSp>
+        <p:nvCxnSpPr>
+          <p:cNvPr id="122" name="直线连接符 121">
+            <a:extLst>
+              <a:ext uri="{FF2B5EF4-FFF2-40B4-BE49-F238E27FC236}">
+                <a16:creationId xmlns:a16="http://schemas.microsoft.com/office/drawing/2014/main" id="{6D6157A5-D18E-0D4F-ABB4-307C1209FC3B}"/>
+              </a:ext>
+            </a:extLst>
+          </p:cNvPr>
+          <p:cNvCxnSpPr>
+            <a:cxnSpLocks/>
+            <a:stCxn id="81" idx="2"/>
+            <a:endCxn id="82" idx="6"/>
+          </p:cNvCxnSpPr>
+          <p:nvPr/>
+        </p:nvCxnSpPr>
+        <p:spPr>
+          <a:xfrm flipH="1">
+            <a:off x="4659737" y="4339995"/>
+            <a:ext cx="2887988" cy="2"/>
+          </a:xfrm>
+          <a:prstGeom prst="line">
+            <a:avLst/>
+          </a:prstGeom>
+        </p:spPr>
+        <p:style>
+          <a:lnRef idx="3">
+            <a:schemeClr val="accent1"/>
+          </a:lnRef>
+          <a:fillRef idx="0">
+            <a:schemeClr val="accent1"/>
+          </a:fillRef>
+          <a:effectRef idx="2">
+            <a:schemeClr val="accent1"/>
+          </a:effectRef>
+          <a:fontRef idx="minor">
+            <a:schemeClr val="tx1"/>
+          </a:fontRef>
+        </p:style>
+      </p:cxnSp>
+      <p:cxnSp>
+        <p:nvCxnSpPr>
+          <p:cNvPr id="125" name="直线连接符 124">
+            <a:extLst>
+              <a:ext uri="{FF2B5EF4-FFF2-40B4-BE49-F238E27FC236}">
+                <a16:creationId xmlns:a16="http://schemas.microsoft.com/office/drawing/2014/main" id="{FE8EA335-6ADF-A844-88DB-4716E8938C0D}"/>
+              </a:ext>
+            </a:extLst>
+          </p:cNvPr>
+          <p:cNvCxnSpPr>
+            <a:cxnSpLocks/>
+            <a:stCxn id="11" idx="4"/>
+            <a:endCxn id="81" idx="0"/>
+          </p:cNvCxnSpPr>
+          <p:nvPr/>
+        </p:nvCxnSpPr>
+        <p:spPr>
+          <a:xfrm>
+            <a:off x="7793522" y="2167390"/>
+            <a:ext cx="15460" cy="1905410"/>
+          </a:xfrm>
+          <a:prstGeom prst="line">
+            <a:avLst/>
+          </a:prstGeom>
+        </p:spPr>
+        <p:style>
+          <a:lnRef idx="3">
+            <a:schemeClr val="accent1"/>
+          </a:lnRef>
+          <a:fillRef idx="0">
+            <a:schemeClr val="accent1"/>
+          </a:fillRef>
+          <a:effectRef idx="2">
+            <a:schemeClr val="accent1"/>
+          </a:effectRef>
+          <a:fontRef idx="minor">
+            <a:schemeClr val="tx1"/>
+          </a:fontRef>
+        </p:style>
+      </p:cxnSp>
+      <p:cxnSp>
+        <p:nvCxnSpPr>
+          <p:cNvPr id="128" name="直线连接符 127">
+            <a:extLst>
+              <a:ext uri="{FF2B5EF4-FFF2-40B4-BE49-F238E27FC236}">
+                <a16:creationId xmlns:a16="http://schemas.microsoft.com/office/drawing/2014/main" id="{D5F68F89-F15B-D44E-9B13-2362105FBB11}"/>
+              </a:ext>
+            </a:extLst>
+          </p:cNvPr>
+          <p:cNvCxnSpPr>
+            <a:cxnSpLocks/>
+            <a:stCxn id="11" idx="5"/>
+            <a:endCxn id="29" idx="1"/>
+          </p:cNvCxnSpPr>
+          <p:nvPr/>
+        </p:nvCxnSpPr>
+        <p:spPr>
+          <a:xfrm>
+            <a:off x="7978259" y="2089131"/>
+            <a:ext cx="3025568" cy="2061928"/>
+          </a:xfrm>
+          <a:prstGeom prst="line">
+            <a:avLst/>
+          </a:prstGeom>
+        </p:spPr>
+        <p:style>
+          <a:lnRef idx="3">
+            <a:schemeClr val="accent1"/>
+          </a:lnRef>
+          <a:fillRef idx="0">
+            <a:schemeClr val="accent1"/>
+          </a:fillRef>
+          <a:effectRef idx="2">
+            <a:schemeClr val="accent1"/>
+          </a:effectRef>
+          <a:fontRef idx="minor">
+            <a:schemeClr val="tx1"/>
+          </a:fontRef>
+        </p:style>
+      </p:cxnSp>
+      <p:cxnSp>
+        <p:nvCxnSpPr>
+          <p:cNvPr id="131" name="直线连接符 130">
+            <a:extLst>
+              <a:ext uri="{FF2B5EF4-FFF2-40B4-BE49-F238E27FC236}">
+                <a16:creationId xmlns:a16="http://schemas.microsoft.com/office/drawing/2014/main" id="{944A2DA7-8D61-0D4C-AC35-D299445665DF}"/>
+              </a:ext>
+            </a:extLst>
+          </p:cNvPr>
+          <p:cNvCxnSpPr>
+            <a:cxnSpLocks/>
+            <a:stCxn id="81" idx="6"/>
+            <a:endCxn id="29" idx="2"/>
+          </p:cNvCxnSpPr>
+          <p:nvPr/>
+        </p:nvCxnSpPr>
+        <p:spPr>
+          <a:xfrm>
+            <a:off x="8070239" y="4339995"/>
+            <a:ext cx="2857068" cy="0"/>
+          </a:xfrm>
+          <a:prstGeom prst="line">
+            <a:avLst/>
+          </a:prstGeom>
+        </p:spPr>
+        <p:style>
+          <a:lnRef idx="3">
+            <a:schemeClr val="accent1"/>
+          </a:lnRef>
+          <a:fillRef idx="0">
+            <a:schemeClr val="accent1"/>
+          </a:fillRef>
+          <a:effectRef idx="2">
+            <a:schemeClr val="accent1"/>
+          </a:effectRef>
+          <a:fontRef idx="minor">
+            <a:schemeClr val="tx1"/>
+          </a:fontRef>
+        </p:style>
+      </p:cxnSp>
+      <p:cxnSp>
+        <p:nvCxnSpPr>
+          <p:cNvPr id="135" name="直线连接符 134">
+            <a:extLst>
+              <a:ext uri="{FF2B5EF4-FFF2-40B4-BE49-F238E27FC236}">
+                <a16:creationId xmlns:a16="http://schemas.microsoft.com/office/drawing/2014/main" id="{38786592-850F-8E41-BBB4-5A746C75836E}"/>
+              </a:ext>
+            </a:extLst>
+          </p:cNvPr>
+          <p:cNvCxnSpPr>
+            <a:cxnSpLocks/>
+            <a:stCxn id="82" idx="2"/>
+            <a:endCxn id="78" idx="6"/>
+          </p:cNvCxnSpPr>
+          <p:nvPr/>
+        </p:nvCxnSpPr>
+        <p:spPr>
+          <a:xfrm flipH="1">
+            <a:off x="1742134" y="4339997"/>
+            <a:ext cx="2395089" cy="1"/>
+          </a:xfrm>
+          <a:prstGeom prst="line">
+            <a:avLst/>
+          </a:prstGeom>
+        </p:spPr>
+        <p:style>
+          <a:lnRef idx="3">
+            <a:schemeClr val="accent1"/>
+          </a:lnRef>
+          <a:fillRef idx="0">
+            <a:schemeClr val="accent1"/>
+          </a:fillRef>
+          <a:effectRef idx="2">
+            <a:schemeClr val="accent1"/>
+          </a:effectRef>
+          <a:fontRef idx="minor">
+            <a:schemeClr val="tx1"/>
+          </a:fontRef>
+        </p:style>
+      </p:cxnSp>
+      <p:cxnSp>
+        <p:nvCxnSpPr>
+          <p:cNvPr id="138" name="直线连接符 137">
+            <a:extLst>
+              <a:ext uri="{FF2B5EF4-FFF2-40B4-BE49-F238E27FC236}">
+                <a16:creationId xmlns:a16="http://schemas.microsoft.com/office/drawing/2014/main" id="{F9ACD6A4-BEBB-FE4E-A1D2-5FE55FEABFDD}"/>
+              </a:ext>
+            </a:extLst>
+          </p:cNvPr>
+          <p:cNvCxnSpPr>
+            <a:cxnSpLocks/>
+            <a:stCxn id="30" idx="1"/>
+            <a:endCxn id="82" idx="5"/>
+          </p:cNvCxnSpPr>
+          <p:nvPr/>
+        </p:nvCxnSpPr>
+        <p:spPr>
+          <a:xfrm flipH="1" flipV="1">
+            <a:off x="4583217" y="4528932"/>
+            <a:ext cx="1328046" cy="820805"/>
+          </a:xfrm>
+          <a:prstGeom prst="line">
+            <a:avLst/>
+          </a:prstGeom>
+        </p:spPr>
+        <p:style>
+          <a:lnRef idx="3">
+            <a:schemeClr val="accent1"/>
+          </a:lnRef>
+          <a:fillRef idx="0">
+            <a:schemeClr val="accent1"/>
+          </a:fillRef>
+          <a:effectRef idx="2">
+            <a:schemeClr val="accent1"/>
+          </a:effectRef>
+          <a:fontRef idx="minor">
+            <a:schemeClr val="tx1"/>
+          </a:fontRef>
+        </p:style>
+      </p:cxnSp>
+      <p:cxnSp>
+        <p:nvCxnSpPr>
+          <p:cNvPr id="141" name="直线连接符 140">
+            <a:extLst>
+              <a:ext uri="{FF2B5EF4-FFF2-40B4-BE49-F238E27FC236}">
+                <a16:creationId xmlns:a16="http://schemas.microsoft.com/office/drawing/2014/main" id="{3B41DBB0-B3D0-B346-A812-FC2CEA9042B5}"/>
+              </a:ext>
+            </a:extLst>
+          </p:cNvPr>
+          <p:cNvCxnSpPr>
+            <a:cxnSpLocks/>
+            <a:stCxn id="81" idx="3"/>
+            <a:endCxn id="30" idx="7"/>
+          </p:cNvCxnSpPr>
+          <p:nvPr/>
+        </p:nvCxnSpPr>
+        <p:spPr>
+          <a:xfrm flipH="1">
+            <a:off x="6280737" y="4528930"/>
+            <a:ext cx="1343508" cy="820807"/>
+          </a:xfrm>
+          <a:prstGeom prst="line">
+            <a:avLst/>
+          </a:prstGeom>
+        </p:spPr>
+        <p:style>
+          <a:lnRef idx="3">
+            <a:schemeClr val="accent1"/>
+          </a:lnRef>
+          <a:fillRef idx="0">
+            <a:schemeClr val="accent1"/>
+          </a:fillRef>
+          <a:effectRef idx="2">
+            <a:schemeClr val="accent1"/>
+          </a:effectRef>
+          <a:fontRef idx="minor">
+            <a:schemeClr val="tx1"/>
+          </a:fontRef>
+        </p:style>
+      </p:cxnSp>
+    </p:spTree>
+    <p:extLst>
+      <p:ext uri="{BB962C8B-B14F-4D97-AF65-F5344CB8AC3E}">
+        <p14:creationId xmlns:p14="http://schemas.microsoft.com/office/powerpoint/2010/main" val="253190639"/>
+      </p:ext>
+    </p:extLst>
+  </p:cSld>
+  <p:clrMapOvr>
+    <a:masterClrMapping/>
+  </p:clrMapOvr>
+</p:sld>
+</file>
+
+<file path=ppt/slides/slide8.xml><?xml version="1.0" encoding="utf-8"?>
 <p:sld xmlns:a="http://schemas.openxmlformats.org/drawingml/2006/main" xmlns:r="http://schemas.openxmlformats.org/officeDocument/2006/relationships" xmlns:p="http://schemas.openxmlformats.org/presentationml/2006/main">
   <p:cSld>
     <p:spTree>

--- a/Assets/visualization.pptx
+++ b/Assets/visualization.pptx
@@ -13,6 +13,7 @@
     <p:sldId id="263" r:id="rId7"/>
     <p:sldId id="264" r:id="rId8"/>
     <p:sldId id="257" r:id="rId9"/>
+    <p:sldId id="266" r:id="rId10"/>
   </p:sldIdLst>
   <p:sldSz cx="12192000" cy="6858000"/>
   <p:notesSz cx="6858000" cy="9144000"/>
@@ -124,6 +125,7 @@
             <p14:sldId id="263"/>
             <p14:sldId id="264"/>
             <p14:sldId id="257"/>
+            <p14:sldId id="266"/>
           </p14:sldIdLst>
         </p14:section>
       </p14:sectionLst>
@@ -282,7 +284,7 @@
           <a:p>
             <a:fld id="{D548B4E7-F4DF-F444-89BE-160B951A6CB8}" type="datetimeFigureOut">
               <a:rPr kumimoji="1" lang="zh-CN" altLang="en-US" smtClean="0"/>
-              <a:t>2020/12/2</a:t>
+              <a:t>2020/12/8</a:t>
             </a:fld>
             <a:endParaRPr kumimoji="1" lang="zh-CN" altLang="en-US"/>
           </a:p>
@@ -480,7 +482,7 @@
           <a:p>
             <a:fld id="{D548B4E7-F4DF-F444-89BE-160B951A6CB8}" type="datetimeFigureOut">
               <a:rPr kumimoji="1" lang="zh-CN" altLang="en-US" smtClean="0"/>
-              <a:t>2020/12/2</a:t>
+              <a:t>2020/12/8</a:t>
             </a:fld>
             <a:endParaRPr kumimoji="1" lang="zh-CN" altLang="en-US"/>
           </a:p>
@@ -688,7 +690,7 @@
           <a:p>
             <a:fld id="{D548B4E7-F4DF-F444-89BE-160B951A6CB8}" type="datetimeFigureOut">
               <a:rPr kumimoji="1" lang="zh-CN" altLang="en-US" smtClean="0"/>
-              <a:t>2020/12/2</a:t>
+              <a:t>2020/12/8</a:t>
             </a:fld>
             <a:endParaRPr kumimoji="1" lang="zh-CN" altLang="en-US"/>
           </a:p>
@@ -886,7 +888,7 @@
           <a:p>
             <a:fld id="{D548B4E7-F4DF-F444-89BE-160B951A6CB8}" type="datetimeFigureOut">
               <a:rPr kumimoji="1" lang="zh-CN" altLang="en-US" smtClean="0"/>
-              <a:t>2020/12/2</a:t>
+              <a:t>2020/12/8</a:t>
             </a:fld>
             <a:endParaRPr kumimoji="1" lang="zh-CN" altLang="en-US"/>
           </a:p>
@@ -1161,7 +1163,7 @@
           <a:p>
             <a:fld id="{D548B4E7-F4DF-F444-89BE-160B951A6CB8}" type="datetimeFigureOut">
               <a:rPr kumimoji="1" lang="zh-CN" altLang="en-US" smtClean="0"/>
-              <a:t>2020/12/2</a:t>
+              <a:t>2020/12/8</a:t>
             </a:fld>
             <a:endParaRPr kumimoji="1" lang="zh-CN" altLang="en-US"/>
           </a:p>
@@ -1426,7 +1428,7 @@
           <a:p>
             <a:fld id="{D548B4E7-F4DF-F444-89BE-160B951A6CB8}" type="datetimeFigureOut">
               <a:rPr kumimoji="1" lang="zh-CN" altLang="en-US" smtClean="0"/>
-              <a:t>2020/12/2</a:t>
+              <a:t>2020/12/8</a:t>
             </a:fld>
             <a:endParaRPr kumimoji="1" lang="zh-CN" altLang="en-US"/>
           </a:p>
@@ -1838,7 +1840,7 @@
           <a:p>
             <a:fld id="{D548B4E7-F4DF-F444-89BE-160B951A6CB8}" type="datetimeFigureOut">
               <a:rPr kumimoji="1" lang="zh-CN" altLang="en-US" smtClean="0"/>
-              <a:t>2020/12/2</a:t>
+              <a:t>2020/12/8</a:t>
             </a:fld>
             <a:endParaRPr kumimoji="1" lang="zh-CN" altLang="en-US"/>
           </a:p>
@@ -1994,7 +1996,7 @@
           <a:p>
             <a:fld id="{D548B4E7-F4DF-F444-89BE-160B951A6CB8}" type="datetimeFigureOut">
               <a:rPr kumimoji="1" lang="zh-CN" altLang="en-US" smtClean="0"/>
-              <a:t>2020/12/2</a:t>
+              <a:t>2020/12/8</a:t>
             </a:fld>
             <a:endParaRPr kumimoji="1" lang="zh-CN" altLang="en-US"/>
           </a:p>
@@ -2107,7 +2109,7 @@
           <a:p>
             <a:fld id="{D548B4E7-F4DF-F444-89BE-160B951A6CB8}" type="datetimeFigureOut">
               <a:rPr kumimoji="1" lang="zh-CN" altLang="en-US" smtClean="0"/>
-              <a:t>2020/12/2</a:t>
+              <a:t>2020/12/8</a:t>
             </a:fld>
             <a:endParaRPr kumimoji="1" lang="zh-CN" altLang="en-US"/>
           </a:p>
@@ -2418,7 +2420,7 @@
           <a:p>
             <a:fld id="{D548B4E7-F4DF-F444-89BE-160B951A6CB8}" type="datetimeFigureOut">
               <a:rPr kumimoji="1" lang="zh-CN" altLang="en-US" smtClean="0"/>
-              <a:t>2020/12/2</a:t>
+              <a:t>2020/12/8</a:t>
             </a:fld>
             <a:endParaRPr kumimoji="1" lang="zh-CN" altLang="en-US"/>
           </a:p>
@@ -2706,7 +2708,7 @@
           <a:p>
             <a:fld id="{D548B4E7-F4DF-F444-89BE-160B951A6CB8}" type="datetimeFigureOut">
               <a:rPr kumimoji="1" lang="zh-CN" altLang="en-US" smtClean="0"/>
-              <a:t>2020/12/2</a:t>
+              <a:t>2020/12/8</a:t>
             </a:fld>
             <a:endParaRPr kumimoji="1" lang="zh-CN" altLang="en-US"/>
           </a:p>
@@ -2940,7 +2942,7 @@
           <a:p>
             <a:fld id="{D548B4E7-F4DF-F444-89BE-160B951A6CB8}" type="datetimeFigureOut">
               <a:rPr kumimoji="1" lang="zh-CN" altLang="en-US" smtClean="0"/>
-              <a:t>2020/12/2</a:t>
+              <a:t>2020/12/8</a:t>
             </a:fld>
             <a:endParaRPr kumimoji="1" lang="zh-CN" altLang="en-US"/>
           </a:p>
@@ -13190,6 +13192,1307 @@
 </p:sld>
 </file>
 
+<file path=ppt/slides/slide9.xml><?xml version="1.0" encoding="utf-8"?>
+<p:sld xmlns:a="http://schemas.openxmlformats.org/drawingml/2006/main" xmlns:r="http://schemas.openxmlformats.org/officeDocument/2006/relationships" xmlns:p="http://schemas.openxmlformats.org/presentationml/2006/main">
+  <p:cSld>
+    <p:spTree>
+      <p:nvGrpSpPr>
+        <p:cNvPr id="1" name=""/>
+        <p:cNvGrpSpPr/>
+        <p:nvPr/>
+      </p:nvGrpSpPr>
+      <p:grpSpPr>
+        <a:xfrm>
+          <a:off x="0" y="0"/>
+          <a:ext cx="0" cy="0"/>
+          <a:chOff x="0" y="0"/>
+          <a:chExt cx="0" cy="0"/>
+        </a:xfrm>
+      </p:grpSpPr>
+      <p:sp>
+        <p:nvSpPr>
+          <p:cNvPr id="4" name="椭圆 3">
+            <a:extLst>
+              <a:ext uri="{FF2B5EF4-FFF2-40B4-BE49-F238E27FC236}">
+                <a16:creationId xmlns:a16="http://schemas.microsoft.com/office/drawing/2014/main" id="{DE70EE2F-EB0E-6F47-A6B1-2A297E2EE471}"/>
+              </a:ext>
+            </a:extLst>
+          </p:cNvPr>
+          <p:cNvSpPr/>
+          <p:nvPr/>
+        </p:nvSpPr>
+        <p:spPr>
+          <a:xfrm>
+            <a:off x="2466794" y="1268853"/>
+            <a:ext cx="522514" cy="534389"/>
+          </a:xfrm>
+          <a:prstGeom prst="ellipse">
+            <a:avLst/>
+          </a:prstGeom>
+        </p:spPr>
+        <p:style>
+          <a:lnRef idx="2">
+            <a:schemeClr val="accent1">
+              <a:shade val="50000"/>
+            </a:schemeClr>
+          </a:lnRef>
+          <a:fillRef idx="1">
+            <a:schemeClr val="accent1"/>
+          </a:fillRef>
+          <a:effectRef idx="0">
+            <a:schemeClr val="accent1"/>
+          </a:effectRef>
+          <a:fontRef idx="minor">
+            <a:schemeClr val="lt1"/>
+          </a:fontRef>
+        </p:style>
+        <p:txBody>
+          <a:bodyPr rtlCol="0" anchor="ctr"/>
+          <a:lstStyle/>
+          <a:p>
+            <a:pPr algn="ctr"/>
+            <a:r>
+              <a:rPr kumimoji="1" lang="en-US" altLang="zh-CN" dirty="0"/>
+              <a:t>A</a:t>
+            </a:r>
+            <a:endParaRPr kumimoji="1" lang="zh-CN" altLang="en-US" dirty="0"/>
+          </a:p>
+        </p:txBody>
+      </p:sp>
+      <p:sp>
+        <p:nvSpPr>
+          <p:cNvPr id="7" name="椭圆 6">
+            <a:extLst>
+              <a:ext uri="{FF2B5EF4-FFF2-40B4-BE49-F238E27FC236}">
+                <a16:creationId xmlns:a16="http://schemas.microsoft.com/office/drawing/2014/main" id="{0BE1B618-A039-7545-B7E8-F5BF4144ACE5}"/>
+              </a:ext>
+            </a:extLst>
+          </p:cNvPr>
+          <p:cNvSpPr/>
+          <p:nvPr/>
+        </p:nvSpPr>
+        <p:spPr>
+          <a:xfrm>
+            <a:off x="4453804" y="1289894"/>
+            <a:ext cx="522514" cy="534389"/>
+          </a:xfrm>
+          <a:prstGeom prst="ellipse">
+            <a:avLst/>
+          </a:prstGeom>
+        </p:spPr>
+        <p:style>
+          <a:lnRef idx="2">
+            <a:schemeClr val="accent1">
+              <a:shade val="50000"/>
+            </a:schemeClr>
+          </a:lnRef>
+          <a:fillRef idx="1">
+            <a:schemeClr val="accent1"/>
+          </a:fillRef>
+          <a:effectRef idx="0">
+            <a:schemeClr val="accent1"/>
+          </a:effectRef>
+          <a:fontRef idx="minor">
+            <a:schemeClr val="lt1"/>
+          </a:fontRef>
+        </p:style>
+        <p:txBody>
+          <a:bodyPr rtlCol="0" anchor="ctr"/>
+          <a:lstStyle/>
+          <a:p>
+            <a:pPr algn="ctr"/>
+            <a:r>
+              <a:rPr kumimoji="1" lang="en-US" altLang="zh-CN" dirty="0"/>
+              <a:t>B</a:t>
+            </a:r>
+            <a:endParaRPr kumimoji="1" lang="zh-CN" altLang="en-US" dirty="0"/>
+          </a:p>
+        </p:txBody>
+      </p:sp>
+      <p:sp>
+        <p:nvSpPr>
+          <p:cNvPr id="9" name="椭圆 8">
+            <a:extLst>
+              <a:ext uri="{FF2B5EF4-FFF2-40B4-BE49-F238E27FC236}">
+                <a16:creationId xmlns:a16="http://schemas.microsoft.com/office/drawing/2014/main" id="{23C0A51A-3E8A-964F-9433-32D4EA9C2205}"/>
+              </a:ext>
+            </a:extLst>
+          </p:cNvPr>
+          <p:cNvSpPr/>
+          <p:nvPr/>
+        </p:nvSpPr>
+        <p:spPr>
+          <a:xfrm>
+            <a:off x="2466794" y="4357333"/>
+            <a:ext cx="522514" cy="534389"/>
+          </a:xfrm>
+          <a:prstGeom prst="ellipse">
+            <a:avLst/>
+          </a:prstGeom>
+        </p:spPr>
+        <p:style>
+          <a:lnRef idx="2">
+            <a:schemeClr val="accent1">
+              <a:shade val="50000"/>
+            </a:schemeClr>
+          </a:lnRef>
+          <a:fillRef idx="1">
+            <a:schemeClr val="accent1"/>
+          </a:fillRef>
+          <a:effectRef idx="0">
+            <a:schemeClr val="accent1"/>
+          </a:effectRef>
+          <a:fontRef idx="minor">
+            <a:schemeClr val="lt1"/>
+          </a:fontRef>
+        </p:style>
+        <p:txBody>
+          <a:bodyPr rtlCol="0" anchor="ctr"/>
+          <a:lstStyle/>
+          <a:p>
+            <a:pPr algn="ctr"/>
+            <a:r>
+              <a:rPr kumimoji="1" lang="en-US" altLang="zh-CN" dirty="0"/>
+              <a:t>E</a:t>
+            </a:r>
+            <a:endParaRPr kumimoji="1" lang="zh-CN" altLang="en-US" dirty="0"/>
+          </a:p>
+        </p:txBody>
+      </p:sp>
+      <p:sp>
+        <p:nvSpPr>
+          <p:cNvPr id="11" name="椭圆 10">
+            <a:extLst>
+              <a:ext uri="{FF2B5EF4-FFF2-40B4-BE49-F238E27FC236}">
+                <a16:creationId xmlns:a16="http://schemas.microsoft.com/office/drawing/2014/main" id="{3AF5C068-0B69-1D4B-9F60-CFCFF6CB7466}"/>
+              </a:ext>
+            </a:extLst>
+          </p:cNvPr>
+          <p:cNvSpPr/>
+          <p:nvPr/>
+        </p:nvSpPr>
+        <p:spPr>
+          <a:xfrm>
+            <a:off x="2466794" y="2826546"/>
+            <a:ext cx="522514" cy="534389"/>
+          </a:xfrm>
+          <a:prstGeom prst="ellipse">
+            <a:avLst/>
+          </a:prstGeom>
+        </p:spPr>
+        <p:style>
+          <a:lnRef idx="2">
+            <a:schemeClr val="accent1">
+              <a:shade val="50000"/>
+            </a:schemeClr>
+          </a:lnRef>
+          <a:fillRef idx="1">
+            <a:schemeClr val="accent1"/>
+          </a:fillRef>
+          <a:effectRef idx="0">
+            <a:schemeClr val="accent1"/>
+          </a:effectRef>
+          <a:fontRef idx="minor">
+            <a:schemeClr val="lt1"/>
+          </a:fontRef>
+        </p:style>
+        <p:txBody>
+          <a:bodyPr rtlCol="0" anchor="ctr"/>
+          <a:lstStyle/>
+          <a:p>
+            <a:pPr algn="ctr"/>
+            <a:r>
+              <a:rPr kumimoji="1" lang="en-US" altLang="zh-CN" dirty="0"/>
+              <a:t>D</a:t>
+            </a:r>
+            <a:endParaRPr kumimoji="1" lang="zh-CN" altLang="en-US" dirty="0"/>
+          </a:p>
+        </p:txBody>
+      </p:sp>
+      <p:sp>
+        <p:nvSpPr>
+          <p:cNvPr id="12" name="椭圆 11">
+            <a:extLst>
+              <a:ext uri="{FF2B5EF4-FFF2-40B4-BE49-F238E27FC236}">
+                <a16:creationId xmlns:a16="http://schemas.microsoft.com/office/drawing/2014/main" id="{DAFB89A5-7EFE-4E4D-BE77-6D4F3402771E}"/>
+              </a:ext>
+            </a:extLst>
+          </p:cNvPr>
+          <p:cNvSpPr/>
+          <p:nvPr/>
+        </p:nvSpPr>
+        <p:spPr>
+          <a:xfrm>
+            <a:off x="7054826" y="1289894"/>
+            <a:ext cx="522514" cy="534389"/>
+          </a:xfrm>
+          <a:prstGeom prst="ellipse">
+            <a:avLst/>
+          </a:prstGeom>
+        </p:spPr>
+        <p:style>
+          <a:lnRef idx="2">
+            <a:schemeClr val="accent1">
+              <a:shade val="50000"/>
+            </a:schemeClr>
+          </a:lnRef>
+          <a:fillRef idx="1">
+            <a:schemeClr val="accent1"/>
+          </a:fillRef>
+          <a:effectRef idx="0">
+            <a:schemeClr val="accent1"/>
+          </a:effectRef>
+          <a:fontRef idx="minor">
+            <a:schemeClr val="lt1"/>
+          </a:fontRef>
+        </p:style>
+        <p:txBody>
+          <a:bodyPr rtlCol="0" anchor="ctr"/>
+          <a:lstStyle/>
+          <a:p>
+            <a:pPr algn="ctr"/>
+            <a:r>
+              <a:rPr kumimoji="1" lang="en-US" altLang="zh-CN" dirty="0"/>
+              <a:t>G</a:t>
+            </a:r>
+            <a:endParaRPr kumimoji="1" lang="zh-CN" altLang="en-US" dirty="0"/>
+          </a:p>
+        </p:txBody>
+      </p:sp>
+      <p:sp>
+        <p:nvSpPr>
+          <p:cNvPr id="13" name="椭圆 12">
+            <a:extLst>
+              <a:ext uri="{FF2B5EF4-FFF2-40B4-BE49-F238E27FC236}">
+                <a16:creationId xmlns:a16="http://schemas.microsoft.com/office/drawing/2014/main" id="{CF61EFBE-36F5-264F-87D2-A9FAD406CE7B}"/>
+              </a:ext>
+            </a:extLst>
+          </p:cNvPr>
+          <p:cNvSpPr/>
+          <p:nvPr/>
+        </p:nvSpPr>
+        <p:spPr>
+          <a:xfrm>
+            <a:off x="6179560" y="2816031"/>
+            <a:ext cx="522514" cy="534389"/>
+          </a:xfrm>
+          <a:prstGeom prst="ellipse">
+            <a:avLst/>
+          </a:prstGeom>
+        </p:spPr>
+        <p:style>
+          <a:lnRef idx="2">
+            <a:schemeClr val="accent1">
+              <a:shade val="50000"/>
+            </a:schemeClr>
+          </a:lnRef>
+          <a:fillRef idx="1">
+            <a:schemeClr val="accent1"/>
+          </a:fillRef>
+          <a:effectRef idx="0">
+            <a:schemeClr val="accent1"/>
+          </a:effectRef>
+          <a:fontRef idx="minor">
+            <a:schemeClr val="lt1"/>
+          </a:fontRef>
+        </p:style>
+        <p:txBody>
+          <a:bodyPr rtlCol="0" anchor="ctr"/>
+          <a:lstStyle/>
+          <a:p>
+            <a:pPr algn="ctr"/>
+            <a:r>
+              <a:rPr kumimoji="1" lang="en-US" altLang="zh-CN" dirty="0"/>
+              <a:t>F</a:t>
+            </a:r>
+            <a:endParaRPr kumimoji="1" lang="zh-CN" altLang="en-US" dirty="0"/>
+          </a:p>
+        </p:txBody>
+      </p:sp>
+      <p:sp>
+        <p:nvSpPr>
+          <p:cNvPr id="14" name="椭圆 13">
+            <a:extLst>
+              <a:ext uri="{FF2B5EF4-FFF2-40B4-BE49-F238E27FC236}">
+                <a16:creationId xmlns:a16="http://schemas.microsoft.com/office/drawing/2014/main" id="{58F1C6F1-0C6F-5343-8966-C640056E7124}"/>
+              </a:ext>
+            </a:extLst>
+          </p:cNvPr>
+          <p:cNvSpPr/>
+          <p:nvPr/>
+        </p:nvSpPr>
+        <p:spPr>
+          <a:xfrm>
+            <a:off x="4453805" y="2826546"/>
+            <a:ext cx="522514" cy="534389"/>
+          </a:xfrm>
+          <a:prstGeom prst="ellipse">
+            <a:avLst/>
+          </a:prstGeom>
+        </p:spPr>
+        <p:style>
+          <a:lnRef idx="2">
+            <a:schemeClr val="accent1">
+              <a:shade val="50000"/>
+            </a:schemeClr>
+          </a:lnRef>
+          <a:fillRef idx="1">
+            <a:schemeClr val="accent1"/>
+          </a:fillRef>
+          <a:effectRef idx="0">
+            <a:schemeClr val="accent1"/>
+          </a:effectRef>
+          <a:fontRef idx="minor">
+            <a:schemeClr val="lt1"/>
+          </a:fontRef>
+        </p:style>
+        <p:txBody>
+          <a:bodyPr rtlCol="0" anchor="ctr"/>
+          <a:lstStyle/>
+          <a:p>
+            <a:pPr algn="ctr"/>
+            <a:r>
+              <a:rPr kumimoji="1" lang="en-US" altLang="zh-CN" dirty="0"/>
+              <a:t>C</a:t>
+            </a:r>
+            <a:endParaRPr kumimoji="1" lang="zh-CN" altLang="en-US" dirty="0"/>
+          </a:p>
+        </p:txBody>
+      </p:sp>
+      <p:sp>
+        <p:nvSpPr>
+          <p:cNvPr id="2" name="文本框 1">
+            <a:extLst>
+              <a:ext uri="{FF2B5EF4-FFF2-40B4-BE49-F238E27FC236}">
+                <a16:creationId xmlns:a16="http://schemas.microsoft.com/office/drawing/2014/main" id="{4B181367-25AF-0441-83B6-92CCC482EE53}"/>
+              </a:ext>
+            </a:extLst>
+          </p:cNvPr>
+          <p:cNvSpPr txBox="1"/>
+          <p:nvPr/>
+        </p:nvSpPr>
+        <p:spPr>
+          <a:xfrm>
+            <a:off x="213755" y="142504"/>
+            <a:ext cx="5028593" cy="369332"/>
+          </a:xfrm>
+          <a:prstGeom prst="rect">
+            <a:avLst/>
+          </a:prstGeom>
+          <a:noFill/>
+        </p:spPr>
+        <p:txBody>
+          <a:bodyPr wrap="square" rtlCol="0">
+            <a:spAutoFit/>
+          </a:bodyPr>
+          <a:lstStyle/>
+          <a:p>
+            <a:r>
+              <a:rPr kumimoji="1" lang="en-US" altLang="zh-CN" b="1" dirty="0">
+                <a:solidFill>
+                  <a:srgbClr val="0070C0"/>
+                </a:solidFill>
+              </a:rPr>
+              <a:t>Graph</a:t>
+            </a:r>
+            <a:r>
+              <a:rPr kumimoji="1" lang="en-US" altLang="zh-CN" dirty="0">
+                <a:solidFill>
+                  <a:srgbClr val="0070C0"/>
+                </a:solidFill>
+              </a:rPr>
+              <a:t>- Directed Graph DFS</a:t>
+            </a:r>
+            <a:endParaRPr kumimoji="1" lang="zh-CN" altLang="en-US" dirty="0">
+              <a:solidFill>
+                <a:srgbClr val="0070C0"/>
+              </a:solidFill>
+            </a:endParaRPr>
+          </a:p>
+        </p:txBody>
+      </p:sp>
+      <p:cxnSp>
+        <p:nvCxnSpPr>
+          <p:cNvPr id="5" name="直线箭头连接符 4">
+            <a:extLst>
+              <a:ext uri="{FF2B5EF4-FFF2-40B4-BE49-F238E27FC236}">
+                <a16:creationId xmlns:a16="http://schemas.microsoft.com/office/drawing/2014/main" id="{DC0AE937-7200-F84D-917F-6D93C3931826}"/>
+              </a:ext>
+            </a:extLst>
+          </p:cNvPr>
+          <p:cNvCxnSpPr>
+            <a:cxnSpLocks/>
+            <a:stCxn id="14" idx="1"/>
+            <a:endCxn id="4" idx="5"/>
+          </p:cNvCxnSpPr>
+          <p:nvPr/>
+        </p:nvCxnSpPr>
+        <p:spPr>
+          <a:xfrm flipH="1" flipV="1">
+            <a:off x="2912788" y="1724983"/>
+            <a:ext cx="1617537" cy="1179822"/>
+          </a:xfrm>
+          <a:prstGeom prst="straightConnector1">
+            <a:avLst/>
+          </a:prstGeom>
+          <a:ln w="9525" cap="flat" cmpd="sng" algn="ctr">
+            <a:solidFill>
+              <a:schemeClr val="accent2"/>
+            </a:solidFill>
+            <a:prstDash val="dash"/>
+            <a:round/>
+            <a:headEnd type="none" w="med" len="med"/>
+            <a:tailEnd type="none" w="med" len="med"/>
+          </a:ln>
+        </p:spPr>
+        <p:style>
+          <a:lnRef idx="0">
+            <a:scrgbClr r="0" g="0" b="0"/>
+          </a:lnRef>
+          <a:fillRef idx="0">
+            <a:scrgbClr r="0" g="0" b="0"/>
+          </a:fillRef>
+          <a:effectRef idx="0">
+            <a:scrgbClr r="0" g="0" b="0"/>
+          </a:effectRef>
+          <a:fontRef idx="minor">
+            <a:schemeClr val="tx1"/>
+          </a:fontRef>
+        </p:style>
+      </p:cxnSp>
+      <p:cxnSp>
+        <p:nvCxnSpPr>
+          <p:cNvPr id="8" name="直线箭头连接符 7">
+            <a:extLst>
+              <a:ext uri="{FF2B5EF4-FFF2-40B4-BE49-F238E27FC236}">
+                <a16:creationId xmlns:a16="http://schemas.microsoft.com/office/drawing/2014/main" id="{3C289379-0749-8D4C-A405-AB6BED94714E}"/>
+              </a:ext>
+            </a:extLst>
+          </p:cNvPr>
+          <p:cNvCxnSpPr>
+            <a:cxnSpLocks/>
+            <a:stCxn id="4" idx="6"/>
+            <a:endCxn id="7" idx="2"/>
+          </p:cNvCxnSpPr>
+          <p:nvPr/>
+        </p:nvCxnSpPr>
+        <p:spPr>
+          <a:xfrm>
+            <a:off x="2989308" y="1536048"/>
+            <a:ext cx="1464496" cy="21041"/>
+          </a:xfrm>
+          <a:prstGeom prst="straightConnector1">
+            <a:avLst/>
+          </a:prstGeom>
+          <a:ln>
+            <a:tailEnd type="triangle"/>
+          </a:ln>
+        </p:spPr>
+        <p:style>
+          <a:lnRef idx="3">
+            <a:schemeClr val="accent1"/>
+          </a:lnRef>
+          <a:fillRef idx="0">
+            <a:schemeClr val="accent1"/>
+          </a:fillRef>
+          <a:effectRef idx="2">
+            <a:schemeClr val="accent1"/>
+          </a:effectRef>
+          <a:fontRef idx="minor">
+            <a:schemeClr val="tx1"/>
+          </a:fontRef>
+        </p:style>
+      </p:cxnSp>
+      <p:cxnSp>
+        <p:nvCxnSpPr>
+          <p:cNvPr id="16" name="直线箭头连接符 15">
+            <a:extLst>
+              <a:ext uri="{FF2B5EF4-FFF2-40B4-BE49-F238E27FC236}">
+                <a16:creationId xmlns:a16="http://schemas.microsoft.com/office/drawing/2014/main" id="{300552AD-6A6D-E345-A0E3-5E4B202DBEE9}"/>
+              </a:ext>
+            </a:extLst>
+          </p:cNvPr>
+          <p:cNvCxnSpPr>
+            <a:cxnSpLocks/>
+            <a:stCxn id="7" idx="5"/>
+            <a:endCxn id="13" idx="1"/>
+          </p:cNvCxnSpPr>
+          <p:nvPr/>
+        </p:nvCxnSpPr>
+        <p:spPr>
+          <a:xfrm>
+            <a:off x="4899798" y="1746024"/>
+            <a:ext cx="1356282" cy="1148266"/>
+          </a:xfrm>
+          <a:prstGeom prst="straightConnector1">
+            <a:avLst/>
+          </a:prstGeom>
+          <a:ln>
+            <a:tailEnd type="triangle"/>
+          </a:ln>
+        </p:spPr>
+        <p:style>
+          <a:lnRef idx="3">
+            <a:schemeClr val="accent1"/>
+          </a:lnRef>
+          <a:fillRef idx="0">
+            <a:schemeClr val="accent1"/>
+          </a:fillRef>
+          <a:effectRef idx="2">
+            <a:schemeClr val="accent1"/>
+          </a:effectRef>
+          <a:fontRef idx="minor">
+            <a:schemeClr val="tx1"/>
+          </a:fontRef>
+        </p:style>
+      </p:cxnSp>
+      <p:cxnSp>
+        <p:nvCxnSpPr>
+          <p:cNvPr id="18" name="直线箭头连接符 17">
+            <a:extLst>
+              <a:ext uri="{FF2B5EF4-FFF2-40B4-BE49-F238E27FC236}">
+                <a16:creationId xmlns:a16="http://schemas.microsoft.com/office/drawing/2014/main" id="{72205337-60AF-024C-B9AC-B594C0DBE8E3}"/>
+              </a:ext>
+            </a:extLst>
+          </p:cNvPr>
+          <p:cNvCxnSpPr>
+            <a:cxnSpLocks/>
+            <a:stCxn id="78" idx="3"/>
+            <a:endCxn id="81" idx="7"/>
+          </p:cNvCxnSpPr>
+          <p:nvPr/>
+        </p:nvCxnSpPr>
+        <p:spPr>
+          <a:xfrm flipH="1">
+            <a:off x="6625554" y="3272160"/>
+            <a:ext cx="1659037" cy="1161668"/>
+          </a:xfrm>
+          <a:prstGeom prst="straightConnector1">
+            <a:avLst/>
+          </a:prstGeom>
+          <a:ln>
+            <a:tailEnd type="triangle"/>
+          </a:ln>
+        </p:spPr>
+        <p:style>
+          <a:lnRef idx="3">
+            <a:schemeClr val="accent1"/>
+          </a:lnRef>
+          <a:fillRef idx="0">
+            <a:schemeClr val="accent1"/>
+          </a:fillRef>
+          <a:effectRef idx="2">
+            <a:schemeClr val="accent1"/>
+          </a:effectRef>
+          <a:fontRef idx="minor">
+            <a:schemeClr val="tx1"/>
+          </a:fontRef>
+        </p:style>
+      </p:cxnSp>
+      <p:cxnSp>
+        <p:nvCxnSpPr>
+          <p:cNvPr id="20" name="直线箭头连接符 19">
+            <a:extLst>
+              <a:ext uri="{FF2B5EF4-FFF2-40B4-BE49-F238E27FC236}">
+                <a16:creationId xmlns:a16="http://schemas.microsoft.com/office/drawing/2014/main" id="{E8C63654-5F39-BF43-B33C-9A7A3F093F34}"/>
+              </a:ext>
+            </a:extLst>
+          </p:cNvPr>
+          <p:cNvCxnSpPr>
+            <a:cxnSpLocks/>
+            <a:stCxn id="12" idx="3"/>
+            <a:endCxn id="13" idx="7"/>
+          </p:cNvCxnSpPr>
+          <p:nvPr/>
+        </p:nvCxnSpPr>
+        <p:spPr>
+          <a:xfrm flipH="1">
+            <a:off x="6625554" y="1746024"/>
+            <a:ext cx="505792" cy="1148266"/>
+          </a:xfrm>
+          <a:prstGeom prst="straightConnector1">
+            <a:avLst/>
+          </a:prstGeom>
+          <a:ln w="9525" cap="flat" cmpd="sng" algn="ctr">
+            <a:solidFill>
+              <a:schemeClr val="accent2"/>
+            </a:solidFill>
+            <a:prstDash val="dash"/>
+            <a:round/>
+            <a:headEnd type="none" w="med" len="med"/>
+            <a:tailEnd type="none" w="med" len="med"/>
+          </a:ln>
+        </p:spPr>
+        <p:style>
+          <a:lnRef idx="0">
+            <a:scrgbClr r="0" g="0" b="0"/>
+          </a:lnRef>
+          <a:fillRef idx="0">
+            <a:scrgbClr r="0" g="0" b="0"/>
+          </a:fillRef>
+          <a:effectRef idx="0">
+            <a:scrgbClr r="0" g="0" b="0"/>
+          </a:effectRef>
+          <a:fontRef idx="minor">
+            <a:schemeClr val="tx1"/>
+          </a:fontRef>
+        </p:style>
+      </p:cxnSp>
+      <p:cxnSp>
+        <p:nvCxnSpPr>
+          <p:cNvPr id="23" name="直线箭头连接符 22">
+            <a:extLst>
+              <a:ext uri="{FF2B5EF4-FFF2-40B4-BE49-F238E27FC236}">
+                <a16:creationId xmlns:a16="http://schemas.microsoft.com/office/drawing/2014/main" id="{3BD51E29-51C0-4642-B2D7-6E9C206F4487}"/>
+              </a:ext>
+            </a:extLst>
+          </p:cNvPr>
+          <p:cNvCxnSpPr>
+            <a:cxnSpLocks/>
+            <a:stCxn id="11" idx="4"/>
+            <a:endCxn id="9" idx="0"/>
+          </p:cNvCxnSpPr>
+          <p:nvPr/>
+        </p:nvCxnSpPr>
+        <p:spPr>
+          <a:xfrm>
+            <a:off x="2728051" y="3360935"/>
+            <a:ext cx="0" cy="996398"/>
+          </a:xfrm>
+          <a:prstGeom prst="straightConnector1">
+            <a:avLst/>
+          </a:prstGeom>
+          <a:ln>
+            <a:tailEnd type="triangle"/>
+          </a:ln>
+        </p:spPr>
+        <p:style>
+          <a:lnRef idx="3">
+            <a:schemeClr val="accent1"/>
+          </a:lnRef>
+          <a:fillRef idx="0">
+            <a:schemeClr val="accent1"/>
+          </a:fillRef>
+          <a:effectRef idx="2">
+            <a:schemeClr val="accent1"/>
+          </a:effectRef>
+          <a:fontRef idx="minor">
+            <a:schemeClr val="tx1"/>
+          </a:fontRef>
+        </p:style>
+      </p:cxnSp>
+      <p:cxnSp>
+        <p:nvCxnSpPr>
+          <p:cNvPr id="25" name="直线箭头连接符 24">
+            <a:extLst>
+              <a:ext uri="{FF2B5EF4-FFF2-40B4-BE49-F238E27FC236}">
+                <a16:creationId xmlns:a16="http://schemas.microsoft.com/office/drawing/2014/main" id="{67A4B1F0-9AAB-2C4E-8EBD-B99A140C6FF2}"/>
+              </a:ext>
+            </a:extLst>
+          </p:cNvPr>
+          <p:cNvCxnSpPr>
+            <a:cxnSpLocks/>
+            <a:stCxn id="4" idx="4"/>
+            <a:endCxn id="11" idx="0"/>
+          </p:cNvCxnSpPr>
+          <p:nvPr/>
+        </p:nvCxnSpPr>
+        <p:spPr>
+          <a:xfrm>
+            <a:off x="2728051" y="1803242"/>
+            <a:ext cx="0" cy="1023304"/>
+          </a:xfrm>
+          <a:prstGeom prst="straightConnector1">
+            <a:avLst/>
+          </a:prstGeom>
+          <a:ln w="9525" cap="flat" cmpd="sng" algn="ctr">
+            <a:solidFill>
+              <a:schemeClr val="accent2"/>
+            </a:solidFill>
+            <a:prstDash val="dash"/>
+            <a:round/>
+            <a:headEnd type="none" w="med" len="med"/>
+            <a:tailEnd type="none" w="med" len="med"/>
+          </a:ln>
+        </p:spPr>
+        <p:style>
+          <a:lnRef idx="0">
+            <a:scrgbClr r="0" g="0" b="0"/>
+          </a:lnRef>
+          <a:fillRef idx="0">
+            <a:scrgbClr r="0" g="0" b="0"/>
+          </a:fillRef>
+          <a:effectRef idx="0">
+            <a:scrgbClr r="0" g="0" b="0"/>
+          </a:effectRef>
+          <a:fontRef idx="minor">
+            <a:schemeClr val="tx1"/>
+          </a:fontRef>
+        </p:style>
+      </p:cxnSp>
+      <p:cxnSp>
+        <p:nvCxnSpPr>
+          <p:cNvPr id="39" name="直线箭头连接符 38">
+            <a:extLst>
+              <a:ext uri="{FF2B5EF4-FFF2-40B4-BE49-F238E27FC236}">
+                <a16:creationId xmlns:a16="http://schemas.microsoft.com/office/drawing/2014/main" id="{A0A02A6F-ECB6-894A-8221-4F8B00D51F02}"/>
+              </a:ext>
+            </a:extLst>
+          </p:cNvPr>
+          <p:cNvCxnSpPr>
+            <a:cxnSpLocks/>
+            <a:stCxn id="12" idx="5"/>
+            <a:endCxn id="78" idx="1"/>
+          </p:cNvCxnSpPr>
+          <p:nvPr/>
+        </p:nvCxnSpPr>
+        <p:spPr>
+          <a:xfrm>
+            <a:off x="7500820" y="1746024"/>
+            <a:ext cx="783771" cy="1148265"/>
+          </a:xfrm>
+          <a:prstGeom prst="straightConnector1">
+            <a:avLst/>
+          </a:prstGeom>
+          <a:ln>
+            <a:tailEnd type="triangle"/>
+          </a:ln>
+        </p:spPr>
+        <p:style>
+          <a:lnRef idx="3">
+            <a:schemeClr val="accent1"/>
+          </a:lnRef>
+          <a:fillRef idx="0">
+            <a:schemeClr val="accent1"/>
+          </a:fillRef>
+          <a:effectRef idx="2">
+            <a:schemeClr val="accent1"/>
+          </a:effectRef>
+          <a:fontRef idx="minor">
+            <a:schemeClr val="tx1"/>
+          </a:fontRef>
+        </p:style>
+      </p:cxnSp>
+      <p:cxnSp>
+        <p:nvCxnSpPr>
+          <p:cNvPr id="41" name="直线箭头连接符 40">
+            <a:extLst>
+              <a:ext uri="{FF2B5EF4-FFF2-40B4-BE49-F238E27FC236}">
+                <a16:creationId xmlns:a16="http://schemas.microsoft.com/office/drawing/2014/main" id="{DA1F7EB5-B9D0-894D-8C93-733946ABFC2E}"/>
+              </a:ext>
+            </a:extLst>
+          </p:cNvPr>
+          <p:cNvCxnSpPr>
+            <a:cxnSpLocks/>
+            <a:stCxn id="14" idx="3"/>
+            <a:endCxn id="9" idx="6"/>
+          </p:cNvCxnSpPr>
+          <p:nvPr/>
+        </p:nvCxnSpPr>
+        <p:spPr>
+          <a:xfrm flipH="1">
+            <a:off x="2989308" y="3282676"/>
+            <a:ext cx="1541017" cy="1341852"/>
+          </a:xfrm>
+          <a:prstGeom prst="straightConnector1">
+            <a:avLst/>
+          </a:prstGeom>
+          <a:ln w="9525" cap="flat" cmpd="sng" algn="ctr">
+            <a:solidFill>
+              <a:schemeClr val="accent2"/>
+            </a:solidFill>
+            <a:prstDash val="dash"/>
+            <a:round/>
+            <a:headEnd type="none" w="med" len="med"/>
+            <a:tailEnd type="none" w="med" len="med"/>
+          </a:ln>
+        </p:spPr>
+        <p:style>
+          <a:lnRef idx="0">
+            <a:scrgbClr r="0" g="0" b="0"/>
+          </a:lnRef>
+          <a:fillRef idx="0">
+            <a:scrgbClr r="0" g="0" b="0"/>
+          </a:fillRef>
+          <a:effectRef idx="0">
+            <a:scrgbClr r="0" g="0" b="0"/>
+          </a:effectRef>
+          <a:fontRef idx="minor">
+            <a:schemeClr val="tx1"/>
+          </a:fontRef>
+        </p:style>
+      </p:cxnSp>
+      <p:cxnSp>
+        <p:nvCxnSpPr>
+          <p:cNvPr id="43" name="直线箭头连接符 42">
+            <a:extLst>
+              <a:ext uri="{FF2B5EF4-FFF2-40B4-BE49-F238E27FC236}">
+                <a16:creationId xmlns:a16="http://schemas.microsoft.com/office/drawing/2014/main" id="{D6947BA2-74A3-8048-81D6-BCDB50920098}"/>
+              </a:ext>
+            </a:extLst>
+          </p:cNvPr>
+          <p:cNvCxnSpPr>
+            <a:cxnSpLocks/>
+            <a:stCxn id="82" idx="0"/>
+            <a:endCxn id="78" idx="4"/>
+          </p:cNvCxnSpPr>
+          <p:nvPr/>
+        </p:nvCxnSpPr>
+        <p:spPr>
+          <a:xfrm flipV="1">
+            <a:off x="8469328" y="3350419"/>
+            <a:ext cx="0" cy="1005150"/>
+          </a:xfrm>
+          <a:prstGeom prst="straightConnector1">
+            <a:avLst/>
+          </a:prstGeom>
+          <a:ln w="9525" cap="flat" cmpd="sng" algn="ctr">
+            <a:solidFill>
+              <a:schemeClr val="accent2"/>
+            </a:solidFill>
+            <a:prstDash val="dash"/>
+            <a:round/>
+            <a:headEnd type="none" w="med" len="med"/>
+            <a:tailEnd type="none" w="med" len="med"/>
+          </a:ln>
+        </p:spPr>
+        <p:style>
+          <a:lnRef idx="0">
+            <a:scrgbClr r="0" g="0" b="0"/>
+          </a:lnRef>
+          <a:fillRef idx="0">
+            <a:scrgbClr r="0" g="0" b="0"/>
+          </a:fillRef>
+          <a:effectRef idx="0">
+            <a:scrgbClr r="0" g="0" b="0"/>
+          </a:effectRef>
+          <a:fontRef idx="minor">
+            <a:schemeClr val="tx1"/>
+          </a:fontRef>
+        </p:style>
+      </p:cxnSp>
+      <p:cxnSp>
+        <p:nvCxnSpPr>
+          <p:cNvPr id="45" name="直线箭头连接符 44">
+            <a:extLst>
+              <a:ext uri="{FF2B5EF4-FFF2-40B4-BE49-F238E27FC236}">
+                <a16:creationId xmlns:a16="http://schemas.microsoft.com/office/drawing/2014/main" id="{1AAC828F-96AB-744E-8555-7ECB2A3F3CB1}"/>
+              </a:ext>
+            </a:extLst>
+          </p:cNvPr>
+          <p:cNvCxnSpPr>
+            <a:cxnSpLocks/>
+            <a:stCxn id="13" idx="2"/>
+            <a:endCxn id="14" idx="6"/>
+          </p:cNvCxnSpPr>
+          <p:nvPr/>
+        </p:nvCxnSpPr>
+        <p:spPr>
+          <a:xfrm flipH="1">
+            <a:off x="4976319" y="3083226"/>
+            <a:ext cx="1203241" cy="10515"/>
+          </a:xfrm>
+          <a:prstGeom prst="straightConnector1">
+            <a:avLst/>
+          </a:prstGeom>
+          <a:ln>
+            <a:tailEnd type="triangle"/>
+          </a:ln>
+        </p:spPr>
+        <p:style>
+          <a:lnRef idx="3">
+            <a:schemeClr val="accent1"/>
+          </a:lnRef>
+          <a:fillRef idx="0">
+            <a:schemeClr val="accent1"/>
+          </a:fillRef>
+          <a:effectRef idx="2">
+            <a:schemeClr val="accent1"/>
+          </a:effectRef>
+          <a:fontRef idx="minor">
+            <a:schemeClr val="tx1"/>
+          </a:fontRef>
+        </p:style>
+      </p:cxnSp>
+      <p:cxnSp>
+        <p:nvCxnSpPr>
+          <p:cNvPr id="47" name="直线箭头连接符 46">
+            <a:extLst>
+              <a:ext uri="{FF2B5EF4-FFF2-40B4-BE49-F238E27FC236}">
+                <a16:creationId xmlns:a16="http://schemas.microsoft.com/office/drawing/2014/main" id="{23B83BC8-FC7E-0647-81F6-4DCB9298CCC1}"/>
+              </a:ext>
+            </a:extLst>
+          </p:cNvPr>
+          <p:cNvCxnSpPr>
+            <a:cxnSpLocks/>
+            <a:stCxn id="14" idx="2"/>
+            <a:endCxn id="11" idx="6"/>
+          </p:cNvCxnSpPr>
+          <p:nvPr/>
+        </p:nvCxnSpPr>
+        <p:spPr>
+          <a:xfrm flipH="1">
+            <a:off x="2989308" y="3093741"/>
+            <a:ext cx="1464497" cy="0"/>
+          </a:xfrm>
+          <a:prstGeom prst="straightConnector1">
+            <a:avLst/>
+          </a:prstGeom>
+          <a:ln>
+            <a:tailEnd type="triangle"/>
+          </a:ln>
+        </p:spPr>
+        <p:style>
+          <a:lnRef idx="3">
+            <a:schemeClr val="accent1"/>
+          </a:lnRef>
+          <a:fillRef idx="0">
+            <a:schemeClr val="accent1"/>
+          </a:fillRef>
+          <a:effectRef idx="2">
+            <a:schemeClr val="accent1"/>
+          </a:effectRef>
+          <a:fontRef idx="minor">
+            <a:schemeClr val="tx1"/>
+          </a:fontRef>
+        </p:style>
+      </p:cxnSp>
+      <p:sp>
+        <p:nvSpPr>
+          <p:cNvPr id="33" name="文本框 32">
+            <a:extLst>
+              <a:ext uri="{FF2B5EF4-FFF2-40B4-BE49-F238E27FC236}">
+                <a16:creationId xmlns:a16="http://schemas.microsoft.com/office/drawing/2014/main" id="{09CBDA21-04B1-C84B-8BF2-ADAB7D7BFB6A}"/>
+              </a:ext>
+            </a:extLst>
+          </p:cNvPr>
+          <p:cNvSpPr txBox="1"/>
+          <p:nvPr/>
+        </p:nvSpPr>
+        <p:spPr>
+          <a:xfrm>
+            <a:off x="4560125" y="2375065"/>
+            <a:ext cx="184731" cy="369332"/>
+          </a:xfrm>
+          <a:prstGeom prst="rect">
+            <a:avLst/>
+          </a:prstGeom>
+          <a:noFill/>
+        </p:spPr>
+        <p:txBody>
+          <a:bodyPr wrap="none" rtlCol="0">
+            <a:spAutoFit/>
+          </a:bodyPr>
+          <a:lstStyle/>
+          <a:p>
+            <a:endParaRPr kumimoji="1" lang="zh-CN" altLang="en-US" dirty="0"/>
+          </a:p>
+        </p:txBody>
+      </p:sp>
+      <p:sp>
+        <p:nvSpPr>
+          <p:cNvPr id="78" name="椭圆 77">
+            <a:extLst>
+              <a:ext uri="{FF2B5EF4-FFF2-40B4-BE49-F238E27FC236}">
+                <a16:creationId xmlns:a16="http://schemas.microsoft.com/office/drawing/2014/main" id="{94F0DC91-B8C2-F645-BAF1-74B55F6D18EB}"/>
+              </a:ext>
+            </a:extLst>
+          </p:cNvPr>
+          <p:cNvSpPr/>
+          <p:nvPr/>
+        </p:nvSpPr>
+        <p:spPr>
+          <a:xfrm>
+            <a:off x="8208071" y="2816030"/>
+            <a:ext cx="522514" cy="534389"/>
+          </a:xfrm>
+          <a:prstGeom prst="ellipse">
+            <a:avLst/>
+          </a:prstGeom>
+        </p:spPr>
+        <p:style>
+          <a:lnRef idx="2">
+            <a:schemeClr val="accent1">
+              <a:shade val="50000"/>
+            </a:schemeClr>
+          </a:lnRef>
+          <a:fillRef idx="1">
+            <a:schemeClr val="accent1"/>
+          </a:fillRef>
+          <a:effectRef idx="0">
+            <a:schemeClr val="accent1"/>
+          </a:effectRef>
+          <a:fontRef idx="minor">
+            <a:schemeClr val="lt1"/>
+          </a:fontRef>
+        </p:style>
+        <p:txBody>
+          <a:bodyPr rtlCol="0" anchor="ctr"/>
+          <a:lstStyle/>
+          <a:p>
+            <a:pPr algn="ctr"/>
+            <a:r>
+              <a:rPr kumimoji="1" lang="en-US" altLang="zh-CN" dirty="0"/>
+              <a:t>H</a:t>
+            </a:r>
+            <a:endParaRPr kumimoji="1" lang="zh-CN" altLang="en-US" dirty="0"/>
+          </a:p>
+        </p:txBody>
+      </p:sp>
+      <p:sp>
+        <p:nvSpPr>
+          <p:cNvPr id="81" name="椭圆 80">
+            <a:extLst>
+              <a:ext uri="{FF2B5EF4-FFF2-40B4-BE49-F238E27FC236}">
+                <a16:creationId xmlns:a16="http://schemas.microsoft.com/office/drawing/2014/main" id="{F63FED62-3819-E546-A34A-C79DBC2D2D09}"/>
+              </a:ext>
+            </a:extLst>
+          </p:cNvPr>
+          <p:cNvSpPr/>
+          <p:nvPr/>
+        </p:nvSpPr>
+        <p:spPr>
+          <a:xfrm>
+            <a:off x="6179560" y="4355569"/>
+            <a:ext cx="522514" cy="534389"/>
+          </a:xfrm>
+          <a:prstGeom prst="ellipse">
+            <a:avLst/>
+          </a:prstGeom>
+        </p:spPr>
+        <p:style>
+          <a:lnRef idx="2">
+            <a:schemeClr val="accent1">
+              <a:shade val="50000"/>
+            </a:schemeClr>
+          </a:lnRef>
+          <a:fillRef idx="1">
+            <a:schemeClr val="accent1"/>
+          </a:fillRef>
+          <a:effectRef idx="0">
+            <a:schemeClr val="accent1"/>
+          </a:effectRef>
+          <a:fontRef idx="minor">
+            <a:schemeClr val="lt1"/>
+          </a:fontRef>
+        </p:style>
+        <p:txBody>
+          <a:bodyPr rtlCol="0" anchor="ctr"/>
+          <a:lstStyle/>
+          <a:p>
+            <a:pPr algn="ctr"/>
+            <a:r>
+              <a:rPr kumimoji="1" lang="en-US" altLang="zh-CN" dirty="0"/>
+              <a:t>J</a:t>
+            </a:r>
+            <a:endParaRPr kumimoji="1" lang="zh-CN" altLang="en-US" dirty="0"/>
+          </a:p>
+        </p:txBody>
+      </p:sp>
+      <p:sp>
+        <p:nvSpPr>
+          <p:cNvPr id="82" name="椭圆 81">
+            <a:extLst>
+              <a:ext uri="{FF2B5EF4-FFF2-40B4-BE49-F238E27FC236}">
+                <a16:creationId xmlns:a16="http://schemas.microsoft.com/office/drawing/2014/main" id="{47EE0488-AA7F-C64D-9A0E-FFD7BAFB7909}"/>
+              </a:ext>
+            </a:extLst>
+          </p:cNvPr>
+          <p:cNvSpPr/>
+          <p:nvPr/>
+        </p:nvSpPr>
+        <p:spPr>
+          <a:xfrm>
+            <a:off x="8208071" y="4355569"/>
+            <a:ext cx="522514" cy="534389"/>
+          </a:xfrm>
+          <a:prstGeom prst="ellipse">
+            <a:avLst/>
+          </a:prstGeom>
+        </p:spPr>
+        <p:style>
+          <a:lnRef idx="2">
+            <a:schemeClr val="accent1">
+              <a:shade val="50000"/>
+            </a:schemeClr>
+          </a:lnRef>
+          <a:fillRef idx="1">
+            <a:schemeClr val="accent1"/>
+          </a:fillRef>
+          <a:effectRef idx="0">
+            <a:schemeClr val="accent1"/>
+          </a:effectRef>
+          <a:fontRef idx="minor">
+            <a:schemeClr val="lt1"/>
+          </a:fontRef>
+        </p:style>
+        <p:txBody>
+          <a:bodyPr rtlCol="0" anchor="ctr"/>
+          <a:lstStyle/>
+          <a:p>
+            <a:pPr algn="ctr"/>
+            <a:r>
+              <a:rPr kumimoji="1" lang="en-US" altLang="zh-CN" dirty="0"/>
+              <a:t>I</a:t>
+            </a:r>
+            <a:endParaRPr kumimoji="1" lang="zh-CN" altLang="en-US" dirty="0"/>
+          </a:p>
+        </p:txBody>
+      </p:sp>
+      <p:cxnSp>
+        <p:nvCxnSpPr>
+          <p:cNvPr id="88" name="直线箭头连接符 87">
+            <a:extLst>
+              <a:ext uri="{FF2B5EF4-FFF2-40B4-BE49-F238E27FC236}">
+                <a16:creationId xmlns:a16="http://schemas.microsoft.com/office/drawing/2014/main" id="{D695B63A-80A3-9841-A855-F8EF006602BC}"/>
+              </a:ext>
+            </a:extLst>
+          </p:cNvPr>
+          <p:cNvCxnSpPr>
+            <a:cxnSpLocks/>
+            <a:stCxn id="81" idx="6"/>
+            <a:endCxn id="82" idx="2"/>
+          </p:cNvCxnSpPr>
+          <p:nvPr/>
+        </p:nvCxnSpPr>
+        <p:spPr>
+          <a:xfrm>
+            <a:off x="6702074" y="4622764"/>
+            <a:ext cx="1505997" cy="0"/>
+          </a:xfrm>
+          <a:prstGeom prst="straightConnector1">
+            <a:avLst/>
+          </a:prstGeom>
+          <a:ln>
+            <a:tailEnd type="triangle"/>
+          </a:ln>
+        </p:spPr>
+        <p:style>
+          <a:lnRef idx="3">
+            <a:schemeClr val="accent1"/>
+          </a:lnRef>
+          <a:fillRef idx="0">
+            <a:schemeClr val="accent1"/>
+          </a:fillRef>
+          <a:effectRef idx="2">
+            <a:schemeClr val="accent1"/>
+          </a:effectRef>
+          <a:fontRef idx="minor">
+            <a:schemeClr val="tx1"/>
+          </a:fontRef>
+        </p:style>
+      </p:cxnSp>
+      <p:cxnSp>
+        <p:nvCxnSpPr>
+          <p:cNvPr id="90" name="直线箭头连接符 89">
+            <a:extLst>
+              <a:ext uri="{FF2B5EF4-FFF2-40B4-BE49-F238E27FC236}">
+                <a16:creationId xmlns:a16="http://schemas.microsoft.com/office/drawing/2014/main" id="{418AFA84-ECE1-5842-BE1B-B074E327198E}"/>
+              </a:ext>
+            </a:extLst>
+          </p:cNvPr>
+          <p:cNvCxnSpPr>
+            <a:cxnSpLocks/>
+            <a:stCxn id="7" idx="4"/>
+            <a:endCxn id="14" idx="0"/>
+          </p:cNvCxnSpPr>
+          <p:nvPr/>
+        </p:nvCxnSpPr>
+        <p:spPr>
+          <a:xfrm>
+            <a:off x="4715061" y="1824283"/>
+            <a:ext cx="1" cy="1002263"/>
+          </a:xfrm>
+          <a:prstGeom prst="straightConnector1">
+            <a:avLst/>
+          </a:prstGeom>
+          <a:ln w="9525" cap="flat" cmpd="sng" algn="ctr">
+            <a:solidFill>
+              <a:schemeClr val="accent1"/>
+            </a:solidFill>
+            <a:prstDash val="dash"/>
+            <a:round/>
+            <a:headEnd type="none" w="med" len="med"/>
+            <a:tailEnd type="none" w="med" len="med"/>
+          </a:ln>
+        </p:spPr>
+        <p:style>
+          <a:lnRef idx="0">
+            <a:scrgbClr r="0" g="0" b="0"/>
+          </a:lnRef>
+          <a:fillRef idx="0">
+            <a:scrgbClr r="0" g="0" b="0"/>
+          </a:fillRef>
+          <a:effectRef idx="0">
+            <a:scrgbClr r="0" g="0" b="0"/>
+          </a:effectRef>
+          <a:fontRef idx="minor">
+            <a:schemeClr val="tx1"/>
+          </a:fontRef>
+        </p:style>
+      </p:cxnSp>
+      <p:cxnSp>
+        <p:nvCxnSpPr>
+          <p:cNvPr id="98" name="直线箭头连接符 97">
+            <a:extLst>
+              <a:ext uri="{FF2B5EF4-FFF2-40B4-BE49-F238E27FC236}">
+                <a16:creationId xmlns:a16="http://schemas.microsoft.com/office/drawing/2014/main" id="{CEF463D6-3EB0-8348-B72C-CDB2A4566823}"/>
+              </a:ext>
+            </a:extLst>
+          </p:cNvPr>
+          <p:cNvCxnSpPr>
+            <a:cxnSpLocks/>
+            <a:stCxn id="78" idx="2"/>
+            <a:endCxn id="13" idx="6"/>
+          </p:cNvCxnSpPr>
+          <p:nvPr/>
+        </p:nvCxnSpPr>
+        <p:spPr>
+          <a:xfrm flipH="1">
+            <a:off x="6702074" y="3083225"/>
+            <a:ext cx="1505997" cy="1"/>
+          </a:xfrm>
+          <a:prstGeom prst="straightConnector1">
+            <a:avLst/>
+          </a:prstGeom>
+          <a:ln w="9525" cap="flat" cmpd="sng" algn="ctr">
+            <a:solidFill>
+              <a:schemeClr val="accent2"/>
+            </a:solidFill>
+            <a:prstDash val="dash"/>
+            <a:round/>
+            <a:headEnd type="none" w="med" len="med"/>
+            <a:tailEnd type="none" w="med" len="med"/>
+          </a:ln>
+        </p:spPr>
+        <p:style>
+          <a:lnRef idx="0">
+            <a:scrgbClr r="0" g="0" b="0"/>
+          </a:lnRef>
+          <a:fillRef idx="0">
+            <a:scrgbClr r="0" g="0" b="0"/>
+          </a:fillRef>
+          <a:effectRef idx="0">
+            <a:scrgbClr r="0" g="0" b="0"/>
+          </a:effectRef>
+          <a:fontRef idx="minor">
+            <a:schemeClr val="tx1"/>
+          </a:fontRef>
+        </p:style>
+      </p:cxnSp>
+    </p:spTree>
+    <p:extLst>
+      <p:ext uri="{BB962C8B-B14F-4D97-AF65-F5344CB8AC3E}">
+        <p14:creationId xmlns:p14="http://schemas.microsoft.com/office/powerpoint/2010/main" val="2357957264"/>
+      </p:ext>
+    </p:extLst>
+  </p:cSld>
+  <p:clrMapOvr>
+    <a:masterClrMapping/>
+  </p:clrMapOvr>
+</p:sld>
+</file>
+
 <file path=ppt/theme/theme1.xml><?xml version="1.0" encoding="utf-8"?>
 <a:theme xmlns:a="http://schemas.openxmlformats.org/drawingml/2006/main" name="Office 主题​​">
   <a:themeElements>

--- a/Assets/visualization.pptx
+++ b/Assets/visualization.pptx
@@ -13,7 +13,8 @@
     <p:sldId id="263" r:id="rId7"/>
     <p:sldId id="264" r:id="rId8"/>
     <p:sldId id="257" r:id="rId9"/>
-    <p:sldId id="266" r:id="rId10"/>
+    <p:sldId id="267" r:id="rId10"/>
+    <p:sldId id="268" r:id="rId11"/>
   </p:sldIdLst>
   <p:sldSz cx="12192000" cy="6858000"/>
   <p:notesSz cx="6858000" cy="9144000"/>
@@ -125,7 +126,8 @@
             <p14:sldId id="263"/>
             <p14:sldId id="264"/>
             <p14:sldId id="257"/>
-            <p14:sldId id="266"/>
+            <p14:sldId id="267"/>
+            <p14:sldId id="268"/>
           </p14:sldIdLst>
         </p14:section>
       </p14:sectionLst>
@@ -284,7 +286,7 @@
           <a:p>
             <a:fld id="{D548B4E7-F4DF-F444-89BE-160B951A6CB8}" type="datetimeFigureOut">
               <a:rPr kumimoji="1" lang="zh-CN" altLang="en-US" smtClean="0"/>
-              <a:t>2020/12/8</a:t>
+              <a:t>2020/12/9</a:t>
             </a:fld>
             <a:endParaRPr kumimoji="1" lang="zh-CN" altLang="en-US"/>
           </a:p>
@@ -482,7 +484,7 @@
           <a:p>
             <a:fld id="{D548B4E7-F4DF-F444-89BE-160B951A6CB8}" type="datetimeFigureOut">
               <a:rPr kumimoji="1" lang="zh-CN" altLang="en-US" smtClean="0"/>
-              <a:t>2020/12/8</a:t>
+              <a:t>2020/12/9</a:t>
             </a:fld>
             <a:endParaRPr kumimoji="1" lang="zh-CN" altLang="en-US"/>
           </a:p>
@@ -690,7 +692,7 @@
           <a:p>
             <a:fld id="{D548B4E7-F4DF-F444-89BE-160B951A6CB8}" type="datetimeFigureOut">
               <a:rPr kumimoji="1" lang="zh-CN" altLang="en-US" smtClean="0"/>
-              <a:t>2020/12/8</a:t>
+              <a:t>2020/12/9</a:t>
             </a:fld>
             <a:endParaRPr kumimoji="1" lang="zh-CN" altLang="en-US"/>
           </a:p>
@@ -888,7 +890,7 @@
           <a:p>
             <a:fld id="{D548B4E7-F4DF-F444-89BE-160B951A6CB8}" type="datetimeFigureOut">
               <a:rPr kumimoji="1" lang="zh-CN" altLang="en-US" smtClean="0"/>
-              <a:t>2020/12/8</a:t>
+              <a:t>2020/12/9</a:t>
             </a:fld>
             <a:endParaRPr kumimoji="1" lang="zh-CN" altLang="en-US"/>
           </a:p>
@@ -1163,7 +1165,7 @@
           <a:p>
             <a:fld id="{D548B4E7-F4DF-F444-89BE-160B951A6CB8}" type="datetimeFigureOut">
               <a:rPr kumimoji="1" lang="zh-CN" altLang="en-US" smtClean="0"/>
-              <a:t>2020/12/8</a:t>
+              <a:t>2020/12/9</a:t>
             </a:fld>
             <a:endParaRPr kumimoji="1" lang="zh-CN" altLang="en-US"/>
           </a:p>
@@ -1428,7 +1430,7 @@
           <a:p>
             <a:fld id="{D548B4E7-F4DF-F444-89BE-160B951A6CB8}" type="datetimeFigureOut">
               <a:rPr kumimoji="1" lang="zh-CN" altLang="en-US" smtClean="0"/>
-              <a:t>2020/12/8</a:t>
+              <a:t>2020/12/9</a:t>
             </a:fld>
             <a:endParaRPr kumimoji="1" lang="zh-CN" altLang="en-US"/>
           </a:p>
@@ -1840,7 +1842,7 @@
           <a:p>
             <a:fld id="{D548B4E7-F4DF-F444-89BE-160B951A6CB8}" type="datetimeFigureOut">
               <a:rPr kumimoji="1" lang="zh-CN" altLang="en-US" smtClean="0"/>
-              <a:t>2020/12/8</a:t>
+              <a:t>2020/12/9</a:t>
             </a:fld>
             <a:endParaRPr kumimoji="1" lang="zh-CN" altLang="en-US"/>
           </a:p>
@@ -1996,7 +1998,7 @@
           <a:p>
             <a:fld id="{D548B4E7-F4DF-F444-89BE-160B951A6CB8}" type="datetimeFigureOut">
               <a:rPr kumimoji="1" lang="zh-CN" altLang="en-US" smtClean="0"/>
-              <a:t>2020/12/8</a:t>
+              <a:t>2020/12/9</a:t>
             </a:fld>
             <a:endParaRPr kumimoji="1" lang="zh-CN" altLang="en-US"/>
           </a:p>
@@ -2109,7 +2111,7 @@
           <a:p>
             <a:fld id="{D548B4E7-F4DF-F444-89BE-160B951A6CB8}" type="datetimeFigureOut">
               <a:rPr kumimoji="1" lang="zh-CN" altLang="en-US" smtClean="0"/>
-              <a:t>2020/12/8</a:t>
+              <a:t>2020/12/9</a:t>
             </a:fld>
             <a:endParaRPr kumimoji="1" lang="zh-CN" altLang="en-US"/>
           </a:p>
@@ -2420,7 +2422,7 @@
           <a:p>
             <a:fld id="{D548B4E7-F4DF-F444-89BE-160B951A6CB8}" type="datetimeFigureOut">
               <a:rPr kumimoji="1" lang="zh-CN" altLang="en-US" smtClean="0"/>
-              <a:t>2020/12/8</a:t>
+              <a:t>2020/12/9</a:t>
             </a:fld>
             <a:endParaRPr kumimoji="1" lang="zh-CN" altLang="en-US"/>
           </a:p>
@@ -2708,7 +2710,7 @@
           <a:p>
             <a:fld id="{D548B4E7-F4DF-F444-89BE-160B951A6CB8}" type="datetimeFigureOut">
               <a:rPr kumimoji="1" lang="zh-CN" altLang="en-US" smtClean="0"/>
-              <a:t>2020/12/8</a:t>
+              <a:t>2020/12/9</a:t>
             </a:fld>
             <a:endParaRPr kumimoji="1" lang="zh-CN" altLang="en-US"/>
           </a:p>
@@ -2942,7 +2944,7 @@
           <a:p>
             <a:fld id="{D548B4E7-F4DF-F444-89BE-160B951A6CB8}" type="datetimeFigureOut">
               <a:rPr kumimoji="1" lang="zh-CN" altLang="en-US" smtClean="0"/>
-              <a:t>2020/12/8</a:t>
+              <a:t>2020/12/9</a:t>
             </a:fld>
             <a:endParaRPr kumimoji="1" lang="zh-CN" altLang="en-US"/>
           </a:p>
@@ -4288,6 +4290,1265 @@
 </p:sld>
 </file>
 
+<file path=ppt/slides/slide10.xml><?xml version="1.0" encoding="utf-8"?>
+<p:sld xmlns:a="http://schemas.openxmlformats.org/drawingml/2006/main" xmlns:r="http://schemas.openxmlformats.org/officeDocument/2006/relationships" xmlns:p="http://schemas.openxmlformats.org/presentationml/2006/main">
+  <p:cSld>
+    <p:spTree>
+      <p:nvGrpSpPr>
+        <p:cNvPr id="1" name=""/>
+        <p:cNvGrpSpPr/>
+        <p:nvPr/>
+      </p:nvGrpSpPr>
+      <p:grpSpPr>
+        <a:xfrm>
+          <a:off x="0" y="0"/>
+          <a:ext cx="0" cy="0"/>
+          <a:chOff x="0" y="0"/>
+          <a:chExt cx="0" cy="0"/>
+        </a:xfrm>
+      </p:grpSpPr>
+      <p:sp>
+        <p:nvSpPr>
+          <p:cNvPr id="4" name="椭圆 3">
+            <a:extLst>
+              <a:ext uri="{FF2B5EF4-FFF2-40B4-BE49-F238E27FC236}">
+                <a16:creationId xmlns:a16="http://schemas.microsoft.com/office/drawing/2014/main" id="{DE70EE2F-EB0E-6F47-A6B1-2A297E2EE471}"/>
+              </a:ext>
+            </a:extLst>
+          </p:cNvPr>
+          <p:cNvSpPr/>
+          <p:nvPr/>
+        </p:nvSpPr>
+        <p:spPr>
+          <a:xfrm>
+            <a:off x="2466794" y="1268853"/>
+            <a:ext cx="522514" cy="534389"/>
+          </a:xfrm>
+          <a:prstGeom prst="ellipse">
+            <a:avLst/>
+          </a:prstGeom>
+        </p:spPr>
+        <p:style>
+          <a:lnRef idx="2">
+            <a:schemeClr val="accent1">
+              <a:shade val="50000"/>
+            </a:schemeClr>
+          </a:lnRef>
+          <a:fillRef idx="1">
+            <a:schemeClr val="accent1"/>
+          </a:fillRef>
+          <a:effectRef idx="0">
+            <a:schemeClr val="accent1"/>
+          </a:effectRef>
+          <a:fontRef idx="minor">
+            <a:schemeClr val="lt1"/>
+          </a:fontRef>
+        </p:style>
+        <p:txBody>
+          <a:bodyPr rtlCol="0" anchor="ctr"/>
+          <a:lstStyle/>
+          <a:p>
+            <a:pPr algn="ctr"/>
+            <a:r>
+              <a:rPr kumimoji="1" lang="en-US" altLang="zh-CN" dirty="0"/>
+              <a:t>A</a:t>
+            </a:r>
+            <a:endParaRPr kumimoji="1" lang="zh-CN" altLang="en-US" dirty="0"/>
+          </a:p>
+        </p:txBody>
+      </p:sp>
+      <p:sp>
+        <p:nvSpPr>
+          <p:cNvPr id="7" name="椭圆 6">
+            <a:extLst>
+              <a:ext uri="{FF2B5EF4-FFF2-40B4-BE49-F238E27FC236}">
+                <a16:creationId xmlns:a16="http://schemas.microsoft.com/office/drawing/2014/main" id="{0BE1B618-A039-7545-B7E8-F5BF4144ACE5}"/>
+              </a:ext>
+            </a:extLst>
+          </p:cNvPr>
+          <p:cNvSpPr/>
+          <p:nvPr/>
+        </p:nvSpPr>
+        <p:spPr>
+          <a:xfrm>
+            <a:off x="4453804" y="1268853"/>
+            <a:ext cx="522514" cy="534389"/>
+          </a:xfrm>
+          <a:prstGeom prst="ellipse">
+            <a:avLst/>
+          </a:prstGeom>
+        </p:spPr>
+        <p:style>
+          <a:lnRef idx="2">
+            <a:schemeClr val="accent1">
+              <a:shade val="50000"/>
+            </a:schemeClr>
+          </a:lnRef>
+          <a:fillRef idx="1">
+            <a:schemeClr val="accent1"/>
+          </a:fillRef>
+          <a:effectRef idx="0">
+            <a:schemeClr val="accent1"/>
+          </a:effectRef>
+          <a:fontRef idx="minor">
+            <a:schemeClr val="lt1"/>
+          </a:fontRef>
+        </p:style>
+        <p:txBody>
+          <a:bodyPr rtlCol="0" anchor="ctr"/>
+          <a:lstStyle/>
+          <a:p>
+            <a:pPr algn="ctr"/>
+            <a:r>
+              <a:rPr kumimoji="1" lang="en-US" altLang="zh-CN" dirty="0"/>
+              <a:t>B</a:t>
+            </a:r>
+            <a:endParaRPr kumimoji="1" lang="zh-CN" altLang="en-US" dirty="0"/>
+          </a:p>
+        </p:txBody>
+      </p:sp>
+      <p:sp>
+        <p:nvSpPr>
+          <p:cNvPr id="9" name="椭圆 8">
+            <a:extLst>
+              <a:ext uri="{FF2B5EF4-FFF2-40B4-BE49-F238E27FC236}">
+                <a16:creationId xmlns:a16="http://schemas.microsoft.com/office/drawing/2014/main" id="{23C0A51A-3E8A-964F-9433-32D4EA9C2205}"/>
+              </a:ext>
+            </a:extLst>
+          </p:cNvPr>
+          <p:cNvSpPr/>
+          <p:nvPr/>
+        </p:nvSpPr>
+        <p:spPr>
+          <a:xfrm>
+            <a:off x="2466794" y="4357333"/>
+            <a:ext cx="522514" cy="534389"/>
+          </a:xfrm>
+          <a:prstGeom prst="ellipse">
+            <a:avLst/>
+          </a:prstGeom>
+        </p:spPr>
+        <p:style>
+          <a:lnRef idx="2">
+            <a:schemeClr val="accent1">
+              <a:shade val="50000"/>
+            </a:schemeClr>
+          </a:lnRef>
+          <a:fillRef idx="1">
+            <a:schemeClr val="accent1"/>
+          </a:fillRef>
+          <a:effectRef idx="0">
+            <a:schemeClr val="accent1"/>
+          </a:effectRef>
+          <a:fontRef idx="minor">
+            <a:schemeClr val="lt1"/>
+          </a:fontRef>
+        </p:style>
+        <p:txBody>
+          <a:bodyPr rtlCol="0" anchor="ctr"/>
+          <a:lstStyle/>
+          <a:p>
+            <a:pPr algn="ctr"/>
+            <a:r>
+              <a:rPr kumimoji="1" lang="en-US" altLang="zh-CN" dirty="0"/>
+              <a:t>E</a:t>
+            </a:r>
+            <a:endParaRPr kumimoji="1" lang="zh-CN" altLang="en-US" dirty="0"/>
+          </a:p>
+        </p:txBody>
+      </p:sp>
+      <p:sp>
+        <p:nvSpPr>
+          <p:cNvPr id="11" name="椭圆 10">
+            <a:extLst>
+              <a:ext uri="{FF2B5EF4-FFF2-40B4-BE49-F238E27FC236}">
+                <a16:creationId xmlns:a16="http://schemas.microsoft.com/office/drawing/2014/main" id="{3AF5C068-0B69-1D4B-9F60-CFCFF6CB7466}"/>
+              </a:ext>
+            </a:extLst>
+          </p:cNvPr>
+          <p:cNvSpPr/>
+          <p:nvPr/>
+        </p:nvSpPr>
+        <p:spPr>
+          <a:xfrm>
+            <a:off x="2466794" y="2826546"/>
+            <a:ext cx="522514" cy="534389"/>
+          </a:xfrm>
+          <a:prstGeom prst="ellipse">
+            <a:avLst/>
+          </a:prstGeom>
+        </p:spPr>
+        <p:style>
+          <a:lnRef idx="2">
+            <a:schemeClr val="accent1">
+              <a:shade val="50000"/>
+            </a:schemeClr>
+          </a:lnRef>
+          <a:fillRef idx="1">
+            <a:schemeClr val="accent1"/>
+          </a:fillRef>
+          <a:effectRef idx="0">
+            <a:schemeClr val="accent1"/>
+          </a:effectRef>
+          <a:fontRef idx="minor">
+            <a:schemeClr val="lt1"/>
+          </a:fontRef>
+        </p:style>
+        <p:txBody>
+          <a:bodyPr rtlCol="0" anchor="ctr"/>
+          <a:lstStyle/>
+          <a:p>
+            <a:pPr algn="ctr"/>
+            <a:r>
+              <a:rPr kumimoji="1" lang="en-US" altLang="zh-CN" dirty="0"/>
+              <a:t>D</a:t>
+            </a:r>
+            <a:endParaRPr kumimoji="1" lang="zh-CN" altLang="en-US" dirty="0"/>
+          </a:p>
+        </p:txBody>
+      </p:sp>
+      <p:sp>
+        <p:nvSpPr>
+          <p:cNvPr id="12" name="椭圆 11">
+            <a:extLst>
+              <a:ext uri="{FF2B5EF4-FFF2-40B4-BE49-F238E27FC236}">
+                <a16:creationId xmlns:a16="http://schemas.microsoft.com/office/drawing/2014/main" id="{DAFB89A5-7EFE-4E4D-BE77-6D4F3402771E}"/>
+              </a:ext>
+            </a:extLst>
+          </p:cNvPr>
+          <p:cNvSpPr/>
+          <p:nvPr/>
+        </p:nvSpPr>
+        <p:spPr>
+          <a:xfrm>
+            <a:off x="7193815" y="1268853"/>
+            <a:ext cx="522514" cy="534389"/>
+          </a:xfrm>
+          <a:prstGeom prst="ellipse">
+            <a:avLst/>
+          </a:prstGeom>
+        </p:spPr>
+        <p:style>
+          <a:lnRef idx="2">
+            <a:schemeClr val="accent1">
+              <a:shade val="50000"/>
+            </a:schemeClr>
+          </a:lnRef>
+          <a:fillRef idx="1">
+            <a:schemeClr val="accent1"/>
+          </a:fillRef>
+          <a:effectRef idx="0">
+            <a:schemeClr val="accent1"/>
+          </a:effectRef>
+          <a:fontRef idx="minor">
+            <a:schemeClr val="lt1"/>
+          </a:fontRef>
+        </p:style>
+        <p:txBody>
+          <a:bodyPr rtlCol="0" anchor="ctr"/>
+          <a:lstStyle/>
+          <a:p>
+            <a:pPr algn="ctr"/>
+            <a:r>
+              <a:rPr kumimoji="1" lang="en-US" altLang="zh-CN" dirty="0"/>
+              <a:t>G</a:t>
+            </a:r>
+            <a:endParaRPr kumimoji="1" lang="zh-CN" altLang="en-US" dirty="0"/>
+          </a:p>
+        </p:txBody>
+      </p:sp>
+      <p:sp>
+        <p:nvSpPr>
+          <p:cNvPr id="13" name="椭圆 12">
+            <a:extLst>
+              <a:ext uri="{FF2B5EF4-FFF2-40B4-BE49-F238E27FC236}">
+                <a16:creationId xmlns:a16="http://schemas.microsoft.com/office/drawing/2014/main" id="{CF61EFBE-36F5-264F-87D2-A9FAD406CE7B}"/>
+              </a:ext>
+            </a:extLst>
+          </p:cNvPr>
+          <p:cNvSpPr/>
+          <p:nvPr/>
+        </p:nvSpPr>
+        <p:spPr>
+          <a:xfrm>
+            <a:off x="6179560" y="2816031"/>
+            <a:ext cx="522514" cy="534389"/>
+          </a:xfrm>
+          <a:prstGeom prst="ellipse">
+            <a:avLst/>
+          </a:prstGeom>
+        </p:spPr>
+        <p:style>
+          <a:lnRef idx="2">
+            <a:schemeClr val="accent1">
+              <a:shade val="50000"/>
+            </a:schemeClr>
+          </a:lnRef>
+          <a:fillRef idx="1">
+            <a:schemeClr val="accent1"/>
+          </a:fillRef>
+          <a:effectRef idx="0">
+            <a:schemeClr val="accent1"/>
+          </a:effectRef>
+          <a:fontRef idx="minor">
+            <a:schemeClr val="lt1"/>
+          </a:fontRef>
+        </p:style>
+        <p:txBody>
+          <a:bodyPr rtlCol="0" anchor="ctr"/>
+          <a:lstStyle/>
+          <a:p>
+            <a:pPr algn="ctr"/>
+            <a:r>
+              <a:rPr kumimoji="1" lang="en-US" altLang="zh-CN" dirty="0"/>
+              <a:t>F</a:t>
+            </a:r>
+            <a:endParaRPr kumimoji="1" lang="zh-CN" altLang="en-US" dirty="0"/>
+          </a:p>
+        </p:txBody>
+      </p:sp>
+      <p:sp>
+        <p:nvSpPr>
+          <p:cNvPr id="14" name="椭圆 13">
+            <a:extLst>
+              <a:ext uri="{FF2B5EF4-FFF2-40B4-BE49-F238E27FC236}">
+                <a16:creationId xmlns:a16="http://schemas.microsoft.com/office/drawing/2014/main" id="{58F1C6F1-0C6F-5343-8966-C640056E7124}"/>
+              </a:ext>
+            </a:extLst>
+          </p:cNvPr>
+          <p:cNvSpPr/>
+          <p:nvPr/>
+        </p:nvSpPr>
+        <p:spPr>
+          <a:xfrm>
+            <a:off x="4453805" y="2826546"/>
+            <a:ext cx="522514" cy="534389"/>
+          </a:xfrm>
+          <a:prstGeom prst="ellipse">
+            <a:avLst/>
+          </a:prstGeom>
+        </p:spPr>
+        <p:style>
+          <a:lnRef idx="2">
+            <a:schemeClr val="accent1">
+              <a:shade val="50000"/>
+            </a:schemeClr>
+          </a:lnRef>
+          <a:fillRef idx="1">
+            <a:schemeClr val="accent1"/>
+          </a:fillRef>
+          <a:effectRef idx="0">
+            <a:schemeClr val="accent1"/>
+          </a:effectRef>
+          <a:fontRef idx="minor">
+            <a:schemeClr val="lt1"/>
+          </a:fontRef>
+        </p:style>
+        <p:txBody>
+          <a:bodyPr rtlCol="0" anchor="ctr"/>
+          <a:lstStyle/>
+          <a:p>
+            <a:pPr algn="ctr"/>
+            <a:r>
+              <a:rPr kumimoji="1" lang="en-US" altLang="zh-CN" dirty="0"/>
+              <a:t>C</a:t>
+            </a:r>
+            <a:endParaRPr kumimoji="1" lang="zh-CN" altLang="en-US" dirty="0"/>
+          </a:p>
+        </p:txBody>
+      </p:sp>
+      <p:sp>
+        <p:nvSpPr>
+          <p:cNvPr id="2" name="文本框 1">
+            <a:extLst>
+              <a:ext uri="{FF2B5EF4-FFF2-40B4-BE49-F238E27FC236}">
+                <a16:creationId xmlns:a16="http://schemas.microsoft.com/office/drawing/2014/main" id="{4B181367-25AF-0441-83B6-92CCC482EE53}"/>
+              </a:ext>
+            </a:extLst>
+          </p:cNvPr>
+          <p:cNvSpPr txBox="1"/>
+          <p:nvPr/>
+        </p:nvSpPr>
+        <p:spPr>
+          <a:xfrm>
+            <a:off x="213755" y="142504"/>
+            <a:ext cx="5028593" cy="369332"/>
+          </a:xfrm>
+          <a:prstGeom prst="rect">
+            <a:avLst/>
+          </a:prstGeom>
+          <a:noFill/>
+        </p:spPr>
+        <p:txBody>
+          <a:bodyPr wrap="square" rtlCol="0">
+            <a:spAutoFit/>
+          </a:bodyPr>
+          <a:lstStyle/>
+          <a:p>
+            <a:r>
+              <a:rPr kumimoji="1" lang="en-US" altLang="zh-CN" b="1" dirty="0">
+                <a:solidFill>
+                  <a:srgbClr val="0070C0"/>
+                </a:solidFill>
+              </a:rPr>
+              <a:t>Graph</a:t>
+            </a:r>
+            <a:r>
+              <a:rPr kumimoji="1" lang="en-US" altLang="zh-CN" dirty="0">
+                <a:solidFill>
+                  <a:srgbClr val="0070C0"/>
+                </a:solidFill>
+              </a:rPr>
+              <a:t>-  REVERSED STRONG BRACH</a:t>
+            </a:r>
+            <a:endParaRPr kumimoji="1" lang="zh-CN" altLang="en-US" dirty="0">
+              <a:solidFill>
+                <a:srgbClr val="0070C0"/>
+              </a:solidFill>
+            </a:endParaRPr>
+          </a:p>
+        </p:txBody>
+      </p:sp>
+      <p:cxnSp>
+        <p:nvCxnSpPr>
+          <p:cNvPr id="5" name="直线箭头连接符 4">
+            <a:extLst>
+              <a:ext uri="{FF2B5EF4-FFF2-40B4-BE49-F238E27FC236}">
+                <a16:creationId xmlns:a16="http://schemas.microsoft.com/office/drawing/2014/main" id="{DC0AE937-7200-F84D-917F-6D93C3931826}"/>
+              </a:ext>
+            </a:extLst>
+          </p:cNvPr>
+          <p:cNvCxnSpPr>
+            <a:cxnSpLocks/>
+            <a:stCxn id="4" idx="5"/>
+            <a:endCxn id="14" idx="1"/>
+          </p:cNvCxnSpPr>
+          <p:nvPr/>
+        </p:nvCxnSpPr>
+        <p:spPr>
+          <a:xfrm>
+            <a:off x="2912788" y="1724983"/>
+            <a:ext cx="1617537" cy="1179822"/>
+          </a:xfrm>
+          <a:prstGeom prst="straightConnector1">
+            <a:avLst/>
+          </a:prstGeom>
+          <a:ln>
+            <a:tailEnd type="triangle"/>
+          </a:ln>
+        </p:spPr>
+        <p:style>
+          <a:lnRef idx="3">
+            <a:schemeClr val="accent2"/>
+          </a:lnRef>
+          <a:fillRef idx="0">
+            <a:schemeClr val="accent2"/>
+          </a:fillRef>
+          <a:effectRef idx="2">
+            <a:schemeClr val="accent2"/>
+          </a:effectRef>
+          <a:fontRef idx="minor">
+            <a:schemeClr val="tx1"/>
+          </a:fontRef>
+        </p:style>
+      </p:cxnSp>
+      <p:cxnSp>
+        <p:nvCxnSpPr>
+          <p:cNvPr id="8" name="直线箭头连接符 7">
+            <a:extLst>
+              <a:ext uri="{FF2B5EF4-FFF2-40B4-BE49-F238E27FC236}">
+                <a16:creationId xmlns:a16="http://schemas.microsoft.com/office/drawing/2014/main" id="{3C289379-0749-8D4C-A405-AB6BED94714E}"/>
+              </a:ext>
+            </a:extLst>
+          </p:cNvPr>
+          <p:cNvCxnSpPr>
+            <a:cxnSpLocks/>
+            <a:stCxn id="7" idx="2"/>
+            <a:endCxn id="4" idx="6"/>
+          </p:cNvCxnSpPr>
+          <p:nvPr/>
+        </p:nvCxnSpPr>
+        <p:spPr>
+          <a:xfrm flipH="1">
+            <a:off x="2989308" y="1536048"/>
+            <a:ext cx="1464496" cy="0"/>
+          </a:xfrm>
+          <a:prstGeom prst="straightConnector1">
+            <a:avLst/>
+          </a:prstGeom>
+          <a:ln>
+            <a:tailEnd type="triangle"/>
+          </a:ln>
+        </p:spPr>
+        <p:style>
+          <a:lnRef idx="3">
+            <a:schemeClr val="accent2"/>
+          </a:lnRef>
+          <a:fillRef idx="0">
+            <a:schemeClr val="accent2"/>
+          </a:fillRef>
+          <a:effectRef idx="2">
+            <a:schemeClr val="accent2"/>
+          </a:effectRef>
+          <a:fontRef idx="minor">
+            <a:schemeClr val="tx1"/>
+          </a:fontRef>
+        </p:style>
+      </p:cxnSp>
+      <p:cxnSp>
+        <p:nvCxnSpPr>
+          <p:cNvPr id="16" name="直线箭头连接符 15">
+            <a:extLst>
+              <a:ext uri="{FF2B5EF4-FFF2-40B4-BE49-F238E27FC236}">
+                <a16:creationId xmlns:a16="http://schemas.microsoft.com/office/drawing/2014/main" id="{300552AD-6A6D-E345-A0E3-5E4B202DBEE9}"/>
+              </a:ext>
+            </a:extLst>
+          </p:cNvPr>
+          <p:cNvCxnSpPr>
+            <a:cxnSpLocks/>
+            <a:stCxn id="7" idx="5"/>
+            <a:endCxn id="13" idx="1"/>
+          </p:cNvCxnSpPr>
+          <p:nvPr/>
+        </p:nvCxnSpPr>
+        <p:spPr>
+          <a:xfrm>
+            <a:off x="4899798" y="1724983"/>
+            <a:ext cx="1356282" cy="1169307"/>
+          </a:xfrm>
+          <a:prstGeom prst="straightConnector1">
+            <a:avLst/>
+          </a:prstGeom>
+          <a:ln>
+            <a:tailEnd type="triangle"/>
+          </a:ln>
+        </p:spPr>
+        <p:style>
+          <a:lnRef idx="3">
+            <a:schemeClr val="accent1"/>
+          </a:lnRef>
+          <a:fillRef idx="0">
+            <a:schemeClr val="accent1"/>
+          </a:fillRef>
+          <a:effectRef idx="2">
+            <a:schemeClr val="accent1"/>
+          </a:effectRef>
+          <a:fontRef idx="minor">
+            <a:schemeClr val="tx1"/>
+          </a:fontRef>
+        </p:style>
+      </p:cxnSp>
+      <p:cxnSp>
+        <p:nvCxnSpPr>
+          <p:cNvPr id="18" name="直线箭头连接符 17">
+            <a:extLst>
+              <a:ext uri="{FF2B5EF4-FFF2-40B4-BE49-F238E27FC236}">
+                <a16:creationId xmlns:a16="http://schemas.microsoft.com/office/drawing/2014/main" id="{72205337-60AF-024C-B9AC-B594C0DBE8E3}"/>
+              </a:ext>
+            </a:extLst>
+          </p:cNvPr>
+          <p:cNvCxnSpPr>
+            <a:cxnSpLocks/>
+            <a:stCxn id="78" idx="3"/>
+            <a:endCxn id="81" idx="7"/>
+          </p:cNvCxnSpPr>
+          <p:nvPr/>
+        </p:nvCxnSpPr>
+        <p:spPr>
+          <a:xfrm flipH="1">
+            <a:off x="6625554" y="3272160"/>
+            <a:ext cx="1659037" cy="1161668"/>
+          </a:xfrm>
+          <a:prstGeom prst="straightConnector1">
+            <a:avLst/>
+          </a:prstGeom>
+          <a:ln>
+            <a:tailEnd type="triangle"/>
+          </a:ln>
+        </p:spPr>
+        <p:style>
+          <a:lnRef idx="3">
+            <a:schemeClr val="accent1"/>
+          </a:lnRef>
+          <a:fillRef idx="0">
+            <a:schemeClr val="accent1"/>
+          </a:fillRef>
+          <a:effectRef idx="2">
+            <a:schemeClr val="accent1"/>
+          </a:effectRef>
+          <a:fontRef idx="minor">
+            <a:schemeClr val="tx1"/>
+          </a:fontRef>
+        </p:style>
+      </p:cxnSp>
+      <p:cxnSp>
+        <p:nvCxnSpPr>
+          <p:cNvPr id="20" name="直线箭头连接符 19">
+            <a:extLst>
+              <a:ext uri="{FF2B5EF4-FFF2-40B4-BE49-F238E27FC236}">
+                <a16:creationId xmlns:a16="http://schemas.microsoft.com/office/drawing/2014/main" id="{E8C63654-5F39-BF43-B33C-9A7A3F093F34}"/>
+              </a:ext>
+            </a:extLst>
+          </p:cNvPr>
+          <p:cNvCxnSpPr>
+            <a:cxnSpLocks/>
+            <a:stCxn id="12" idx="3"/>
+            <a:endCxn id="13" idx="7"/>
+          </p:cNvCxnSpPr>
+          <p:nvPr/>
+        </p:nvCxnSpPr>
+        <p:spPr>
+          <a:xfrm flipH="1">
+            <a:off x="6625554" y="1724983"/>
+            <a:ext cx="644781" cy="1169307"/>
+          </a:xfrm>
+          <a:prstGeom prst="straightConnector1">
+            <a:avLst/>
+          </a:prstGeom>
+          <a:ln>
+            <a:tailEnd type="triangle"/>
+          </a:ln>
+        </p:spPr>
+        <p:style>
+          <a:lnRef idx="3">
+            <a:schemeClr val="accent1"/>
+          </a:lnRef>
+          <a:fillRef idx="0">
+            <a:schemeClr val="accent1"/>
+          </a:fillRef>
+          <a:effectRef idx="2">
+            <a:schemeClr val="accent1"/>
+          </a:effectRef>
+          <a:fontRef idx="minor">
+            <a:schemeClr val="tx1"/>
+          </a:fontRef>
+        </p:style>
+      </p:cxnSp>
+      <p:cxnSp>
+        <p:nvCxnSpPr>
+          <p:cNvPr id="23" name="直线箭头连接符 22">
+            <a:extLst>
+              <a:ext uri="{FF2B5EF4-FFF2-40B4-BE49-F238E27FC236}">
+                <a16:creationId xmlns:a16="http://schemas.microsoft.com/office/drawing/2014/main" id="{3BD51E29-51C0-4642-B2D7-6E9C206F4487}"/>
+              </a:ext>
+            </a:extLst>
+          </p:cNvPr>
+          <p:cNvCxnSpPr>
+            <a:cxnSpLocks/>
+            <a:stCxn id="11" idx="4"/>
+            <a:endCxn id="9" idx="0"/>
+          </p:cNvCxnSpPr>
+          <p:nvPr/>
+        </p:nvCxnSpPr>
+        <p:spPr>
+          <a:xfrm>
+            <a:off x="2728051" y="3360935"/>
+            <a:ext cx="0" cy="996398"/>
+          </a:xfrm>
+          <a:prstGeom prst="straightConnector1">
+            <a:avLst/>
+          </a:prstGeom>
+          <a:ln>
+            <a:tailEnd type="triangle"/>
+          </a:ln>
+        </p:spPr>
+        <p:style>
+          <a:lnRef idx="3">
+            <a:schemeClr val="accent1"/>
+          </a:lnRef>
+          <a:fillRef idx="0">
+            <a:schemeClr val="accent1"/>
+          </a:fillRef>
+          <a:effectRef idx="2">
+            <a:schemeClr val="accent1"/>
+          </a:effectRef>
+          <a:fontRef idx="minor">
+            <a:schemeClr val="tx1"/>
+          </a:fontRef>
+        </p:style>
+      </p:cxnSp>
+      <p:cxnSp>
+        <p:nvCxnSpPr>
+          <p:cNvPr id="25" name="直线箭头连接符 24">
+            <a:extLst>
+              <a:ext uri="{FF2B5EF4-FFF2-40B4-BE49-F238E27FC236}">
+                <a16:creationId xmlns:a16="http://schemas.microsoft.com/office/drawing/2014/main" id="{67A4B1F0-9AAB-2C4E-8EBD-B99A140C6FF2}"/>
+              </a:ext>
+            </a:extLst>
+          </p:cNvPr>
+          <p:cNvCxnSpPr>
+            <a:cxnSpLocks/>
+            <a:stCxn id="11" idx="0"/>
+            <a:endCxn id="4" idx="4"/>
+          </p:cNvCxnSpPr>
+          <p:nvPr/>
+        </p:nvCxnSpPr>
+        <p:spPr>
+          <a:xfrm flipV="1">
+            <a:off x="2728051" y="1803242"/>
+            <a:ext cx="0" cy="1023304"/>
+          </a:xfrm>
+          <a:prstGeom prst="straightConnector1">
+            <a:avLst/>
+          </a:prstGeom>
+          <a:ln>
+            <a:tailEnd type="triangle"/>
+          </a:ln>
+        </p:spPr>
+        <p:style>
+          <a:lnRef idx="3">
+            <a:schemeClr val="accent2"/>
+          </a:lnRef>
+          <a:fillRef idx="0">
+            <a:schemeClr val="accent2"/>
+          </a:fillRef>
+          <a:effectRef idx="2">
+            <a:schemeClr val="accent2"/>
+          </a:effectRef>
+          <a:fontRef idx="minor">
+            <a:schemeClr val="tx1"/>
+          </a:fontRef>
+        </p:style>
+      </p:cxnSp>
+      <p:cxnSp>
+        <p:nvCxnSpPr>
+          <p:cNvPr id="39" name="直线箭头连接符 38">
+            <a:extLst>
+              <a:ext uri="{FF2B5EF4-FFF2-40B4-BE49-F238E27FC236}">
+                <a16:creationId xmlns:a16="http://schemas.microsoft.com/office/drawing/2014/main" id="{A0A02A6F-ECB6-894A-8221-4F8B00D51F02}"/>
+              </a:ext>
+            </a:extLst>
+          </p:cNvPr>
+          <p:cNvCxnSpPr>
+            <a:cxnSpLocks/>
+            <a:stCxn id="12" idx="5"/>
+            <a:endCxn id="78" idx="1"/>
+          </p:cNvCxnSpPr>
+          <p:nvPr/>
+        </p:nvCxnSpPr>
+        <p:spPr>
+          <a:xfrm>
+            <a:off x="7639809" y="1724983"/>
+            <a:ext cx="644782" cy="1169306"/>
+          </a:xfrm>
+          <a:prstGeom prst="straightConnector1">
+            <a:avLst/>
+          </a:prstGeom>
+          <a:ln>
+            <a:tailEnd type="triangle"/>
+          </a:ln>
+        </p:spPr>
+        <p:style>
+          <a:lnRef idx="3">
+            <a:schemeClr val="accent1"/>
+          </a:lnRef>
+          <a:fillRef idx="0">
+            <a:schemeClr val="accent1"/>
+          </a:fillRef>
+          <a:effectRef idx="2">
+            <a:schemeClr val="accent1"/>
+          </a:effectRef>
+          <a:fontRef idx="minor">
+            <a:schemeClr val="tx1"/>
+          </a:fontRef>
+        </p:style>
+      </p:cxnSp>
+      <p:cxnSp>
+        <p:nvCxnSpPr>
+          <p:cNvPr id="41" name="直线箭头连接符 40">
+            <a:extLst>
+              <a:ext uri="{FF2B5EF4-FFF2-40B4-BE49-F238E27FC236}">
+                <a16:creationId xmlns:a16="http://schemas.microsoft.com/office/drawing/2014/main" id="{DA1F7EB5-B9D0-894D-8C93-733946ABFC2E}"/>
+              </a:ext>
+            </a:extLst>
+          </p:cNvPr>
+          <p:cNvCxnSpPr>
+            <a:cxnSpLocks/>
+            <a:stCxn id="14" idx="3"/>
+            <a:endCxn id="9" idx="6"/>
+          </p:cNvCxnSpPr>
+          <p:nvPr/>
+        </p:nvCxnSpPr>
+        <p:spPr>
+          <a:xfrm flipH="1">
+            <a:off x="2989308" y="3282676"/>
+            <a:ext cx="1541017" cy="1341852"/>
+          </a:xfrm>
+          <a:prstGeom prst="straightConnector1">
+            <a:avLst/>
+          </a:prstGeom>
+          <a:ln>
+            <a:tailEnd type="triangle"/>
+          </a:ln>
+        </p:spPr>
+        <p:style>
+          <a:lnRef idx="3">
+            <a:schemeClr val="accent1"/>
+          </a:lnRef>
+          <a:fillRef idx="0">
+            <a:schemeClr val="accent1"/>
+          </a:fillRef>
+          <a:effectRef idx="2">
+            <a:schemeClr val="accent1"/>
+          </a:effectRef>
+          <a:fontRef idx="minor">
+            <a:schemeClr val="tx1"/>
+          </a:fontRef>
+        </p:style>
+      </p:cxnSp>
+      <p:cxnSp>
+        <p:nvCxnSpPr>
+          <p:cNvPr id="43" name="直线箭头连接符 42">
+            <a:extLst>
+              <a:ext uri="{FF2B5EF4-FFF2-40B4-BE49-F238E27FC236}">
+                <a16:creationId xmlns:a16="http://schemas.microsoft.com/office/drawing/2014/main" id="{D6947BA2-74A3-8048-81D6-BCDB50920098}"/>
+              </a:ext>
+            </a:extLst>
+          </p:cNvPr>
+          <p:cNvCxnSpPr>
+            <a:cxnSpLocks/>
+            <a:stCxn id="82" idx="0"/>
+            <a:endCxn id="78" idx="4"/>
+          </p:cNvCxnSpPr>
+          <p:nvPr/>
+        </p:nvCxnSpPr>
+        <p:spPr>
+          <a:xfrm flipV="1">
+            <a:off x="8469328" y="3350419"/>
+            <a:ext cx="0" cy="1005150"/>
+          </a:xfrm>
+          <a:prstGeom prst="straightConnector1">
+            <a:avLst/>
+          </a:prstGeom>
+          <a:ln>
+            <a:tailEnd type="triangle"/>
+          </a:ln>
+        </p:spPr>
+        <p:style>
+          <a:lnRef idx="3">
+            <a:schemeClr val="accent1"/>
+          </a:lnRef>
+          <a:fillRef idx="0">
+            <a:schemeClr val="accent1"/>
+          </a:fillRef>
+          <a:effectRef idx="2">
+            <a:schemeClr val="accent1"/>
+          </a:effectRef>
+          <a:fontRef idx="minor">
+            <a:schemeClr val="tx1"/>
+          </a:fontRef>
+        </p:style>
+      </p:cxnSp>
+      <p:cxnSp>
+        <p:nvCxnSpPr>
+          <p:cNvPr id="45" name="直线箭头连接符 44">
+            <a:extLst>
+              <a:ext uri="{FF2B5EF4-FFF2-40B4-BE49-F238E27FC236}">
+                <a16:creationId xmlns:a16="http://schemas.microsoft.com/office/drawing/2014/main" id="{1AAC828F-96AB-744E-8555-7ECB2A3F3CB1}"/>
+              </a:ext>
+            </a:extLst>
+          </p:cNvPr>
+          <p:cNvCxnSpPr>
+            <a:cxnSpLocks/>
+            <a:stCxn id="13" idx="2"/>
+            <a:endCxn id="14" idx="6"/>
+          </p:cNvCxnSpPr>
+          <p:nvPr/>
+        </p:nvCxnSpPr>
+        <p:spPr>
+          <a:xfrm flipH="1">
+            <a:off x="4976319" y="3083226"/>
+            <a:ext cx="1203241" cy="10515"/>
+          </a:xfrm>
+          <a:prstGeom prst="straightConnector1">
+            <a:avLst/>
+          </a:prstGeom>
+          <a:ln>
+            <a:tailEnd type="triangle"/>
+          </a:ln>
+        </p:spPr>
+        <p:style>
+          <a:lnRef idx="3">
+            <a:schemeClr val="accent1"/>
+          </a:lnRef>
+          <a:fillRef idx="0">
+            <a:schemeClr val="accent1"/>
+          </a:fillRef>
+          <a:effectRef idx="2">
+            <a:schemeClr val="accent1"/>
+          </a:effectRef>
+          <a:fontRef idx="minor">
+            <a:schemeClr val="tx1"/>
+          </a:fontRef>
+        </p:style>
+      </p:cxnSp>
+      <p:cxnSp>
+        <p:nvCxnSpPr>
+          <p:cNvPr id="47" name="直线箭头连接符 46">
+            <a:extLst>
+              <a:ext uri="{FF2B5EF4-FFF2-40B4-BE49-F238E27FC236}">
+                <a16:creationId xmlns:a16="http://schemas.microsoft.com/office/drawing/2014/main" id="{23B83BC8-FC7E-0647-81F6-4DCB9298CCC1}"/>
+              </a:ext>
+            </a:extLst>
+          </p:cNvPr>
+          <p:cNvCxnSpPr>
+            <a:cxnSpLocks/>
+            <a:stCxn id="14" idx="2"/>
+            <a:endCxn id="11" idx="6"/>
+          </p:cNvCxnSpPr>
+          <p:nvPr/>
+        </p:nvCxnSpPr>
+        <p:spPr>
+          <a:xfrm flipH="1">
+            <a:off x="2989308" y="3093741"/>
+            <a:ext cx="1464497" cy="0"/>
+          </a:xfrm>
+          <a:prstGeom prst="straightConnector1">
+            <a:avLst/>
+          </a:prstGeom>
+          <a:ln>
+            <a:tailEnd type="triangle"/>
+          </a:ln>
+        </p:spPr>
+        <p:style>
+          <a:lnRef idx="3">
+            <a:schemeClr val="accent1"/>
+          </a:lnRef>
+          <a:fillRef idx="0">
+            <a:schemeClr val="accent1"/>
+          </a:fillRef>
+          <a:effectRef idx="2">
+            <a:schemeClr val="accent1"/>
+          </a:effectRef>
+          <a:fontRef idx="minor">
+            <a:schemeClr val="tx1"/>
+          </a:fontRef>
+        </p:style>
+      </p:cxnSp>
+      <p:sp>
+        <p:nvSpPr>
+          <p:cNvPr id="33" name="文本框 32">
+            <a:extLst>
+              <a:ext uri="{FF2B5EF4-FFF2-40B4-BE49-F238E27FC236}">
+                <a16:creationId xmlns:a16="http://schemas.microsoft.com/office/drawing/2014/main" id="{09CBDA21-04B1-C84B-8BF2-ADAB7D7BFB6A}"/>
+              </a:ext>
+            </a:extLst>
+          </p:cNvPr>
+          <p:cNvSpPr txBox="1"/>
+          <p:nvPr/>
+        </p:nvSpPr>
+        <p:spPr>
+          <a:xfrm>
+            <a:off x="4560125" y="2375065"/>
+            <a:ext cx="184731" cy="369332"/>
+          </a:xfrm>
+          <a:prstGeom prst="rect">
+            <a:avLst/>
+          </a:prstGeom>
+          <a:noFill/>
+        </p:spPr>
+        <p:txBody>
+          <a:bodyPr wrap="none" rtlCol="0">
+            <a:spAutoFit/>
+          </a:bodyPr>
+          <a:lstStyle/>
+          <a:p>
+            <a:endParaRPr kumimoji="1" lang="zh-CN" altLang="en-US" dirty="0"/>
+          </a:p>
+        </p:txBody>
+      </p:sp>
+      <p:sp>
+        <p:nvSpPr>
+          <p:cNvPr id="78" name="椭圆 77">
+            <a:extLst>
+              <a:ext uri="{FF2B5EF4-FFF2-40B4-BE49-F238E27FC236}">
+                <a16:creationId xmlns:a16="http://schemas.microsoft.com/office/drawing/2014/main" id="{94F0DC91-B8C2-F645-BAF1-74B55F6D18EB}"/>
+              </a:ext>
+            </a:extLst>
+          </p:cNvPr>
+          <p:cNvSpPr/>
+          <p:nvPr/>
+        </p:nvSpPr>
+        <p:spPr>
+          <a:xfrm>
+            <a:off x="8208071" y="2816030"/>
+            <a:ext cx="522514" cy="534389"/>
+          </a:xfrm>
+          <a:prstGeom prst="ellipse">
+            <a:avLst/>
+          </a:prstGeom>
+        </p:spPr>
+        <p:style>
+          <a:lnRef idx="2">
+            <a:schemeClr val="accent1">
+              <a:shade val="50000"/>
+            </a:schemeClr>
+          </a:lnRef>
+          <a:fillRef idx="1">
+            <a:schemeClr val="accent1"/>
+          </a:fillRef>
+          <a:effectRef idx="0">
+            <a:schemeClr val="accent1"/>
+          </a:effectRef>
+          <a:fontRef idx="minor">
+            <a:schemeClr val="lt1"/>
+          </a:fontRef>
+        </p:style>
+        <p:txBody>
+          <a:bodyPr rtlCol="0" anchor="ctr"/>
+          <a:lstStyle/>
+          <a:p>
+            <a:pPr algn="ctr"/>
+            <a:r>
+              <a:rPr kumimoji="1" lang="en-US" altLang="zh-CN" dirty="0"/>
+              <a:t>H</a:t>
+            </a:r>
+            <a:endParaRPr kumimoji="1" lang="zh-CN" altLang="en-US" dirty="0"/>
+          </a:p>
+        </p:txBody>
+      </p:sp>
+      <p:sp>
+        <p:nvSpPr>
+          <p:cNvPr id="81" name="椭圆 80">
+            <a:extLst>
+              <a:ext uri="{FF2B5EF4-FFF2-40B4-BE49-F238E27FC236}">
+                <a16:creationId xmlns:a16="http://schemas.microsoft.com/office/drawing/2014/main" id="{F63FED62-3819-E546-A34A-C79DBC2D2D09}"/>
+              </a:ext>
+            </a:extLst>
+          </p:cNvPr>
+          <p:cNvSpPr/>
+          <p:nvPr/>
+        </p:nvSpPr>
+        <p:spPr>
+          <a:xfrm>
+            <a:off x="6179560" y="4355569"/>
+            <a:ext cx="522514" cy="534389"/>
+          </a:xfrm>
+          <a:prstGeom prst="ellipse">
+            <a:avLst/>
+          </a:prstGeom>
+        </p:spPr>
+        <p:style>
+          <a:lnRef idx="2">
+            <a:schemeClr val="accent1">
+              <a:shade val="50000"/>
+            </a:schemeClr>
+          </a:lnRef>
+          <a:fillRef idx="1">
+            <a:schemeClr val="accent1"/>
+          </a:fillRef>
+          <a:effectRef idx="0">
+            <a:schemeClr val="accent1"/>
+          </a:effectRef>
+          <a:fontRef idx="minor">
+            <a:schemeClr val="lt1"/>
+          </a:fontRef>
+        </p:style>
+        <p:txBody>
+          <a:bodyPr rtlCol="0" anchor="ctr"/>
+          <a:lstStyle/>
+          <a:p>
+            <a:pPr algn="ctr"/>
+            <a:r>
+              <a:rPr kumimoji="1" lang="en-US" altLang="zh-CN" dirty="0"/>
+              <a:t>J</a:t>
+            </a:r>
+            <a:endParaRPr kumimoji="1" lang="zh-CN" altLang="en-US" dirty="0"/>
+          </a:p>
+        </p:txBody>
+      </p:sp>
+      <p:sp>
+        <p:nvSpPr>
+          <p:cNvPr id="82" name="椭圆 81">
+            <a:extLst>
+              <a:ext uri="{FF2B5EF4-FFF2-40B4-BE49-F238E27FC236}">
+                <a16:creationId xmlns:a16="http://schemas.microsoft.com/office/drawing/2014/main" id="{47EE0488-AA7F-C64D-9A0E-FFD7BAFB7909}"/>
+              </a:ext>
+            </a:extLst>
+          </p:cNvPr>
+          <p:cNvSpPr/>
+          <p:nvPr/>
+        </p:nvSpPr>
+        <p:spPr>
+          <a:xfrm>
+            <a:off x="8208071" y="4355569"/>
+            <a:ext cx="522514" cy="534389"/>
+          </a:xfrm>
+          <a:prstGeom prst="ellipse">
+            <a:avLst/>
+          </a:prstGeom>
+        </p:spPr>
+        <p:style>
+          <a:lnRef idx="2">
+            <a:schemeClr val="accent1">
+              <a:shade val="50000"/>
+            </a:schemeClr>
+          </a:lnRef>
+          <a:fillRef idx="1">
+            <a:schemeClr val="accent1"/>
+          </a:fillRef>
+          <a:effectRef idx="0">
+            <a:schemeClr val="accent1"/>
+          </a:effectRef>
+          <a:fontRef idx="minor">
+            <a:schemeClr val="lt1"/>
+          </a:fontRef>
+        </p:style>
+        <p:txBody>
+          <a:bodyPr rtlCol="0" anchor="ctr"/>
+          <a:lstStyle/>
+          <a:p>
+            <a:pPr algn="ctr"/>
+            <a:r>
+              <a:rPr kumimoji="1" lang="en-US" altLang="zh-CN" dirty="0"/>
+              <a:t>I</a:t>
+            </a:r>
+            <a:endParaRPr kumimoji="1" lang="zh-CN" altLang="en-US" dirty="0"/>
+          </a:p>
+        </p:txBody>
+      </p:sp>
+      <p:cxnSp>
+        <p:nvCxnSpPr>
+          <p:cNvPr id="88" name="直线箭头连接符 87">
+            <a:extLst>
+              <a:ext uri="{FF2B5EF4-FFF2-40B4-BE49-F238E27FC236}">
+                <a16:creationId xmlns:a16="http://schemas.microsoft.com/office/drawing/2014/main" id="{D695B63A-80A3-9841-A855-F8EF006602BC}"/>
+              </a:ext>
+            </a:extLst>
+          </p:cNvPr>
+          <p:cNvCxnSpPr>
+            <a:cxnSpLocks/>
+            <a:stCxn id="81" idx="6"/>
+            <a:endCxn id="82" idx="2"/>
+          </p:cNvCxnSpPr>
+          <p:nvPr/>
+        </p:nvCxnSpPr>
+        <p:spPr>
+          <a:xfrm>
+            <a:off x="6702074" y="4622764"/>
+            <a:ext cx="1505997" cy="0"/>
+          </a:xfrm>
+          <a:prstGeom prst="straightConnector1">
+            <a:avLst/>
+          </a:prstGeom>
+          <a:ln>
+            <a:tailEnd type="triangle"/>
+          </a:ln>
+        </p:spPr>
+        <p:style>
+          <a:lnRef idx="3">
+            <a:schemeClr val="accent1"/>
+          </a:lnRef>
+          <a:fillRef idx="0">
+            <a:schemeClr val="accent1"/>
+          </a:fillRef>
+          <a:effectRef idx="2">
+            <a:schemeClr val="accent1"/>
+          </a:effectRef>
+          <a:fontRef idx="minor">
+            <a:schemeClr val="tx1"/>
+          </a:fontRef>
+        </p:style>
+      </p:cxnSp>
+      <p:cxnSp>
+        <p:nvCxnSpPr>
+          <p:cNvPr id="90" name="直线箭头连接符 89">
+            <a:extLst>
+              <a:ext uri="{FF2B5EF4-FFF2-40B4-BE49-F238E27FC236}">
+                <a16:creationId xmlns:a16="http://schemas.microsoft.com/office/drawing/2014/main" id="{418AFA84-ECE1-5842-BE1B-B074E327198E}"/>
+              </a:ext>
+            </a:extLst>
+          </p:cNvPr>
+          <p:cNvCxnSpPr>
+            <a:cxnSpLocks/>
+            <a:stCxn id="7" idx="4"/>
+            <a:endCxn id="14" idx="0"/>
+          </p:cNvCxnSpPr>
+          <p:nvPr/>
+        </p:nvCxnSpPr>
+        <p:spPr>
+          <a:xfrm>
+            <a:off x="4715061" y="1803242"/>
+            <a:ext cx="1" cy="1023304"/>
+          </a:xfrm>
+          <a:prstGeom prst="straightConnector1">
+            <a:avLst/>
+          </a:prstGeom>
+          <a:ln>
+            <a:tailEnd type="triangle"/>
+          </a:ln>
+        </p:spPr>
+        <p:style>
+          <a:lnRef idx="3">
+            <a:schemeClr val="accent1"/>
+          </a:lnRef>
+          <a:fillRef idx="0">
+            <a:schemeClr val="accent1"/>
+          </a:fillRef>
+          <a:effectRef idx="2">
+            <a:schemeClr val="accent1"/>
+          </a:effectRef>
+          <a:fontRef idx="minor">
+            <a:schemeClr val="tx1"/>
+          </a:fontRef>
+        </p:style>
+      </p:cxnSp>
+      <p:cxnSp>
+        <p:nvCxnSpPr>
+          <p:cNvPr id="98" name="直线箭头连接符 97">
+            <a:extLst>
+              <a:ext uri="{FF2B5EF4-FFF2-40B4-BE49-F238E27FC236}">
+                <a16:creationId xmlns:a16="http://schemas.microsoft.com/office/drawing/2014/main" id="{CEF463D6-3EB0-8348-B72C-CDB2A4566823}"/>
+              </a:ext>
+            </a:extLst>
+          </p:cNvPr>
+          <p:cNvCxnSpPr>
+            <a:cxnSpLocks/>
+            <a:stCxn id="78" idx="2"/>
+            <a:endCxn id="13" idx="6"/>
+          </p:cNvCxnSpPr>
+          <p:nvPr/>
+        </p:nvCxnSpPr>
+        <p:spPr>
+          <a:xfrm flipH="1">
+            <a:off x="6702074" y="3083225"/>
+            <a:ext cx="1505997" cy="1"/>
+          </a:xfrm>
+          <a:prstGeom prst="straightConnector1">
+            <a:avLst/>
+          </a:prstGeom>
+          <a:ln>
+            <a:tailEnd type="triangle"/>
+          </a:ln>
+        </p:spPr>
+        <p:style>
+          <a:lnRef idx="3">
+            <a:schemeClr val="accent1"/>
+          </a:lnRef>
+          <a:fillRef idx="0">
+            <a:schemeClr val="accent1"/>
+          </a:fillRef>
+          <a:effectRef idx="2">
+            <a:schemeClr val="accent1"/>
+          </a:effectRef>
+          <a:fontRef idx="minor">
+            <a:schemeClr val="tx1"/>
+          </a:fontRef>
+        </p:style>
+      </p:cxnSp>
+    </p:spTree>
+    <p:extLst>
+      <p:ext uri="{BB962C8B-B14F-4D97-AF65-F5344CB8AC3E}">
+        <p14:creationId xmlns:p14="http://schemas.microsoft.com/office/powerpoint/2010/main" val="81067961"/>
+      </p:ext>
+    </p:extLst>
+  </p:cSld>
+  <p:clrMapOvr>
+    <a:masterClrMapping/>
+  </p:clrMapOvr>
+</p:sld>
+</file>
+
 <file path=ppt/slides/slide2.xml><?xml version="1.0" encoding="utf-8"?>
 <p:sld xmlns:a="http://schemas.openxmlformats.org/drawingml/2006/main" xmlns:r="http://schemas.openxmlformats.org/officeDocument/2006/relationships" xmlns:p="http://schemas.openxmlformats.org/presentationml/2006/main">
   <p:cSld>
@@ -12014,7 +13275,7 @@
         </p:nvSpPr>
         <p:spPr>
           <a:xfrm>
-            <a:off x="4453804" y="1289894"/>
+            <a:off x="4453804" y="1268852"/>
             <a:ext cx="522514" cy="534389"/>
           </a:xfrm>
           <a:prstGeom prst="ellipse">
@@ -12164,7 +13425,7 @@
         </p:nvSpPr>
         <p:spPr>
           <a:xfrm>
-            <a:off x="7054826" y="1289894"/>
+            <a:off x="7193815" y="1268852"/>
             <a:ext cx="522514" cy="534389"/>
           </a:xfrm>
           <a:prstGeom prst="ellipse">
@@ -12412,9 +13673,9 @@
           <p:nvPr/>
         </p:nvCxnSpPr>
         <p:spPr>
-          <a:xfrm>
-            <a:off x="2989308" y="1536048"/>
-            <a:ext cx="1464496" cy="21041"/>
+          <a:xfrm flipV="1">
+            <a:off x="2989308" y="1536047"/>
+            <a:ext cx="1464496" cy="1"/>
           </a:xfrm>
           <a:prstGeom prst="straightConnector1">
             <a:avLst/>
@@ -12456,8 +13717,8 @@
         </p:nvCxnSpPr>
         <p:spPr>
           <a:xfrm>
-            <a:off x="4899798" y="1746024"/>
-            <a:ext cx="1356282" cy="1148266"/>
+            <a:off x="4899798" y="1724982"/>
+            <a:ext cx="1356282" cy="1169308"/>
           </a:xfrm>
           <a:prstGeom prst="straightConnector1">
             <a:avLst/>
@@ -12542,8 +13803,8 @@
         </p:nvCxnSpPr>
         <p:spPr>
           <a:xfrm flipH="1">
-            <a:off x="6625554" y="1746024"/>
-            <a:ext cx="505792" cy="1148266"/>
+            <a:off x="6625554" y="1724982"/>
+            <a:ext cx="644781" cy="1169308"/>
           </a:xfrm>
           <a:prstGeom prst="straightConnector1">
             <a:avLst/>
@@ -12671,8 +13932,8 @@
         </p:nvCxnSpPr>
         <p:spPr>
           <a:xfrm>
-            <a:off x="7500820" y="1746024"/>
-            <a:ext cx="783771" cy="1148265"/>
+            <a:off x="7639809" y="1724982"/>
+            <a:ext cx="644782" cy="1169307"/>
           </a:xfrm>
           <a:prstGeom prst="straightConnector1">
             <a:avLst/>
@@ -13111,8 +14372,8 @@
         </p:nvCxnSpPr>
         <p:spPr>
           <a:xfrm>
-            <a:off x="4715061" y="1824283"/>
-            <a:ext cx="1" cy="1002263"/>
+            <a:off x="4715061" y="1803241"/>
+            <a:ext cx="1" cy="1023305"/>
           </a:xfrm>
           <a:prstGeom prst="straightConnector1">
             <a:avLst/>
@@ -13273,7 +14534,7 @@
         </p:nvSpPr>
         <p:spPr>
           <a:xfrm>
-            <a:off x="4453804" y="1289894"/>
+            <a:off x="4453804" y="1268853"/>
             <a:ext cx="522514" cy="534389"/>
           </a:xfrm>
           <a:prstGeom prst="ellipse">
@@ -13423,7 +14684,7 @@
         </p:nvSpPr>
         <p:spPr>
           <a:xfrm>
-            <a:off x="7054826" y="1289894"/>
+            <a:off x="7193815" y="1268853"/>
             <a:ext cx="522514" cy="534389"/>
           </a:xfrm>
           <a:prstGeom prst="ellipse">
@@ -13601,7 +14862,7 @@
                   <a:srgbClr val="0070C0"/>
                 </a:solidFill>
               </a:rPr>
-              <a:t>- Directed Graph DFS</a:t>
+              <a:t>- STRONG BRACH</a:t>
             </a:r>
             <a:endParaRPr kumimoji="1" lang="zh-CN" altLang="en-US" dirty="0">
               <a:solidFill>
@@ -13635,25 +14896,19 @@
           <a:prstGeom prst="straightConnector1">
             <a:avLst/>
           </a:prstGeom>
-          <a:ln w="9525" cap="flat" cmpd="sng" algn="ctr">
-            <a:solidFill>
-              <a:schemeClr val="accent2"/>
-            </a:solidFill>
-            <a:prstDash val="dash"/>
-            <a:round/>
-            <a:headEnd type="none" w="med" len="med"/>
-            <a:tailEnd type="none" w="med" len="med"/>
+          <a:ln>
+            <a:tailEnd type="triangle"/>
           </a:ln>
         </p:spPr>
         <p:style>
-          <a:lnRef idx="0">
-            <a:scrgbClr r="0" g="0" b="0"/>
+          <a:lnRef idx="3">
+            <a:schemeClr val="accent1"/>
           </a:lnRef>
           <a:fillRef idx="0">
-            <a:scrgbClr r="0" g="0" b="0"/>
-          </a:fillRef>
-          <a:effectRef idx="0">
-            <a:scrgbClr r="0" g="0" b="0"/>
+            <a:schemeClr val="accent1"/>
+          </a:fillRef>
+          <a:effectRef idx="2">
+            <a:schemeClr val="accent1"/>
           </a:effectRef>
           <a:fontRef idx="minor">
             <a:schemeClr val="tx1"/>
@@ -13679,7 +14934,7 @@
         <p:spPr>
           <a:xfrm>
             <a:off x="2989308" y="1536048"/>
-            <a:ext cx="1464496" cy="21041"/>
+            <a:ext cx="1464496" cy="0"/>
           </a:xfrm>
           <a:prstGeom prst="straightConnector1">
             <a:avLst/>
@@ -13721,8 +14976,8 @@
         </p:nvCxnSpPr>
         <p:spPr>
           <a:xfrm>
-            <a:off x="4899798" y="1746024"/>
-            <a:ext cx="1356282" cy="1148266"/>
+            <a:off x="4899798" y="1724983"/>
+            <a:ext cx="1356282" cy="1169307"/>
           </a:xfrm>
           <a:prstGeom prst="straightConnector1">
             <a:avLst/>
@@ -13807,31 +15062,25 @@
         </p:nvCxnSpPr>
         <p:spPr>
           <a:xfrm flipH="1">
-            <a:off x="6625554" y="1746024"/>
-            <a:ext cx="505792" cy="1148266"/>
+            <a:off x="6625554" y="1724983"/>
+            <a:ext cx="644781" cy="1169307"/>
           </a:xfrm>
           <a:prstGeom prst="straightConnector1">
             <a:avLst/>
           </a:prstGeom>
-          <a:ln w="9525" cap="flat" cmpd="sng" algn="ctr">
-            <a:solidFill>
-              <a:schemeClr val="accent2"/>
-            </a:solidFill>
-            <a:prstDash val="dash"/>
-            <a:round/>
-            <a:headEnd type="none" w="med" len="med"/>
-            <a:tailEnd type="none" w="med" len="med"/>
+          <a:ln>
+            <a:tailEnd type="triangle"/>
           </a:ln>
         </p:spPr>
         <p:style>
-          <a:lnRef idx="0">
-            <a:scrgbClr r="0" g="0" b="0"/>
+          <a:lnRef idx="3">
+            <a:schemeClr val="accent1"/>
           </a:lnRef>
           <a:fillRef idx="0">
-            <a:scrgbClr r="0" g="0" b="0"/>
-          </a:fillRef>
-          <a:effectRef idx="0">
-            <a:scrgbClr r="0" g="0" b="0"/>
+            <a:schemeClr val="accent1"/>
+          </a:fillRef>
+          <a:effectRef idx="2">
+            <a:schemeClr val="accent1"/>
           </a:effectRef>
           <a:fontRef idx="minor">
             <a:schemeClr val="tx1"/>
@@ -13905,25 +15154,19 @@
           <a:prstGeom prst="straightConnector1">
             <a:avLst/>
           </a:prstGeom>
-          <a:ln w="9525" cap="flat" cmpd="sng" algn="ctr">
-            <a:solidFill>
-              <a:schemeClr val="accent2"/>
-            </a:solidFill>
-            <a:prstDash val="dash"/>
-            <a:round/>
-            <a:headEnd type="none" w="med" len="med"/>
-            <a:tailEnd type="none" w="med" len="med"/>
+          <a:ln>
+            <a:tailEnd type="triangle"/>
           </a:ln>
         </p:spPr>
         <p:style>
-          <a:lnRef idx="0">
-            <a:scrgbClr r="0" g="0" b="0"/>
+          <a:lnRef idx="3">
+            <a:schemeClr val="accent1"/>
           </a:lnRef>
           <a:fillRef idx="0">
-            <a:scrgbClr r="0" g="0" b="0"/>
-          </a:fillRef>
-          <a:effectRef idx="0">
-            <a:scrgbClr r="0" g="0" b="0"/>
+            <a:schemeClr val="accent1"/>
+          </a:fillRef>
+          <a:effectRef idx="2">
+            <a:schemeClr val="accent1"/>
           </a:effectRef>
           <a:fontRef idx="minor">
             <a:schemeClr val="tx1"/>
@@ -13948,8 +15191,8 @@
         </p:nvCxnSpPr>
         <p:spPr>
           <a:xfrm>
-            <a:off x="7500820" y="1746024"/>
-            <a:ext cx="783771" cy="1148265"/>
+            <a:off x="7639809" y="1724983"/>
+            <a:ext cx="644782" cy="1169306"/>
           </a:xfrm>
           <a:prstGeom prst="straightConnector1">
             <a:avLst/>
@@ -13997,25 +15240,19 @@
           <a:prstGeom prst="straightConnector1">
             <a:avLst/>
           </a:prstGeom>
-          <a:ln w="9525" cap="flat" cmpd="sng" algn="ctr">
-            <a:solidFill>
-              <a:schemeClr val="accent2"/>
-            </a:solidFill>
-            <a:prstDash val="dash"/>
-            <a:round/>
-            <a:headEnd type="none" w="med" len="med"/>
-            <a:tailEnd type="none" w="med" len="med"/>
+          <a:ln>
+            <a:tailEnd type="triangle"/>
           </a:ln>
         </p:spPr>
         <p:style>
-          <a:lnRef idx="0">
-            <a:scrgbClr r="0" g="0" b="0"/>
+          <a:lnRef idx="3">
+            <a:schemeClr val="accent1"/>
           </a:lnRef>
           <a:fillRef idx="0">
-            <a:scrgbClr r="0" g="0" b="0"/>
-          </a:fillRef>
-          <a:effectRef idx="0">
-            <a:scrgbClr r="0" g="0" b="0"/>
+            <a:schemeClr val="accent1"/>
+          </a:fillRef>
+          <a:effectRef idx="2">
+            <a:schemeClr val="accent1"/>
           </a:effectRef>
           <a:fontRef idx="minor">
             <a:schemeClr val="tx1"/>
@@ -14046,25 +15283,19 @@
           <a:prstGeom prst="straightConnector1">
             <a:avLst/>
           </a:prstGeom>
-          <a:ln w="9525" cap="flat" cmpd="sng" algn="ctr">
-            <a:solidFill>
-              <a:schemeClr val="accent2"/>
-            </a:solidFill>
-            <a:prstDash val="dash"/>
-            <a:round/>
-            <a:headEnd type="none" w="med" len="med"/>
-            <a:tailEnd type="none" w="med" len="med"/>
+          <a:ln>
+            <a:tailEnd type="triangle"/>
           </a:ln>
         </p:spPr>
         <p:style>
-          <a:lnRef idx="0">
-            <a:scrgbClr r="0" g="0" b="0"/>
+          <a:lnRef idx="3">
+            <a:schemeClr val="accent1"/>
           </a:lnRef>
           <a:fillRef idx="0">
-            <a:scrgbClr r="0" g="0" b="0"/>
-          </a:fillRef>
-          <a:effectRef idx="0">
-            <a:scrgbClr r="0" g="0" b="0"/>
+            <a:schemeClr val="accent1"/>
+          </a:fillRef>
+          <a:effectRef idx="2">
+            <a:schemeClr val="accent1"/>
           </a:effectRef>
           <a:fontRef idx="minor">
             <a:schemeClr val="tx1"/>
@@ -14400,31 +15631,25 @@
         </p:nvCxnSpPr>
         <p:spPr>
           <a:xfrm>
-            <a:off x="4715061" y="1824283"/>
-            <a:ext cx="1" cy="1002263"/>
+            <a:off x="4715061" y="1803242"/>
+            <a:ext cx="1" cy="1023304"/>
           </a:xfrm>
           <a:prstGeom prst="straightConnector1">
             <a:avLst/>
           </a:prstGeom>
-          <a:ln w="9525" cap="flat" cmpd="sng" algn="ctr">
-            <a:solidFill>
-              <a:schemeClr val="accent1"/>
-            </a:solidFill>
-            <a:prstDash val="dash"/>
-            <a:round/>
-            <a:headEnd type="none" w="med" len="med"/>
-            <a:tailEnd type="none" w="med" len="med"/>
+          <a:ln>
+            <a:tailEnd type="triangle"/>
           </a:ln>
         </p:spPr>
         <p:style>
-          <a:lnRef idx="0">
-            <a:scrgbClr r="0" g="0" b="0"/>
+          <a:lnRef idx="3">
+            <a:schemeClr val="accent1"/>
           </a:lnRef>
           <a:fillRef idx="0">
-            <a:scrgbClr r="0" g="0" b="0"/>
-          </a:fillRef>
-          <a:effectRef idx="0">
-            <a:scrgbClr r="0" g="0" b="0"/>
+            <a:schemeClr val="accent1"/>
+          </a:fillRef>
+          <a:effectRef idx="2">
+            <a:schemeClr val="accent1"/>
           </a:effectRef>
           <a:fontRef idx="minor">
             <a:schemeClr val="tx1"/>
@@ -14455,25 +15680,19 @@
           <a:prstGeom prst="straightConnector1">
             <a:avLst/>
           </a:prstGeom>
-          <a:ln w="9525" cap="flat" cmpd="sng" algn="ctr">
-            <a:solidFill>
-              <a:schemeClr val="accent2"/>
-            </a:solidFill>
-            <a:prstDash val="dash"/>
-            <a:round/>
-            <a:headEnd type="none" w="med" len="med"/>
-            <a:tailEnd type="none" w="med" len="med"/>
+          <a:ln>
+            <a:tailEnd type="triangle"/>
           </a:ln>
         </p:spPr>
         <p:style>
-          <a:lnRef idx="0">
-            <a:scrgbClr r="0" g="0" b="0"/>
+          <a:lnRef idx="3">
+            <a:schemeClr val="accent1"/>
           </a:lnRef>
           <a:fillRef idx="0">
-            <a:scrgbClr r="0" g="0" b="0"/>
-          </a:fillRef>
-          <a:effectRef idx="0">
-            <a:scrgbClr r="0" g="0" b="0"/>
+            <a:schemeClr val="accent1"/>
+          </a:fillRef>
+          <a:effectRef idx="2">
+            <a:schemeClr val="accent1"/>
           </a:effectRef>
           <a:fontRef idx="minor">
             <a:schemeClr val="tx1"/>
@@ -14483,7 +15702,7 @@
     </p:spTree>
     <p:extLst>
       <p:ext uri="{BB962C8B-B14F-4D97-AF65-F5344CB8AC3E}">
-        <p14:creationId xmlns:p14="http://schemas.microsoft.com/office/powerpoint/2010/main" val="2357957264"/>
+        <p14:creationId xmlns:p14="http://schemas.microsoft.com/office/powerpoint/2010/main" val="3603561066"/>
       </p:ext>
     </p:extLst>
   </p:cSld>

--- a/Assets/visualization.pptx
+++ b/Assets/visualization.pptx
@@ -13,8 +13,7 @@
     <p:sldId id="263" r:id="rId7"/>
     <p:sldId id="264" r:id="rId8"/>
     <p:sldId id="257" r:id="rId9"/>
-    <p:sldId id="267" r:id="rId10"/>
-    <p:sldId id="268" r:id="rId11"/>
+    <p:sldId id="268" r:id="rId10"/>
   </p:sldIdLst>
   <p:sldSz cx="12192000" cy="6858000"/>
   <p:notesSz cx="6858000" cy="9144000"/>
@@ -126,7 +125,6 @@
             <p14:sldId id="263"/>
             <p14:sldId id="264"/>
             <p14:sldId id="257"/>
-            <p14:sldId id="267"/>
             <p14:sldId id="268"/>
           </p14:sldIdLst>
         </p14:section>
@@ -4290,1265 +4288,6 @@
 </p:sld>
 </file>
 
-<file path=ppt/slides/slide10.xml><?xml version="1.0" encoding="utf-8"?>
-<p:sld xmlns:a="http://schemas.openxmlformats.org/drawingml/2006/main" xmlns:r="http://schemas.openxmlformats.org/officeDocument/2006/relationships" xmlns:p="http://schemas.openxmlformats.org/presentationml/2006/main">
-  <p:cSld>
-    <p:spTree>
-      <p:nvGrpSpPr>
-        <p:cNvPr id="1" name=""/>
-        <p:cNvGrpSpPr/>
-        <p:nvPr/>
-      </p:nvGrpSpPr>
-      <p:grpSpPr>
-        <a:xfrm>
-          <a:off x="0" y="0"/>
-          <a:ext cx="0" cy="0"/>
-          <a:chOff x="0" y="0"/>
-          <a:chExt cx="0" cy="0"/>
-        </a:xfrm>
-      </p:grpSpPr>
-      <p:sp>
-        <p:nvSpPr>
-          <p:cNvPr id="4" name="椭圆 3">
-            <a:extLst>
-              <a:ext uri="{FF2B5EF4-FFF2-40B4-BE49-F238E27FC236}">
-                <a16:creationId xmlns:a16="http://schemas.microsoft.com/office/drawing/2014/main" id="{DE70EE2F-EB0E-6F47-A6B1-2A297E2EE471}"/>
-              </a:ext>
-            </a:extLst>
-          </p:cNvPr>
-          <p:cNvSpPr/>
-          <p:nvPr/>
-        </p:nvSpPr>
-        <p:spPr>
-          <a:xfrm>
-            <a:off x="2466794" y="1268853"/>
-            <a:ext cx="522514" cy="534389"/>
-          </a:xfrm>
-          <a:prstGeom prst="ellipse">
-            <a:avLst/>
-          </a:prstGeom>
-        </p:spPr>
-        <p:style>
-          <a:lnRef idx="2">
-            <a:schemeClr val="accent1">
-              <a:shade val="50000"/>
-            </a:schemeClr>
-          </a:lnRef>
-          <a:fillRef idx="1">
-            <a:schemeClr val="accent1"/>
-          </a:fillRef>
-          <a:effectRef idx="0">
-            <a:schemeClr val="accent1"/>
-          </a:effectRef>
-          <a:fontRef idx="minor">
-            <a:schemeClr val="lt1"/>
-          </a:fontRef>
-        </p:style>
-        <p:txBody>
-          <a:bodyPr rtlCol="0" anchor="ctr"/>
-          <a:lstStyle/>
-          <a:p>
-            <a:pPr algn="ctr"/>
-            <a:r>
-              <a:rPr kumimoji="1" lang="en-US" altLang="zh-CN" dirty="0"/>
-              <a:t>A</a:t>
-            </a:r>
-            <a:endParaRPr kumimoji="1" lang="zh-CN" altLang="en-US" dirty="0"/>
-          </a:p>
-        </p:txBody>
-      </p:sp>
-      <p:sp>
-        <p:nvSpPr>
-          <p:cNvPr id="7" name="椭圆 6">
-            <a:extLst>
-              <a:ext uri="{FF2B5EF4-FFF2-40B4-BE49-F238E27FC236}">
-                <a16:creationId xmlns:a16="http://schemas.microsoft.com/office/drawing/2014/main" id="{0BE1B618-A039-7545-B7E8-F5BF4144ACE5}"/>
-              </a:ext>
-            </a:extLst>
-          </p:cNvPr>
-          <p:cNvSpPr/>
-          <p:nvPr/>
-        </p:nvSpPr>
-        <p:spPr>
-          <a:xfrm>
-            <a:off x="4453804" y="1268853"/>
-            <a:ext cx="522514" cy="534389"/>
-          </a:xfrm>
-          <a:prstGeom prst="ellipse">
-            <a:avLst/>
-          </a:prstGeom>
-        </p:spPr>
-        <p:style>
-          <a:lnRef idx="2">
-            <a:schemeClr val="accent1">
-              <a:shade val="50000"/>
-            </a:schemeClr>
-          </a:lnRef>
-          <a:fillRef idx="1">
-            <a:schemeClr val="accent1"/>
-          </a:fillRef>
-          <a:effectRef idx="0">
-            <a:schemeClr val="accent1"/>
-          </a:effectRef>
-          <a:fontRef idx="minor">
-            <a:schemeClr val="lt1"/>
-          </a:fontRef>
-        </p:style>
-        <p:txBody>
-          <a:bodyPr rtlCol="0" anchor="ctr"/>
-          <a:lstStyle/>
-          <a:p>
-            <a:pPr algn="ctr"/>
-            <a:r>
-              <a:rPr kumimoji="1" lang="en-US" altLang="zh-CN" dirty="0"/>
-              <a:t>B</a:t>
-            </a:r>
-            <a:endParaRPr kumimoji="1" lang="zh-CN" altLang="en-US" dirty="0"/>
-          </a:p>
-        </p:txBody>
-      </p:sp>
-      <p:sp>
-        <p:nvSpPr>
-          <p:cNvPr id="9" name="椭圆 8">
-            <a:extLst>
-              <a:ext uri="{FF2B5EF4-FFF2-40B4-BE49-F238E27FC236}">
-                <a16:creationId xmlns:a16="http://schemas.microsoft.com/office/drawing/2014/main" id="{23C0A51A-3E8A-964F-9433-32D4EA9C2205}"/>
-              </a:ext>
-            </a:extLst>
-          </p:cNvPr>
-          <p:cNvSpPr/>
-          <p:nvPr/>
-        </p:nvSpPr>
-        <p:spPr>
-          <a:xfrm>
-            <a:off x="2466794" y="4357333"/>
-            <a:ext cx="522514" cy="534389"/>
-          </a:xfrm>
-          <a:prstGeom prst="ellipse">
-            <a:avLst/>
-          </a:prstGeom>
-        </p:spPr>
-        <p:style>
-          <a:lnRef idx="2">
-            <a:schemeClr val="accent1">
-              <a:shade val="50000"/>
-            </a:schemeClr>
-          </a:lnRef>
-          <a:fillRef idx="1">
-            <a:schemeClr val="accent1"/>
-          </a:fillRef>
-          <a:effectRef idx="0">
-            <a:schemeClr val="accent1"/>
-          </a:effectRef>
-          <a:fontRef idx="minor">
-            <a:schemeClr val="lt1"/>
-          </a:fontRef>
-        </p:style>
-        <p:txBody>
-          <a:bodyPr rtlCol="0" anchor="ctr"/>
-          <a:lstStyle/>
-          <a:p>
-            <a:pPr algn="ctr"/>
-            <a:r>
-              <a:rPr kumimoji="1" lang="en-US" altLang="zh-CN" dirty="0"/>
-              <a:t>E</a:t>
-            </a:r>
-            <a:endParaRPr kumimoji="1" lang="zh-CN" altLang="en-US" dirty="0"/>
-          </a:p>
-        </p:txBody>
-      </p:sp>
-      <p:sp>
-        <p:nvSpPr>
-          <p:cNvPr id="11" name="椭圆 10">
-            <a:extLst>
-              <a:ext uri="{FF2B5EF4-FFF2-40B4-BE49-F238E27FC236}">
-                <a16:creationId xmlns:a16="http://schemas.microsoft.com/office/drawing/2014/main" id="{3AF5C068-0B69-1D4B-9F60-CFCFF6CB7466}"/>
-              </a:ext>
-            </a:extLst>
-          </p:cNvPr>
-          <p:cNvSpPr/>
-          <p:nvPr/>
-        </p:nvSpPr>
-        <p:spPr>
-          <a:xfrm>
-            <a:off x="2466794" y="2826546"/>
-            <a:ext cx="522514" cy="534389"/>
-          </a:xfrm>
-          <a:prstGeom prst="ellipse">
-            <a:avLst/>
-          </a:prstGeom>
-        </p:spPr>
-        <p:style>
-          <a:lnRef idx="2">
-            <a:schemeClr val="accent1">
-              <a:shade val="50000"/>
-            </a:schemeClr>
-          </a:lnRef>
-          <a:fillRef idx="1">
-            <a:schemeClr val="accent1"/>
-          </a:fillRef>
-          <a:effectRef idx="0">
-            <a:schemeClr val="accent1"/>
-          </a:effectRef>
-          <a:fontRef idx="minor">
-            <a:schemeClr val="lt1"/>
-          </a:fontRef>
-        </p:style>
-        <p:txBody>
-          <a:bodyPr rtlCol="0" anchor="ctr"/>
-          <a:lstStyle/>
-          <a:p>
-            <a:pPr algn="ctr"/>
-            <a:r>
-              <a:rPr kumimoji="1" lang="en-US" altLang="zh-CN" dirty="0"/>
-              <a:t>D</a:t>
-            </a:r>
-            <a:endParaRPr kumimoji="1" lang="zh-CN" altLang="en-US" dirty="0"/>
-          </a:p>
-        </p:txBody>
-      </p:sp>
-      <p:sp>
-        <p:nvSpPr>
-          <p:cNvPr id="12" name="椭圆 11">
-            <a:extLst>
-              <a:ext uri="{FF2B5EF4-FFF2-40B4-BE49-F238E27FC236}">
-                <a16:creationId xmlns:a16="http://schemas.microsoft.com/office/drawing/2014/main" id="{DAFB89A5-7EFE-4E4D-BE77-6D4F3402771E}"/>
-              </a:ext>
-            </a:extLst>
-          </p:cNvPr>
-          <p:cNvSpPr/>
-          <p:nvPr/>
-        </p:nvSpPr>
-        <p:spPr>
-          <a:xfrm>
-            <a:off x="7193815" y="1268853"/>
-            <a:ext cx="522514" cy="534389"/>
-          </a:xfrm>
-          <a:prstGeom prst="ellipse">
-            <a:avLst/>
-          </a:prstGeom>
-        </p:spPr>
-        <p:style>
-          <a:lnRef idx="2">
-            <a:schemeClr val="accent1">
-              <a:shade val="50000"/>
-            </a:schemeClr>
-          </a:lnRef>
-          <a:fillRef idx="1">
-            <a:schemeClr val="accent1"/>
-          </a:fillRef>
-          <a:effectRef idx="0">
-            <a:schemeClr val="accent1"/>
-          </a:effectRef>
-          <a:fontRef idx="minor">
-            <a:schemeClr val="lt1"/>
-          </a:fontRef>
-        </p:style>
-        <p:txBody>
-          <a:bodyPr rtlCol="0" anchor="ctr"/>
-          <a:lstStyle/>
-          <a:p>
-            <a:pPr algn="ctr"/>
-            <a:r>
-              <a:rPr kumimoji="1" lang="en-US" altLang="zh-CN" dirty="0"/>
-              <a:t>G</a:t>
-            </a:r>
-            <a:endParaRPr kumimoji="1" lang="zh-CN" altLang="en-US" dirty="0"/>
-          </a:p>
-        </p:txBody>
-      </p:sp>
-      <p:sp>
-        <p:nvSpPr>
-          <p:cNvPr id="13" name="椭圆 12">
-            <a:extLst>
-              <a:ext uri="{FF2B5EF4-FFF2-40B4-BE49-F238E27FC236}">
-                <a16:creationId xmlns:a16="http://schemas.microsoft.com/office/drawing/2014/main" id="{CF61EFBE-36F5-264F-87D2-A9FAD406CE7B}"/>
-              </a:ext>
-            </a:extLst>
-          </p:cNvPr>
-          <p:cNvSpPr/>
-          <p:nvPr/>
-        </p:nvSpPr>
-        <p:spPr>
-          <a:xfrm>
-            <a:off x="6179560" y="2816031"/>
-            <a:ext cx="522514" cy="534389"/>
-          </a:xfrm>
-          <a:prstGeom prst="ellipse">
-            <a:avLst/>
-          </a:prstGeom>
-        </p:spPr>
-        <p:style>
-          <a:lnRef idx="2">
-            <a:schemeClr val="accent1">
-              <a:shade val="50000"/>
-            </a:schemeClr>
-          </a:lnRef>
-          <a:fillRef idx="1">
-            <a:schemeClr val="accent1"/>
-          </a:fillRef>
-          <a:effectRef idx="0">
-            <a:schemeClr val="accent1"/>
-          </a:effectRef>
-          <a:fontRef idx="minor">
-            <a:schemeClr val="lt1"/>
-          </a:fontRef>
-        </p:style>
-        <p:txBody>
-          <a:bodyPr rtlCol="0" anchor="ctr"/>
-          <a:lstStyle/>
-          <a:p>
-            <a:pPr algn="ctr"/>
-            <a:r>
-              <a:rPr kumimoji="1" lang="en-US" altLang="zh-CN" dirty="0"/>
-              <a:t>F</a:t>
-            </a:r>
-            <a:endParaRPr kumimoji="1" lang="zh-CN" altLang="en-US" dirty="0"/>
-          </a:p>
-        </p:txBody>
-      </p:sp>
-      <p:sp>
-        <p:nvSpPr>
-          <p:cNvPr id="14" name="椭圆 13">
-            <a:extLst>
-              <a:ext uri="{FF2B5EF4-FFF2-40B4-BE49-F238E27FC236}">
-                <a16:creationId xmlns:a16="http://schemas.microsoft.com/office/drawing/2014/main" id="{58F1C6F1-0C6F-5343-8966-C640056E7124}"/>
-              </a:ext>
-            </a:extLst>
-          </p:cNvPr>
-          <p:cNvSpPr/>
-          <p:nvPr/>
-        </p:nvSpPr>
-        <p:spPr>
-          <a:xfrm>
-            <a:off x="4453805" y="2826546"/>
-            <a:ext cx="522514" cy="534389"/>
-          </a:xfrm>
-          <a:prstGeom prst="ellipse">
-            <a:avLst/>
-          </a:prstGeom>
-        </p:spPr>
-        <p:style>
-          <a:lnRef idx="2">
-            <a:schemeClr val="accent1">
-              <a:shade val="50000"/>
-            </a:schemeClr>
-          </a:lnRef>
-          <a:fillRef idx="1">
-            <a:schemeClr val="accent1"/>
-          </a:fillRef>
-          <a:effectRef idx="0">
-            <a:schemeClr val="accent1"/>
-          </a:effectRef>
-          <a:fontRef idx="minor">
-            <a:schemeClr val="lt1"/>
-          </a:fontRef>
-        </p:style>
-        <p:txBody>
-          <a:bodyPr rtlCol="0" anchor="ctr"/>
-          <a:lstStyle/>
-          <a:p>
-            <a:pPr algn="ctr"/>
-            <a:r>
-              <a:rPr kumimoji="1" lang="en-US" altLang="zh-CN" dirty="0"/>
-              <a:t>C</a:t>
-            </a:r>
-            <a:endParaRPr kumimoji="1" lang="zh-CN" altLang="en-US" dirty="0"/>
-          </a:p>
-        </p:txBody>
-      </p:sp>
-      <p:sp>
-        <p:nvSpPr>
-          <p:cNvPr id="2" name="文本框 1">
-            <a:extLst>
-              <a:ext uri="{FF2B5EF4-FFF2-40B4-BE49-F238E27FC236}">
-                <a16:creationId xmlns:a16="http://schemas.microsoft.com/office/drawing/2014/main" id="{4B181367-25AF-0441-83B6-92CCC482EE53}"/>
-              </a:ext>
-            </a:extLst>
-          </p:cNvPr>
-          <p:cNvSpPr txBox="1"/>
-          <p:nvPr/>
-        </p:nvSpPr>
-        <p:spPr>
-          <a:xfrm>
-            <a:off x="213755" y="142504"/>
-            <a:ext cx="5028593" cy="369332"/>
-          </a:xfrm>
-          <a:prstGeom prst="rect">
-            <a:avLst/>
-          </a:prstGeom>
-          <a:noFill/>
-        </p:spPr>
-        <p:txBody>
-          <a:bodyPr wrap="square" rtlCol="0">
-            <a:spAutoFit/>
-          </a:bodyPr>
-          <a:lstStyle/>
-          <a:p>
-            <a:r>
-              <a:rPr kumimoji="1" lang="en-US" altLang="zh-CN" b="1" dirty="0">
-                <a:solidFill>
-                  <a:srgbClr val="0070C0"/>
-                </a:solidFill>
-              </a:rPr>
-              <a:t>Graph</a:t>
-            </a:r>
-            <a:r>
-              <a:rPr kumimoji="1" lang="en-US" altLang="zh-CN" dirty="0">
-                <a:solidFill>
-                  <a:srgbClr val="0070C0"/>
-                </a:solidFill>
-              </a:rPr>
-              <a:t>-  REVERSED STRONG BRACH</a:t>
-            </a:r>
-            <a:endParaRPr kumimoji="1" lang="zh-CN" altLang="en-US" dirty="0">
-              <a:solidFill>
-                <a:srgbClr val="0070C0"/>
-              </a:solidFill>
-            </a:endParaRPr>
-          </a:p>
-        </p:txBody>
-      </p:sp>
-      <p:cxnSp>
-        <p:nvCxnSpPr>
-          <p:cNvPr id="5" name="直线箭头连接符 4">
-            <a:extLst>
-              <a:ext uri="{FF2B5EF4-FFF2-40B4-BE49-F238E27FC236}">
-                <a16:creationId xmlns:a16="http://schemas.microsoft.com/office/drawing/2014/main" id="{DC0AE937-7200-F84D-917F-6D93C3931826}"/>
-              </a:ext>
-            </a:extLst>
-          </p:cNvPr>
-          <p:cNvCxnSpPr>
-            <a:cxnSpLocks/>
-            <a:stCxn id="4" idx="5"/>
-            <a:endCxn id="14" idx="1"/>
-          </p:cNvCxnSpPr>
-          <p:nvPr/>
-        </p:nvCxnSpPr>
-        <p:spPr>
-          <a:xfrm>
-            <a:off x="2912788" y="1724983"/>
-            <a:ext cx="1617537" cy="1179822"/>
-          </a:xfrm>
-          <a:prstGeom prst="straightConnector1">
-            <a:avLst/>
-          </a:prstGeom>
-          <a:ln>
-            <a:tailEnd type="triangle"/>
-          </a:ln>
-        </p:spPr>
-        <p:style>
-          <a:lnRef idx="3">
-            <a:schemeClr val="accent2"/>
-          </a:lnRef>
-          <a:fillRef idx="0">
-            <a:schemeClr val="accent2"/>
-          </a:fillRef>
-          <a:effectRef idx="2">
-            <a:schemeClr val="accent2"/>
-          </a:effectRef>
-          <a:fontRef idx="minor">
-            <a:schemeClr val="tx1"/>
-          </a:fontRef>
-        </p:style>
-      </p:cxnSp>
-      <p:cxnSp>
-        <p:nvCxnSpPr>
-          <p:cNvPr id="8" name="直线箭头连接符 7">
-            <a:extLst>
-              <a:ext uri="{FF2B5EF4-FFF2-40B4-BE49-F238E27FC236}">
-                <a16:creationId xmlns:a16="http://schemas.microsoft.com/office/drawing/2014/main" id="{3C289379-0749-8D4C-A405-AB6BED94714E}"/>
-              </a:ext>
-            </a:extLst>
-          </p:cNvPr>
-          <p:cNvCxnSpPr>
-            <a:cxnSpLocks/>
-            <a:stCxn id="7" idx="2"/>
-            <a:endCxn id="4" idx="6"/>
-          </p:cNvCxnSpPr>
-          <p:nvPr/>
-        </p:nvCxnSpPr>
-        <p:spPr>
-          <a:xfrm flipH="1">
-            <a:off x="2989308" y="1536048"/>
-            <a:ext cx="1464496" cy="0"/>
-          </a:xfrm>
-          <a:prstGeom prst="straightConnector1">
-            <a:avLst/>
-          </a:prstGeom>
-          <a:ln>
-            <a:tailEnd type="triangle"/>
-          </a:ln>
-        </p:spPr>
-        <p:style>
-          <a:lnRef idx="3">
-            <a:schemeClr val="accent2"/>
-          </a:lnRef>
-          <a:fillRef idx="0">
-            <a:schemeClr val="accent2"/>
-          </a:fillRef>
-          <a:effectRef idx="2">
-            <a:schemeClr val="accent2"/>
-          </a:effectRef>
-          <a:fontRef idx="minor">
-            <a:schemeClr val="tx1"/>
-          </a:fontRef>
-        </p:style>
-      </p:cxnSp>
-      <p:cxnSp>
-        <p:nvCxnSpPr>
-          <p:cNvPr id="16" name="直线箭头连接符 15">
-            <a:extLst>
-              <a:ext uri="{FF2B5EF4-FFF2-40B4-BE49-F238E27FC236}">
-                <a16:creationId xmlns:a16="http://schemas.microsoft.com/office/drawing/2014/main" id="{300552AD-6A6D-E345-A0E3-5E4B202DBEE9}"/>
-              </a:ext>
-            </a:extLst>
-          </p:cNvPr>
-          <p:cNvCxnSpPr>
-            <a:cxnSpLocks/>
-            <a:stCxn id="7" idx="5"/>
-            <a:endCxn id="13" idx="1"/>
-          </p:cNvCxnSpPr>
-          <p:nvPr/>
-        </p:nvCxnSpPr>
-        <p:spPr>
-          <a:xfrm>
-            <a:off x="4899798" y="1724983"/>
-            <a:ext cx="1356282" cy="1169307"/>
-          </a:xfrm>
-          <a:prstGeom prst="straightConnector1">
-            <a:avLst/>
-          </a:prstGeom>
-          <a:ln>
-            <a:tailEnd type="triangle"/>
-          </a:ln>
-        </p:spPr>
-        <p:style>
-          <a:lnRef idx="3">
-            <a:schemeClr val="accent1"/>
-          </a:lnRef>
-          <a:fillRef idx="0">
-            <a:schemeClr val="accent1"/>
-          </a:fillRef>
-          <a:effectRef idx="2">
-            <a:schemeClr val="accent1"/>
-          </a:effectRef>
-          <a:fontRef idx="minor">
-            <a:schemeClr val="tx1"/>
-          </a:fontRef>
-        </p:style>
-      </p:cxnSp>
-      <p:cxnSp>
-        <p:nvCxnSpPr>
-          <p:cNvPr id="18" name="直线箭头连接符 17">
-            <a:extLst>
-              <a:ext uri="{FF2B5EF4-FFF2-40B4-BE49-F238E27FC236}">
-                <a16:creationId xmlns:a16="http://schemas.microsoft.com/office/drawing/2014/main" id="{72205337-60AF-024C-B9AC-B594C0DBE8E3}"/>
-              </a:ext>
-            </a:extLst>
-          </p:cNvPr>
-          <p:cNvCxnSpPr>
-            <a:cxnSpLocks/>
-            <a:stCxn id="78" idx="3"/>
-            <a:endCxn id="81" idx="7"/>
-          </p:cNvCxnSpPr>
-          <p:nvPr/>
-        </p:nvCxnSpPr>
-        <p:spPr>
-          <a:xfrm flipH="1">
-            <a:off x="6625554" y="3272160"/>
-            <a:ext cx="1659037" cy="1161668"/>
-          </a:xfrm>
-          <a:prstGeom prst="straightConnector1">
-            <a:avLst/>
-          </a:prstGeom>
-          <a:ln>
-            <a:tailEnd type="triangle"/>
-          </a:ln>
-        </p:spPr>
-        <p:style>
-          <a:lnRef idx="3">
-            <a:schemeClr val="accent1"/>
-          </a:lnRef>
-          <a:fillRef idx="0">
-            <a:schemeClr val="accent1"/>
-          </a:fillRef>
-          <a:effectRef idx="2">
-            <a:schemeClr val="accent1"/>
-          </a:effectRef>
-          <a:fontRef idx="minor">
-            <a:schemeClr val="tx1"/>
-          </a:fontRef>
-        </p:style>
-      </p:cxnSp>
-      <p:cxnSp>
-        <p:nvCxnSpPr>
-          <p:cNvPr id="20" name="直线箭头连接符 19">
-            <a:extLst>
-              <a:ext uri="{FF2B5EF4-FFF2-40B4-BE49-F238E27FC236}">
-                <a16:creationId xmlns:a16="http://schemas.microsoft.com/office/drawing/2014/main" id="{E8C63654-5F39-BF43-B33C-9A7A3F093F34}"/>
-              </a:ext>
-            </a:extLst>
-          </p:cNvPr>
-          <p:cNvCxnSpPr>
-            <a:cxnSpLocks/>
-            <a:stCxn id="12" idx="3"/>
-            <a:endCxn id="13" idx="7"/>
-          </p:cNvCxnSpPr>
-          <p:nvPr/>
-        </p:nvCxnSpPr>
-        <p:spPr>
-          <a:xfrm flipH="1">
-            <a:off x="6625554" y="1724983"/>
-            <a:ext cx="644781" cy="1169307"/>
-          </a:xfrm>
-          <a:prstGeom prst="straightConnector1">
-            <a:avLst/>
-          </a:prstGeom>
-          <a:ln>
-            <a:tailEnd type="triangle"/>
-          </a:ln>
-        </p:spPr>
-        <p:style>
-          <a:lnRef idx="3">
-            <a:schemeClr val="accent1"/>
-          </a:lnRef>
-          <a:fillRef idx="0">
-            <a:schemeClr val="accent1"/>
-          </a:fillRef>
-          <a:effectRef idx="2">
-            <a:schemeClr val="accent1"/>
-          </a:effectRef>
-          <a:fontRef idx="minor">
-            <a:schemeClr val="tx1"/>
-          </a:fontRef>
-        </p:style>
-      </p:cxnSp>
-      <p:cxnSp>
-        <p:nvCxnSpPr>
-          <p:cNvPr id="23" name="直线箭头连接符 22">
-            <a:extLst>
-              <a:ext uri="{FF2B5EF4-FFF2-40B4-BE49-F238E27FC236}">
-                <a16:creationId xmlns:a16="http://schemas.microsoft.com/office/drawing/2014/main" id="{3BD51E29-51C0-4642-B2D7-6E9C206F4487}"/>
-              </a:ext>
-            </a:extLst>
-          </p:cNvPr>
-          <p:cNvCxnSpPr>
-            <a:cxnSpLocks/>
-            <a:stCxn id="11" idx="4"/>
-            <a:endCxn id="9" idx="0"/>
-          </p:cNvCxnSpPr>
-          <p:nvPr/>
-        </p:nvCxnSpPr>
-        <p:spPr>
-          <a:xfrm>
-            <a:off x="2728051" y="3360935"/>
-            <a:ext cx="0" cy="996398"/>
-          </a:xfrm>
-          <a:prstGeom prst="straightConnector1">
-            <a:avLst/>
-          </a:prstGeom>
-          <a:ln>
-            <a:tailEnd type="triangle"/>
-          </a:ln>
-        </p:spPr>
-        <p:style>
-          <a:lnRef idx="3">
-            <a:schemeClr val="accent1"/>
-          </a:lnRef>
-          <a:fillRef idx="0">
-            <a:schemeClr val="accent1"/>
-          </a:fillRef>
-          <a:effectRef idx="2">
-            <a:schemeClr val="accent1"/>
-          </a:effectRef>
-          <a:fontRef idx="minor">
-            <a:schemeClr val="tx1"/>
-          </a:fontRef>
-        </p:style>
-      </p:cxnSp>
-      <p:cxnSp>
-        <p:nvCxnSpPr>
-          <p:cNvPr id="25" name="直线箭头连接符 24">
-            <a:extLst>
-              <a:ext uri="{FF2B5EF4-FFF2-40B4-BE49-F238E27FC236}">
-                <a16:creationId xmlns:a16="http://schemas.microsoft.com/office/drawing/2014/main" id="{67A4B1F0-9AAB-2C4E-8EBD-B99A140C6FF2}"/>
-              </a:ext>
-            </a:extLst>
-          </p:cNvPr>
-          <p:cNvCxnSpPr>
-            <a:cxnSpLocks/>
-            <a:stCxn id="11" idx="0"/>
-            <a:endCxn id="4" idx="4"/>
-          </p:cNvCxnSpPr>
-          <p:nvPr/>
-        </p:nvCxnSpPr>
-        <p:spPr>
-          <a:xfrm flipV="1">
-            <a:off x="2728051" y="1803242"/>
-            <a:ext cx="0" cy="1023304"/>
-          </a:xfrm>
-          <a:prstGeom prst="straightConnector1">
-            <a:avLst/>
-          </a:prstGeom>
-          <a:ln>
-            <a:tailEnd type="triangle"/>
-          </a:ln>
-        </p:spPr>
-        <p:style>
-          <a:lnRef idx="3">
-            <a:schemeClr val="accent2"/>
-          </a:lnRef>
-          <a:fillRef idx="0">
-            <a:schemeClr val="accent2"/>
-          </a:fillRef>
-          <a:effectRef idx="2">
-            <a:schemeClr val="accent2"/>
-          </a:effectRef>
-          <a:fontRef idx="minor">
-            <a:schemeClr val="tx1"/>
-          </a:fontRef>
-        </p:style>
-      </p:cxnSp>
-      <p:cxnSp>
-        <p:nvCxnSpPr>
-          <p:cNvPr id="39" name="直线箭头连接符 38">
-            <a:extLst>
-              <a:ext uri="{FF2B5EF4-FFF2-40B4-BE49-F238E27FC236}">
-                <a16:creationId xmlns:a16="http://schemas.microsoft.com/office/drawing/2014/main" id="{A0A02A6F-ECB6-894A-8221-4F8B00D51F02}"/>
-              </a:ext>
-            </a:extLst>
-          </p:cNvPr>
-          <p:cNvCxnSpPr>
-            <a:cxnSpLocks/>
-            <a:stCxn id="12" idx="5"/>
-            <a:endCxn id="78" idx="1"/>
-          </p:cNvCxnSpPr>
-          <p:nvPr/>
-        </p:nvCxnSpPr>
-        <p:spPr>
-          <a:xfrm>
-            <a:off x="7639809" y="1724983"/>
-            <a:ext cx="644782" cy="1169306"/>
-          </a:xfrm>
-          <a:prstGeom prst="straightConnector1">
-            <a:avLst/>
-          </a:prstGeom>
-          <a:ln>
-            <a:tailEnd type="triangle"/>
-          </a:ln>
-        </p:spPr>
-        <p:style>
-          <a:lnRef idx="3">
-            <a:schemeClr val="accent1"/>
-          </a:lnRef>
-          <a:fillRef idx="0">
-            <a:schemeClr val="accent1"/>
-          </a:fillRef>
-          <a:effectRef idx="2">
-            <a:schemeClr val="accent1"/>
-          </a:effectRef>
-          <a:fontRef idx="minor">
-            <a:schemeClr val="tx1"/>
-          </a:fontRef>
-        </p:style>
-      </p:cxnSp>
-      <p:cxnSp>
-        <p:nvCxnSpPr>
-          <p:cNvPr id="41" name="直线箭头连接符 40">
-            <a:extLst>
-              <a:ext uri="{FF2B5EF4-FFF2-40B4-BE49-F238E27FC236}">
-                <a16:creationId xmlns:a16="http://schemas.microsoft.com/office/drawing/2014/main" id="{DA1F7EB5-B9D0-894D-8C93-733946ABFC2E}"/>
-              </a:ext>
-            </a:extLst>
-          </p:cNvPr>
-          <p:cNvCxnSpPr>
-            <a:cxnSpLocks/>
-            <a:stCxn id="14" idx="3"/>
-            <a:endCxn id="9" idx="6"/>
-          </p:cNvCxnSpPr>
-          <p:nvPr/>
-        </p:nvCxnSpPr>
-        <p:spPr>
-          <a:xfrm flipH="1">
-            <a:off x="2989308" y="3282676"/>
-            <a:ext cx="1541017" cy="1341852"/>
-          </a:xfrm>
-          <a:prstGeom prst="straightConnector1">
-            <a:avLst/>
-          </a:prstGeom>
-          <a:ln>
-            <a:tailEnd type="triangle"/>
-          </a:ln>
-        </p:spPr>
-        <p:style>
-          <a:lnRef idx="3">
-            <a:schemeClr val="accent1"/>
-          </a:lnRef>
-          <a:fillRef idx="0">
-            <a:schemeClr val="accent1"/>
-          </a:fillRef>
-          <a:effectRef idx="2">
-            <a:schemeClr val="accent1"/>
-          </a:effectRef>
-          <a:fontRef idx="minor">
-            <a:schemeClr val="tx1"/>
-          </a:fontRef>
-        </p:style>
-      </p:cxnSp>
-      <p:cxnSp>
-        <p:nvCxnSpPr>
-          <p:cNvPr id="43" name="直线箭头连接符 42">
-            <a:extLst>
-              <a:ext uri="{FF2B5EF4-FFF2-40B4-BE49-F238E27FC236}">
-                <a16:creationId xmlns:a16="http://schemas.microsoft.com/office/drawing/2014/main" id="{D6947BA2-74A3-8048-81D6-BCDB50920098}"/>
-              </a:ext>
-            </a:extLst>
-          </p:cNvPr>
-          <p:cNvCxnSpPr>
-            <a:cxnSpLocks/>
-            <a:stCxn id="82" idx="0"/>
-            <a:endCxn id="78" idx="4"/>
-          </p:cNvCxnSpPr>
-          <p:nvPr/>
-        </p:nvCxnSpPr>
-        <p:spPr>
-          <a:xfrm flipV="1">
-            <a:off x="8469328" y="3350419"/>
-            <a:ext cx="0" cy="1005150"/>
-          </a:xfrm>
-          <a:prstGeom prst="straightConnector1">
-            <a:avLst/>
-          </a:prstGeom>
-          <a:ln>
-            <a:tailEnd type="triangle"/>
-          </a:ln>
-        </p:spPr>
-        <p:style>
-          <a:lnRef idx="3">
-            <a:schemeClr val="accent1"/>
-          </a:lnRef>
-          <a:fillRef idx="0">
-            <a:schemeClr val="accent1"/>
-          </a:fillRef>
-          <a:effectRef idx="2">
-            <a:schemeClr val="accent1"/>
-          </a:effectRef>
-          <a:fontRef idx="minor">
-            <a:schemeClr val="tx1"/>
-          </a:fontRef>
-        </p:style>
-      </p:cxnSp>
-      <p:cxnSp>
-        <p:nvCxnSpPr>
-          <p:cNvPr id="45" name="直线箭头连接符 44">
-            <a:extLst>
-              <a:ext uri="{FF2B5EF4-FFF2-40B4-BE49-F238E27FC236}">
-                <a16:creationId xmlns:a16="http://schemas.microsoft.com/office/drawing/2014/main" id="{1AAC828F-96AB-744E-8555-7ECB2A3F3CB1}"/>
-              </a:ext>
-            </a:extLst>
-          </p:cNvPr>
-          <p:cNvCxnSpPr>
-            <a:cxnSpLocks/>
-            <a:stCxn id="13" idx="2"/>
-            <a:endCxn id="14" idx="6"/>
-          </p:cNvCxnSpPr>
-          <p:nvPr/>
-        </p:nvCxnSpPr>
-        <p:spPr>
-          <a:xfrm flipH="1">
-            <a:off x="4976319" y="3083226"/>
-            <a:ext cx="1203241" cy="10515"/>
-          </a:xfrm>
-          <a:prstGeom prst="straightConnector1">
-            <a:avLst/>
-          </a:prstGeom>
-          <a:ln>
-            <a:tailEnd type="triangle"/>
-          </a:ln>
-        </p:spPr>
-        <p:style>
-          <a:lnRef idx="3">
-            <a:schemeClr val="accent1"/>
-          </a:lnRef>
-          <a:fillRef idx="0">
-            <a:schemeClr val="accent1"/>
-          </a:fillRef>
-          <a:effectRef idx="2">
-            <a:schemeClr val="accent1"/>
-          </a:effectRef>
-          <a:fontRef idx="minor">
-            <a:schemeClr val="tx1"/>
-          </a:fontRef>
-        </p:style>
-      </p:cxnSp>
-      <p:cxnSp>
-        <p:nvCxnSpPr>
-          <p:cNvPr id="47" name="直线箭头连接符 46">
-            <a:extLst>
-              <a:ext uri="{FF2B5EF4-FFF2-40B4-BE49-F238E27FC236}">
-                <a16:creationId xmlns:a16="http://schemas.microsoft.com/office/drawing/2014/main" id="{23B83BC8-FC7E-0647-81F6-4DCB9298CCC1}"/>
-              </a:ext>
-            </a:extLst>
-          </p:cNvPr>
-          <p:cNvCxnSpPr>
-            <a:cxnSpLocks/>
-            <a:stCxn id="14" idx="2"/>
-            <a:endCxn id="11" idx="6"/>
-          </p:cNvCxnSpPr>
-          <p:nvPr/>
-        </p:nvCxnSpPr>
-        <p:spPr>
-          <a:xfrm flipH="1">
-            <a:off x="2989308" y="3093741"/>
-            <a:ext cx="1464497" cy="0"/>
-          </a:xfrm>
-          <a:prstGeom prst="straightConnector1">
-            <a:avLst/>
-          </a:prstGeom>
-          <a:ln>
-            <a:tailEnd type="triangle"/>
-          </a:ln>
-        </p:spPr>
-        <p:style>
-          <a:lnRef idx="3">
-            <a:schemeClr val="accent1"/>
-          </a:lnRef>
-          <a:fillRef idx="0">
-            <a:schemeClr val="accent1"/>
-          </a:fillRef>
-          <a:effectRef idx="2">
-            <a:schemeClr val="accent1"/>
-          </a:effectRef>
-          <a:fontRef idx="minor">
-            <a:schemeClr val="tx1"/>
-          </a:fontRef>
-        </p:style>
-      </p:cxnSp>
-      <p:sp>
-        <p:nvSpPr>
-          <p:cNvPr id="33" name="文本框 32">
-            <a:extLst>
-              <a:ext uri="{FF2B5EF4-FFF2-40B4-BE49-F238E27FC236}">
-                <a16:creationId xmlns:a16="http://schemas.microsoft.com/office/drawing/2014/main" id="{09CBDA21-04B1-C84B-8BF2-ADAB7D7BFB6A}"/>
-              </a:ext>
-            </a:extLst>
-          </p:cNvPr>
-          <p:cNvSpPr txBox="1"/>
-          <p:nvPr/>
-        </p:nvSpPr>
-        <p:spPr>
-          <a:xfrm>
-            <a:off x="4560125" y="2375065"/>
-            <a:ext cx="184731" cy="369332"/>
-          </a:xfrm>
-          <a:prstGeom prst="rect">
-            <a:avLst/>
-          </a:prstGeom>
-          <a:noFill/>
-        </p:spPr>
-        <p:txBody>
-          <a:bodyPr wrap="none" rtlCol="0">
-            <a:spAutoFit/>
-          </a:bodyPr>
-          <a:lstStyle/>
-          <a:p>
-            <a:endParaRPr kumimoji="1" lang="zh-CN" altLang="en-US" dirty="0"/>
-          </a:p>
-        </p:txBody>
-      </p:sp>
-      <p:sp>
-        <p:nvSpPr>
-          <p:cNvPr id="78" name="椭圆 77">
-            <a:extLst>
-              <a:ext uri="{FF2B5EF4-FFF2-40B4-BE49-F238E27FC236}">
-                <a16:creationId xmlns:a16="http://schemas.microsoft.com/office/drawing/2014/main" id="{94F0DC91-B8C2-F645-BAF1-74B55F6D18EB}"/>
-              </a:ext>
-            </a:extLst>
-          </p:cNvPr>
-          <p:cNvSpPr/>
-          <p:nvPr/>
-        </p:nvSpPr>
-        <p:spPr>
-          <a:xfrm>
-            <a:off x="8208071" y="2816030"/>
-            <a:ext cx="522514" cy="534389"/>
-          </a:xfrm>
-          <a:prstGeom prst="ellipse">
-            <a:avLst/>
-          </a:prstGeom>
-        </p:spPr>
-        <p:style>
-          <a:lnRef idx="2">
-            <a:schemeClr val="accent1">
-              <a:shade val="50000"/>
-            </a:schemeClr>
-          </a:lnRef>
-          <a:fillRef idx="1">
-            <a:schemeClr val="accent1"/>
-          </a:fillRef>
-          <a:effectRef idx="0">
-            <a:schemeClr val="accent1"/>
-          </a:effectRef>
-          <a:fontRef idx="minor">
-            <a:schemeClr val="lt1"/>
-          </a:fontRef>
-        </p:style>
-        <p:txBody>
-          <a:bodyPr rtlCol="0" anchor="ctr"/>
-          <a:lstStyle/>
-          <a:p>
-            <a:pPr algn="ctr"/>
-            <a:r>
-              <a:rPr kumimoji="1" lang="en-US" altLang="zh-CN" dirty="0"/>
-              <a:t>H</a:t>
-            </a:r>
-            <a:endParaRPr kumimoji="1" lang="zh-CN" altLang="en-US" dirty="0"/>
-          </a:p>
-        </p:txBody>
-      </p:sp>
-      <p:sp>
-        <p:nvSpPr>
-          <p:cNvPr id="81" name="椭圆 80">
-            <a:extLst>
-              <a:ext uri="{FF2B5EF4-FFF2-40B4-BE49-F238E27FC236}">
-                <a16:creationId xmlns:a16="http://schemas.microsoft.com/office/drawing/2014/main" id="{F63FED62-3819-E546-A34A-C79DBC2D2D09}"/>
-              </a:ext>
-            </a:extLst>
-          </p:cNvPr>
-          <p:cNvSpPr/>
-          <p:nvPr/>
-        </p:nvSpPr>
-        <p:spPr>
-          <a:xfrm>
-            <a:off x="6179560" y="4355569"/>
-            <a:ext cx="522514" cy="534389"/>
-          </a:xfrm>
-          <a:prstGeom prst="ellipse">
-            <a:avLst/>
-          </a:prstGeom>
-        </p:spPr>
-        <p:style>
-          <a:lnRef idx="2">
-            <a:schemeClr val="accent1">
-              <a:shade val="50000"/>
-            </a:schemeClr>
-          </a:lnRef>
-          <a:fillRef idx="1">
-            <a:schemeClr val="accent1"/>
-          </a:fillRef>
-          <a:effectRef idx="0">
-            <a:schemeClr val="accent1"/>
-          </a:effectRef>
-          <a:fontRef idx="minor">
-            <a:schemeClr val="lt1"/>
-          </a:fontRef>
-        </p:style>
-        <p:txBody>
-          <a:bodyPr rtlCol="0" anchor="ctr"/>
-          <a:lstStyle/>
-          <a:p>
-            <a:pPr algn="ctr"/>
-            <a:r>
-              <a:rPr kumimoji="1" lang="en-US" altLang="zh-CN" dirty="0"/>
-              <a:t>J</a:t>
-            </a:r>
-            <a:endParaRPr kumimoji="1" lang="zh-CN" altLang="en-US" dirty="0"/>
-          </a:p>
-        </p:txBody>
-      </p:sp>
-      <p:sp>
-        <p:nvSpPr>
-          <p:cNvPr id="82" name="椭圆 81">
-            <a:extLst>
-              <a:ext uri="{FF2B5EF4-FFF2-40B4-BE49-F238E27FC236}">
-                <a16:creationId xmlns:a16="http://schemas.microsoft.com/office/drawing/2014/main" id="{47EE0488-AA7F-C64D-9A0E-FFD7BAFB7909}"/>
-              </a:ext>
-            </a:extLst>
-          </p:cNvPr>
-          <p:cNvSpPr/>
-          <p:nvPr/>
-        </p:nvSpPr>
-        <p:spPr>
-          <a:xfrm>
-            <a:off x="8208071" y="4355569"/>
-            <a:ext cx="522514" cy="534389"/>
-          </a:xfrm>
-          <a:prstGeom prst="ellipse">
-            <a:avLst/>
-          </a:prstGeom>
-        </p:spPr>
-        <p:style>
-          <a:lnRef idx="2">
-            <a:schemeClr val="accent1">
-              <a:shade val="50000"/>
-            </a:schemeClr>
-          </a:lnRef>
-          <a:fillRef idx="1">
-            <a:schemeClr val="accent1"/>
-          </a:fillRef>
-          <a:effectRef idx="0">
-            <a:schemeClr val="accent1"/>
-          </a:effectRef>
-          <a:fontRef idx="minor">
-            <a:schemeClr val="lt1"/>
-          </a:fontRef>
-        </p:style>
-        <p:txBody>
-          <a:bodyPr rtlCol="0" anchor="ctr"/>
-          <a:lstStyle/>
-          <a:p>
-            <a:pPr algn="ctr"/>
-            <a:r>
-              <a:rPr kumimoji="1" lang="en-US" altLang="zh-CN" dirty="0"/>
-              <a:t>I</a:t>
-            </a:r>
-            <a:endParaRPr kumimoji="1" lang="zh-CN" altLang="en-US" dirty="0"/>
-          </a:p>
-        </p:txBody>
-      </p:sp>
-      <p:cxnSp>
-        <p:nvCxnSpPr>
-          <p:cNvPr id="88" name="直线箭头连接符 87">
-            <a:extLst>
-              <a:ext uri="{FF2B5EF4-FFF2-40B4-BE49-F238E27FC236}">
-                <a16:creationId xmlns:a16="http://schemas.microsoft.com/office/drawing/2014/main" id="{D695B63A-80A3-9841-A855-F8EF006602BC}"/>
-              </a:ext>
-            </a:extLst>
-          </p:cNvPr>
-          <p:cNvCxnSpPr>
-            <a:cxnSpLocks/>
-            <a:stCxn id="81" idx="6"/>
-            <a:endCxn id="82" idx="2"/>
-          </p:cNvCxnSpPr>
-          <p:nvPr/>
-        </p:nvCxnSpPr>
-        <p:spPr>
-          <a:xfrm>
-            <a:off x="6702074" y="4622764"/>
-            <a:ext cx="1505997" cy="0"/>
-          </a:xfrm>
-          <a:prstGeom prst="straightConnector1">
-            <a:avLst/>
-          </a:prstGeom>
-          <a:ln>
-            <a:tailEnd type="triangle"/>
-          </a:ln>
-        </p:spPr>
-        <p:style>
-          <a:lnRef idx="3">
-            <a:schemeClr val="accent1"/>
-          </a:lnRef>
-          <a:fillRef idx="0">
-            <a:schemeClr val="accent1"/>
-          </a:fillRef>
-          <a:effectRef idx="2">
-            <a:schemeClr val="accent1"/>
-          </a:effectRef>
-          <a:fontRef idx="minor">
-            <a:schemeClr val="tx1"/>
-          </a:fontRef>
-        </p:style>
-      </p:cxnSp>
-      <p:cxnSp>
-        <p:nvCxnSpPr>
-          <p:cNvPr id="90" name="直线箭头连接符 89">
-            <a:extLst>
-              <a:ext uri="{FF2B5EF4-FFF2-40B4-BE49-F238E27FC236}">
-                <a16:creationId xmlns:a16="http://schemas.microsoft.com/office/drawing/2014/main" id="{418AFA84-ECE1-5842-BE1B-B074E327198E}"/>
-              </a:ext>
-            </a:extLst>
-          </p:cNvPr>
-          <p:cNvCxnSpPr>
-            <a:cxnSpLocks/>
-            <a:stCxn id="7" idx="4"/>
-            <a:endCxn id="14" idx="0"/>
-          </p:cNvCxnSpPr>
-          <p:nvPr/>
-        </p:nvCxnSpPr>
-        <p:spPr>
-          <a:xfrm>
-            <a:off x="4715061" y="1803242"/>
-            <a:ext cx="1" cy="1023304"/>
-          </a:xfrm>
-          <a:prstGeom prst="straightConnector1">
-            <a:avLst/>
-          </a:prstGeom>
-          <a:ln>
-            <a:tailEnd type="triangle"/>
-          </a:ln>
-        </p:spPr>
-        <p:style>
-          <a:lnRef idx="3">
-            <a:schemeClr val="accent1"/>
-          </a:lnRef>
-          <a:fillRef idx="0">
-            <a:schemeClr val="accent1"/>
-          </a:fillRef>
-          <a:effectRef idx="2">
-            <a:schemeClr val="accent1"/>
-          </a:effectRef>
-          <a:fontRef idx="minor">
-            <a:schemeClr val="tx1"/>
-          </a:fontRef>
-        </p:style>
-      </p:cxnSp>
-      <p:cxnSp>
-        <p:nvCxnSpPr>
-          <p:cNvPr id="98" name="直线箭头连接符 97">
-            <a:extLst>
-              <a:ext uri="{FF2B5EF4-FFF2-40B4-BE49-F238E27FC236}">
-                <a16:creationId xmlns:a16="http://schemas.microsoft.com/office/drawing/2014/main" id="{CEF463D6-3EB0-8348-B72C-CDB2A4566823}"/>
-              </a:ext>
-            </a:extLst>
-          </p:cNvPr>
-          <p:cNvCxnSpPr>
-            <a:cxnSpLocks/>
-            <a:stCxn id="78" idx="2"/>
-            <a:endCxn id="13" idx="6"/>
-          </p:cNvCxnSpPr>
-          <p:nvPr/>
-        </p:nvCxnSpPr>
-        <p:spPr>
-          <a:xfrm flipH="1">
-            <a:off x="6702074" y="3083225"/>
-            <a:ext cx="1505997" cy="1"/>
-          </a:xfrm>
-          <a:prstGeom prst="straightConnector1">
-            <a:avLst/>
-          </a:prstGeom>
-          <a:ln>
-            <a:tailEnd type="triangle"/>
-          </a:ln>
-        </p:spPr>
-        <p:style>
-          <a:lnRef idx="3">
-            <a:schemeClr val="accent1"/>
-          </a:lnRef>
-          <a:fillRef idx="0">
-            <a:schemeClr val="accent1"/>
-          </a:fillRef>
-          <a:effectRef idx="2">
-            <a:schemeClr val="accent1"/>
-          </a:effectRef>
-          <a:fontRef idx="minor">
-            <a:schemeClr val="tx1"/>
-          </a:fontRef>
-        </p:style>
-      </p:cxnSp>
-    </p:spTree>
-    <p:extLst>
-      <p:ext uri="{BB962C8B-B14F-4D97-AF65-F5344CB8AC3E}">
-        <p14:creationId xmlns:p14="http://schemas.microsoft.com/office/powerpoint/2010/main" val="81067961"/>
-      </p:ext>
-    </p:extLst>
-  </p:cSld>
-  <p:clrMapOvr>
-    <a:masterClrMapping/>
-  </p:clrMapOvr>
-</p:sld>
-</file>
-
 <file path=ppt/slides/slide2.xml><?xml version="1.0" encoding="utf-8"?>
 <p:sld xmlns:a="http://schemas.openxmlformats.org/drawingml/2006/main" xmlns:r="http://schemas.openxmlformats.org/officeDocument/2006/relationships" xmlns:p="http://schemas.openxmlformats.org/presentationml/2006/main">
   <p:cSld>
@@ -13590,26 +12329,53 @@
           <a:lstStyle/>
           <a:p>
             <a:r>
+              <a:rPr kumimoji="1" lang="zh-CN" altLang="en-US" b="1" dirty="0">
+                <a:solidFill>
+                  <a:srgbClr val="0070C0"/>
+                </a:solidFill>
+              </a:rPr>
+              <a:t>图</a:t>
+            </a:r>
+            <a:r>
               <a:rPr kumimoji="1" lang="en-US" altLang="zh-CN" b="1" dirty="0">
                 <a:solidFill>
                   <a:srgbClr val="0070C0"/>
                 </a:solidFill>
               </a:rPr>
-              <a:t>Graph</a:t>
-            </a:r>
-            <a:r>
-              <a:rPr kumimoji="1" lang="en-US" altLang="zh-CN" dirty="0">
+              <a:t>-9.5.9</a:t>
+            </a:r>
+            <a:r>
+              <a:rPr kumimoji="1" lang="zh-CN" altLang="en-US" b="1" dirty="0">
                 <a:solidFill>
                   <a:srgbClr val="0070C0"/>
                 </a:solidFill>
               </a:rPr>
-              <a:t>- STRONG BRACH</a:t>
-            </a:r>
-            <a:endParaRPr kumimoji="1" lang="zh-CN" altLang="en-US" dirty="0">
-              <a:solidFill>
-                <a:srgbClr val="0070C0"/>
-              </a:solidFill>
-            </a:endParaRPr>
+              <a:t> </a:t>
+            </a:r>
+            <a:r>
+              <a:rPr kumimoji="1" lang="en-US" altLang="zh-CN" b="1" dirty="0">
+                <a:solidFill>
+                  <a:srgbClr val="0070C0"/>
+                </a:solidFill>
+              </a:rPr>
+              <a:t> </a:t>
+            </a:r>
+            <a:r>
+              <a:rPr kumimoji="1" lang="zh-CN" altLang="en-US" b="1" dirty="0">
+                <a:solidFill>
+                  <a:srgbClr val="0070C0"/>
+                </a:solidFill>
+              </a:rPr>
+              <a:t>一个有向图</a:t>
+            </a:r>
+            <a:r>
+              <a:rPr kumimoji="1" lang="en-US" altLang="zh-CN" b="1" dirty="0">
+                <a:solidFill>
+                  <a:srgbClr val="0070C0"/>
+                </a:solidFill>
+              </a:rPr>
+              <a:t>G</a:t>
+            </a:r>
           </a:p>
         </p:txBody>
       </p:sp>
@@ -14485,7 +13251,7 @@
         <p:spPr>
           <a:xfrm>
             <a:off x="2466794" y="1268853"/>
-            <a:ext cx="522514" cy="534389"/>
+            <a:ext cx="576000" cy="576000"/>
           </a:xfrm>
           <a:prstGeom prst="ellipse">
             <a:avLst/>
@@ -14513,10 +13279,10 @@
           <a:p>
             <a:pPr algn="ctr"/>
             <a:r>
-              <a:rPr kumimoji="1" lang="en-US" altLang="zh-CN" dirty="0"/>
-              <a:t>A</a:t>
-            </a:r>
-            <a:endParaRPr kumimoji="1" lang="zh-CN" altLang="en-US" dirty="0"/>
+              <a:rPr kumimoji="1" lang="en-US" altLang="zh-CN" sz="1400" dirty="0"/>
+              <a:t>A3</a:t>
+            </a:r>
+            <a:endParaRPr kumimoji="1" lang="zh-CN" altLang="en-US" sz="1400" dirty="0"/>
           </a:p>
         </p:txBody>
       </p:sp>
@@ -14534,8 +13300,8 @@
         </p:nvSpPr>
         <p:spPr>
           <a:xfrm>
-            <a:off x="4453804" y="1268853"/>
-            <a:ext cx="522514" cy="534389"/>
+            <a:off x="4453802" y="1268852"/>
+            <a:ext cx="576000" cy="576000"/>
           </a:xfrm>
           <a:prstGeom prst="ellipse">
             <a:avLst/>
@@ -14563,10 +13329,10 @@
           <a:p>
             <a:pPr algn="ctr"/>
             <a:r>
-              <a:rPr kumimoji="1" lang="en-US" altLang="zh-CN" dirty="0"/>
-              <a:t>B</a:t>
-            </a:r>
-            <a:endParaRPr kumimoji="1" lang="zh-CN" altLang="en-US" dirty="0"/>
+              <a:rPr kumimoji="1" lang="en-US" altLang="zh-CN" sz="1400" dirty="0"/>
+              <a:t>B6</a:t>
+            </a:r>
+            <a:endParaRPr kumimoji="1" lang="zh-CN" altLang="en-US" sz="1400" dirty="0"/>
           </a:p>
         </p:txBody>
       </p:sp>
@@ -14584,8 +13350,8 @@
         </p:nvSpPr>
         <p:spPr>
           <a:xfrm>
-            <a:off x="2466794" y="4357333"/>
-            <a:ext cx="522514" cy="534389"/>
+            <a:off x="2466792" y="4357332"/>
+            <a:ext cx="576000" cy="576000"/>
           </a:xfrm>
           <a:prstGeom prst="ellipse">
             <a:avLst/>
@@ -14613,10 +13379,10 @@
           <a:p>
             <a:pPr algn="ctr"/>
             <a:r>
-              <a:rPr kumimoji="1" lang="en-US" altLang="zh-CN" dirty="0"/>
-              <a:t>E</a:t>
-            </a:r>
-            <a:endParaRPr kumimoji="1" lang="zh-CN" altLang="en-US" dirty="0"/>
+              <a:rPr kumimoji="1" lang="en-US" altLang="zh-CN" sz="1600" dirty="0"/>
+              <a:t>E1</a:t>
+            </a:r>
+            <a:endParaRPr kumimoji="1" lang="zh-CN" altLang="en-US" sz="1600" dirty="0"/>
           </a:p>
         </p:txBody>
       </p:sp>
@@ -14634,8 +13400,8 @@
         </p:nvSpPr>
         <p:spPr>
           <a:xfrm>
-            <a:off x="2466794" y="2826546"/>
-            <a:ext cx="522514" cy="534389"/>
+            <a:off x="2466792" y="2826545"/>
+            <a:ext cx="576000" cy="576000"/>
           </a:xfrm>
           <a:prstGeom prst="ellipse">
             <a:avLst/>
@@ -14663,10 +13429,10 @@
           <a:p>
             <a:pPr algn="ctr"/>
             <a:r>
-              <a:rPr kumimoji="1" lang="en-US" altLang="zh-CN" dirty="0"/>
-              <a:t>D</a:t>
-            </a:r>
-            <a:endParaRPr kumimoji="1" lang="zh-CN" altLang="en-US" dirty="0"/>
+              <a:rPr kumimoji="1" lang="en-US" altLang="zh-CN" sz="1400" dirty="0"/>
+              <a:t>D2</a:t>
+            </a:r>
+            <a:endParaRPr kumimoji="1" lang="zh-CN" altLang="en-US" sz="1400" dirty="0"/>
           </a:p>
         </p:txBody>
       </p:sp>
@@ -14684,8 +13450,8 @@
         </p:nvSpPr>
         <p:spPr>
           <a:xfrm>
-            <a:off x="7193815" y="1268853"/>
-            <a:ext cx="522514" cy="534389"/>
+            <a:off x="7193813" y="1268849"/>
+            <a:ext cx="576000" cy="576000"/>
           </a:xfrm>
           <a:prstGeom prst="ellipse">
             <a:avLst/>
@@ -14713,10 +13479,17 @@
           <a:p>
             <a:pPr algn="ctr"/>
             <a:r>
-              <a:rPr kumimoji="1" lang="en-US" altLang="zh-CN" dirty="0"/>
+              <a:rPr kumimoji="1" lang="en-US" altLang="zh-CN" sz="1400" b="1" dirty="0"/>
               <a:t>G</a:t>
             </a:r>
-            <a:endParaRPr kumimoji="1" lang="zh-CN" altLang="en-US" dirty="0"/>
+          </a:p>
+          <a:p>
+            <a:pPr algn="ctr"/>
+            <a:r>
+              <a:rPr kumimoji="1" lang="en-US" altLang="zh-CN" sz="1400" b="1" dirty="0"/>
+              <a:t>10</a:t>
+            </a:r>
+            <a:endParaRPr kumimoji="1" lang="zh-CN" altLang="en-US" sz="1400" b="1" dirty="0"/>
           </a:p>
         </p:txBody>
       </p:sp>
@@ -14734,8 +13507,8 @@
         </p:nvSpPr>
         <p:spPr>
           <a:xfrm>
-            <a:off x="6179560" y="2816031"/>
-            <a:ext cx="522514" cy="534389"/>
+            <a:off x="6179560" y="2816030"/>
+            <a:ext cx="576000" cy="576000"/>
           </a:xfrm>
           <a:prstGeom prst="ellipse">
             <a:avLst/>
@@ -14763,10 +13536,10 @@
           <a:p>
             <a:pPr algn="ctr"/>
             <a:r>
-              <a:rPr kumimoji="1" lang="en-US" altLang="zh-CN" dirty="0"/>
-              <a:t>F</a:t>
-            </a:r>
-            <a:endParaRPr kumimoji="1" lang="zh-CN" altLang="en-US" dirty="0"/>
+              <a:rPr kumimoji="1" lang="en-US" altLang="zh-CN" sz="1400" dirty="0"/>
+              <a:t>F5</a:t>
+            </a:r>
+            <a:endParaRPr kumimoji="1" lang="zh-CN" altLang="en-US" sz="1400" dirty="0"/>
           </a:p>
         </p:txBody>
       </p:sp>
@@ -14784,8 +13557,8 @@
         </p:nvSpPr>
         <p:spPr>
           <a:xfrm>
-            <a:off x="4453805" y="2826546"/>
-            <a:ext cx="522514" cy="534389"/>
+            <a:off x="4453802" y="2826545"/>
+            <a:ext cx="576000" cy="576000"/>
           </a:xfrm>
           <a:prstGeom prst="ellipse">
             <a:avLst/>
@@ -14813,10 +13586,10 @@
           <a:p>
             <a:pPr algn="ctr"/>
             <a:r>
-              <a:rPr kumimoji="1" lang="en-US" altLang="zh-CN" dirty="0"/>
-              <a:t>C</a:t>
-            </a:r>
-            <a:endParaRPr kumimoji="1" lang="zh-CN" altLang="en-US" dirty="0"/>
+              <a:rPr kumimoji="1" lang="en-US" altLang="zh-CN" sz="1200" dirty="0"/>
+              <a:t>C4</a:t>
+            </a:r>
+            <a:endParaRPr kumimoji="1" lang="zh-CN" altLang="en-US" sz="1200" dirty="0"/>
           </a:p>
         </p:txBody>
       </p:sp>
@@ -14835,7 +13608,7 @@
         <p:spPr>
           <a:xfrm>
             <a:off x="213755" y="142504"/>
-            <a:ext cx="5028593" cy="369332"/>
+            <a:ext cx="6314636" cy="369332"/>
           </a:xfrm>
           <a:prstGeom prst="rect">
             <a:avLst/>
@@ -14848,21 +13621,53 @@
           </a:bodyPr>
           <a:lstStyle/>
           <a:p>
+            <a:r>
+              <a:rPr kumimoji="1" lang="zh-CN" altLang="en-US" b="1" dirty="0">
+                <a:solidFill>
+                  <a:srgbClr val="0070C0"/>
+                </a:solidFill>
+              </a:rPr>
+              <a:t>图</a:t>
+            </a:r>
             <a:r>
               <a:rPr kumimoji="1" lang="en-US" altLang="zh-CN" b="1" dirty="0">
                 <a:solidFill>
                   <a:srgbClr val="0070C0"/>
                 </a:solidFill>
               </a:rPr>
-              <a:t>Graph</a:t>
-            </a:r>
-            <a:r>
-              <a:rPr kumimoji="1" lang="en-US" altLang="zh-CN" dirty="0">
+              <a:t>9-5-10</a:t>
+            </a:r>
+            <a:r>
+              <a:rPr kumimoji="1" lang="zh-CN" altLang="en-US" b="1" dirty="0">
                 <a:solidFill>
                   <a:srgbClr val="0070C0"/>
                 </a:solidFill>
               </a:rPr>
-              <a:t>- STRONG BRACH</a:t>
+              <a:t>  通过对图</a:t>
+            </a:r>
+            <a:r>
+              <a:rPr kumimoji="1" lang="en-US" altLang="zh-CN" b="1" dirty="0">
+                <a:solidFill>
+                  <a:srgbClr val="0070C0"/>
+                </a:solidFill>
+              </a:rPr>
+              <a:t>G</a:t>
+            </a:r>
+            <a:r>
+              <a:rPr kumimoji="1" lang="zh-CN" altLang="en-US" b="1" dirty="0">
+                <a:solidFill>
+                  <a:srgbClr val="0070C0"/>
+                </a:solidFill>
+              </a:rPr>
+              <a:t>的后续遍历所编号的反向图</a:t>
+            </a:r>
+            <a:r>
+              <a:rPr kumimoji="1" lang="en-US" altLang="zh-CN" b="1" dirty="0">
+                <a:solidFill>
+                  <a:srgbClr val="0070C0"/>
+                </a:solidFill>
+              </a:rPr>
+              <a:t>Gr</a:t>
             </a:r>
             <a:endParaRPr kumimoji="1" lang="zh-CN" altLang="en-US" dirty="0">
               <a:solidFill>
@@ -14883,15 +13688,15 @@
           </p:cNvPr>
           <p:cNvCxnSpPr>
             <a:cxnSpLocks/>
-            <a:stCxn id="14" idx="1"/>
-            <a:endCxn id="4" idx="5"/>
+            <a:stCxn id="4" idx="5"/>
+            <a:endCxn id="14" idx="1"/>
           </p:cNvCxnSpPr>
           <p:nvPr/>
         </p:nvCxnSpPr>
         <p:spPr>
-          <a:xfrm flipH="1" flipV="1">
-            <a:off x="2912788" y="1724983"/>
-            <a:ext cx="1617537" cy="1179822"/>
+          <a:xfrm>
+            <a:off x="2958441" y="1760500"/>
+            <a:ext cx="1579714" cy="1150398"/>
           </a:xfrm>
           <a:prstGeom prst="straightConnector1">
             <a:avLst/>
@@ -14902,13 +13707,13 @@
         </p:spPr>
         <p:style>
           <a:lnRef idx="3">
-            <a:schemeClr val="accent1"/>
+            <a:schemeClr val="accent2"/>
           </a:lnRef>
           <a:fillRef idx="0">
-            <a:schemeClr val="accent1"/>
+            <a:schemeClr val="accent2"/>
           </a:fillRef>
           <a:effectRef idx="2">
-            <a:schemeClr val="accent1"/>
+            <a:schemeClr val="accent2"/>
           </a:effectRef>
           <a:fontRef idx="minor">
             <a:schemeClr val="tx1"/>
@@ -14926,15 +13731,15 @@
           </p:cNvPr>
           <p:cNvCxnSpPr>
             <a:cxnSpLocks/>
-            <a:stCxn id="4" idx="6"/>
-            <a:endCxn id="7" idx="2"/>
+            <a:stCxn id="7" idx="2"/>
+            <a:endCxn id="4" idx="6"/>
           </p:cNvCxnSpPr>
           <p:nvPr/>
         </p:nvCxnSpPr>
         <p:spPr>
-          <a:xfrm>
-            <a:off x="2989308" y="1536048"/>
-            <a:ext cx="1464496" cy="0"/>
+          <a:xfrm flipH="1">
+            <a:off x="3042794" y="1556852"/>
+            <a:ext cx="1411008" cy="1"/>
           </a:xfrm>
           <a:prstGeom prst="straightConnector1">
             <a:avLst/>
@@ -14945,13 +13750,13 @@
         </p:spPr>
         <p:style>
           <a:lnRef idx="3">
-            <a:schemeClr val="accent1"/>
+            <a:schemeClr val="accent2"/>
           </a:lnRef>
           <a:fillRef idx="0">
-            <a:schemeClr val="accent1"/>
+            <a:schemeClr val="accent2"/>
           </a:fillRef>
           <a:effectRef idx="2">
-            <a:schemeClr val="accent1"/>
+            <a:schemeClr val="accent2"/>
           </a:effectRef>
           <a:fontRef idx="minor">
             <a:schemeClr val="tx1"/>
@@ -14969,15 +13774,15 @@
           </p:cNvPr>
           <p:cNvCxnSpPr>
             <a:cxnSpLocks/>
-            <a:stCxn id="7" idx="5"/>
-            <a:endCxn id="13" idx="1"/>
+            <a:stCxn id="14" idx="0"/>
+            <a:endCxn id="7" idx="4"/>
           </p:cNvCxnSpPr>
           <p:nvPr/>
         </p:nvCxnSpPr>
         <p:spPr>
-          <a:xfrm>
-            <a:off x="4899798" y="1724983"/>
-            <a:ext cx="1356282" cy="1169307"/>
+          <a:xfrm flipV="1">
+            <a:off x="4741802" y="1844852"/>
+            <a:ext cx="0" cy="981693"/>
           </a:xfrm>
           <a:prstGeom prst="straightConnector1">
             <a:avLst/>
@@ -14988,13 +13793,13 @@
         </p:spPr>
         <p:style>
           <a:lnRef idx="3">
-            <a:schemeClr val="accent1"/>
+            <a:schemeClr val="accent2"/>
           </a:lnRef>
           <a:fillRef idx="0">
-            <a:schemeClr val="accent1"/>
+            <a:schemeClr val="accent2"/>
           </a:fillRef>
           <a:effectRef idx="2">
-            <a:schemeClr val="accent1"/>
+            <a:schemeClr val="accent2"/>
           </a:effectRef>
           <a:fontRef idx="minor">
             <a:schemeClr val="tx1"/>
@@ -15012,15 +13817,15 @@
           </p:cNvPr>
           <p:cNvCxnSpPr>
             <a:cxnSpLocks/>
-            <a:stCxn id="78" idx="3"/>
-            <a:endCxn id="81" idx="7"/>
+            <a:stCxn id="81" idx="7"/>
+            <a:endCxn id="78" idx="3"/>
           </p:cNvCxnSpPr>
           <p:nvPr/>
         </p:nvCxnSpPr>
         <p:spPr>
-          <a:xfrm flipH="1">
-            <a:off x="6625554" y="3272160"/>
-            <a:ext cx="1659037" cy="1161668"/>
+          <a:xfrm flipV="1">
+            <a:off x="6671207" y="3307676"/>
+            <a:ext cx="1621215" cy="1132245"/>
           </a:xfrm>
           <a:prstGeom prst="straightConnector1">
             <a:avLst/>
@@ -15031,13 +13836,13 @@
         </p:spPr>
         <p:style>
           <a:lnRef idx="3">
-            <a:schemeClr val="accent1"/>
+            <a:schemeClr val="accent2"/>
           </a:lnRef>
           <a:fillRef idx="0">
-            <a:schemeClr val="accent1"/>
+            <a:schemeClr val="accent2"/>
           </a:fillRef>
           <a:effectRef idx="2">
-            <a:schemeClr val="accent1"/>
+            <a:schemeClr val="accent2"/>
           </a:effectRef>
           <a:fontRef idx="minor">
             <a:schemeClr val="tx1"/>
@@ -15055,15 +13860,15 @@
           </p:cNvPr>
           <p:cNvCxnSpPr>
             <a:cxnSpLocks/>
-            <a:stCxn id="12" idx="3"/>
-            <a:endCxn id="13" idx="7"/>
+            <a:stCxn id="13" idx="7"/>
+            <a:endCxn id="12" idx="3"/>
           </p:cNvCxnSpPr>
           <p:nvPr/>
         </p:nvCxnSpPr>
         <p:spPr>
-          <a:xfrm flipH="1">
-            <a:off x="6625554" y="1724983"/>
-            <a:ext cx="644781" cy="1169307"/>
+          <a:xfrm flipV="1">
+            <a:off x="6671207" y="1760496"/>
+            <a:ext cx="606959" cy="1139887"/>
           </a:xfrm>
           <a:prstGeom prst="straightConnector1">
             <a:avLst/>
@@ -15074,13 +13879,13 @@
         </p:spPr>
         <p:style>
           <a:lnRef idx="3">
-            <a:schemeClr val="accent1"/>
+            <a:schemeClr val="accent2"/>
           </a:lnRef>
           <a:fillRef idx="0">
-            <a:schemeClr val="accent1"/>
+            <a:schemeClr val="accent2"/>
           </a:fillRef>
           <a:effectRef idx="2">
-            <a:schemeClr val="accent1"/>
+            <a:schemeClr val="accent2"/>
           </a:effectRef>
           <a:fontRef idx="minor">
             <a:schemeClr val="tx1"/>
@@ -15098,15 +13903,15 @@
           </p:cNvPr>
           <p:cNvCxnSpPr>
             <a:cxnSpLocks/>
-            <a:stCxn id="11" idx="4"/>
-            <a:endCxn id="9" idx="0"/>
+            <a:stCxn id="9" idx="0"/>
+            <a:endCxn id="11" idx="4"/>
           </p:cNvCxnSpPr>
           <p:nvPr/>
         </p:nvCxnSpPr>
         <p:spPr>
-          <a:xfrm>
-            <a:off x="2728051" y="3360935"/>
-            <a:ext cx="0" cy="996398"/>
+          <a:xfrm flipV="1">
+            <a:off x="2754792" y="3402545"/>
+            <a:ext cx="0" cy="954787"/>
           </a:xfrm>
           <a:prstGeom prst="straightConnector1">
             <a:avLst/>
@@ -15117,13 +13922,13 @@
         </p:spPr>
         <p:style>
           <a:lnRef idx="3">
-            <a:schemeClr val="accent1"/>
+            <a:schemeClr val="accent2"/>
           </a:lnRef>
           <a:fillRef idx="0">
-            <a:schemeClr val="accent1"/>
+            <a:schemeClr val="accent2"/>
           </a:fillRef>
           <a:effectRef idx="2">
-            <a:schemeClr val="accent1"/>
+            <a:schemeClr val="accent2"/>
           </a:effectRef>
           <a:fontRef idx="minor">
             <a:schemeClr val="tx1"/>
@@ -15141,15 +13946,15 @@
           </p:cNvPr>
           <p:cNvCxnSpPr>
             <a:cxnSpLocks/>
-            <a:stCxn id="4" idx="4"/>
-            <a:endCxn id="11" idx="0"/>
+            <a:stCxn id="11" idx="0"/>
+            <a:endCxn id="4" idx="4"/>
           </p:cNvCxnSpPr>
           <p:nvPr/>
         </p:nvCxnSpPr>
         <p:spPr>
-          <a:xfrm>
-            <a:off x="2728051" y="1803242"/>
-            <a:ext cx="0" cy="1023304"/>
+          <a:xfrm flipV="1">
+            <a:off x="2754792" y="1844853"/>
+            <a:ext cx="2" cy="981692"/>
           </a:xfrm>
           <a:prstGeom prst="straightConnector1">
             <a:avLst/>
@@ -15160,13 +13965,13 @@
         </p:spPr>
         <p:style>
           <a:lnRef idx="3">
-            <a:schemeClr val="accent1"/>
+            <a:schemeClr val="accent2"/>
           </a:lnRef>
           <a:fillRef idx="0">
-            <a:schemeClr val="accent1"/>
+            <a:schemeClr val="accent2"/>
           </a:fillRef>
           <a:effectRef idx="2">
-            <a:schemeClr val="accent1"/>
+            <a:schemeClr val="accent2"/>
           </a:effectRef>
           <a:fontRef idx="minor">
             <a:schemeClr val="tx1"/>
@@ -15184,15 +13989,15 @@
           </p:cNvPr>
           <p:cNvCxnSpPr>
             <a:cxnSpLocks/>
-            <a:stCxn id="12" idx="5"/>
-            <a:endCxn id="78" idx="1"/>
+            <a:stCxn id="78" idx="1"/>
+            <a:endCxn id="12" idx="5"/>
           </p:cNvCxnSpPr>
           <p:nvPr/>
         </p:nvCxnSpPr>
         <p:spPr>
-          <a:xfrm>
-            <a:off x="7639809" y="1724983"/>
-            <a:ext cx="644782" cy="1169306"/>
+          <a:xfrm flipH="1" flipV="1">
+            <a:off x="7685460" y="1760496"/>
+            <a:ext cx="606962" cy="1139886"/>
           </a:xfrm>
           <a:prstGeom prst="straightConnector1">
             <a:avLst/>
@@ -15203,13 +14008,13 @@
         </p:spPr>
         <p:style>
           <a:lnRef idx="3">
-            <a:schemeClr val="accent1"/>
+            <a:schemeClr val="accent2"/>
           </a:lnRef>
           <a:fillRef idx="0">
-            <a:schemeClr val="accent1"/>
+            <a:schemeClr val="accent2"/>
           </a:fillRef>
           <a:effectRef idx="2">
-            <a:schemeClr val="accent1"/>
+            <a:schemeClr val="accent2"/>
           </a:effectRef>
           <a:fontRef idx="minor">
             <a:schemeClr val="tx1"/>
@@ -15227,15 +14032,15 @@
           </p:cNvPr>
           <p:cNvCxnSpPr>
             <a:cxnSpLocks/>
-            <a:stCxn id="14" idx="3"/>
-            <a:endCxn id="9" idx="6"/>
+            <a:stCxn id="9" idx="7"/>
+            <a:endCxn id="14" idx="3"/>
           </p:cNvCxnSpPr>
           <p:nvPr/>
         </p:nvCxnSpPr>
         <p:spPr>
-          <a:xfrm flipH="1">
-            <a:off x="2989308" y="3282676"/>
-            <a:ext cx="1541017" cy="1341852"/>
+          <a:xfrm flipV="1">
+            <a:off x="2958439" y="3318192"/>
+            <a:ext cx="1579716" cy="1123493"/>
           </a:xfrm>
           <a:prstGeom prst="straightConnector1">
             <a:avLst/>
@@ -15246,13 +14051,13 @@
         </p:spPr>
         <p:style>
           <a:lnRef idx="3">
-            <a:schemeClr val="accent1"/>
+            <a:schemeClr val="accent2"/>
           </a:lnRef>
           <a:fillRef idx="0">
-            <a:schemeClr val="accent1"/>
+            <a:schemeClr val="accent2"/>
           </a:fillRef>
           <a:effectRef idx="2">
-            <a:schemeClr val="accent1"/>
+            <a:schemeClr val="accent2"/>
           </a:effectRef>
           <a:fontRef idx="minor">
             <a:schemeClr val="tx1"/>
@@ -15270,15 +14075,15 @@
           </p:cNvPr>
           <p:cNvCxnSpPr>
             <a:cxnSpLocks/>
-            <a:stCxn id="82" idx="0"/>
-            <a:endCxn id="78" idx="4"/>
+            <a:stCxn id="78" idx="4"/>
+            <a:endCxn id="82" idx="0"/>
           </p:cNvCxnSpPr>
           <p:nvPr/>
         </p:nvCxnSpPr>
         <p:spPr>
-          <a:xfrm flipV="1">
-            <a:off x="8469328" y="3350419"/>
-            <a:ext cx="0" cy="1005150"/>
+          <a:xfrm>
+            <a:off x="8496069" y="3392029"/>
+            <a:ext cx="0" cy="963539"/>
           </a:xfrm>
           <a:prstGeom prst="straightConnector1">
             <a:avLst/>
@@ -15289,13 +14094,13 @@
         </p:spPr>
         <p:style>
           <a:lnRef idx="3">
-            <a:schemeClr val="accent1"/>
+            <a:schemeClr val="accent2"/>
           </a:lnRef>
           <a:fillRef idx="0">
-            <a:schemeClr val="accent1"/>
+            <a:schemeClr val="accent2"/>
           </a:fillRef>
           <a:effectRef idx="2">
-            <a:schemeClr val="accent1"/>
+            <a:schemeClr val="accent2"/>
           </a:effectRef>
           <a:fontRef idx="minor">
             <a:schemeClr val="tx1"/>
@@ -15313,15 +14118,15 @@
           </p:cNvPr>
           <p:cNvCxnSpPr>
             <a:cxnSpLocks/>
-            <a:stCxn id="13" idx="2"/>
-            <a:endCxn id="14" idx="6"/>
+            <a:stCxn id="14" idx="6"/>
+            <a:endCxn id="13" idx="2"/>
           </p:cNvCxnSpPr>
           <p:nvPr/>
         </p:nvCxnSpPr>
         <p:spPr>
-          <a:xfrm flipH="1">
-            <a:off x="4976319" y="3083226"/>
-            <a:ext cx="1203241" cy="10515"/>
+          <a:xfrm flipV="1">
+            <a:off x="5029802" y="3104030"/>
+            <a:ext cx="1149758" cy="10515"/>
           </a:xfrm>
           <a:prstGeom prst="straightConnector1">
             <a:avLst/>
@@ -15332,13 +14137,13 @@
         </p:spPr>
         <p:style>
           <a:lnRef idx="3">
-            <a:schemeClr val="accent1"/>
+            <a:schemeClr val="accent2"/>
           </a:lnRef>
           <a:fillRef idx="0">
-            <a:schemeClr val="accent1"/>
+            <a:schemeClr val="accent2"/>
           </a:fillRef>
           <a:effectRef idx="2">
-            <a:schemeClr val="accent1"/>
+            <a:schemeClr val="accent2"/>
           </a:effectRef>
           <a:fontRef idx="minor">
             <a:schemeClr val="tx1"/>
@@ -15356,15 +14161,15 @@
           </p:cNvPr>
           <p:cNvCxnSpPr>
             <a:cxnSpLocks/>
-            <a:stCxn id="14" idx="2"/>
-            <a:endCxn id="11" idx="6"/>
+            <a:stCxn id="11" idx="6"/>
+            <a:endCxn id="14" idx="2"/>
           </p:cNvCxnSpPr>
           <p:nvPr/>
         </p:nvCxnSpPr>
         <p:spPr>
-          <a:xfrm flipH="1">
-            <a:off x="2989308" y="3093741"/>
-            <a:ext cx="1464497" cy="0"/>
+          <a:xfrm>
+            <a:off x="3042792" y="3114545"/>
+            <a:ext cx="1411010" cy="0"/>
           </a:xfrm>
           <a:prstGeom prst="straightConnector1">
             <a:avLst/>
@@ -15375,13 +14180,13 @@
         </p:spPr>
         <p:style>
           <a:lnRef idx="3">
-            <a:schemeClr val="accent1"/>
+            <a:schemeClr val="accent2"/>
           </a:lnRef>
           <a:fillRef idx="0">
-            <a:schemeClr val="accent1"/>
+            <a:schemeClr val="accent2"/>
           </a:fillRef>
           <a:effectRef idx="2">
-            <a:schemeClr val="accent1"/>
+            <a:schemeClr val="accent2"/>
           </a:effectRef>
           <a:fontRef idx="minor">
             <a:schemeClr val="tx1"/>
@@ -15390,38 +14195,6 @@
       </p:cxnSp>
       <p:sp>
         <p:nvSpPr>
-          <p:cNvPr id="33" name="文本框 32">
-            <a:extLst>
-              <a:ext uri="{FF2B5EF4-FFF2-40B4-BE49-F238E27FC236}">
-                <a16:creationId xmlns:a16="http://schemas.microsoft.com/office/drawing/2014/main" id="{09CBDA21-04B1-C84B-8BF2-ADAB7D7BFB6A}"/>
-              </a:ext>
-            </a:extLst>
-          </p:cNvPr>
-          <p:cNvSpPr txBox="1"/>
-          <p:nvPr/>
-        </p:nvSpPr>
-        <p:spPr>
-          <a:xfrm>
-            <a:off x="4560125" y="2375065"/>
-            <a:ext cx="184731" cy="369332"/>
-          </a:xfrm>
-          <a:prstGeom prst="rect">
-            <a:avLst/>
-          </a:prstGeom>
-          <a:noFill/>
-        </p:spPr>
-        <p:txBody>
-          <a:bodyPr wrap="none" rtlCol="0">
-            <a:spAutoFit/>
-          </a:bodyPr>
-          <a:lstStyle/>
-          <a:p>
-            <a:endParaRPr kumimoji="1" lang="zh-CN" altLang="en-US" dirty="0"/>
-          </a:p>
-        </p:txBody>
-      </p:sp>
-      <p:sp>
-        <p:nvSpPr>
           <p:cNvPr id="78" name="椭圆 77">
             <a:extLst>
               <a:ext uri="{FF2B5EF4-FFF2-40B4-BE49-F238E27FC236}">
@@ -15434,8 +14207,8 @@
         </p:nvSpPr>
         <p:spPr>
           <a:xfrm>
-            <a:off x="8208071" y="2816030"/>
-            <a:ext cx="522514" cy="534389"/>
+            <a:off x="8208069" y="2816029"/>
+            <a:ext cx="576000" cy="576000"/>
           </a:xfrm>
           <a:prstGeom prst="ellipse">
             <a:avLst/>
@@ -15463,10 +14236,10 @@
           <a:p>
             <a:pPr algn="ctr"/>
             <a:r>
-              <a:rPr kumimoji="1" lang="en-US" altLang="zh-CN" dirty="0"/>
-              <a:t>H</a:t>
-            </a:r>
-            <a:endParaRPr kumimoji="1" lang="zh-CN" altLang="en-US" dirty="0"/>
+              <a:rPr kumimoji="1" lang="en-US" altLang="zh-CN" sz="1400" dirty="0"/>
+              <a:t>H9</a:t>
+            </a:r>
+            <a:endParaRPr kumimoji="1" lang="zh-CN" altLang="en-US" sz="1400" dirty="0"/>
           </a:p>
         </p:txBody>
       </p:sp>
@@ -15484,8 +14257,8 @@
         </p:nvSpPr>
         <p:spPr>
           <a:xfrm>
-            <a:off x="6179560" y="4355569"/>
-            <a:ext cx="522514" cy="534389"/>
+            <a:off x="6179560" y="4355568"/>
+            <a:ext cx="576000" cy="576000"/>
           </a:xfrm>
           <a:prstGeom prst="ellipse">
             <a:avLst/>
@@ -15513,10 +14286,10 @@
           <a:p>
             <a:pPr algn="ctr"/>
             <a:r>
-              <a:rPr kumimoji="1" lang="en-US" altLang="zh-CN" dirty="0"/>
-              <a:t>J</a:t>
-            </a:r>
-            <a:endParaRPr kumimoji="1" lang="zh-CN" altLang="en-US" dirty="0"/>
+              <a:rPr kumimoji="1" lang="en-US" altLang="zh-CN" sz="1600" dirty="0"/>
+              <a:t>J8</a:t>
+            </a:r>
+            <a:endParaRPr kumimoji="1" lang="zh-CN" altLang="en-US" sz="1600" dirty="0"/>
           </a:p>
         </p:txBody>
       </p:sp>
@@ -15534,8 +14307,8 @@
         </p:nvSpPr>
         <p:spPr>
           <a:xfrm>
-            <a:off x="8208071" y="4355569"/>
-            <a:ext cx="522514" cy="534389"/>
+            <a:off x="8208069" y="4355568"/>
+            <a:ext cx="576000" cy="576000"/>
           </a:xfrm>
           <a:prstGeom prst="ellipse">
             <a:avLst/>
@@ -15563,10 +14336,10 @@
           <a:p>
             <a:pPr algn="ctr"/>
             <a:r>
-              <a:rPr kumimoji="1" lang="en-US" altLang="zh-CN" dirty="0"/>
-              <a:t>I</a:t>
-            </a:r>
-            <a:endParaRPr kumimoji="1" lang="zh-CN" altLang="en-US" dirty="0"/>
+              <a:rPr kumimoji="1" lang="en-US" altLang="zh-CN" sz="1600" dirty="0"/>
+              <a:t>I7</a:t>
+            </a:r>
+            <a:endParaRPr kumimoji="1" lang="zh-CN" altLang="en-US" sz="1600" dirty="0"/>
           </a:p>
         </p:txBody>
       </p:sp>
@@ -15581,15 +14354,15 @@
           </p:cNvPr>
           <p:cNvCxnSpPr>
             <a:cxnSpLocks/>
-            <a:stCxn id="81" idx="6"/>
-            <a:endCxn id="82" idx="2"/>
+            <a:stCxn id="82" idx="2"/>
+            <a:endCxn id="81" idx="6"/>
           </p:cNvCxnSpPr>
           <p:nvPr/>
         </p:nvCxnSpPr>
         <p:spPr>
-          <a:xfrm>
-            <a:off x="6702074" y="4622764"/>
-            <a:ext cx="1505997" cy="0"/>
+          <a:xfrm flipH="1">
+            <a:off x="6755560" y="4643568"/>
+            <a:ext cx="1452509" cy="0"/>
           </a:xfrm>
           <a:prstGeom prst="straightConnector1">
             <a:avLst/>
@@ -15600,13 +14373,13 @@
         </p:spPr>
         <p:style>
           <a:lnRef idx="3">
-            <a:schemeClr val="accent1"/>
+            <a:schemeClr val="accent2"/>
           </a:lnRef>
           <a:fillRef idx="0">
-            <a:schemeClr val="accent1"/>
+            <a:schemeClr val="accent2"/>
           </a:fillRef>
           <a:effectRef idx="2">
-            <a:schemeClr val="accent1"/>
+            <a:schemeClr val="accent2"/>
           </a:effectRef>
           <a:fontRef idx="minor">
             <a:schemeClr val="tx1"/>
@@ -15624,15 +14397,15 @@
           </p:cNvPr>
           <p:cNvCxnSpPr>
             <a:cxnSpLocks/>
-            <a:stCxn id="7" idx="4"/>
-            <a:endCxn id="14" idx="0"/>
+            <a:stCxn id="13" idx="1"/>
+            <a:endCxn id="7" idx="5"/>
           </p:cNvCxnSpPr>
           <p:nvPr/>
         </p:nvCxnSpPr>
         <p:spPr>
-          <a:xfrm>
-            <a:off x="4715061" y="1803242"/>
-            <a:ext cx="1" cy="1023304"/>
+          <a:xfrm flipH="1" flipV="1">
+            <a:off x="4945449" y="1760499"/>
+            <a:ext cx="1318464" cy="1139884"/>
           </a:xfrm>
           <a:prstGeom prst="straightConnector1">
             <a:avLst/>
@@ -15643,13 +14416,13 @@
         </p:spPr>
         <p:style>
           <a:lnRef idx="3">
-            <a:schemeClr val="accent1"/>
+            <a:schemeClr val="accent2"/>
           </a:lnRef>
           <a:fillRef idx="0">
-            <a:schemeClr val="accent1"/>
+            <a:schemeClr val="accent2"/>
           </a:fillRef>
           <a:effectRef idx="2">
-            <a:schemeClr val="accent1"/>
+            <a:schemeClr val="accent2"/>
           </a:effectRef>
           <a:fontRef idx="minor">
             <a:schemeClr val="tx1"/>
@@ -15667,15 +14440,15 @@
           </p:cNvPr>
           <p:cNvCxnSpPr>
             <a:cxnSpLocks/>
-            <a:stCxn id="78" idx="2"/>
-            <a:endCxn id="13" idx="6"/>
+            <a:stCxn id="13" idx="6"/>
+            <a:endCxn id="78" idx="2"/>
           </p:cNvCxnSpPr>
           <p:nvPr/>
         </p:nvCxnSpPr>
         <p:spPr>
-          <a:xfrm flipH="1">
-            <a:off x="6702074" y="3083225"/>
-            <a:ext cx="1505997" cy="1"/>
+          <a:xfrm flipV="1">
+            <a:off x="6755560" y="3104029"/>
+            <a:ext cx="1452509" cy="1"/>
           </a:xfrm>
           <a:prstGeom prst="straightConnector1">
             <a:avLst/>
@@ -15686,13 +14459,13 @@
         </p:spPr>
         <p:style>
           <a:lnRef idx="3">
-            <a:schemeClr val="accent1"/>
+            <a:schemeClr val="accent2"/>
           </a:lnRef>
           <a:fillRef idx="0">
-            <a:schemeClr val="accent1"/>
+            <a:schemeClr val="accent2"/>
           </a:fillRef>
           <a:effectRef idx="2">
-            <a:schemeClr val="accent1"/>
+            <a:schemeClr val="accent2"/>
           </a:effectRef>
           <a:fontRef idx="minor">
             <a:schemeClr val="tx1"/>
@@ -15702,7 +14475,7 @@
     </p:spTree>
     <p:extLst>
       <p:ext uri="{BB962C8B-B14F-4D97-AF65-F5344CB8AC3E}">
-        <p14:creationId xmlns:p14="http://schemas.microsoft.com/office/powerpoint/2010/main" val="3603561066"/>
+        <p14:creationId xmlns:p14="http://schemas.microsoft.com/office/powerpoint/2010/main" val="81067961"/>
       </p:ext>
     </p:extLst>
   </p:cSld>

--- a/Assets/visualization.pptx
+++ b/Assets/visualization.pptx
@@ -13479,17 +13479,17 @@
           <a:p>
             <a:pPr algn="ctr"/>
             <a:r>
-              <a:rPr kumimoji="1" lang="en-US" altLang="zh-CN" sz="1400" b="1" dirty="0"/>
+              <a:rPr kumimoji="1" lang="en-US" altLang="zh-CN" sz="1400" dirty="0"/>
               <a:t>G</a:t>
             </a:r>
           </a:p>
           <a:p>
             <a:pPr algn="ctr"/>
             <a:r>
-              <a:rPr kumimoji="1" lang="en-US" altLang="zh-CN" sz="1400" b="1" dirty="0"/>
+              <a:rPr kumimoji="1" lang="en-US" altLang="zh-CN" sz="1400" dirty="0"/>
               <a:t>10</a:t>
             </a:r>
-            <a:endParaRPr kumimoji="1" lang="zh-CN" altLang="en-US" sz="1400" b="1" dirty="0"/>
+            <a:endParaRPr kumimoji="1" lang="zh-CN" altLang="en-US" sz="1400" dirty="0"/>
           </a:p>
         </p:txBody>
       </p:sp>

--- a/Assets/visualization.pptx
+++ b/Assets/visualization.pptx
@@ -290,7 +290,7 @@
           <a:p>
             <a:fld id="{D548B4E7-F4DF-F444-89BE-160B951A6CB8}" type="datetimeFigureOut">
               <a:rPr kumimoji="1" lang="zh-CN" altLang="en-US" smtClean="0"/>
-              <a:t>2020/12/14</a:t>
+              <a:t>2020/12/17</a:t>
             </a:fld>
             <a:endParaRPr kumimoji="1" lang="zh-CN" altLang="en-US"/>
           </a:p>
@@ -488,7 +488,7 @@
           <a:p>
             <a:fld id="{D548B4E7-F4DF-F444-89BE-160B951A6CB8}" type="datetimeFigureOut">
               <a:rPr kumimoji="1" lang="zh-CN" altLang="en-US" smtClean="0"/>
-              <a:t>2020/12/14</a:t>
+              <a:t>2020/12/17</a:t>
             </a:fld>
             <a:endParaRPr kumimoji="1" lang="zh-CN" altLang="en-US"/>
           </a:p>
@@ -696,7 +696,7 @@
           <a:p>
             <a:fld id="{D548B4E7-F4DF-F444-89BE-160B951A6CB8}" type="datetimeFigureOut">
               <a:rPr kumimoji="1" lang="zh-CN" altLang="en-US" smtClean="0"/>
-              <a:t>2020/12/14</a:t>
+              <a:t>2020/12/17</a:t>
             </a:fld>
             <a:endParaRPr kumimoji="1" lang="zh-CN" altLang="en-US"/>
           </a:p>
@@ -894,7 +894,7 @@
           <a:p>
             <a:fld id="{D548B4E7-F4DF-F444-89BE-160B951A6CB8}" type="datetimeFigureOut">
               <a:rPr kumimoji="1" lang="zh-CN" altLang="en-US" smtClean="0"/>
-              <a:t>2020/12/14</a:t>
+              <a:t>2020/12/17</a:t>
             </a:fld>
             <a:endParaRPr kumimoji="1" lang="zh-CN" altLang="en-US"/>
           </a:p>
@@ -1169,7 +1169,7 @@
           <a:p>
             <a:fld id="{D548B4E7-F4DF-F444-89BE-160B951A6CB8}" type="datetimeFigureOut">
               <a:rPr kumimoji="1" lang="zh-CN" altLang="en-US" smtClean="0"/>
-              <a:t>2020/12/14</a:t>
+              <a:t>2020/12/17</a:t>
             </a:fld>
             <a:endParaRPr kumimoji="1" lang="zh-CN" altLang="en-US"/>
           </a:p>
@@ -1434,7 +1434,7 @@
           <a:p>
             <a:fld id="{D548B4E7-F4DF-F444-89BE-160B951A6CB8}" type="datetimeFigureOut">
               <a:rPr kumimoji="1" lang="zh-CN" altLang="en-US" smtClean="0"/>
-              <a:t>2020/12/14</a:t>
+              <a:t>2020/12/17</a:t>
             </a:fld>
             <a:endParaRPr kumimoji="1" lang="zh-CN" altLang="en-US"/>
           </a:p>
@@ -1846,7 +1846,7 @@
           <a:p>
             <a:fld id="{D548B4E7-F4DF-F444-89BE-160B951A6CB8}" type="datetimeFigureOut">
               <a:rPr kumimoji="1" lang="zh-CN" altLang="en-US" smtClean="0"/>
-              <a:t>2020/12/14</a:t>
+              <a:t>2020/12/17</a:t>
             </a:fld>
             <a:endParaRPr kumimoji="1" lang="zh-CN" altLang="en-US"/>
           </a:p>
@@ -2002,7 +2002,7 @@
           <a:p>
             <a:fld id="{D548B4E7-F4DF-F444-89BE-160B951A6CB8}" type="datetimeFigureOut">
               <a:rPr kumimoji="1" lang="zh-CN" altLang="en-US" smtClean="0"/>
-              <a:t>2020/12/14</a:t>
+              <a:t>2020/12/17</a:t>
             </a:fld>
             <a:endParaRPr kumimoji="1" lang="zh-CN" altLang="en-US"/>
           </a:p>
@@ -2115,7 +2115,7 @@
           <a:p>
             <a:fld id="{D548B4E7-F4DF-F444-89BE-160B951A6CB8}" type="datetimeFigureOut">
               <a:rPr kumimoji="1" lang="zh-CN" altLang="en-US" smtClean="0"/>
-              <a:t>2020/12/14</a:t>
+              <a:t>2020/12/17</a:t>
             </a:fld>
             <a:endParaRPr kumimoji="1" lang="zh-CN" altLang="en-US"/>
           </a:p>
@@ -2426,7 +2426,7 @@
           <a:p>
             <a:fld id="{D548B4E7-F4DF-F444-89BE-160B951A6CB8}" type="datetimeFigureOut">
               <a:rPr kumimoji="1" lang="zh-CN" altLang="en-US" smtClean="0"/>
-              <a:t>2020/12/14</a:t>
+              <a:t>2020/12/17</a:t>
             </a:fld>
             <a:endParaRPr kumimoji="1" lang="zh-CN" altLang="en-US"/>
           </a:p>
@@ -2714,7 +2714,7 @@
           <a:p>
             <a:fld id="{D548B4E7-F4DF-F444-89BE-160B951A6CB8}" type="datetimeFigureOut">
               <a:rPr kumimoji="1" lang="zh-CN" altLang="en-US" smtClean="0"/>
-              <a:t>2020/12/14</a:t>
+              <a:t>2020/12/17</a:t>
             </a:fld>
             <a:endParaRPr kumimoji="1" lang="zh-CN" altLang="en-US"/>
           </a:p>
@@ -2948,7 +2948,7 @@
           <a:p>
             <a:fld id="{D548B4E7-F4DF-F444-89BE-160B951A6CB8}" type="datetimeFigureOut">
               <a:rPr kumimoji="1" lang="zh-CN" altLang="en-US" smtClean="0"/>
-              <a:t>2020/12/14</a:t>
+              <a:t>2020/12/17</a:t>
             </a:fld>
             <a:endParaRPr kumimoji="1" lang="zh-CN" altLang="en-US"/>
           </a:p>
@@ -3452,26 +3452,13 @@
           <a:lstStyle/>
           <a:p>
             <a:r>
-              <a:rPr kumimoji="1" lang="en-US" altLang="zh-CN" b="1" dirty="0">
+              <a:rPr kumimoji="1" lang="zh-CN" altLang="en-US" b="1" dirty="0">
                 <a:solidFill>
                   <a:srgbClr val="0070C0"/>
                 </a:solidFill>
               </a:rPr>
-              <a:t>Tree</a:t>
-            </a:r>
-            <a:r>
-              <a:rPr kumimoji="1" lang="en-US" altLang="zh-CN" dirty="0">
-                <a:solidFill>
-                  <a:srgbClr val="0070C0"/>
-                </a:solidFill>
-              </a:rPr>
-              <a:t>-Red Black Tree</a:t>
-            </a:r>
-            <a:endParaRPr kumimoji="1" lang="zh-CN" altLang="en-US" dirty="0">
-              <a:solidFill>
-                <a:srgbClr val="0070C0"/>
-              </a:solidFill>
-            </a:endParaRPr>
+              <a:t>红黑树</a:t>
+            </a:r>
           </a:p>
         </p:txBody>
       </p:sp>

--- a/Assets/visualization.pptx
+++ b/Assets/visualization.pptx
@@ -26348,7 +26348,7 @@
                   <a:schemeClr val="accent1"/>
                 </a:solidFill>
               </a:rPr>
-              <a:t>一棵树</a:t>
+              <a:t>树模型</a:t>
             </a:r>
           </a:p>
         </p:txBody>
